--- a/Presentations/2024_COPERF_Informatique.pptx
+++ b/Presentations/2024_COPERF_Informatique.pptx
@@ -5,30 +5,27 @@
     <p:sldMasterId id="2147483711" r:id="rId1"/>
   </p:sldMasterIdLst>
   <p:notesMasterIdLst>
-    <p:notesMasterId r:id="rId23"/>
+    <p:notesMasterId r:id="rId20"/>
   </p:notesMasterIdLst>
   <p:sldIdLst>
     <p:sldId id="256" r:id="rId2"/>
-    <p:sldId id="335" r:id="rId3"/>
+    <p:sldId id="328" r:id="rId3"/>
     <p:sldId id="334" r:id="rId4"/>
     <p:sldId id="329" r:id="rId5"/>
     <p:sldId id="336" r:id="rId6"/>
     <p:sldId id="343" r:id="rId7"/>
     <p:sldId id="344" r:id="rId8"/>
     <p:sldId id="345" r:id="rId9"/>
-    <p:sldId id="346" r:id="rId10"/>
-    <p:sldId id="342" r:id="rId11"/>
-    <p:sldId id="337" r:id="rId12"/>
-    <p:sldId id="332" r:id="rId13"/>
-    <p:sldId id="348" r:id="rId14"/>
-    <p:sldId id="341" r:id="rId15"/>
-    <p:sldId id="322" r:id="rId16"/>
-    <p:sldId id="326" r:id="rId17"/>
-    <p:sldId id="349" r:id="rId18"/>
-    <p:sldId id="338" r:id="rId19"/>
-    <p:sldId id="347" r:id="rId20"/>
-    <p:sldId id="281" r:id="rId21"/>
-    <p:sldId id="328" r:id="rId22"/>
+    <p:sldId id="337" r:id="rId10"/>
+    <p:sldId id="332" r:id="rId11"/>
+    <p:sldId id="341" r:id="rId12"/>
+    <p:sldId id="322" r:id="rId13"/>
+    <p:sldId id="326" r:id="rId14"/>
+    <p:sldId id="349" r:id="rId15"/>
+    <p:sldId id="338" r:id="rId16"/>
+    <p:sldId id="347" r:id="rId17"/>
+    <p:sldId id="281" r:id="rId18"/>
+    <p:sldId id="350" r:id="rId19"/>
   </p:sldIdLst>
   <p:sldSz cx="12192000" cy="6858000"/>
   <p:notesSz cx="6858000" cy="9144000"/>
@@ -729,7 +726,7 @@
                       </c:ext>
                     </c:extLst>
                     <c:numCache>
-                      <c:formatCode>0%</c:formatCode>
+                      <c:formatCode>General</c:formatCode>
                       <c:ptCount val="4"/>
                     </c:numCache>
                   </c:numRef>
@@ -2867,7 +2864,7 @@
           <a:p>
             <a:fld id="{7C2ED78D-DC5F-4349-9BB1-6BA0129AAA21}" type="datetimeFigureOut">
               <a:rPr lang="fr-FR" smtClean="0"/>
-              <a:t>20/05/2024</a:t>
+              <a:t>21/05/2024</a:t>
             </a:fld>
             <a:endParaRPr lang="fr-FR"/>
           </a:p>
@@ -3199,7 +3196,7 @@
           <a:p>
             <a:fld id="{058856BD-585A-4EDF-983C-7898DC302652}" type="slidenum">
               <a:rPr lang="fr-FR" smtClean="0"/>
-              <a:t>14</a:t>
+              <a:t>2</a:t>
             </a:fld>
             <a:endParaRPr lang="fr-FR"/>
           </a:p>
@@ -3208,7 +3205,7 @@
     </p:spTree>
     <p:extLst>
       <p:ext uri="{BB962C8B-B14F-4D97-AF65-F5344CB8AC3E}">
-        <p14:creationId xmlns:p14="http://schemas.microsoft.com/office/powerpoint/2010/main" val="2945749649"/>
+        <p14:creationId xmlns:p14="http://schemas.microsoft.com/office/powerpoint/2010/main" val="1516632416"/>
       </p:ext>
     </p:extLst>
   </p:cSld>
@@ -3283,7 +3280,7 @@
           <a:p>
             <a:fld id="{058856BD-585A-4EDF-983C-7898DC302652}" type="slidenum">
               <a:rPr lang="fr-FR" smtClean="0"/>
-              <a:t>15</a:t>
+              <a:t>11</a:t>
             </a:fld>
             <a:endParaRPr lang="fr-FR"/>
           </a:p>
@@ -3292,7 +3289,7 @@
     </p:spTree>
     <p:extLst>
       <p:ext uri="{BB962C8B-B14F-4D97-AF65-F5344CB8AC3E}">
-        <p14:creationId xmlns:p14="http://schemas.microsoft.com/office/powerpoint/2010/main" val="2720982958"/>
+        <p14:creationId xmlns:p14="http://schemas.microsoft.com/office/powerpoint/2010/main" val="2945749649"/>
       </p:ext>
     </p:extLst>
   </p:cSld>
@@ -3367,7 +3364,7 @@
           <a:p>
             <a:fld id="{058856BD-585A-4EDF-983C-7898DC302652}" type="slidenum">
               <a:rPr lang="fr-FR" smtClean="0"/>
-              <a:t>21</a:t>
+              <a:t>12</a:t>
             </a:fld>
             <a:endParaRPr lang="fr-FR"/>
           </a:p>
@@ -3376,7 +3373,91 @@
     </p:spTree>
     <p:extLst>
       <p:ext uri="{BB962C8B-B14F-4D97-AF65-F5344CB8AC3E}">
-        <p14:creationId xmlns:p14="http://schemas.microsoft.com/office/powerpoint/2010/main" val="1516632416"/>
+        <p14:creationId xmlns:p14="http://schemas.microsoft.com/office/powerpoint/2010/main" val="2720982958"/>
+      </p:ext>
+    </p:extLst>
+  </p:cSld>
+  <p:clrMapOvr>
+    <a:masterClrMapping/>
+  </p:clrMapOvr>
+</p:notes>
+</file>
+
+<file path=ppt/notesSlides/notesSlide4.xml><?xml version="1.0" encoding="utf-8"?>
+<p:notes xmlns:a="http://schemas.openxmlformats.org/drawingml/2006/main" xmlns:r="http://schemas.openxmlformats.org/officeDocument/2006/relationships" xmlns:p="http://schemas.openxmlformats.org/presentationml/2006/main">
+  <p:cSld>
+    <p:spTree>
+      <p:nvGrpSpPr>
+        <p:cNvPr id="1" name=""/>
+        <p:cNvGrpSpPr/>
+        <p:nvPr/>
+      </p:nvGrpSpPr>
+      <p:grpSpPr>
+        <a:xfrm>
+          <a:off x="0" y="0"/>
+          <a:ext cx="0" cy="0"/>
+          <a:chOff x="0" y="0"/>
+          <a:chExt cx="0" cy="0"/>
+        </a:xfrm>
+      </p:grpSpPr>
+      <p:sp>
+        <p:nvSpPr>
+          <p:cNvPr id="2" name="Espace réservé de l'image des diapositives 1"/>
+          <p:cNvSpPr>
+            <a:spLocks noGrp="1" noRot="1" noChangeAspect="1"/>
+          </p:cNvSpPr>
+          <p:nvPr>
+            <p:ph type="sldImg"/>
+          </p:nvPr>
+        </p:nvSpPr>
+        <p:spPr/>
+      </p:sp>
+      <p:sp>
+        <p:nvSpPr>
+          <p:cNvPr id="3" name="Espace réservé des notes 2"/>
+          <p:cNvSpPr>
+            <a:spLocks noGrp="1"/>
+          </p:cNvSpPr>
+          <p:nvPr>
+            <p:ph type="body" idx="1"/>
+          </p:nvPr>
+        </p:nvSpPr>
+        <p:spPr/>
+        <p:txBody>
+          <a:bodyPr/>
+          <a:lstStyle/>
+          <a:p>
+            <a:endParaRPr lang="fr-FR" dirty="0"/>
+          </a:p>
+        </p:txBody>
+      </p:sp>
+      <p:sp>
+        <p:nvSpPr>
+          <p:cNvPr id="4" name="Espace réservé du numéro de diapositive 3"/>
+          <p:cNvSpPr>
+            <a:spLocks noGrp="1"/>
+          </p:cNvSpPr>
+          <p:nvPr>
+            <p:ph type="sldNum" sz="quarter" idx="5"/>
+          </p:nvPr>
+        </p:nvSpPr>
+        <p:spPr/>
+        <p:txBody>
+          <a:bodyPr/>
+          <a:lstStyle/>
+          <a:p>
+            <a:fld id="{058856BD-585A-4EDF-983C-7898DC302652}" type="slidenum">
+              <a:rPr lang="fr-FR" smtClean="0"/>
+              <a:t>18</a:t>
+            </a:fld>
+            <a:endParaRPr lang="fr-FR"/>
+          </a:p>
+        </p:txBody>
+      </p:sp>
+    </p:spTree>
+    <p:extLst>
+      <p:ext uri="{BB962C8B-B14F-4D97-AF65-F5344CB8AC3E}">
+        <p14:creationId xmlns:p14="http://schemas.microsoft.com/office/powerpoint/2010/main" val="3428267959"/>
       </p:ext>
     </p:extLst>
   </p:cSld>
@@ -3542,7 +3623,7 @@
           <a:p>
             <a:fld id="{02AC24A9-CCB6-4F8D-B8DB-C2F3692CFA5A}" type="datetimeFigureOut">
               <a:rPr lang="en-US" smtClean="0"/>
-              <a:t>5/20/2024</a:t>
+              <a:t>5/21/2024</a:t>
             </a:fld>
             <a:endParaRPr lang="en-US" dirty="0"/>
           </a:p>
@@ -3912,7 +3993,7 @@
           <a:p>
             <a:fld id="{02AC24A9-CCB6-4F8D-B8DB-C2F3692CFA5A}" type="datetimeFigureOut">
               <a:rPr lang="en-US" smtClean="0"/>
-              <a:t>5/20/2024</a:t>
+              <a:t>5/21/2024</a:t>
             </a:fld>
             <a:endParaRPr lang="en-US"/>
           </a:p>
@@ -4121,7 +4202,7 @@
           <a:p>
             <a:fld id="{02AC24A9-CCB6-4F8D-B8DB-C2F3692CFA5A}" type="datetimeFigureOut">
               <a:rPr lang="en-US" smtClean="0"/>
-              <a:t>5/20/2024</a:t>
+              <a:t>5/21/2024</a:t>
             </a:fld>
             <a:endParaRPr lang="en-US"/>
           </a:p>
@@ -4591,7 +4672,7 @@
           <a:p>
             <a:fld id="{02AC24A9-CCB6-4F8D-B8DB-C2F3692CFA5A}" type="datetimeFigureOut">
               <a:rPr lang="en-US" smtClean="0"/>
-              <a:t>5/20/2024</a:t>
+              <a:t>5/21/2024</a:t>
             </a:fld>
             <a:endParaRPr lang="en-US"/>
           </a:p>
@@ -5045,7 +5126,7 @@
           <a:p>
             <a:fld id="{02AC24A9-CCB6-4F8D-B8DB-C2F3692CFA5A}" type="datetimeFigureOut">
               <a:rPr lang="en-US" smtClean="0"/>
-              <a:t>5/20/2024</a:t>
+              <a:t>5/21/2024</a:t>
             </a:fld>
             <a:endParaRPr lang="en-US"/>
           </a:p>
@@ -5577,7 +5658,7 @@
           <a:p>
             <a:fld id="{02AC24A9-CCB6-4F8D-B8DB-C2F3692CFA5A}" type="datetimeFigureOut">
               <a:rPr lang="en-US" smtClean="0"/>
-              <a:t>5/20/2024</a:t>
+              <a:t>5/21/2024</a:t>
             </a:fld>
             <a:endParaRPr lang="en-US"/>
           </a:p>
@@ -6276,7 +6357,7 @@
           <a:p>
             <a:fld id="{02AC24A9-CCB6-4F8D-B8DB-C2F3692CFA5A}" type="datetimeFigureOut">
               <a:rPr lang="en-US" smtClean="0"/>
-              <a:t>5/20/2024</a:t>
+              <a:t>5/21/2024</a:t>
             </a:fld>
             <a:endParaRPr lang="en-US"/>
           </a:p>
@@ -6605,7 +6686,7 @@
           <a:p>
             <a:fld id="{02AC24A9-CCB6-4F8D-B8DB-C2F3692CFA5A}" type="datetimeFigureOut">
               <a:rPr lang="en-US" smtClean="0"/>
-              <a:t>5/20/2024</a:t>
+              <a:t>5/21/2024</a:t>
             </a:fld>
             <a:endParaRPr lang="en-US"/>
           </a:p>
@@ -6718,7 +6799,7 @@
           <a:p>
             <a:fld id="{02AC24A9-CCB6-4F8D-B8DB-C2F3692CFA5A}" type="datetimeFigureOut">
               <a:rPr lang="en-US" smtClean="0"/>
-              <a:t>5/20/2024</a:t>
+              <a:t>5/21/2024</a:t>
             </a:fld>
             <a:endParaRPr lang="en-US"/>
           </a:p>
@@ -7213,7 +7294,7 @@
           <a:p>
             <a:fld id="{02AC24A9-CCB6-4F8D-B8DB-C2F3692CFA5A}" type="datetimeFigureOut">
               <a:rPr lang="en-US" smtClean="0"/>
-              <a:t>5/20/2024</a:t>
+              <a:t>5/21/2024</a:t>
             </a:fld>
             <a:endParaRPr lang="en-US" dirty="0"/>
           </a:p>
@@ -7690,7 +7771,7 @@
           <a:p>
             <a:fld id="{02AC24A9-CCB6-4F8D-B8DB-C2F3692CFA5A}" type="datetimeFigureOut">
               <a:rPr lang="en-US" smtClean="0"/>
-              <a:t>5/20/2024</a:t>
+              <a:t>5/21/2024</a:t>
             </a:fld>
             <a:endParaRPr lang="en-US"/>
           </a:p>
@@ -7933,7 +8014,7 @@
           <a:p>
             <a:fld id="{02AC24A9-CCB6-4F8D-B8DB-C2F3692CFA5A}" type="datetimeFigureOut">
               <a:rPr lang="en-US" smtClean="0"/>
-              <a:t>5/20/2024</a:t>
+              <a:t>5/21/2024</a:t>
             </a:fld>
             <a:endParaRPr lang="en-US"/>
           </a:p>
@@ -8980,951 +9061,6 @@
         </p:spPr>
         <p:txBody>
           <a:bodyPr>
-            <a:normAutofit/>
-          </a:bodyPr>
-          <a:lstStyle>
-            <a:lvl1pPr algn="l" defTabSz="914400" rtl="0" eaLnBrk="1" latinLnBrk="0" hangingPunct="1">
-              <a:lnSpc>
-                <a:spcPct val="90000"/>
-              </a:lnSpc>
-              <a:spcBef>
-                <a:spcPct val="0"/>
-              </a:spcBef>
-              <a:buNone/>
-              <a:defRPr sz="4400" kern="1200">
-                <a:solidFill>
-                  <a:schemeClr val="tx1"/>
-                </a:solidFill>
-                <a:latin typeface="+mj-lt"/>
-                <a:ea typeface="+mj-ea"/>
-                <a:cs typeface="+mj-cs"/>
-              </a:defRPr>
-            </a:lvl1pPr>
-          </a:lstStyle>
-          <a:p>
-            <a:r>
-              <a:rPr lang="fr-FR" sz="3600" dirty="0"/>
-              <a:t>Constats</a:t>
-            </a:r>
-            <a:endParaRPr lang="fr-FR" sz="4000" dirty="0"/>
-          </a:p>
-        </p:txBody>
-      </p:sp>
-      <p:sp>
-        <p:nvSpPr>
-          <p:cNvPr id="7" name="Rectangle 6">
-            <a:extLst>
-              <a:ext uri="{FF2B5EF4-FFF2-40B4-BE49-F238E27FC236}">
-                <a16:creationId xmlns:a16="http://schemas.microsoft.com/office/drawing/2014/main" id="{E97ACAFF-7D28-E79D-9EB4-4FEEF5BB9613}"/>
-              </a:ext>
-            </a:extLst>
-          </p:cNvPr>
-          <p:cNvSpPr/>
-          <p:nvPr/>
-        </p:nvSpPr>
-        <p:spPr>
-          <a:xfrm>
-            <a:off x="619125" y="500258"/>
-            <a:ext cx="124142" cy="749808"/>
-          </a:xfrm>
-          <a:prstGeom prst="rect">
-            <a:avLst/>
-          </a:prstGeom>
-          <a:solidFill>
-            <a:srgbClr val="002060"/>
-          </a:solidFill>
-          <a:ln>
-            <a:noFill/>
-          </a:ln>
-        </p:spPr>
-        <p:style>
-          <a:lnRef idx="2">
-            <a:schemeClr val="accent1">
-              <a:shade val="15000"/>
-            </a:schemeClr>
-          </a:lnRef>
-          <a:fillRef idx="1">
-            <a:schemeClr val="accent1"/>
-          </a:fillRef>
-          <a:effectRef idx="0">
-            <a:schemeClr val="accent1"/>
-          </a:effectRef>
-          <a:fontRef idx="minor">
-            <a:schemeClr val="lt1"/>
-          </a:fontRef>
-        </p:style>
-        <p:txBody>
-          <a:bodyPr rtlCol="0" anchor="ctr"/>
-          <a:lstStyle/>
-          <a:p>
-            <a:pPr algn="ctr"/>
-            <a:endParaRPr lang="fr-FR"/>
-          </a:p>
-        </p:txBody>
-      </p:sp>
-      <p:pic>
-        <p:nvPicPr>
-          <p:cNvPr id="4" name="Image 3" descr="Une image contenant texte&#10;&#10;Description générée automatiquement">
-            <a:extLst>
-              <a:ext uri="{FF2B5EF4-FFF2-40B4-BE49-F238E27FC236}">
-                <a16:creationId xmlns:a16="http://schemas.microsoft.com/office/drawing/2014/main" id="{9BFF7F1D-2708-E366-DB38-F68C1FBD99DC}"/>
-              </a:ext>
-            </a:extLst>
-          </p:cNvPr>
-          <p:cNvPicPr>
-            <a:picLocks noChangeAspect="1"/>
-          </p:cNvPicPr>
-          <p:nvPr/>
-        </p:nvPicPr>
-        <p:blipFill>
-          <a:blip r:embed="rId2" cstate="print">
-            <a:extLst>
-              <a:ext uri="{28A0092B-C50C-407E-A947-70E740481C1C}">
-                <a14:useLocalDpi xmlns:a14="http://schemas.microsoft.com/office/drawing/2010/main" val="0"/>
-              </a:ext>
-            </a:extLst>
-          </a:blip>
-          <a:stretch>
-            <a:fillRect/>
-          </a:stretch>
-        </p:blipFill>
-        <p:spPr>
-          <a:xfrm>
-            <a:off x="9808481" y="509288"/>
-            <a:ext cx="1825291" cy="749808"/>
-          </a:xfrm>
-          <a:prstGeom prst="rect">
-            <a:avLst/>
-          </a:prstGeom>
-        </p:spPr>
-      </p:pic>
-      <p:sp>
-        <p:nvSpPr>
-          <p:cNvPr id="8" name="ZoneTexte 7">
-            <a:extLst>
-              <a:ext uri="{FF2B5EF4-FFF2-40B4-BE49-F238E27FC236}">
-                <a16:creationId xmlns:a16="http://schemas.microsoft.com/office/drawing/2014/main" id="{AE816332-F089-B3DD-8363-C12AF3A39975}"/>
-              </a:ext>
-            </a:extLst>
-          </p:cNvPr>
-          <p:cNvSpPr txBox="1"/>
-          <p:nvPr/>
-        </p:nvSpPr>
-        <p:spPr>
-          <a:xfrm>
-            <a:off x="743267" y="1798928"/>
-            <a:ext cx="8519032" cy="646331"/>
-          </a:xfrm>
-          <a:prstGeom prst="rect">
-            <a:avLst/>
-          </a:prstGeom>
-          <a:solidFill>
-            <a:srgbClr val="0070C0"/>
-          </a:solidFill>
-        </p:spPr>
-        <p:txBody>
-          <a:bodyPr wrap="square">
-            <a:spAutoFit/>
-          </a:bodyPr>
-          <a:lstStyle/>
-          <a:p>
-            <a:r>
-              <a:rPr lang="fr-FR" dirty="0">
-                <a:solidFill>
-                  <a:schemeClr val="bg1"/>
-                </a:solidFill>
-              </a:rPr>
-              <a:t>manque de temps pour l’analyse des phénomènes physiques dans les modules de traitements numériques (difficulté des étudiant.es à programmer)</a:t>
-            </a:r>
-          </a:p>
-        </p:txBody>
-      </p:sp>
-      <p:sp>
-        <p:nvSpPr>
-          <p:cNvPr id="11" name="ZoneTexte 10">
-            <a:extLst>
-              <a:ext uri="{FF2B5EF4-FFF2-40B4-BE49-F238E27FC236}">
-                <a16:creationId xmlns:a16="http://schemas.microsoft.com/office/drawing/2014/main" id="{EB9C5023-6734-70FA-3ACD-8A0491F7DA28}"/>
-              </a:ext>
-            </a:extLst>
-          </p:cNvPr>
-          <p:cNvSpPr txBox="1"/>
-          <p:nvPr/>
-        </p:nvSpPr>
-        <p:spPr>
-          <a:xfrm>
-            <a:off x="3324225" y="2624959"/>
-            <a:ext cx="6096000" cy="646331"/>
-          </a:xfrm>
-          <a:prstGeom prst="rect">
-            <a:avLst/>
-          </a:prstGeom>
-          <a:noFill/>
-        </p:spPr>
-        <p:txBody>
-          <a:bodyPr wrap="square">
-            <a:spAutoFit/>
-          </a:bodyPr>
-          <a:lstStyle/>
-          <a:p>
-            <a:r>
-              <a:rPr lang="fr-FR" dirty="0"/>
-              <a:t>s’approprier les outils numériques pour la simu / modélisation ou la résolution de problèmes physiques</a:t>
-            </a:r>
-          </a:p>
-        </p:txBody>
-      </p:sp>
-      <p:sp>
-        <p:nvSpPr>
-          <p:cNvPr id="14" name="ZoneTexte 13">
-            <a:extLst>
-              <a:ext uri="{FF2B5EF4-FFF2-40B4-BE49-F238E27FC236}">
-                <a16:creationId xmlns:a16="http://schemas.microsoft.com/office/drawing/2014/main" id="{28182C67-E9DD-01CE-7E71-BF2C0C6ECCE1}"/>
-              </a:ext>
-            </a:extLst>
-          </p:cNvPr>
-          <p:cNvSpPr txBox="1"/>
-          <p:nvPr/>
-        </p:nvSpPr>
-        <p:spPr>
-          <a:xfrm>
-            <a:off x="743267" y="3586711"/>
-            <a:ext cx="8519032" cy="646331"/>
-          </a:xfrm>
-          <a:prstGeom prst="rect">
-            <a:avLst/>
-          </a:prstGeom>
-          <a:solidFill>
-            <a:srgbClr val="002060"/>
-          </a:solidFill>
-        </p:spPr>
-        <p:txBody>
-          <a:bodyPr wrap="square">
-            <a:spAutoFit/>
-          </a:bodyPr>
-          <a:lstStyle/>
-          <a:p>
-            <a:r>
-              <a:rPr lang="fr-FR" dirty="0">
-                <a:solidFill>
-                  <a:schemeClr val="bg1"/>
-                </a:solidFill>
-              </a:rPr>
-              <a:t>manque de lien avec les nouvelles problématiques industrielles (ou de laboratoire)</a:t>
-            </a:r>
-          </a:p>
-        </p:txBody>
-      </p:sp>
-      <p:sp>
-        <p:nvSpPr>
-          <p:cNvPr id="16" name="ZoneTexte 15">
-            <a:extLst>
-              <a:ext uri="{FF2B5EF4-FFF2-40B4-BE49-F238E27FC236}">
-                <a16:creationId xmlns:a16="http://schemas.microsoft.com/office/drawing/2014/main" id="{9046F538-A098-9520-15E0-2C4C05586DF1}"/>
-              </a:ext>
-            </a:extLst>
-          </p:cNvPr>
-          <p:cNvSpPr txBox="1"/>
-          <p:nvPr/>
-        </p:nvSpPr>
-        <p:spPr>
-          <a:xfrm>
-            <a:off x="3324225" y="4397817"/>
-            <a:ext cx="6096000" cy="646331"/>
-          </a:xfrm>
-          <a:prstGeom prst="rect">
-            <a:avLst/>
-          </a:prstGeom>
-          <a:noFill/>
-        </p:spPr>
-        <p:txBody>
-          <a:bodyPr wrap="square">
-            <a:spAutoFit/>
-          </a:bodyPr>
-          <a:lstStyle/>
-          <a:p>
-            <a:r>
-              <a:rPr lang="fr-FR" dirty="0"/>
-              <a:t>pilotage de banc de mesures / acquisition de données / traitement de données / interfaçage </a:t>
-            </a:r>
-          </a:p>
-        </p:txBody>
-      </p:sp>
-      <p:sp>
-        <p:nvSpPr>
-          <p:cNvPr id="18" name="ZoneTexte 17">
-            <a:extLst>
-              <a:ext uri="{FF2B5EF4-FFF2-40B4-BE49-F238E27FC236}">
-                <a16:creationId xmlns:a16="http://schemas.microsoft.com/office/drawing/2014/main" id="{8A8256B6-BCF0-DD59-EE77-A1441148E3BA}"/>
-              </a:ext>
-            </a:extLst>
-          </p:cNvPr>
-          <p:cNvSpPr txBox="1"/>
-          <p:nvPr/>
-        </p:nvSpPr>
-        <p:spPr>
-          <a:xfrm>
-            <a:off x="3324225" y="5208923"/>
-            <a:ext cx="6096000" cy="646331"/>
-          </a:xfrm>
-          <a:prstGeom prst="rect">
-            <a:avLst/>
-          </a:prstGeom>
-          <a:noFill/>
-        </p:spPr>
-        <p:txBody>
-          <a:bodyPr wrap="square">
-            <a:spAutoFit/>
-          </a:bodyPr>
-          <a:lstStyle/>
-          <a:p>
-            <a:r>
-              <a:rPr lang="fr-FR" dirty="0"/>
-              <a:t>apprentissage par l’expérience dans des situations “complexes” proches de la vie professionnelle</a:t>
-            </a:r>
-          </a:p>
-        </p:txBody>
-      </p:sp>
-    </p:spTree>
-    <p:extLst>
-      <p:ext uri="{BB962C8B-B14F-4D97-AF65-F5344CB8AC3E}">
-        <p14:creationId xmlns:p14="http://schemas.microsoft.com/office/powerpoint/2010/main" val="2323928774"/>
-      </p:ext>
-    </p:extLst>
-  </p:cSld>
-  <p:clrMapOvr>
-    <a:masterClrMapping/>
-  </p:clrMapOvr>
-</p:sld>
-</file>
-
-<file path=ppt/slides/slide11.xml><?xml version="1.0" encoding="utf-8"?>
-<p:sld xmlns:a="http://schemas.openxmlformats.org/drawingml/2006/main" xmlns:r="http://schemas.openxmlformats.org/officeDocument/2006/relationships" xmlns:p="http://schemas.openxmlformats.org/presentationml/2006/main">
-  <p:cSld>
-    <p:bg>
-      <p:bgPr>
-        <a:solidFill>
-          <a:schemeClr val="bg1"/>
-        </a:solidFill>
-        <a:effectLst/>
-      </p:bgPr>
-    </p:bg>
-    <p:spTree>
-      <p:nvGrpSpPr>
-        <p:cNvPr id="1" name=""/>
-        <p:cNvGrpSpPr/>
-        <p:nvPr/>
-      </p:nvGrpSpPr>
-      <p:grpSpPr>
-        <a:xfrm>
-          <a:off x="0" y="0"/>
-          <a:ext cx="0" cy="0"/>
-          <a:chOff x="0" y="0"/>
-          <a:chExt cx="0" cy="0"/>
-        </a:xfrm>
-      </p:grpSpPr>
-      <p:sp useBgFill="1">
-        <p:nvSpPr>
-          <p:cNvPr id="9" name="Rectangle 8">
-            <a:extLst>
-              <a:ext uri="{FF2B5EF4-FFF2-40B4-BE49-F238E27FC236}">
-                <a16:creationId xmlns:a16="http://schemas.microsoft.com/office/drawing/2014/main" id="{526E0BFB-CDF1-4990-8C11-AC849311E0A8}"/>
-              </a:ext>
-              <a:ext uri="{C183D7F6-B498-43B3-948B-1728B52AA6E4}">
-                <adec:decorative xmlns:adec="http://schemas.microsoft.com/office/drawing/2017/decorative" val="1"/>
-              </a:ext>
-            </a:extLst>
-          </p:cNvPr>
-          <p:cNvSpPr>
-            <a:spLocks noGrp="1" noRot="1" noChangeAspect="1" noMove="1" noResize="1" noEditPoints="1" noAdjustHandles="1" noChangeArrowheads="1" noChangeShapeType="1" noTextEdit="1"/>
-          </p:cNvSpPr>
-          <p:nvPr>
-            <p:extLst>
-              <p:ext uri="{386F3935-93C4-4BCD-93E2-E3B085C9AB24}">
-                <p16:designElem xmlns:p16="http://schemas.microsoft.com/office/powerpoint/2015/main" val="1"/>
-              </p:ext>
-            </p:extLst>
-          </p:nvPr>
-        </p:nvSpPr>
-        <p:spPr>
-          <a:xfrm>
-            <a:off x="0" y="0"/>
-            <a:ext cx="12192000" cy="6858000"/>
-          </a:xfrm>
-          <a:prstGeom prst="rect">
-            <a:avLst/>
-          </a:prstGeom>
-          <a:ln>
-            <a:noFill/>
-          </a:ln>
-        </p:spPr>
-        <p:style>
-          <a:lnRef idx="2">
-            <a:schemeClr val="accent1">
-              <a:shade val="50000"/>
-            </a:schemeClr>
-          </a:lnRef>
-          <a:fillRef idx="1">
-            <a:schemeClr val="accent1"/>
-          </a:fillRef>
-          <a:effectRef idx="0">
-            <a:schemeClr val="accent1"/>
-          </a:effectRef>
-          <a:fontRef idx="minor">
-            <a:schemeClr val="lt1"/>
-          </a:fontRef>
-        </p:style>
-        <p:txBody>
-          <a:bodyPr rtlCol="0" anchor="ctr"/>
-          <a:lstStyle/>
-          <a:p>
-            <a:pPr algn="ctr"/>
-            <a:endParaRPr lang="en-US"/>
-          </a:p>
-        </p:txBody>
-      </p:sp>
-      <p:pic>
-        <p:nvPicPr>
-          <p:cNvPr id="4" name="Picture 3">
-            <a:extLst>
-              <a:ext uri="{FF2B5EF4-FFF2-40B4-BE49-F238E27FC236}">
-                <a16:creationId xmlns:a16="http://schemas.microsoft.com/office/drawing/2014/main" id="{4C72F330-992B-B125-739B-F8303ED3A097}"/>
-              </a:ext>
-            </a:extLst>
-          </p:cNvPr>
-          <p:cNvPicPr>
-            <a:picLocks noChangeAspect="1"/>
-          </p:cNvPicPr>
-          <p:nvPr/>
-        </p:nvPicPr>
-        <p:blipFill rotWithShape="1">
-          <a:blip r:embed="rId2"/>
-          <a:srcRect t="11669" r="-1" b="426"/>
-          <a:stretch/>
-        </p:blipFill>
-        <p:spPr>
-          <a:xfrm>
-            <a:off x="-2" y="10"/>
-            <a:ext cx="8668512" cy="6857990"/>
-          </a:xfrm>
-          <a:prstGeom prst="rect">
-            <a:avLst/>
-          </a:prstGeom>
-        </p:spPr>
-      </p:pic>
-      <p:sp>
-        <p:nvSpPr>
-          <p:cNvPr id="11" name="Rectangle 10">
-            <a:extLst>
-              <a:ext uri="{FF2B5EF4-FFF2-40B4-BE49-F238E27FC236}">
-                <a16:creationId xmlns:a16="http://schemas.microsoft.com/office/drawing/2014/main" id="{6069A1F8-9BEB-4786-9694-FC48B2D75D21}"/>
-              </a:ext>
-              <a:ext uri="{C183D7F6-B498-43B3-948B-1728B52AA6E4}">
-                <adec:decorative xmlns:adec="http://schemas.microsoft.com/office/drawing/2017/decorative" val="1"/>
-              </a:ext>
-            </a:extLst>
-          </p:cNvPr>
-          <p:cNvSpPr>
-            <a:spLocks noGrp="1" noRot="1" noChangeAspect="1" noMove="1" noResize="1" noEditPoints="1" noAdjustHandles="1" noChangeArrowheads="1" noChangeShapeType="1" noTextEdit="1"/>
-          </p:cNvSpPr>
-          <p:nvPr>
-            <p:extLst>
-              <p:ext uri="{386F3935-93C4-4BCD-93E2-E3B085C9AB24}">
-                <p16:designElem xmlns:p16="http://schemas.microsoft.com/office/powerpoint/2015/main" val="1"/>
-              </p:ext>
-            </p:extLst>
-          </p:nvPr>
-        </p:nvSpPr>
-        <p:spPr>
-          <a:xfrm flipH="1">
-            <a:off x="2788244" y="0"/>
-            <a:ext cx="9403756" cy="6858000"/>
-          </a:xfrm>
-          <a:prstGeom prst="rect">
-            <a:avLst/>
-          </a:prstGeom>
-          <a:gradFill>
-            <a:gsLst>
-              <a:gs pos="58000">
-                <a:schemeClr val="bg1"/>
-              </a:gs>
-              <a:gs pos="30000">
-                <a:schemeClr val="bg1">
-                  <a:alpha val="64000"/>
-                </a:schemeClr>
-              </a:gs>
-              <a:gs pos="0">
-                <a:schemeClr val="bg1">
-                  <a:alpha val="0"/>
-                </a:schemeClr>
-              </a:gs>
-              <a:gs pos="100000">
-                <a:schemeClr val="bg1"/>
-              </a:gs>
-            </a:gsLst>
-            <a:lin ang="10800000" scaled="0"/>
-          </a:gradFill>
-          <a:ln>
-            <a:noFill/>
-          </a:ln>
-        </p:spPr>
-        <p:style>
-          <a:lnRef idx="2">
-            <a:schemeClr val="accent1">
-              <a:shade val="50000"/>
-            </a:schemeClr>
-          </a:lnRef>
-          <a:fillRef idx="1">
-            <a:schemeClr val="accent1"/>
-          </a:fillRef>
-          <a:effectRef idx="0">
-            <a:schemeClr val="accent1"/>
-          </a:effectRef>
-          <a:fontRef idx="minor">
-            <a:schemeClr val="lt1"/>
-          </a:fontRef>
-        </p:style>
-        <p:txBody>
-          <a:bodyPr rtlCol="0" anchor="ctr"/>
-          <a:lstStyle/>
-          <a:p>
-            <a:pPr algn="ctr"/>
-            <a:endParaRPr lang="en-US" dirty="0"/>
-          </a:p>
-        </p:txBody>
-      </p:sp>
-      <p:sp>
-        <p:nvSpPr>
-          <p:cNvPr id="2" name="Titre 1">
-            <a:extLst>
-              <a:ext uri="{FF2B5EF4-FFF2-40B4-BE49-F238E27FC236}">
-                <a16:creationId xmlns:a16="http://schemas.microsoft.com/office/drawing/2014/main" id="{CF8D1EB8-F6E7-EB54-1CC8-28472070B9FC}"/>
-              </a:ext>
-            </a:extLst>
-          </p:cNvPr>
-          <p:cNvSpPr>
-            <a:spLocks noGrp="1"/>
-          </p:cNvSpPr>
-          <p:nvPr>
-            <p:ph type="ctrTitle"/>
-          </p:nvPr>
-        </p:nvSpPr>
-        <p:spPr>
-          <a:xfrm>
-            <a:off x="7848600" y="1122363"/>
-            <a:ext cx="4023360" cy="3204134"/>
-          </a:xfrm>
-        </p:spPr>
-        <p:txBody>
-          <a:bodyPr anchor="b">
-            <a:normAutofit/>
-          </a:bodyPr>
-          <a:lstStyle/>
-          <a:p>
-            <a:r>
-              <a:rPr lang="fr-FR" sz="4800" dirty="0">
-                <a:latin typeface="Bahnschrift SemiBold" panose="020B0502040204020203" pitchFamily="34" charset="0"/>
-              </a:rPr>
-              <a:t>Réforme en première année</a:t>
-            </a:r>
-          </a:p>
-        </p:txBody>
-      </p:sp>
-      <p:sp>
-        <p:nvSpPr>
-          <p:cNvPr id="3" name="Sous-titre 2">
-            <a:extLst>
-              <a:ext uri="{FF2B5EF4-FFF2-40B4-BE49-F238E27FC236}">
-                <a16:creationId xmlns:a16="http://schemas.microsoft.com/office/drawing/2014/main" id="{BDFEFAEF-AB6A-BE8F-01E7-845FB609FA07}"/>
-              </a:ext>
-            </a:extLst>
-          </p:cNvPr>
-          <p:cNvSpPr>
-            <a:spLocks noGrp="1"/>
-          </p:cNvSpPr>
-          <p:nvPr>
-            <p:ph type="subTitle" idx="1"/>
-          </p:nvPr>
-        </p:nvSpPr>
-        <p:spPr>
-          <a:xfrm>
-            <a:off x="7848600" y="4872922"/>
-            <a:ext cx="4023360" cy="1208141"/>
-          </a:xfrm>
-        </p:spPr>
-        <p:txBody>
-          <a:bodyPr>
-            <a:normAutofit/>
-          </a:bodyPr>
-          <a:lstStyle/>
-          <a:p>
-            <a:r>
-              <a:rPr lang="fr-FR" sz="2000" dirty="0">
-                <a:latin typeface="Bahnschrift Light" panose="020B0502040204020203" pitchFamily="34" charset="0"/>
-              </a:rPr>
-              <a:t>Réforme 1A </a:t>
-            </a:r>
-            <a:br>
-              <a:rPr lang="fr-FR" sz="2000" dirty="0">
-                <a:latin typeface="Bahnschrift Light" panose="020B0502040204020203" pitchFamily="34" charset="0"/>
-              </a:rPr>
-            </a:br>
-            <a:r>
-              <a:rPr lang="fr-FR" sz="2000" dirty="0">
-                <a:latin typeface="Bahnschrift Light" panose="020B0502040204020203" pitchFamily="34" charset="0"/>
-              </a:rPr>
-              <a:t>Institut d’Optique </a:t>
-            </a:r>
-          </a:p>
-          <a:p>
-            <a:r>
-              <a:rPr lang="fr-FR" sz="2000" dirty="0">
-                <a:latin typeface="Bahnschrift Light" panose="020B0502040204020203" pitchFamily="34" charset="0"/>
-              </a:rPr>
-              <a:t>Julien VILLEMEJANE</a:t>
-            </a:r>
-          </a:p>
-        </p:txBody>
-      </p:sp>
-      <p:sp>
-        <p:nvSpPr>
-          <p:cNvPr id="32" name="Rectangle 12">
-            <a:extLst>
-              <a:ext uri="{FF2B5EF4-FFF2-40B4-BE49-F238E27FC236}">
-                <a16:creationId xmlns:a16="http://schemas.microsoft.com/office/drawing/2014/main" id="{AF2F604E-43BE-4DC3-B983-E071523364F8}"/>
-              </a:ext>
-              <a:ext uri="{C183D7F6-B498-43B3-948B-1728B52AA6E4}">
-                <adec:decorative xmlns:adec="http://schemas.microsoft.com/office/drawing/2017/decorative" val="1"/>
-              </a:ext>
-            </a:extLst>
-          </p:cNvPr>
-          <p:cNvSpPr>
-            <a:spLocks noGrp="1" noRot="1" noChangeAspect="1" noMove="1" noResize="1" noEditPoints="1" noAdjustHandles="1" noChangeArrowheads="1" noChangeShapeType="1" noTextEdit="1"/>
-          </p:cNvSpPr>
-          <p:nvPr>
-            <p:extLst>
-              <p:ext uri="{386F3935-93C4-4BCD-93E2-E3B085C9AB24}">
-                <p16:designElem xmlns:p16="http://schemas.microsoft.com/office/powerpoint/2015/main" val="1"/>
-              </p:ext>
-            </p:extLst>
-          </p:nvPr>
-        </p:nvSpPr>
-        <p:spPr>
-          <a:xfrm rot="5400000">
-            <a:off x="8130540" y="346791"/>
-            <a:ext cx="146304" cy="704088"/>
-          </a:xfrm>
-          <a:prstGeom prst="rect">
-            <a:avLst/>
-          </a:prstGeom>
-          <a:solidFill>
-            <a:schemeClr val="accent1"/>
-          </a:solidFill>
-          <a:ln>
-            <a:noFill/>
-          </a:ln>
-        </p:spPr>
-        <p:style>
-          <a:lnRef idx="2">
-            <a:schemeClr val="accent1">
-              <a:shade val="50000"/>
-            </a:schemeClr>
-          </a:lnRef>
-          <a:fillRef idx="1">
-            <a:schemeClr val="accent1"/>
-          </a:fillRef>
-          <a:effectRef idx="0">
-            <a:schemeClr val="accent1"/>
-          </a:effectRef>
-          <a:fontRef idx="minor">
-            <a:schemeClr val="lt1"/>
-          </a:fontRef>
-        </p:style>
-        <p:txBody>
-          <a:bodyPr rtlCol="0" anchor="ctr"/>
-          <a:lstStyle/>
-          <a:p>
-            <a:pPr marL="0" marR="0" lvl="0" indent="0" algn="ctr" defTabSz="914400" rtl="0" eaLnBrk="1" fontAlgn="auto" latinLnBrk="0" hangingPunct="1">
-              <a:lnSpc>
-                <a:spcPct val="100000"/>
-              </a:lnSpc>
-              <a:spcBef>
-                <a:spcPts val="0"/>
-              </a:spcBef>
-              <a:spcAft>
-                <a:spcPts val="0"/>
-              </a:spcAft>
-              <a:buClrTx/>
-              <a:buSzTx/>
-              <a:buFontTx/>
-              <a:buNone/>
-              <a:tabLst/>
-              <a:defRPr/>
-            </a:pPr>
-            <a:endParaRPr kumimoji="0" lang="en-US" sz="1800" b="0" i="0" u="none" strike="noStrike" kern="1200" cap="none" spc="0" normalizeH="0" baseline="0" noProof="0">
-              <a:ln>
-                <a:noFill/>
-              </a:ln>
-              <a:solidFill>
-                <a:prstClr val="white"/>
-              </a:solidFill>
-              <a:effectLst/>
-              <a:uLnTx/>
-              <a:uFillTx/>
-              <a:latin typeface="Calibri" panose="020F0502020204030204"/>
-              <a:ea typeface="+mn-ea"/>
-              <a:cs typeface="+mn-cs"/>
-            </a:endParaRPr>
-          </a:p>
-        </p:txBody>
-      </p:sp>
-      <p:sp>
-        <p:nvSpPr>
-          <p:cNvPr id="33" name="Rectangle 14">
-            <a:extLst>
-              <a:ext uri="{FF2B5EF4-FFF2-40B4-BE49-F238E27FC236}">
-                <a16:creationId xmlns:a16="http://schemas.microsoft.com/office/drawing/2014/main" id="{08C9B587-E65E-4B52-B37C-ABEBB6E87928}"/>
-              </a:ext>
-              <a:ext uri="{C183D7F6-B498-43B3-948B-1728B52AA6E4}">
-                <adec:decorative xmlns:adec="http://schemas.microsoft.com/office/drawing/2017/decorative" val="1"/>
-              </a:ext>
-            </a:extLst>
-          </p:cNvPr>
-          <p:cNvSpPr>
-            <a:spLocks noGrp="1" noRot="1" noChangeAspect="1" noMove="1" noResize="1" noEditPoints="1" noAdjustHandles="1" noChangeArrowheads="1" noChangeShapeType="1" noTextEdit="1"/>
-          </p:cNvSpPr>
-          <p:nvPr>
-            <p:extLst>
-              <p:ext uri="{386F3935-93C4-4BCD-93E2-E3B085C9AB24}">
-                <p16:designElem xmlns:p16="http://schemas.microsoft.com/office/powerpoint/2015/main" val="1"/>
-              </p:ext>
-            </p:extLst>
-          </p:nvPr>
-        </p:nvSpPr>
-        <p:spPr>
-          <a:xfrm>
-            <a:off x="7851648" y="4546920"/>
-            <a:ext cx="4023360" cy="18288"/>
-          </a:xfrm>
-          <a:prstGeom prst="rect">
-            <a:avLst/>
-          </a:prstGeom>
-          <a:solidFill>
-            <a:schemeClr val="tx1"/>
-          </a:solidFill>
-          <a:ln w="3175">
-            <a:noFill/>
-          </a:ln>
-          <a:effectLst/>
-        </p:spPr>
-        <p:style>
-          <a:lnRef idx="2">
-            <a:schemeClr val="accent1">
-              <a:shade val="50000"/>
-            </a:schemeClr>
-          </a:lnRef>
-          <a:fillRef idx="1">
-            <a:schemeClr val="accent1"/>
-          </a:fillRef>
-          <a:effectRef idx="0">
-            <a:schemeClr val="accent1"/>
-          </a:effectRef>
-          <a:fontRef idx="minor">
-            <a:schemeClr val="lt1"/>
-          </a:fontRef>
-        </p:style>
-        <p:txBody>
-          <a:bodyPr rtlCol="0" anchor="ctr"/>
-          <a:lstStyle/>
-          <a:p>
-            <a:pPr marL="0" marR="0" lvl="0" indent="0" algn="ctr" defTabSz="914400" rtl="0" eaLnBrk="1" fontAlgn="auto" latinLnBrk="0" hangingPunct="1">
-              <a:lnSpc>
-                <a:spcPct val="100000"/>
-              </a:lnSpc>
-              <a:spcBef>
-                <a:spcPts val="0"/>
-              </a:spcBef>
-              <a:spcAft>
-                <a:spcPts val="0"/>
-              </a:spcAft>
-              <a:buClrTx/>
-              <a:buSzTx/>
-              <a:buFontTx/>
-              <a:buNone/>
-              <a:tabLst/>
-              <a:defRPr/>
-            </a:pPr>
-            <a:endParaRPr kumimoji="0" lang="en-US" sz="1800" b="0" i="0" u="none" strike="noStrike" kern="1200" cap="none" spc="0" normalizeH="0" baseline="0" noProof="0">
-              <a:ln>
-                <a:noFill/>
-              </a:ln>
-              <a:solidFill>
-                <a:prstClr val="white"/>
-              </a:solidFill>
-              <a:effectLst/>
-              <a:uLnTx/>
-              <a:uFillTx/>
-              <a:latin typeface="Calibri" panose="020F0502020204030204"/>
-              <a:ea typeface="+mn-ea"/>
-              <a:cs typeface="+mn-cs"/>
-            </a:endParaRPr>
-          </a:p>
-        </p:txBody>
-      </p:sp>
-      <p:pic>
-        <p:nvPicPr>
-          <p:cNvPr id="6" name="Image 5" descr="Une image contenant texte&#10;&#10;Description générée automatiquement">
-            <a:extLst>
-              <a:ext uri="{FF2B5EF4-FFF2-40B4-BE49-F238E27FC236}">
-                <a16:creationId xmlns:a16="http://schemas.microsoft.com/office/drawing/2014/main" id="{3D75D9F9-6192-EA6A-A7C9-F09C6FC342AD}"/>
-              </a:ext>
-            </a:extLst>
-          </p:cNvPr>
-          <p:cNvPicPr>
-            <a:picLocks noChangeAspect="1"/>
-          </p:cNvPicPr>
-          <p:nvPr/>
-        </p:nvPicPr>
-        <p:blipFill>
-          <a:blip r:embed="rId3">
-            <a:extLst>
-              <a:ext uri="{28A0092B-C50C-407E-A947-70E740481C1C}">
-                <a14:useLocalDpi xmlns:a14="http://schemas.microsoft.com/office/drawing/2010/main" val="0"/>
-              </a:ext>
-            </a:extLst>
-          </a:blip>
-          <a:stretch>
-            <a:fillRect/>
-          </a:stretch>
-        </p:blipFill>
-        <p:spPr>
-          <a:xfrm>
-            <a:off x="168033" y="195172"/>
-            <a:ext cx="2452178" cy="1007326"/>
-          </a:xfrm>
-          <a:prstGeom prst="rect">
-            <a:avLst/>
-          </a:prstGeom>
-        </p:spPr>
-      </p:pic>
-    </p:spTree>
-    <p:extLst>
-      <p:ext uri="{BB962C8B-B14F-4D97-AF65-F5344CB8AC3E}">
-        <p14:creationId xmlns:p14="http://schemas.microsoft.com/office/powerpoint/2010/main" val="3753243908"/>
-      </p:ext>
-    </p:extLst>
-  </p:cSld>
-  <p:clrMapOvr>
-    <a:overrideClrMapping bg1="dk1" tx1="lt1" bg2="dk2" tx2="lt2" accent1="accent1" accent2="accent2" accent3="accent3" accent4="accent4" accent5="accent5" accent6="accent6" hlink="hlink" folHlink="folHlink"/>
-  </p:clrMapOvr>
-</p:sld>
-</file>
-
-<file path=ppt/slides/slide12.xml><?xml version="1.0" encoding="utf-8"?>
-<p:sld xmlns:a="http://schemas.openxmlformats.org/drawingml/2006/main" xmlns:r="http://schemas.openxmlformats.org/officeDocument/2006/relationships" xmlns:p="http://schemas.openxmlformats.org/presentationml/2006/main">
-  <p:cSld>
-    <p:spTree>
-      <p:nvGrpSpPr>
-        <p:cNvPr id="1" name=""/>
-        <p:cNvGrpSpPr/>
-        <p:nvPr/>
-      </p:nvGrpSpPr>
-      <p:grpSpPr>
-        <a:xfrm>
-          <a:off x="0" y="0"/>
-          <a:ext cx="0" cy="0"/>
-          <a:chOff x="0" y="0"/>
-          <a:chExt cx="0" cy="0"/>
-        </a:xfrm>
-      </p:grpSpPr>
-      <p:sp>
-        <p:nvSpPr>
-          <p:cNvPr id="3" name="Rectangle 2">
-            <a:extLst>
-              <a:ext uri="{FF2B5EF4-FFF2-40B4-BE49-F238E27FC236}">
-                <a16:creationId xmlns:a16="http://schemas.microsoft.com/office/drawing/2014/main" id="{69EEE2CD-304C-7206-E015-F52A5695E8DF}"/>
-              </a:ext>
-            </a:extLst>
-          </p:cNvPr>
-          <p:cNvSpPr/>
-          <p:nvPr/>
-        </p:nvSpPr>
-        <p:spPr>
-          <a:xfrm>
-            <a:off x="673975" y="405113"/>
-            <a:ext cx="11020314" cy="937549"/>
-          </a:xfrm>
-          <a:prstGeom prst="rect">
-            <a:avLst/>
-          </a:prstGeom>
-          <a:solidFill>
-            <a:schemeClr val="bg1"/>
-          </a:solidFill>
-          <a:ln>
-            <a:solidFill>
-              <a:schemeClr val="bg1">
-                <a:lumMod val="95000"/>
-              </a:schemeClr>
-            </a:solidFill>
-          </a:ln>
-          <a:effectLst>
-            <a:outerShdw blurRad="50800" dist="38100" dir="2700000" algn="tl" rotWithShape="0">
-              <a:prstClr val="black">
-                <a:alpha val="40000"/>
-              </a:prstClr>
-            </a:outerShdw>
-          </a:effectLst>
-        </p:spPr>
-        <p:style>
-          <a:lnRef idx="2">
-            <a:schemeClr val="accent1">
-              <a:shade val="15000"/>
-            </a:schemeClr>
-          </a:lnRef>
-          <a:fillRef idx="1">
-            <a:schemeClr val="accent1"/>
-          </a:fillRef>
-          <a:effectRef idx="0">
-            <a:schemeClr val="accent1"/>
-          </a:effectRef>
-          <a:fontRef idx="minor">
-            <a:schemeClr val="lt1"/>
-          </a:fontRef>
-        </p:style>
-        <p:txBody>
-          <a:bodyPr rtlCol="0" anchor="ctr"/>
-          <a:lstStyle/>
-          <a:p>
-            <a:pPr algn="ctr"/>
-            <a:endParaRPr lang="fr-FR" dirty="0"/>
-          </a:p>
-        </p:txBody>
-      </p:sp>
-      <p:sp>
-        <p:nvSpPr>
-          <p:cNvPr id="2" name="Titre 1">
-            <a:extLst>
-              <a:ext uri="{FF2B5EF4-FFF2-40B4-BE49-F238E27FC236}">
-                <a16:creationId xmlns:a16="http://schemas.microsoft.com/office/drawing/2014/main" id="{97F71108-8121-4CC2-3ED6-50ABC11E79C5}"/>
-              </a:ext>
-            </a:extLst>
-          </p:cNvPr>
-          <p:cNvSpPr txBox="1">
-            <a:spLocks/>
-          </p:cNvSpPr>
-          <p:nvPr/>
-        </p:nvSpPr>
-        <p:spPr>
-          <a:xfrm>
-            <a:off x="907225" y="583365"/>
-            <a:ext cx="8970548" cy="701426"/>
-          </a:xfrm>
-          <a:prstGeom prst="rect">
-            <a:avLst/>
-          </a:prstGeom>
-        </p:spPr>
-        <p:txBody>
-          <a:bodyPr>
             <a:normAutofit fontScale="77500" lnSpcReduction="20000"/>
           </a:bodyPr>
           <a:lstStyle>
@@ -12558,6 +11694,82 @@
           </a:p>
         </p:txBody>
       </p:sp>
+      <p:sp>
+        <p:nvSpPr>
+          <p:cNvPr id="8" name="Rectangle 7">
+            <a:extLst>
+              <a:ext uri="{FF2B5EF4-FFF2-40B4-BE49-F238E27FC236}">
+                <a16:creationId xmlns:a16="http://schemas.microsoft.com/office/drawing/2014/main" id="{E1E598EA-DB75-C2F7-CD1D-3C52E5D16E2C}"/>
+              </a:ext>
+            </a:extLst>
+          </p:cNvPr>
+          <p:cNvSpPr/>
+          <p:nvPr/>
+        </p:nvSpPr>
+        <p:spPr>
+          <a:xfrm>
+            <a:off x="8661113" y="1488153"/>
+            <a:ext cx="2972659" cy="914400"/>
+          </a:xfrm>
+          <a:prstGeom prst="rect">
+            <a:avLst/>
+          </a:prstGeom>
+          <a:solidFill>
+            <a:srgbClr val="EA9600"/>
+          </a:solidFill>
+          <a:ln>
+            <a:noFill/>
+          </a:ln>
+        </p:spPr>
+        <p:style>
+          <a:lnRef idx="2">
+            <a:schemeClr val="accent1">
+              <a:shade val="15000"/>
+            </a:schemeClr>
+          </a:lnRef>
+          <a:fillRef idx="1">
+            <a:schemeClr val="accent1"/>
+          </a:fillRef>
+          <a:effectRef idx="0">
+            <a:schemeClr val="accent1"/>
+          </a:effectRef>
+          <a:fontRef idx="minor">
+            <a:schemeClr val="lt1"/>
+          </a:fontRef>
+        </p:style>
+        <p:txBody>
+          <a:bodyPr rtlCol="0" anchor="ctr"/>
+          <a:lstStyle/>
+          <a:p>
+            <a:pPr algn="ctr"/>
+            <a:r>
+              <a:rPr lang="fr-FR" sz="1200" dirty="0"/>
+              <a:t>Sylvie LEBRUN</a:t>
+            </a:r>
+            <a:br>
+              <a:rPr lang="fr-FR" sz="1200" dirty="0"/>
+            </a:br>
+            <a:r>
+              <a:rPr lang="fr-FR" sz="1200" dirty="0"/>
+              <a:t>Riccardo MESSINA</a:t>
+            </a:r>
+          </a:p>
+          <a:p>
+            <a:pPr algn="ctr"/>
+            <a:r>
+              <a:rPr lang="fr-FR" sz="1200" dirty="0"/>
+              <a:t>Xavier DELEN</a:t>
+            </a:r>
+          </a:p>
+          <a:p>
+            <a:pPr algn="ctr"/>
+            <a:r>
+              <a:rPr lang="fr-FR" sz="1200" dirty="0"/>
+              <a:t>Charles BOURASSIN-BOUCHER</a:t>
+            </a:r>
+          </a:p>
+        </p:txBody>
+      </p:sp>
     </p:spTree>
     <p:extLst>
       <p:ext uri="{BB962C8B-B14F-4D97-AF65-F5344CB8AC3E}">
@@ -12571,1680 +11783,7 @@
 </p:sld>
 </file>
 
-<file path=ppt/slides/slide13.xml><?xml version="1.0" encoding="utf-8"?>
-<p:sld xmlns:a="http://schemas.openxmlformats.org/drawingml/2006/main" xmlns:r="http://schemas.openxmlformats.org/officeDocument/2006/relationships" xmlns:p="http://schemas.openxmlformats.org/presentationml/2006/main">
-  <p:cSld>
-    <p:spTree>
-      <p:nvGrpSpPr>
-        <p:cNvPr id="1" name=""/>
-        <p:cNvGrpSpPr/>
-        <p:nvPr/>
-      </p:nvGrpSpPr>
-      <p:grpSpPr>
-        <a:xfrm>
-          <a:off x="0" y="0"/>
-          <a:ext cx="0" cy="0"/>
-          <a:chOff x="0" y="0"/>
-          <a:chExt cx="0" cy="0"/>
-        </a:xfrm>
-      </p:grpSpPr>
-      <p:sp>
-        <p:nvSpPr>
-          <p:cNvPr id="3" name="Rectangle 2">
-            <a:extLst>
-              <a:ext uri="{FF2B5EF4-FFF2-40B4-BE49-F238E27FC236}">
-                <a16:creationId xmlns:a16="http://schemas.microsoft.com/office/drawing/2014/main" id="{69EEE2CD-304C-7206-E015-F52A5695E8DF}"/>
-              </a:ext>
-            </a:extLst>
-          </p:cNvPr>
-          <p:cNvSpPr/>
-          <p:nvPr/>
-        </p:nvSpPr>
-        <p:spPr>
-          <a:xfrm>
-            <a:off x="673975" y="405113"/>
-            <a:ext cx="11020314" cy="937549"/>
-          </a:xfrm>
-          <a:prstGeom prst="rect">
-            <a:avLst/>
-          </a:prstGeom>
-          <a:solidFill>
-            <a:schemeClr val="bg1"/>
-          </a:solidFill>
-          <a:ln>
-            <a:solidFill>
-              <a:schemeClr val="bg1">
-                <a:lumMod val="95000"/>
-              </a:schemeClr>
-            </a:solidFill>
-          </a:ln>
-          <a:effectLst>
-            <a:outerShdw blurRad="50800" dist="38100" dir="2700000" algn="tl" rotWithShape="0">
-              <a:prstClr val="black">
-                <a:alpha val="40000"/>
-              </a:prstClr>
-            </a:outerShdw>
-          </a:effectLst>
-        </p:spPr>
-        <p:style>
-          <a:lnRef idx="2">
-            <a:schemeClr val="accent1">
-              <a:shade val="15000"/>
-            </a:schemeClr>
-          </a:lnRef>
-          <a:fillRef idx="1">
-            <a:schemeClr val="accent1"/>
-          </a:fillRef>
-          <a:effectRef idx="0">
-            <a:schemeClr val="accent1"/>
-          </a:effectRef>
-          <a:fontRef idx="minor">
-            <a:schemeClr val="lt1"/>
-          </a:fontRef>
-        </p:style>
-        <p:txBody>
-          <a:bodyPr rtlCol="0" anchor="ctr"/>
-          <a:lstStyle/>
-          <a:p>
-            <a:pPr algn="ctr"/>
-            <a:endParaRPr lang="fr-FR" dirty="0"/>
-          </a:p>
-        </p:txBody>
-      </p:sp>
-      <p:sp>
-        <p:nvSpPr>
-          <p:cNvPr id="2" name="Titre 1">
-            <a:extLst>
-              <a:ext uri="{FF2B5EF4-FFF2-40B4-BE49-F238E27FC236}">
-                <a16:creationId xmlns:a16="http://schemas.microsoft.com/office/drawing/2014/main" id="{97F71108-8121-4CC2-3ED6-50ABC11E79C5}"/>
-              </a:ext>
-            </a:extLst>
-          </p:cNvPr>
-          <p:cNvSpPr txBox="1">
-            <a:spLocks/>
-          </p:cNvSpPr>
-          <p:nvPr/>
-        </p:nvSpPr>
-        <p:spPr>
-          <a:xfrm>
-            <a:off x="907225" y="583365"/>
-            <a:ext cx="8970548" cy="701426"/>
-          </a:xfrm>
-          <a:prstGeom prst="rect">
-            <a:avLst/>
-          </a:prstGeom>
-        </p:spPr>
-        <p:txBody>
-          <a:bodyPr>
-            <a:normAutofit/>
-          </a:bodyPr>
-          <a:lstStyle>
-            <a:lvl1pPr algn="l" defTabSz="914400" rtl="0" eaLnBrk="1" latinLnBrk="0" hangingPunct="1">
-              <a:lnSpc>
-                <a:spcPct val="90000"/>
-              </a:lnSpc>
-              <a:spcBef>
-                <a:spcPct val="0"/>
-              </a:spcBef>
-              <a:buNone/>
-              <a:defRPr sz="4400" kern="1200">
-                <a:solidFill>
-                  <a:schemeClr val="tx1"/>
-                </a:solidFill>
-                <a:latin typeface="+mj-lt"/>
-                <a:ea typeface="+mj-ea"/>
-                <a:cs typeface="+mj-cs"/>
-              </a:defRPr>
-            </a:lvl1pPr>
-          </a:lstStyle>
-          <a:p>
-            <a:r>
-              <a:rPr lang="fr-FR" sz="3600" dirty="0"/>
-              <a:t>Informatique et calcul scientifique</a:t>
-            </a:r>
-            <a:endParaRPr lang="fr-FR" sz="4000" dirty="0"/>
-          </a:p>
-        </p:txBody>
-      </p:sp>
-      <p:sp>
-        <p:nvSpPr>
-          <p:cNvPr id="7" name="Rectangle 6">
-            <a:extLst>
-              <a:ext uri="{FF2B5EF4-FFF2-40B4-BE49-F238E27FC236}">
-                <a16:creationId xmlns:a16="http://schemas.microsoft.com/office/drawing/2014/main" id="{E97ACAFF-7D28-E79D-9EB4-4FEEF5BB9613}"/>
-              </a:ext>
-            </a:extLst>
-          </p:cNvPr>
-          <p:cNvSpPr/>
-          <p:nvPr/>
-        </p:nvSpPr>
-        <p:spPr>
-          <a:xfrm>
-            <a:off x="619125" y="500258"/>
-            <a:ext cx="124142" cy="749808"/>
-          </a:xfrm>
-          <a:prstGeom prst="rect">
-            <a:avLst/>
-          </a:prstGeom>
-          <a:solidFill>
-            <a:srgbClr val="002060"/>
-          </a:solidFill>
-          <a:ln>
-            <a:noFill/>
-          </a:ln>
-        </p:spPr>
-        <p:style>
-          <a:lnRef idx="2">
-            <a:schemeClr val="accent1">
-              <a:shade val="15000"/>
-            </a:schemeClr>
-          </a:lnRef>
-          <a:fillRef idx="1">
-            <a:schemeClr val="accent1"/>
-          </a:fillRef>
-          <a:effectRef idx="0">
-            <a:schemeClr val="accent1"/>
-          </a:effectRef>
-          <a:fontRef idx="minor">
-            <a:schemeClr val="lt1"/>
-          </a:fontRef>
-        </p:style>
-        <p:txBody>
-          <a:bodyPr rtlCol="0" anchor="ctr"/>
-          <a:lstStyle/>
-          <a:p>
-            <a:pPr algn="ctr"/>
-            <a:endParaRPr lang="fr-FR"/>
-          </a:p>
-        </p:txBody>
-      </p:sp>
-      <p:pic>
-        <p:nvPicPr>
-          <p:cNvPr id="4" name="Image 3" descr="Une image contenant texte&#10;&#10;Description générée automatiquement">
-            <a:extLst>
-              <a:ext uri="{FF2B5EF4-FFF2-40B4-BE49-F238E27FC236}">
-                <a16:creationId xmlns:a16="http://schemas.microsoft.com/office/drawing/2014/main" id="{9BFF7F1D-2708-E366-DB38-F68C1FBD99DC}"/>
-              </a:ext>
-            </a:extLst>
-          </p:cNvPr>
-          <p:cNvPicPr>
-            <a:picLocks noChangeAspect="1"/>
-          </p:cNvPicPr>
-          <p:nvPr/>
-        </p:nvPicPr>
-        <p:blipFill>
-          <a:blip r:embed="rId2" cstate="print">
-            <a:extLst>
-              <a:ext uri="{28A0092B-C50C-407E-A947-70E740481C1C}">
-                <a14:useLocalDpi xmlns:a14="http://schemas.microsoft.com/office/drawing/2010/main" val="0"/>
-              </a:ext>
-            </a:extLst>
-          </a:blip>
-          <a:stretch>
-            <a:fillRect/>
-          </a:stretch>
-        </p:blipFill>
-        <p:spPr>
-          <a:xfrm>
-            <a:off x="9808481" y="509288"/>
-            <a:ext cx="1825291" cy="749808"/>
-          </a:xfrm>
-          <a:prstGeom prst="rect">
-            <a:avLst/>
-          </a:prstGeom>
-        </p:spPr>
-      </p:pic>
-      <p:pic>
-        <p:nvPicPr>
-          <p:cNvPr id="13" name="Picture 4" descr="Résultat de recherche d'images pour &quot;python logo&quot;">
-            <a:extLst>
-              <a:ext uri="{FF2B5EF4-FFF2-40B4-BE49-F238E27FC236}">
-                <a16:creationId xmlns:a16="http://schemas.microsoft.com/office/drawing/2014/main" id="{E4745282-4890-8341-0F97-619F41DBFDC1}"/>
-              </a:ext>
-            </a:extLst>
-          </p:cNvPr>
-          <p:cNvPicPr>
-            <a:picLocks noChangeAspect="1" noChangeArrowheads="1"/>
-          </p:cNvPicPr>
-          <p:nvPr/>
-        </p:nvPicPr>
-        <p:blipFill>
-          <a:blip r:embed="rId3">
-            <a:extLst>
-              <a:ext uri="{28A0092B-C50C-407E-A947-70E740481C1C}">
-                <a14:useLocalDpi xmlns:a14="http://schemas.microsoft.com/office/drawing/2010/main" val="0"/>
-              </a:ext>
-            </a:extLst>
-          </a:blip>
-          <a:srcRect/>
-          <a:stretch>
-            <a:fillRect/>
-          </a:stretch>
-        </p:blipFill>
-        <p:spPr bwMode="auto">
-          <a:xfrm>
-            <a:off x="4715491" y="1822156"/>
-            <a:ext cx="767663" cy="843885"/>
-          </a:xfrm>
-          <a:prstGeom prst="rect">
-            <a:avLst/>
-          </a:prstGeom>
-          <a:noFill/>
-          <a:extLst>
-            <a:ext uri="{909E8E84-426E-40DD-AFC4-6F175D3DCCD1}">
-              <a14:hiddenFill xmlns:a14="http://schemas.microsoft.com/office/drawing/2010/main">
-                <a:solidFill>
-                  <a:srgbClr val="FFFFFF"/>
-                </a:solidFill>
-              </a14:hiddenFill>
-            </a:ext>
-          </a:extLst>
-        </p:spPr>
-      </p:pic>
-      <p:pic>
-        <p:nvPicPr>
-          <p:cNvPr id="1028" name="Picture 4">
-            <a:extLst>
-              <a:ext uri="{FF2B5EF4-FFF2-40B4-BE49-F238E27FC236}">
-                <a16:creationId xmlns:a16="http://schemas.microsoft.com/office/drawing/2014/main" id="{1688F5DF-C1F3-DE49-56BD-F978CE0419EC}"/>
-              </a:ext>
-            </a:extLst>
-          </p:cNvPr>
-          <p:cNvPicPr>
-            <a:picLocks noChangeAspect="1" noChangeArrowheads="1"/>
-          </p:cNvPicPr>
-          <p:nvPr/>
-        </p:nvPicPr>
-        <p:blipFill>
-          <a:blip r:embed="rId4">
-            <a:extLst>
-              <a:ext uri="{28A0092B-C50C-407E-A947-70E740481C1C}">
-                <a14:useLocalDpi xmlns:a14="http://schemas.microsoft.com/office/drawing/2010/main" val="0"/>
-              </a:ext>
-            </a:extLst>
-          </a:blip>
-          <a:srcRect/>
-          <a:stretch>
-            <a:fillRect/>
-          </a:stretch>
-        </p:blipFill>
-        <p:spPr bwMode="auto">
-          <a:xfrm>
-            <a:off x="6206646" y="1822156"/>
-            <a:ext cx="942338" cy="843885"/>
-          </a:xfrm>
-          <a:prstGeom prst="rect">
-            <a:avLst/>
-          </a:prstGeom>
-          <a:noFill/>
-          <a:extLst>
-            <a:ext uri="{909E8E84-426E-40DD-AFC4-6F175D3DCCD1}">
-              <a14:hiddenFill xmlns:a14="http://schemas.microsoft.com/office/drawing/2010/main">
-                <a:solidFill>
-                  <a:srgbClr val="FFFFFF"/>
-                </a:solidFill>
-              </a14:hiddenFill>
-            </a:ext>
-          </a:extLst>
-        </p:spPr>
-      </p:pic>
-      <p:sp>
-        <p:nvSpPr>
-          <p:cNvPr id="19" name="ZoneTexte 18">
-            <a:extLst>
-              <a:ext uri="{FF2B5EF4-FFF2-40B4-BE49-F238E27FC236}">
-                <a16:creationId xmlns:a16="http://schemas.microsoft.com/office/drawing/2014/main" id="{FC061C4C-E712-4E82-2834-7991B1B537FF}"/>
-              </a:ext>
-            </a:extLst>
-          </p:cNvPr>
-          <p:cNvSpPr txBox="1"/>
-          <p:nvPr/>
-        </p:nvSpPr>
-        <p:spPr>
-          <a:xfrm>
-            <a:off x="743267" y="1643803"/>
-            <a:ext cx="3636709" cy="1384995"/>
-          </a:xfrm>
-          <a:prstGeom prst="rect">
-            <a:avLst/>
-          </a:prstGeom>
-          <a:noFill/>
-        </p:spPr>
-        <p:txBody>
-          <a:bodyPr wrap="square">
-            <a:spAutoFit/>
-          </a:bodyPr>
-          <a:lstStyle/>
-          <a:p>
-            <a:pPr algn="r"/>
-            <a:r>
-              <a:rPr lang="fr-FR" sz="1800" b="1" dirty="0"/>
-              <a:t>Python </a:t>
-            </a:r>
-            <a:r>
-              <a:rPr lang="fr-FR" sz="1800" dirty="0"/>
-              <a:t>(et ses librairies)</a:t>
-            </a:r>
-          </a:p>
-          <a:p>
-            <a:pPr algn="r"/>
-            <a:r>
-              <a:rPr lang="fr-FR" sz="1600" dirty="0"/>
-              <a:t>Langage général</a:t>
-            </a:r>
-          </a:p>
-          <a:p>
-            <a:pPr algn="r"/>
-            <a:r>
-              <a:rPr lang="fr-FR" sz="1600" dirty="0"/>
-              <a:t>	</a:t>
-            </a:r>
-            <a:r>
-              <a:rPr lang="fr-FR" sz="1600" i="1" dirty="0"/>
-              <a:t>Logiciel open source</a:t>
-            </a:r>
-          </a:p>
-          <a:p>
-            <a:pPr algn="r"/>
-            <a:r>
-              <a:rPr lang="fr-FR" sz="1600" dirty="0"/>
-              <a:t>Développement d’applications</a:t>
-            </a:r>
-          </a:p>
-          <a:p>
-            <a:pPr marL="285750" indent="-285750" algn="r">
-              <a:buFontTx/>
-              <a:buChar char="-"/>
-            </a:pPr>
-            <a:endParaRPr lang="fr-FR" dirty="0"/>
-          </a:p>
-        </p:txBody>
-      </p:sp>
-      <p:sp>
-        <p:nvSpPr>
-          <p:cNvPr id="20" name="ZoneTexte 19">
-            <a:extLst>
-              <a:ext uri="{FF2B5EF4-FFF2-40B4-BE49-F238E27FC236}">
-                <a16:creationId xmlns:a16="http://schemas.microsoft.com/office/drawing/2014/main" id="{30F9844D-04E5-FCD4-32A6-48BBB3BCC553}"/>
-              </a:ext>
-            </a:extLst>
-          </p:cNvPr>
-          <p:cNvSpPr txBox="1"/>
-          <p:nvPr/>
-        </p:nvSpPr>
-        <p:spPr>
-          <a:xfrm>
-            <a:off x="7486753" y="1643802"/>
-            <a:ext cx="3636709" cy="1138773"/>
-          </a:xfrm>
-          <a:prstGeom prst="rect">
-            <a:avLst/>
-          </a:prstGeom>
-          <a:noFill/>
-        </p:spPr>
-        <p:txBody>
-          <a:bodyPr wrap="square">
-            <a:spAutoFit/>
-          </a:bodyPr>
-          <a:lstStyle/>
-          <a:p>
-            <a:r>
-              <a:rPr lang="fr-FR" sz="1800" b="1" dirty="0" err="1"/>
-              <a:t>MatLab</a:t>
-            </a:r>
-            <a:r>
-              <a:rPr lang="fr-FR" sz="1800" b="1" dirty="0"/>
-              <a:t>® </a:t>
-            </a:r>
-            <a:r>
-              <a:rPr lang="fr-FR" sz="1800" dirty="0"/>
-              <a:t>(et ses boites à outils)</a:t>
-            </a:r>
-          </a:p>
-          <a:p>
-            <a:r>
-              <a:rPr lang="fr-FR" sz="1600" dirty="0"/>
-              <a:t>Calculs numériques</a:t>
-            </a:r>
-          </a:p>
-          <a:p>
-            <a:r>
-              <a:rPr lang="fr-FR" sz="1600" i="1" dirty="0"/>
-              <a:t>Logiciel propriétaire</a:t>
-            </a:r>
-          </a:p>
-          <a:p>
-            <a:r>
-              <a:rPr lang="fr-FR" sz="1600" dirty="0"/>
-              <a:t>Modélisation / Simulation</a:t>
-            </a:r>
-            <a:endParaRPr lang="fr-FR" dirty="0"/>
-          </a:p>
-        </p:txBody>
-      </p:sp>
-      <p:sp>
-        <p:nvSpPr>
-          <p:cNvPr id="33" name="Flèche : pentagone 32">
-            <a:extLst>
-              <a:ext uri="{FF2B5EF4-FFF2-40B4-BE49-F238E27FC236}">
-                <a16:creationId xmlns:a16="http://schemas.microsoft.com/office/drawing/2014/main" id="{DF04DBA1-60A5-F139-F5D7-9EA1EA150F25}"/>
-              </a:ext>
-            </a:extLst>
-          </p:cNvPr>
-          <p:cNvSpPr/>
-          <p:nvPr/>
-        </p:nvSpPr>
-        <p:spPr>
-          <a:xfrm>
-            <a:off x="1466462" y="5957175"/>
-            <a:ext cx="1170855" cy="317460"/>
-          </a:xfrm>
-          <a:prstGeom prst="homePlate">
-            <a:avLst/>
-          </a:prstGeom>
-          <a:solidFill>
-            <a:schemeClr val="bg1"/>
-          </a:solidFill>
-          <a:ln w="19050">
-            <a:solidFill>
-              <a:srgbClr val="002060"/>
-            </a:solidFill>
-          </a:ln>
-        </p:spPr>
-        <p:style>
-          <a:lnRef idx="2">
-            <a:schemeClr val="accent1">
-              <a:shade val="15000"/>
-            </a:schemeClr>
-          </a:lnRef>
-          <a:fillRef idx="1">
-            <a:schemeClr val="accent1"/>
-          </a:fillRef>
-          <a:effectRef idx="0">
-            <a:schemeClr val="accent1"/>
-          </a:effectRef>
-          <a:fontRef idx="minor">
-            <a:schemeClr val="lt1"/>
-          </a:fontRef>
-        </p:style>
-        <p:txBody>
-          <a:bodyPr rtlCol="0" anchor="ctr"/>
-          <a:lstStyle/>
-          <a:p>
-            <a:pPr algn="ctr"/>
-            <a:r>
-              <a:rPr lang="fr-FR" sz="1200" dirty="0">
-                <a:solidFill>
-                  <a:srgbClr val="002060"/>
-                </a:solidFill>
-              </a:rPr>
-              <a:t>Init C++</a:t>
-            </a:r>
-          </a:p>
-        </p:txBody>
-      </p:sp>
-      <p:sp>
-        <p:nvSpPr>
-          <p:cNvPr id="34" name="Flèche : chevron 33">
-            <a:extLst>
-              <a:ext uri="{FF2B5EF4-FFF2-40B4-BE49-F238E27FC236}">
-                <a16:creationId xmlns:a16="http://schemas.microsoft.com/office/drawing/2014/main" id="{2915A9C1-3CC3-D189-1CC3-73E9DB9D5B98}"/>
-              </a:ext>
-            </a:extLst>
-          </p:cNvPr>
-          <p:cNvSpPr/>
-          <p:nvPr/>
-        </p:nvSpPr>
-        <p:spPr>
-          <a:xfrm>
-            <a:off x="2637317" y="5571897"/>
-            <a:ext cx="2013995" cy="702738"/>
-          </a:xfrm>
-          <a:prstGeom prst="chevron">
-            <a:avLst/>
-          </a:prstGeom>
-          <a:solidFill>
-            <a:schemeClr val="bg1"/>
-          </a:solidFill>
-          <a:ln w="19050">
-            <a:solidFill>
-              <a:srgbClr val="002060"/>
-            </a:solidFill>
-          </a:ln>
-        </p:spPr>
-        <p:style>
-          <a:lnRef idx="2">
-            <a:schemeClr val="accent1">
-              <a:shade val="15000"/>
-            </a:schemeClr>
-          </a:lnRef>
-          <a:fillRef idx="1">
-            <a:schemeClr val="accent1"/>
-          </a:fillRef>
-          <a:effectRef idx="0">
-            <a:schemeClr val="accent1"/>
-          </a:effectRef>
-          <a:fontRef idx="minor">
-            <a:schemeClr val="lt1"/>
-          </a:fontRef>
-        </p:style>
-        <p:txBody>
-          <a:bodyPr rtlCol="0" anchor="ctr"/>
-          <a:lstStyle/>
-          <a:p>
-            <a:pPr algn="ctr"/>
-            <a:r>
-              <a:rPr lang="fr-FR" sz="1600" b="1" dirty="0">
-                <a:solidFill>
-                  <a:schemeClr val="bg1"/>
-                </a:solidFill>
-              </a:rPr>
-              <a:t>S</a:t>
-            </a:r>
-            <a:r>
-              <a:rPr lang="fr-FR" sz="1600" dirty="0">
-                <a:solidFill>
-                  <a:srgbClr val="002060"/>
-                </a:solidFill>
-              </a:rPr>
-              <a:t> Projets</a:t>
-            </a:r>
-            <a:r>
-              <a:rPr lang="fr-FR" sz="1600" b="1" dirty="0">
-                <a:solidFill>
-                  <a:schemeClr val="bg1"/>
-                </a:solidFill>
-              </a:rPr>
-              <a:t>6</a:t>
-            </a:r>
-          </a:p>
-        </p:txBody>
-      </p:sp>
-      <p:pic>
-        <p:nvPicPr>
-          <p:cNvPr id="35" name="Picture 4" descr="Résultat de recherche d'images pour &quot;python logo&quot;">
-            <a:extLst>
-              <a:ext uri="{FF2B5EF4-FFF2-40B4-BE49-F238E27FC236}">
-                <a16:creationId xmlns:a16="http://schemas.microsoft.com/office/drawing/2014/main" id="{1E139BBC-5AD1-1F5E-4C4E-32B947138738}"/>
-              </a:ext>
-            </a:extLst>
-          </p:cNvPr>
-          <p:cNvPicPr>
-            <a:picLocks noChangeAspect="1" noChangeArrowheads="1"/>
-          </p:cNvPicPr>
-          <p:nvPr/>
-        </p:nvPicPr>
-        <p:blipFill>
-          <a:blip r:embed="rId3">
-            <a:extLst>
-              <a:ext uri="{28A0092B-C50C-407E-A947-70E740481C1C}">
-                <a14:useLocalDpi xmlns:a14="http://schemas.microsoft.com/office/drawing/2010/main" val="0"/>
-              </a:ext>
-            </a:extLst>
-          </a:blip>
-          <a:srcRect/>
-          <a:stretch>
-            <a:fillRect/>
-          </a:stretch>
-        </p:blipFill>
-        <p:spPr bwMode="auto">
-          <a:xfrm>
-            <a:off x="3041960" y="5632488"/>
-            <a:ext cx="215818" cy="237247"/>
-          </a:xfrm>
-          <a:prstGeom prst="rect">
-            <a:avLst/>
-          </a:prstGeom>
-          <a:noFill/>
-          <a:extLst>
-            <a:ext uri="{909E8E84-426E-40DD-AFC4-6F175D3DCCD1}">
-              <a14:hiddenFill xmlns:a14="http://schemas.microsoft.com/office/drawing/2010/main">
-                <a:solidFill>
-                  <a:srgbClr val="FFFFFF"/>
-                </a:solidFill>
-              </a14:hiddenFill>
-            </a:ext>
-          </a:extLst>
-        </p:spPr>
-      </p:pic>
-      <p:sp>
-        <p:nvSpPr>
-          <p:cNvPr id="37" name="ZoneTexte 36">
-            <a:extLst>
-              <a:ext uri="{FF2B5EF4-FFF2-40B4-BE49-F238E27FC236}">
-                <a16:creationId xmlns:a16="http://schemas.microsoft.com/office/drawing/2014/main" id="{87AA7C18-658A-5EB5-9EAE-17E723F78942}"/>
-              </a:ext>
-            </a:extLst>
-          </p:cNvPr>
-          <p:cNvSpPr txBox="1"/>
-          <p:nvPr/>
-        </p:nvSpPr>
-        <p:spPr>
-          <a:xfrm>
-            <a:off x="589854" y="5100557"/>
-            <a:ext cx="6094476" cy="369332"/>
-          </a:xfrm>
-          <a:prstGeom prst="rect">
-            <a:avLst/>
-          </a:prstGeom>
-          <a:noFill/>
-        </p:spPr>
-        <p:txBody>
-          <a:bodyPr wrap="square">
-            <a:spAutoFit/>
-          </a:bodyPr>
-          <a:lstStyle/>
-          <a:p>
-            <a:r>
-              <a:rPr lang="fr-FR" sz="1800" b="1" dirty="0"/>
-              <a:t>Autres langages / Applications</a:t>
-            </a:r>
-            <a:endParaRPr lang="fr-FR" dirty="0"/>
-          </a:p>
-        </p:txBody>
-      </p:sp>
-      <p:pic>
-        <p:nvPicPr>
-          <p:cNvPr id="1030" name="Picture 6">
-            <a:extLst>
-              <a:ext uri="{FF2B5EF4-FFF2-40B4-BE49-F238E27FC236}">
-                <a16:creationId xmlns:a16="http://schemas.microsoft.com/office/drawing/2014/main" id="{20062C65-0B44-22B0-DF69-BBA6232DFADD}"/>
-              </a:ext>
-            </a:extLst>
-          </p:cNvPr>
-          <p:cNvPicPr>
-            <a:picLocks noChangeAspect="1" noChangeArrowheads="1"/>
-          </p:cNvPicPr>
-          <p:nvPr/>
-        </p:nvPicPr>
-        <p:blipFill>
-          <a:blip r:embed="rId5">
-            <a:extLst>
-              <a:ext uri="{28A0092B-C50C-407E-A947-70E740481C1C}">
-                <a14:useLocalDpi xmlns:a14="http://schemas.microsoft.com/office/drawing/2010/main" val="0"/>
-              </a:ext>
-            </a:extLst>
-          </a:blip>
-          <a:srcRect/>
-          <a:stretch>
-            <a:fillRect/>
-          </a:stretch>
-        </p:blipFill>
-        <p:spPr bwMode="auto">
-          <a:xfrm>
-            <a:off x="1503915" y="6028594"/>
-            <a:ext cx="155341" cy="174622"/>
-          </a:xfrm>
-          <a:prstGeom prst="rect">
-            <a:avLst/>
-          </a:prstGeom>
-          <a:noFill/>
-          <a:extLst>
-            <a:ext uri="{909E8E84-426E-40DD-AFC4-6F175D3DCCD1}">
-              <a14:hiddenFill xmlns:a14="http://schemas.microsoft.com/office/drawing/2010/main">
-                <a:solidFill>
-                  <a:srgbClr val="FFFFFF"/>
-                </a:solidFill>
-              </a14:hiddenFill>
-            </a:ext>
-          </a:extLst>
-        </p:spPr>
-      </p:pic>
-      <p:pic>
-        <p:nvPicPr>
-          <p:cNvPr id="38" name="Picture 6">
-            <a:extLst>
-              <a:ext uri="{FF2B5EF4-FFF2-40B4-BE49-F238E27FC236}">
-                <a16:creationId xmlns:a16="http://schemas.microsoft.com/office/drawing/2014/main" id="{A2D7B977-8149-7629-DD98-4F275D883BDA}"/>
-              </a:ext>
-            </a:extLst>
-          </p:cNvPr>
-          <p:cNvPicPr>
-            <a:picLocks noChangeAspect="1" noChangeArrowheads="1"/>
-          </p:cNvPicPr>
-          <p:nvPr/>
-        </p:nvPicPr>
-        <p:blipFill>
-          <a:blip r:embed="rId5">
-            <a:extLst>
-              <a:ext uri="{28A0092B-C50C-407E-A947-70E740481C1C}">
-                <a14:useLocalDpi xmlns:a14="http://schemas.microsoft.com/office/drawing/2010/main" val="0"/>
-              </a:ext>
-            </a:extLst>
-          </a:blip>
-          <a:srcRect/>
-          <a:stretch>
-            <a:fillRect/>
-          </a:stretch>
-        </p:blipFill>
-        <p:spPr bwMode="auto">
-          <a:xfrm>
-            <a:off x="3069176" y="6030445"/>
-            <a:ext cx="155341" cy="174622"/>
-          </a:xfrm>
-          <a:prstGeom prst="rect">
-            <a:avLst/>
-          </a:prstGeom>
-          <a:noFill/>
-          <a:extLst>
-            <a:ext uri="{909E8E84-426E-40DD-AFC4-6F175D3DCCD1}">
-              <a14:hiddenFill xmlns:a14="http://schemas.microsoft.com/office/drawing/2010/main">
-                <a:solidFill>
-                  <a:srgbClr val="FFFFFF"/>
-                </a:solidFill>
-              </a14:hiddenFill>
-            </a:ext>
-          </a:extLst>
-        </p:spPr>
-      </p:pic>
-      <p:pic>
-        <p:nvPicPr>
-          <p:cNvPr id="5" name="Picture 2" descr="Anaconda | Anaconda Distribution">
-            <a:extLst>
-              <a:ext uri="{FF2B5EF4-FFF2-40B4-BE49-F238E27FC236}">
-                <a16:creationId xmlns:a16="http://schemas.microsoft.com/office/drawing/2014/main" id="{283349FD-7A3D-73D5-55B4-BF1B000FEBEB}"/>
-              </a:ext>
-            </a:extLst>
-          </p:cNvPr>
-          <p:cNvPicPr>
-            <a:picLocks noChangeAspect="1" noChangeArrowheads="1"/>
-          </p:cNvPicPr>
-          <p:nvPr/>
-        </p:nvPicPr>
-        <p:blipFill>
-          <a:blip r:embed="rId6">
-            <a:extLst>
-              <a:ext uri="{28A0092B-C50C-407E-A947-70E740481C1C}">
-                <a14:useLocalDpi xmlns:a14="http://schemas.microsoft.com/office/drawing/2010/main" val="0"/>
-              </a:ext>
-            </a:extLst>
-          </a:blip>
-          <a:srcRect/>
-          <a:stretch>
-            <a:fillRect/>
-          </a:stretch>
-        </p:blipFill>
-        <p:spPr bwMode="auto">
-          <a:xfrm>
-            <a:off x="8029165" y="5512148"/>
-            <a:ext cx="2023481" cy="1062327"/>
-          </a:xfrm>
-          <a:prstGeom prst="rect">
-            <a:avLst/>
-          </a:prstGeom>
-          <a:noFill/>
-          <a:extLst>
-            <a:ext uri="{909E8E84-426E-40DD-AFC4-6F175D3DCCD1}">
-              <a14:hiddenFill xmlns:a14="http://schemas.microsoft.com/office/drawing/2010/main">
-                <a:solidFill>
-                  <a:srgbClr val="FFFFFF"/>
-                </a:solidFill>
-              </a14:hiddenFill>
-            </a:ext>
-          </a:extLst>
-        </p:spPr>
-      </p:pic>
-      <p:sp>
-        <p:nvSpPr>
-          <p:cNvPr id="6" name="Espace réservé du contenu 2">
-            <a:extLst>
-              <a:ext uri="{FF2B5EF4-FFF2-40B4-BE49-F238E27FC236}">
-                <a16:creationId xmlns:a16="http://schemas.microsoft.com/office/drawing/2014/main" id="{25AB5DE4-70E7-74B4-713D-8A5472B44AD2}"/>
-              </a:ext>
-            </a:extLst>
-          </p:cNvPr>
-          <p:cNvSpPr txBox="1">
-            <a:spLocks/>
-          </p:cNvSpPr>
-          <p:nvPr/>
-        </p:nvSpPr>
-        <p:spPr>
-          <a:xfrm>
-            <a:off x="8209102" y="4546318"/>
-            <a:ext cx="3586257" cy="2028157"/>
-          </a:xfrm>
-          <a:prstGeom prst="rect">
-            <a:avLst/>
-          </a:prstGeom>
-        </p:spPr>
-        <p:txBody>
-          <a:bodyPr>
-            <a:normAutofit/>
-          </a:bodyPr>
-          <a:lstStyle>
-            <a:lvl1pPr marL="228600" indent="-228600" algn="l" defTabSz="914400" rtl="0" eaLnBrk="1" latinLnBrk="0" hangingPunct="1">
-              <a:lnSpc>
-                <a:spcPct val="110000"/>
-              </a:lnSpc>
-              <a:spcBef>
-                <a:spcPts val="1000"/>
-              </a:spcBef>
-              <a:buFont typeface="Arial" panose="020B0604020202020204" pitchFamily="34" charset="0"/>
-              <a:buChar char="•"/>
-              <a:defRPr sz="2800" kern="1200">
-                <a:solidFill>
-                  <a:schemeClr val="tx1"/>
-                </a:solidFill>
-                <a:latin typeface="+mn-lt"/>
-                <a:ea typeface="+mn-ea"/>
-                <a:cs typeface="+mn-cs"/>
-              </a:defRPr>
-            </a:lvl1pPr>
-            <a:lvl2pPr marL="685800" indent="-228600" algn="l" defTabSz="914400" rtl="0" eaLnBrk="1" latinLnBrk="0" hangingPunct="1">
-              <a:lnSpc>
-                <a:spcPct val="110000"/>
-              </a:lnSpc>
-              <a:spcBef>
-                <a:spcPts val="500"/>
-              </a:spcBef>
-              <a:buFont typeface="Arial" panose="020B0604020202020204" pitchFamily="34" charset="0"/>
-              <a:buChar char="•"/>
-              <a:defRPr sz="2400" kern="1200">
-                <a:solidFill>
-                  <a:schemeClr val="tx1"/>
-                </a:solidFill>
-                <a:latin typeface="+mn-lt"/>
-                <a:ea typeface="+mn-ea"/>
-                <a:cs typeface="+mn-cs"/>
-              </a:defRPr>
-            </a:lvl2pPr>
-            <a:lvl3pPr marL="1143000" indent="-228600" algn="l" defTabSz="914400" rtl="0" eaLnBrk="1" latinLnBrk="0" hangingPunct="1">
-              <a:lnSpc>
-                <a:spcPct val="110000"/>
-              </a:lnSpc>
-              <a:spcBef>
-                <a:spcPts val="500"/>
-              </a:spcBef>
-              <a:buFont typeface="Arial" panose="020B0604020202020204" pitchFamily="34" charset="0"/>
-              <a:buChar char="•"/>
-              <a:defRPr sz="2000" kern="1200">
-                <a:solidFill>
-                  <a:schemeClr val="tx1"/>
-                </a:solidFill>
-                <a:latin typeface="+mn-lt"/>
-                <a:ea typeface="+mn-ea"/>
-                <a:cs typeface="+mn-cs"/>
-              </a:defRPr>
-            </a:lvl3pPr>
-            <a:lvl4pPr marL="1600200" indent="-228600" algn="l" defTabSz="914400" rtl="0" eaLnBrk="1" latinLnBrk="0" hangingPunct="1">
-              <a:lnSpc>
-                <a:spcPct val="110000"/>
-              </a:lnSpc>
-              <a:spcBef>
-                <a:spcPts val="500"/>
-              </a:spcBef>
-              <a:buFont typeface="Arial" panose="020B0604020202020204" pitchFamily="34" charset="0"/>
-              <a:buChar char="•"/>
-              <a:defRPr sz="1800" kern="1200">
-                <a:solidFill>
-                  <a:schemeClr val="tx1"/>
-                </a:solidFill>
-                <a:latin typeface="+mn-lt"/>
-                <a:ea typeface="+mn-ea"/>
-                <a:cs typeface="+mn-cs"/>
-              </a:defRPr>
-            </a:lvl4pPr>
-            <a:lvl5pPr marL="2057400" indent="-228600" algn="l" defTabSz="914400" rtl="0" eaLnBrk="1" latinLnBrk="0" hangingPunct="1">
-              <a:lnSpc>
-                <a:spcPct val="110000"/>
-              </a:lnSpc>
-              <a:spcBef>
-                <a:spcPts val="500"/>
-              </a:spcBef>
-              <a:buFont typeface="Arial" panose="020B0604020202020204" pitchFamily="34" charset="0"/>
-              <a:buChar char="•"/>
-              <a:defRPr sz="1800" kern="1200">
-                <a:solidFill>
-                  <a:schemeClr val="tx1"/>
-                </a:solidFill>
-                <a:latin typeface="+mn-lt"/>
-                <a:ea typeface="+mn-ea"/>
-                <a:cs typeface="+mn-cs"/>
-              </a:defRPr>
-            </a:lvl5pPr>
-            <a:lvl6pPr marL="2514600" indent="-228600" algn="l" defTabSz="914400" rtl="0" eaLnBrk="1" latinLnBrk="0" hangingPunct="1">
-              <a:lnSpc>
-                <a:spcPct val="90000"/>
-              </a:lnSpc>
-              <a:spcBef>
-                <a:spcPts val="500"/>
-              </a:spcBef>
-              <a:buFont typeface="Arial" panose="020B0604020202020204" pitchFamily="34" charset="0"/>
-              <a:buChar char="•"/>
-              <a:defRPr sz="1800" kern="1200">
-                <a:solidFill>
-                  <a:schemeClr val="tx1"/>
-                </a:solidFill>
-                <a:latin typeface="+mn-lt"/>
-                <a:ea typeface="+mn-ea"/>
-                <a:cs typeface="+mn-cs"/>
-              </a:defRPr>
-            </a:lvl6pPr>
-            <a:lvl7pPr marL="2971800" indent="-228600" algn="l" defTabSz="914400" rtl="0" eaLnBrk="1" latinLnBrk="0" hangingPunct="1">
-              <a:lnSpc>
-                <a:spcPct val="90000"/>
-              </a:lnSpc>
-              <a:spcBef>
-                <a:spcPts val="500"/>
-              </a:spcBef>
-              <a:buFont typeface="Arial" panose="020B0604020202020204" pitchFamily="34" charset="0"/>
-              <a:buChar char="•"/>
-              <a:defRPr sz="1800" kern="1200">
-                <a:solidFill>
-                  <a:schemeClr val="tx1"/>
-                </a:solidFill>
-                <a:latin typeface="+mn-lt"/>
-                <a:ea typeface="+mn-ea"/>
-                <a:cs typeface="+mn-cs"/>
-              </a:defRPr>
-            </a:lvl7pPr>
-            <a:lvl8pPr marL="3429000" indent="-228600" algn="l" defTabSz="914400" rtl="0" eaLnBrk="1" latinLnBrk="0" hangingPunct="1">
-              <a:lnSpc>
-                <a:spcPct val="90000"/>
-              </a:lnSpc>
-              <a:spcBef>
-                <a:spcPts val="500"/>
-              </a:spcBef>
-              <a:buFont typeface="Arial" panose="020B0604020202020204" pitchFamily="34" charset="0"/>
-              <a:buChar char="•"/>
-              <a:defRPr sz="1800" kern="1200">
-                <a:solidFill>
-                  <a:schemeClr val="tx1"/>
-                </a:solidFill>
-                <a:latin typeface="+mn-lt"/>
-                <a:ea typeface="+mn-ea"/>
-                <a:cs typeface="+mn-cs"/>
-              </a:defRPr>
-            </a:lvl8pPr>
-            <a:lvl9pPr marL="3886200" indent="-228600" algn="l" defTabSz="914400" rtl="0" eaLnBrk="1" latinLnBrk="0" hangingPunct="1">
-              <a:lnSpc>
-                <a:spcPct val="90000"/>
-              </a:lnSpc>
-              <a:spcBef>
-                <a:spcPts val="500"/>
-              </a:spcBef>
-              <a:buFont typeface="Arial" panose="020B0604020202020204" pitchFamily="34" charset="0"/>
-              <a:buChar char="•"/>
-              <a:defRPr sz="1800" kern="1200">
-                <a:solidFill>
-                  <a:schemeClr val="tx1"/>
-                </a:solidFill>
-                <a:latin typeface="+mn-lt"/>
-                <a:ea typeface="+mn-ea"/>
-                <a:cs typeface="+mn-cs"/>
-              </a:defRPr>
-            </a:lvl9pPr>
-          </a:lstStyle>
-          <a:p>
-            <a:r>
-              <a:rPr lang="fr-FR" sz="1600" dirty="0"/>
-              <a:t>Utilisation de </a:t>
-            </a:r>
-            <a:r>
-              <a:rPr lang="fr-FR" sz="1600" b="1" dirty="0"/>
-              <a:t>Python</a:t>
-            </a:r>
-          </a:p>
-          <a:p>
-            <a:pPr lvl="1"/>
-            <a:r>
-              <a:rPr lang="fr-FR" sz="1400" dirty="0"/>
-              <a:t>Anaconda 3</a:t>
-            </a:r>
-          </a:p>
-          <a:p>
-            <a:pPr lvl="1"/>
-            <a:r>
-              <a:rPr lang="fr-FR" sz="1400" dirty="0"/>
-              <a:t>Python 3.9 (ou supérieur)</a:t>
-            </a:r>
-          </a:p>
-          <a:p>
-            <a:pPr lvl="1"/>
-            <a:r>
-              <a:rPr lang="fr-FR" sz="1400" dirty="0" err="1"/>
-              <a:t>Spyder</a:t>
-            </a:r>
-            <a:r>
-              <a:rPr lang="fr-FR" sz="1400" dirty="0"/>
-              <a:t> 5</a:t>
-            </a:r>
-          </a:p>
-        </p:txBody>
-      </p:sp>
-      <p:pic>
-        <p:nvPicPr>
-          <p:cNvPr id="9" name="Picture 8" descr="Résultat de recherche d'images pour &quot;spyder logo&quot;">
-            <a:extLst>
-              <a:ext uri="{FF2B5EF4-FFF2-40B4-BE49-F238E27FC236}">
-                <a16:creationId xmlns:a16="http://schemas.microsoft.com/office/drawing/2014/main" id="{F8A43D4C-7EE1-FAE8-D390-C0EA6ADBDF50}"/>
-              </a:ext>
-            </a:extLst>
-          </p:cNvPr>
-          <p:cNvPicPr>
-            <a:picLocks noChangeAspect="1" noChangeArrowheads="1"/>
-          </p:cNvPicPr>
-          <p:nvPr/>
-        </p:nvPicPr>
-        <p:blipFill>
-          <a:blip r:embed="rId7">
-            <a:extLst>
-              <a:ext uri="{28A0092B-C50C-407E-A947-70E740481C1C}">
-                <a14:useLocalDpi xmlns:a14="http://schemas.microsoft.com/office/drawing/2010/main" val="0"/>
-              </a:ext>
-            </a:extLst>
-          </a:blip>
-          <a:srcRect/>
-          <a:stretch>
-            <a:fillRect/>
-          </a:stretch>
-        </p:blipFill>
-        <p:spPr bwMode="auto">
-          <a:xfrm>
-            <a:off x="10384597" y="5718787"/>
-            <a:ext cx="1357425" cy="678713"/>
-          </a:xfrm>
-          <a:prstGeom prst="rect">
-            <a:avLst/>
-          </a:prstGeom>
-          <a:noFill/>
-          <a:extLst>
-            <a:ext uri="{909E8E84-426E-40DD-AFC4-6F175D3DCCD1}">
-              <a14:hiddenFill xmlns:a14="http://schemas.microsoft.com/office/drawing/2010/main">
-                <a:solidFill>
-                  <a:srgbClr val="FFFFFF"/>
-                </a:solidFill>
-              </a14:hiddenFill>
-            </a:ext>
-          </a:extLst>
-        </p:spPr>
-      </p:pic>
-      <p:sp>
-        <p:nvSpPr>
-          <p:cNvPr id="8" name="Flèche : pentagone 7">
-            <a:extLst>
-              <a:ext uri="{FF2B5EF4-FFF2-40B4-BE49-F238E27FC236}">
-                <a16:creationId xmlns:a16="http://schemas.microsoft.com/office/drawing/2014/main" id="{DE0BEDCD-E5DF-76E2-9C57-E633D4909ABB}"/>
-              </a:ext>
-            </a:extLst>
-          </p:cNvPr>
-          <p:cNvSpPr/>
-          <p:nvPr/>
-        </p:nvSpPr>
-        <p:spPr>
-          <a:xfrm>
-            <a:off x="673975" y="3593212"/>
-            <a:ext cx="1956121" cy="431157"/>
-          </a:xfrm>
-          <a:prstGeom prst="homePlate">
-            <a:avLst/>
-          </a:prstGeom>
-          <a:solidFill>
-            <a:srgbClr val="002060"/>
-          </a:solidFill>
-        </p:spPr>
-        <p:style>
-          <a:lnRef idx="2">
-            <a:schemeClr val="accent1">
-              <a:shade val="15000"/>
-            </a:schemeClr>
-          </a:lnRef>
-          <a:fillRef idx="1">
-            <a:schemeClr val="accent1"/>
-          </a:fillRef>
-          <a:effectRef idx="0">
-            <a:schemeClr val="accent1"/>
-          </a:effectRef>
-          <a:fontRef idx="minor">
-            <a:schemeClr val="lt1"/>
-          </a:fontRef>
-        </p:style>
-        <p:txBody>
-          <a:bodyPr rtlCol="0" anchor="ctr"/>
-          <a:lstStyle/>
-          <a:p>
-            <a:pPr algn="ctr"/>
-            <a:r>
-              <a:rPr lang="fr-FR" sz="1600" b="1" dirty="0"/>
-              <a:t>S5</a:t>
-            </a:r>
-          </a:p>
-        </p:txBody>
-      </p:sp>
-      <p:sp>
-        <p:nvSpPr>
-          <p:cNvPr id="14" name="Flèche : chevron 13">
-            <a:extLst>
-              <a:ext uri="{FF2B5EF4-FFF2-40B4-BE49-F238E27FC236}">
-                <a16:creationId xmlns:a16="http://schemas.microsoft.com/office/drawing/2014/main" id="{E19A74D5-B90B-C584-AF4B-4381AD008D47}"/>
-              </a:ext>
-            </a:extLst>
-          </p:cNvPr>
-          <p:cNvSpPr/>
-          <p:nvPr/>
-        </p:nvSpPr>
-        <p:spPr>
-          <a:xfrm>
-            <a:off x="2626302" y="3584018"/>
-            <a:ext cx="2013995" cy="431157"/>
-          </a:xfrm>
-          <a:prstGeom prst="chevron">
-            <a:avLst/>
-          </a:prstGeom>
-          <a:solidFill>
-            <a:srgbClr val="002060"/>
-          </a:solidFill>
-        </p:spPr>
-        <p:style>
-          <a:lnRef idx="2">
-            <a:schemeClr val="accent1">
-              <a:shade val="15000"/>
-            </a:schemeClr>
-          </a:lnRef>
-          <a:fillRef idx="1">
-            <a:schemeClr val="accent1"/>
-          </a:fillRef>
-          <a:effectRef idx="0">
-            <a:schemeClr val="accent1"/>
-          </a:effectRef>
-          <a:fontRef idx="minor">
-            <a:schemeClr val="lt1"/>
-          </a:fontRef>
-        </p:style>
-        <p:txBody>
-          <a:bodyPr rtlCol="0" anchor="ctr"/>
-          <a:lstStyle/>
-          <a:p>
-            <a:pPr algn="ctr"/>
-            <a:r>
-              <a:rPr lang="fr-FR" sz="1600" b="1" dirty="0">
-                <a:solidFill>
-                  <a:schemeClr val="bg1"/>
-                </a:solidFill>
-              </a:rPr>
-              <a:t>S6</a:t>
-            </a:r>
-          </a:p>
-        </p:txBody>
-      </p:sp>
-      <p:sp>
-        <p:nvSpPr>
-          <p:cNvPr id="15" name="Flèche : chevron 14">
-            <a:extLst>
-              <a:ext uri="{FF2B5EF4-FFF2-40B4-BE49-F238E27FC236}">
-                <a16:creationId xmlns:a16="http://schemas.microsoft.com/office/drawing/2014/main" id="{7329DD31-9FD9-DAC6-1C18-72336D1CFE43}"/>
-              </a:ext>
-            </a:extLst>
-          </p:cNvPr>
-          <p:cNvSpPr/>
-          <p:nvPr/>
-        </p:nvSpPr>
-        <p:spPr>
-          <a:xfrm>
-            <a:off x="4644090" y="3593211"/>
-            <a:ext cx="2013995" cy="431157"/>
-          </a:xfrm>
-          <a:prstGeom prst="chevron">
-            <a:avLst/>
-          </a:prstGeom>
-          <a:solidFill>
-            <a:srgbClr val="0070C0"/>
-          </a:solidFill>
-        </p:spPr>
-        <p:style>
-          <a:lnRef idx="2">
-            <a:schemeClr val="accent1">
-              <a:shade val="15000"/>
-            </a:schemeClr>
-          </a:lnRef>
-          <a:fillRef idx="1">
-            <a:schemeClr val="accent1"/>
-          </a:fillRef>
-          <a:effectRef idx="0">
-            <a:schemeClr val="accent1"/>
-          </a:effectRef>
-          <a:fontRef idx="minor">
-            <a:schemeClr val="lt1"/>
-          </a:fontRef>
-        </p:style>
-        <p:txBody>
-          <a:bodyPr rtlCol="0" anchor="ctr"/>
-          <a:lstStyle/>
-          <a:p>
-            <a:pPr algn="ctr"/>
-            <a:r>
-              <a:rPr lang="fr-FR" sz="1400" b="1" dirty="0">
-                <a:solidFill>
-                  <a:schemeClr val="bg1"/>
-                </a:solidFill>
-              </a:rPr>
-              <a:t>S7</a:t>
-            </a:r>
-          </a:p>
-        </p:txBody>
-      </p:sp>
-      <p:sp>
-        <p:nvSpPr>
-          <p:cNvPr id="16" name="Flèche : pentagone 15">
-            <a:extLst>
-              <a:ext uri="{FF2B5EF4-FFF2-40B4-BE49-F238E27FC236}">
-                <a16:creationId xmlns:a16="http://schemas.microsoft.com/office/drawing/2014/main" id="{70131168-0374-3DEE-451D-B529FBB9EFE7}"/>
-              </a:ext>
-            </a:extLst>
-          </p:cNvPr>
-          <p:cNvSpPr/>
-          <p:nvPr/>
-        </p:nvSpPr>
-        <p:spPr>
-          <a:xfrm>
-            <a:off x="681196" y="4169929"/>
-            <a:ext cx="1956121" cy="431157"/>
-          </a:xfrm>
-          <a:prstGeom prst="homePlate">
-            <a:avLst/>
-          </a:prstGeom>
-          <a:solidFill>
-            <a:schemeClr val="bg1"/>
-          </a:solidFill>
-          <a:ln w="19050">
-            <a:solidFill>
-              <a:srgbClr val="002060"/>
-            </a:solidFill>
-          </a:ln>
-        </p:spPr>
-        <p:style>
-          <a:lnRef idx="2">
-            <a:schemeClr val="accent1">
-              <a:shade val="15000"/>
-            </a:schemeClr>
-          </a:lnRef>
-          <a:fillRef idx="1">
-            <a:schemeClr val="accent1"/>
-          </a:fillRef>
-          <a:effectRef idx="0">
-            <a:schemeClr val="accent1"/>
-          </a:effectRef>
-          <a:fontRef idx="minor">
-            <a:schemeClr val="lt1"/>
-          </a:fontRef>
-        </p:style>
-        <p:txBody>
-          <a:bodyPr rtlCol="0" anchor="ctr"/>
-          <a:lstStyle/>
-          <a:p>
-            <a:pPr algn="ctr"/>
-            <a:r>
-              <a:rPr lang="fr-FR" sz="1600" dirty="0">
-                <a:solidFill>
-                  <a:srgbClr val="002060"/>
-                </a:solidFill>
-              </a:rPr>
-              <a:t>ONIP-1</a:t>
-            </a:r>
-          </a:p>
-        </p:txBody>
-      </p:sp>
-      <p:sp>
-        <p:nvSpPr>
-          <p:cNvPr id="17" name="Flèche : chevron 16">
-            <a:extLst>
-              <a:ext uri="{FF2B5EF4-FFF2-40B4-BE49-F238E27FC236}">
-                <a16:creationId xmlns:a16="http://schemas.microsoft.com/office/drawing/2014/main" id="{BE32E954-04E6-B1FB-0EC8-C5D1DA8D5104}"/>
-              </a:ext>
-            </a:extLst>
-          </p:cNvPr>
-          <p:cNvSpPr/>
-          <p:nvPr/>
-        </p:nvSpPr>
-        <p:spPr>
-          <a:xfrm>
-            <a:off x="2637317" y="4169928"/>
-            <a:ext cx="2013995" cy="431157"/>
-          </a:xfrm>
-          <a:prstGeom prst="chevron">
-            <a:avLst/>
-          </a:prstGeom>
-          <a:solidFill>
-            <a:schemeClr val="bg1"/>
-          </a:solidFill>
-          <a:ln w="19050">
-            <a:solidFill>
-              <a:srgbClr val="002060"/>
-            </a:solidFill>
-          </a:ln>
-        </p:spPr>
-        <p:style>
-          <a:lnRef idx="2">
-            <a:schemeClr val="accent1">
-              <a:shade val="15000"/>
-            </a:schemeClr>
-          </a:lnRef>
-          <a:fillRef idx="1">
-            <a:schemeClr val="accent1"/>
-          </a:fillRef>
-          <a:effectRef idx="0">
-            <a:schemeClr val="accent1"/>
-          </a:effectRef>
-          <a:fontRef idx="minor">
-            <a:schemeClr val="lt1"/>
-          </a:fontRef>
-        </p:style>
-        <p:txBody>
-          <a:bodyPr rtlCol="0" anchor="ctr"/>
-          <a:lstStyle/>
-          <a:p>
-            <a:pPr algn="ctr"/>
-            <a:r>
-              <a:rPr lang="fr-FR" sz="1600" b="1" dirty="0">
-                <a:solidFill>
-                  <a:schemeClr val="bg1"/>
-                </a:solidFill>
-              </a:rPr>
-              <a:t>S</a:t>
-            </a:r>
-            <a:r>
-              <a:rPr lang="fr-FR" sz="1600" dirty="0">
-                <a:solidFill>
-                  <a:srgbClr val="002060"/>
-                </a:solidFill>
-              </a:rPr>
-              <a:t> ONIP-2</a:t>
-            </a:r>
-            <a:r>
-              <a:rPr lang="fr-FR" sz="1600" b="1" dirty="0">
-                <a:solidFill>
-                  <a:schemeClr val="bg1"/>
-                </a:solidFill>
-              </a:rPr>
-              <a:t>6</a:t>
-            </a:r>
-          </a:p>
-        </p:txBody>
-      </p:sp>
-      <p:pic>
-        <p:nvPicPr>
-          <p:cNvPr id="18" name="Picture 4" descr="Résultat de recherche d'images pour &quot;python logo&quot;">
-            <a:extLst>
-              <a:ext uri="{FF2B5EF4-FFF2-40B4-BE49-F238E27FC236}">
-                <a16:creationId xmlns:a16="http://schemas.microsoft.com/office/drawing/2014/main" id="{B85C68BF-EEBC-F10A-B472-3332DA838672}"/>
-              </a:ext>
-            </a:extLst>
-          </p:cNvPr>
-          <p:cNvPicPr>
-            <a:picLocks noChangeAspect="1" noChangeArrowheads="1"/>
-          </p:cNvPicPr>
-          <p:nvPr/>
-        </p:nvPicPr>
-        <p:blipFill>
-          <a:blip r:embed="rId3">
-            <a:extLst>
-              <a:ext uri="{28A0092B-C50C-407E-A947-70E740481C1C}">
-                <a14:useLocalDpi xmlns:a14="http://schemas.microsoft.com/office/drawing/2010/main" val="0"/>
-              </a:ext>
-            </a:extLst>
-          </a:blip>
-          <a:srcRect/>
-          <a:stretch>
-            <a:fillRect/>
-          </a:stretch>
-        </p:blipFill>
-        <p:spPr bwMode="auto">
-          <a:xfrm>
-            <a:off x="837343" y="4233214"/>
-            <a:ext cx="287369" cy="315902"/>
-          </a:xfrm>
-          <a:prstGeom prst="rect">
-            <a:avLst/>
-          </a:prstGeom>
-          <a:noFill/>
-          <a:extLst>
-            <a:ext uri="{909E8E84-426E-40DD-AFC4-6F175D3DCCD1}">
-              <a14:hiddenFill xmlns:a14="http://schemas.microsoft.com/office/drawing/2010/main">
-                <a:solidFill>
-                  <a:srgbClr val="FFFFFF"/>
-                </a:solidFill>
-              </a14:hiddenFill>
-            </a:ext>
-          </a:extLst>
-        </p:spPr>
-      </p:pic>
-      <p:pic>
-        <p:nvPicPr>
-          <p:cNvPr id="21" name="Picture 4" descr="Résultat de recherche d'images pour &quot;python logo&quot;">
-            <a:extLst>
-              <a:ext uri="{FF2B5EF4-FFF2-40B4-BE49-F238E27FC236}">
-                <a16:creationId xmlns:a16="http://schemas.microsoft.com/office/drawing/2014/main" id="{2C7309B2-A035-046F-75F8-C277F95FC75A}"/>
-              </a:ext>
-            </a:extLst>
-          </p:cNvPr>
-          <p:cNvPicPr>
-            <a:picLocks noChangeAspect="1" noChangeArrowheads="1"/>
-          </p:cNvPicPr>
-          <p:nvPr/>
-        </p:nvPicPr>
-        <p:blipFill>
-          <a:blip r:embed="rId3">
-            <a:extLst>
-              <a:ext uri="{28A0092B-C50C-407E-A947-70E740481C1C}">
-                <a14:useLocalDpi xmlns:a14="http://schemas.microsoft.com/office/drawing/2010/main" val="0"/>
-              </a:ext>
-            </a:extLst>
-          </a:blip>
-          <a:srcRect/>
-          <a:stretch>
-            <a:fillRect/>
-          </a:stretch>
-        </p:blipFill>
-        <p:spPr bwMode="auto">
-          <a:xfrm>
-            <a:off x="2937148" y="4227555"/>
-            <a:ext cx="287369" cy="315902"/>
-          </a:xfrm>
-          <a:prstGeom prst="rect">
-            <a:avLst/>
-          </a:prstGeom>
-          <a:noFill/>
-          <a:extLst>
-            <a:ext uri="{909E8E84-426E-40DD-AFC4-6F175D3DCCD1}">
-              <a14:hiddenFill xmlns:a14="http://schemas.microsoft.com/office/drawing/2010/main">
-                <a:solidFill>
-                  <a:srgbClr val="FFFFFF"/>
-                </a:solidFill>
-              </a14:hiddenFill>
-            </a:ext>
-          </a:extLst>
-        </p:spPr>
-      </p:pic>
-      <p:sp>
-        <p:nvSpPr>
-          <p:cNvPr id="26" name="Flèche : chevron 25">
-            <a:extLst>
-              <a:ext uri="{FF2B5EF4-FFF2-40B4-BE49-F238E27FC236}">
-                <a16:creationId xmlns:a16="http://schemas.microsoft.com/office/drawing/2014/main" id="{D6577812-BB5F-5A32-7333-DE51F23A5C4A}"/>
-              </a:ext>
-            </a:extLst>
-          </p:cNvPr>
-          <p:cNvSpPr/>
-          <p:nvPr/>
-        </p:nvSpPr>
-        <p:spPr>
-          <a:xfrm>
-            <a:off x="4644090" y="4162816"/>
-            <a:ext cx="2013995" cy="431157"/>
-          </a:xfrm>
-          <a:prstGeom prst="chevron">
-            <a:avLst/>
-          </a:prstGeom>
-          <a:solidFill>
-            <a:schemeClr val="bg1"/>
-          </a:solidFill>
-          <a:ln w="19050">
-            <a:solidFill>
-              <a:srgbClr val="0070C0"/>
-            </a:solidFill>
-          </a:ln>
-        </p:spPr>
-        <p:style>
-          <a:lnRef idx="2">
-            <a:schemeClr val="accent1">
-              <a:shade val="15000"/>
-            </a:schemeClr>
-          </a:lnRef>
-          <a:fillRef idx="1">
-            <a:schemeClr val="accent1"/>
-          </a:fillRef>
-          <a:effectRef idx="0">
-            <a:schemeClr val="accent1"/>
-          </a:effectRef>
-          <a:fontRef idx="minor">
-            <a:schemeClr val="lt1"/>
-          </a:fontRef>
-        </p:style>
-        <p:txBody>
-          <a:bodyPr rtlCol="0" anchor="ctr"/>
-          <a:lstStyle/>
-          <a:p>
-            <a:pPr algn="ctr"/>
-            <a:r>
-              <a:rPr lang="fr-FR" sz="1600" b="1" dirty="0">
-                <a:solidFill>
-                  <a:schemeClr val="bg1"/>
-                </a:solidFill>
-              </a:rPr>
-              <a:t>S</a:t>
-            </a:r>
-            <a:r>
-              <a:rPr lang="fr-FR" sz="1600" dirty="0">
-                <a:solidFill>
-                  <a:srgbClr val="002060"/>
-                </a:solidFill>
-              </a:rPr>
-              <a:t> Calc. </a:t>
-            </a:r>
-            <a:r>
-              <a:rPr lang="fr-FR" sz="1600" dirty="0" err="1">
-                <a:solidFill>
-                  <a:srgbClr val="002060"/>
-                </a:solidFill>
-              </a:rPr>
-              <a:t>Sci</a:t>
-            </a:r>
-            <a:r>
-              <a:rPr lang="fr-FR" sz="1600" dirty="0">
-                <a:solidFill>
-                  <a:srgbClr val="002060"/>
-                </a:solidFill>
-              </a:rPr>
-              <a:t>.</a:t>
-            </a:r>
-            <a:endParaRPr lang="fr-FR" sz="1600" b="1" dirty="0">
-              <a:solidFill>
-                <a:schemeClr val="bg1"/>
-              </a:solidFill>
-            </a:endParaRPr>
-          </a:p>
-        </p:txBody>
-      </p:sp>
-      <p:pic>
-        <p:nvPicPr>
-          <p:cNvPr id="27" name="Picture 4">
-            <a:extLst>
-              <a:ext uri="{FF2B5EF4-FFF2-40B4-BE49-F238E27FC236}">
-                <a16:creationId xmlns:a16="http://schemas.microsoft.com/office/drawing/2014/main" id="{54BA79D9-B13F-0FD2-512E-977209E2E745}"/>
-              </a:ext>
-            </a:extLst>
-          </p:cNvPr>
-          <p:cNvPicPr>
-            <a:picLocks noChangeAspect="1" noChangeArrowheads="1"/>
-          </p:cNvPicPr>
-          <p:nvPr/>
-        </p:nvPicPr>
-        <p:blipFill>
-          <a:blip r:embed="rId4">
-            <a:extLst>
-              <a:ext uri="{28A0092B-C50C-407E-A947-70E740481C1C}">
-                <a14:useLocalDpi xmlns:a14="http://schemas.microsoft.com/office/drawing/2010/main" val="0"/>
-              </a:ext>
-            </a:extLst>
-          </a:blip>
-          <a:srcRect/>
-          <a:stretch>
-            <a:fillRect/>
-          </a:stretch>
-        </p:blipFill>
-        <p:spPr bwMode="auto">
-          <a:xfrm>
-            <a:off x="4878766" y="4227555"/>
-            <a:ext cx="352524" cy="315693"/>
-          </a:xfrm>
-          <a:prstGeom prst="rect">
-            <a:avLst/>
-          </a:prstGeom>
-          <a:noFill/>
-          <a:extLst>
-            <a:ext uri="{909E8E84-426E-40DD-AFC4-6F175D3DCCD1}">
-              <a14:hiddenFill xmlns:a14="http://schemas.microsoft.com/office/drawing/2010/main">
-                <a:solidFill>
-                  <a:srgbClr val="FFFFFF"/>
-                </a:solidFill>
-              </a14:hiddenFill>
-            </a:ext>
-          </a:extLst>
-        </p:spPr>
-      </p:pic>
-      <p:sp>
-        <p:nvSpPr>
-          <p:cNvPr id="30" name="ZoneTexte 29">
-            <a:extLst>
-              <a:ext uri="{FF2B5EF4-FFF2-40B4-BE49-F238E27FC236}">
-                <a16:creationId xmlns:a16="http://schemas.microsoft.com/office/drawing/2014/main" id="{6C994D10-3347-DD17-98E7-6CECFC87967C}"/>
-              </a:ext>
-            </a:extLst>
-          </p:cNvPr>
-          <p:cNvSpPr txBox="1"/>
-          <p:nvPr/>
-        </p:nvSpPr>
-        <p:spPr>
-          <a:xfrm>
-            <a:off x="619125" y="3103984"/>
-            <a:ext cx="1715919" cy="369332"/>
-          </a:xfrm>
-          <a:prstGeom prst="rect">
-            <a:avLst/>
-          </a:prstGeom>
-          <a:noFill/>
-        </p:spPr>
-        <p:txBody>
-          <a:bodyPr wrap="none" rtlCol="0">
-            <a:spAutoFit/>
-          </a:bodyPr>
-          <a:lstStyle/>
-          <a:p>
-            <a:r>
-              <a:rPr lang="fr-FR" b="1" dirty="0">
-                <a:solidFill>
-                  <a:srgbClr val="002060"/>
-                </a:solidFill>
-              </a:rPr>
-              <a:t>Rentrée 2023</a:t>
-            </a:r>
-          </a:p>
-        </p:txBody>
-      </p:sp>
-    </p:spTree>
-    <p:extLst>
-      <p:ext uri="{BB962C8B-B14F-4D97-AF65-F5344CB8AC3E}">
-        <p14:creationId xmlns:p14="http://schemas.microsoft.com/office/powerpoint/2010/main" val="3150225734"/>
-      </p:ext>
-    </p:extLst>
-  </p:cSld>
-  <p:clrMapOvr>
-    <a:masterClrMapping/>
-  </p:clrMapOvr>
-</p:sld>
-</file>
-
-<file path=ppt/slides/slide14.xml><?xml version="1.0" encoding="utf-8"?>
+<file path=ppt/slides/slide11.xml><?xml version="1.0" encoding="utf-8"?>
 <p:sld xmlns:a="http://schemas.openxmlformats.org/drawingml/2006/main" xmlns:r="http://schemas.openxmlformats.org/officeDocument/2006/relationships" xmlns:p="http://schemas.openxmlformats.org/presentationml/2006/main">
   <p:cSld>
     <p:spTree>
@@ -14700,7 +12239,7 @@
         </p:nvSpPr>
         <p:spPr>
           <a:xfrm>
-            <a:off x="1115567" y="5428760"/>
+            <a:off x="2452500" y="6279534"/>
             <a:ext cx="3383282" cy="369332"/>
           </a:xfrm>
           <a:prstGeom prst="rect">
@@ -14758,59 +12297,6 @@
               </a:solidFill>
               <a:latin typeface="Arial"/>
             </a:endParaRPr>
-          </a:p>
-        </p:txBody>
-      </p:sp>
-      <p:sp>
-        <p:nvSpPr>
-          <p:cNvPr id="13" name="ZoneTexte 12">
-            <a:extLst>
-              <a:ext uri="{FF2B5EF4-FFF2-40B4-BE49-F238E27FC236}">
-                <a16:creationId xmlns:a16="http://schemas.microsoft.com/office/drawing/2014/main" id="{87F67F72-3410-5574-AD50-8CBAEA99F56E}"/>
-              </a:ext>
-            </a:extLst>
-          </p:cNvPr>
-          <p:cNvSpPr txBox="1"/>
-          <p:nvPr/>
-        </p:nvSpPr>
-        <p:spPr>
-          <a:xfrm>
-            <a:off x="1455056" y="5829746"/>
-            <a:ext cx="3211299" cy="830997"/>
-          </a:xfrm>
-          <a:prstGeom prst="rect">
-            <a:avLst/>
-          </a:prstGeom>
-          <a:noFill/>
-        </p:spPr>
-        <p:txBody>
-          <a:bodyPr wrap="square">
-            <a:spAutoFit/>
-          </a:bodyPr>
-          <a:lstStyle/>
-          <a:p>
-            <a:r>
-              <a:rPr lang="fr-FR" sz="1200" dirty="0"/>
-              <a:t>Séance 1 : problématique</a:t>
-            </a:r>
-          </a:p>
-          <a:p>
-            <a:r>
-              <a:rPr lang="fr-FR" sz="1200" dirty="0"/>
-              <a:t>Séances 2-3 : mise en œuvre numérique</a:t>
-            </a:r>
-          </a:p>
-          <a:p>
-            <a:r>
-              <a:rPr lang="fr-FR" sz="1200" dirty="0"/>
-              <a:t>Séance 4 : mise en forme des résultats</a:t>
-            </a:r>
-          </a:p>
-          <a:p>
-            <a:r>
-              <a:rPr lang="fr-FR" sz="1200" dirty="0"/>
-              <a:t>Séance 5 : évaluation</a:t>
-            </a:r>
           </a:p>
         </p:txBody>
       </p:sp>
@@ -16283,7 +13769,7 @@
         </p:nvSpPr>
         <p:spPr>
           <a:xfrm>
-            <a:off x="1115567" y="4970779"/>
+            <a:off x="2452500" y="5821553"/>
             <a:ext cx="3383282" cy="369332"/>
           </a:xfrm>
           <a:prstGeom prst="rect">
@@ -16481,8 +13967,8 @@
         </p:nvSpPr>
         <p:spPr>
           <a:xfrm>
-            <a:off x="985299" y="1834748"/>
-            <a:ext cx="4554090" cy="523220"/>
+            <a:off x="1010476" y="1835085"/>
+            <a:ext cx="5231133" cy="584775"/>
           </a:xfrm>
           <a:prstGeom prst="rect">
             <a:avLst/>
@@ -16496,22 +13982,22 @@
           <a:lstStyle/>
           <a:p>
             <a:r>
-              <a:rPr lang="fr-FR" sz="1400" dirty="0"/>
+              <a:rPr lang="fr-FR" sz="1600" dirty="0"/>
               <a:t>Être capable d’ </a:t>
             </a:r>
             <a:r>
-              <a:rPr lang="fr-FR" sz="1400" b="1" dirty="0"/>
+              <a:rPr lang="fr-FR" sz="1600" b="1" dirty="0"/>
               <a:t>écrire un script réutilisable </a:t>
             </a:r>
             <a:r>
-              <a:rPr lang="fr-FR" sz="1400" dirty="0"/>
+              <a:rPr lang="fr-FR" sz="1600" dirty="0"/>
               <a:t>dans un langage de haut niveau (à but scientifique)</a:t>
             </a:r>
             <a:r>
-              <a:rPr lang="fr-FR" sz="1400" b="1" dirty="0"/>
+              <a:rPr lang="fr-FR" sz="1600" b="1" dirty="0"/>
               <a:t> </a:t>
             </a:r>
-            <a:endParaRPr lang="fr-FR" sz="1400" dirty="0"/>
+            <a:endParaRPr lang="fr-FR" sz="1600" dirty="0"/>
           </a:p>
         </p:txBody>
       </p:sp>
@@ -16529,8 +14015,8 @@
         </p:nvSpPr>
         <p:spPr>
           <a:xfrm>
-            <a:off x="743267" y="1833744"/>
-            <a:ext cx="149912" cy="523221"/>
+            <a:off x="752532" y="1831129"/>
+            <a:ext cx="149912" cy="584775"/>
           </a:xfrm>
           <a:prstGeom prst="rect">
             <a:avLst/>
@@ -16581,8 +14067,8 @@
         </p:nvSpPr>
         <p:spPr>
           <a:xfrm>
-            <a:off x="985299" y="2446618"/>
-            <a:ext cx="4554090" cy="523220"/>
+            <a:off x="985298" y="2534069"/>
+            <a:ext cx="5110701" cy="584775"/>
           </a:xfrm>
           <a:prstGeom prst="rect">
             <a:avLst/>
@@ -16596,14 +14082,14 @@
           <a:lstStyle/>
           <a:p>
             <a:r>
-              <a:rPr lang="fr-FR" sz="1400" dirty="0"/>
+              <a:rPr lang="fr-FR" sz="1600" dirty="0"/>
               <a:t>Être capable de </a:t>
             </a:r>
             <a:r>
-              <a:rPr lang="fr-FR" sz="1400" b="1" dirty="0"/>
+              <a:rPr lang="fr-FR" sz="1600" b="1" dirty="0"/>
               <a:t>générer des graphiques scientifiques légendés</a:t>
             </a:r>
-            <a:endParaRPr lang="fr-FR" sz="1400" dirty="0"/>
+            <a:endParaRPr lang="fr-FR" sz="1600" dirty="0"/>
           </a:p>
         </p:txBody>
       </p:sp>
@@ -16621,8 +14107,8 @@
         </p:nvSpPr>
         <p:spPr>
           <a:xfrm>
-            <a:off x="743267" y="2445614"/>
-            <a:ext cx="149912" cy="523221"/>
+            <a:off x="752532" y="2533699"/>
+            <a:ext cx="149912" cy="582161"/>
           </a:xfrm>
           <a:prstGeom prst="rect">
             <a:avLst/>
@@ -16673,8 +14159,8 @@
         </p:nvSpPr>
         <p:spPr>
           <a:xfrm>
-            <a:off x="980167" y="3670498"/>
-            <a:ext cx="4554090" cy="523220"/>
+            <a:off x="980167" y="3936223"/>
+            <a:ext cx="5115832" cy="584775"/>
           </a:xfrm>
           <a:prstGeom prst="rect">
             <a:avLst/>
@@ -16688,31 +14174,31 @@
           <a:lstStyle/>
           <a:p>
             <a:r>
-              <a:rPr lang="fr-FR" sz="1400" dirty="0"/>
+              <a:rPr lang="fr-FR" sz="1600" dirty="0"/>
               <a:t>Être capable de </a:t>
             </a:r>
             <a:r>
-              <a:rPr lang="fr-FR" sz="1400" b="1" dirty="0"/>
+              <a:rPr lang="fr-FR" sz="1600" b="1" dirty="0"/>
               <a:t>calculer</a:t>
             </a:r>
             <a:r>
-              <a:rPr lang="fr-FR" sz="1400" dirty="0"/>
+              <a:rPr lang="fr-FR" sz="1600" dirty="0"/>
               <a:t>, d’ </a:t>
             </a:r>
             <a:r>
-              <a:rPr lang="fr-FR" sz="1400" b="1" dirty="0"/>
+              <a:rPr lang="fr-FR" sz="1600" b="1" dirty="0"/>
               <a:t>afficher </a:t>
             </a:r>
             <a:r>
-              <a:rPr lang="fr-FR" sz="1400" dirty="0"/>
+              <a:rPr lang="fr-FR" sz="1600" dirty="0"/>
               <a:t>et d’ </a:t>
             </a:r>
             <a:r>
-              <a:rPr lang="fr-FR" sz="1400" b="1" dirty="0"/>
+              <a:rPr lang="fr-FR" sz="1600" b="1" dirty="0"/>
               <a:t>utiliser la transformée de  Fourier discrète </a:t>
             </a:r>
             <a:r>
-              <a:rPr lang="fr-FR" sz="1400" dirty="0"/>
+              <a:rPr lang="fr-FR" sz="1600" dirty="0"/>
               <a:t>d’un signal (AM)</a:t>
             </a:r>
           </a:p>
@@ -16732,8 +14218,8 @@
         </p:nvSpPr>
         <p:spPr>
           <a:xfrm>
-            <a:off x="738135" y="3669494"/>
-            <a:ext cx="149912" cy="523221"/>
+            <a:off x="752532" y="3936221"/>
+            <a:ext cx="149912" cy="584775"/>
           </a:xfrm>
           <a:prstGeom prst="rect">
             <a:avLst/>
@@ -16784,8 +14270,8 @@
         </p:nvSpPr>
         <p:spPr>
           <a:xfrm>
-            <a:off x="980167" y="3057052"/>
-            <a:ext cx="4554090" cy="523220"/>
+            <a:off x="980167" y="3233655"/>
+            <a:ext cx="5261442" cy="584775"/>
           </a:xfrm>
           <a:prstGeom prst="rect">
             <a:avLst/>
@@ -16799,15 +14285,15 @@
           <a:lstStyle/>
           <a:p>
             <a:r>
-              <a:rPr lang="fr-FR" sz="1400" dirty="0"/>
+              <a:rPr lang="fr-FR" sz="1600" dirty="0"/>
               <a:t>Être capable de </a:t>
             </a:r>
             <a:r>
-              <a:rPr lang="fr-FR" sz="1400" b="1" dirty="0"/>
+              <a:rPr lang="fr-FR" sz="1600" b="1" dirty="0"/>
               <a:t>valider un modèle physique simple et fourni </a:t>
             </a:r>
             <a:r>
-              <a:rPr lang="fr-FR" sz="1400" dirty="0"/>
+              <a:rPr lang="fr-FR" sz="1600" dirty="0"/>
               <a:t>à l’aide d’un outil de calcul scientifique</a:t>
             </a:r>
           </a:p>
@@ -16827,8 +14313,8 @@
         </p:nvSpPr>
         <p:spPr>
           <a:xfrm>
-            <a:off x="738135" y="3056048"/>
-            <a:ext cx="149912" cy="523221"/>
+            <a:off x="752532" y="3233655"/>
+            <a:ext cx="149912" cy="584775"/>
           </a:xfrm>
           <a:prstGeom prst="rect">
             <a:avLst/>
@@ -16879,8 +14365,8 @@
         </p:nvSpPr>
         <p:spPr>
           <a:xfrm>
-            <a:off x="980855" y="4279356"/>
-            <a:ext cx="4554090" cy="523220"/>
+            <a:off x="980855" y="4638791"/>
+            <a:ext cx="5115144" cy="584775"/>
           </a:xfrm>
           <a:prstGeom prst="rect">
             <a:avLst/>
@@ -16894,15 +14380,15 @@
           <a:lstStyle/>
           <a:p>
             <a:r>
-              <a:rPr lang="fr-FR" sz="1400" dirty="0"/>
+              <a:rPr lang="fr-FR" sz="1600" dirty="0"/>
               <a:t>Être capable de </a:t>
             </a:r>
             <a:r>
-              <a:rPr lang="fr-FR" sz="1400" b="1" dirty="0"/>
+              <a:rPr lang="fr-FR" sz="1600" b="1" dirty="0"/>
               <a:t>traiter une série de données sous forme d’images </a:t>
             </a:r>
             <a:r>
-              <a:rPr lang="fr-FR" sz="1400" dirty="0"/>
+              <a:rPr lang="fr-FR" sz="1600" dirty="0"/>
               <a:t>(Laser)</a:t>
             </a:r>
           </a:p>
@@ -16922,8 +14408,8 @@
         </p:nvSpPr>
         <p:spPr>
           <a:xfrm>
-            <a:off x="738823" y="4278352"/>
-            <a:ext cx="149912" cy="523221"/>
+            <a:off x="752532" y="4638791"/>
+            <a:ext cx="149912" cy="584775"/>
           </a:xfrm>
           <a:prstGeom prst="rect">
             <a:avLst/>
@@ -16973,7 +14459,7 @@
 </p:sld>
 </file>
 
-<file path=ppt/slides/slide15.xml><?xml version="1.0" encoding="utf-8"?>
+<file path=ppt/slides/slide12.xml><?xml version="1.0" encoding="utf-8"?>
 <p:sld xmlns:a="http://schemas.openxmlformats.org/drawingml/2006/main" xmlns:r="http://schemas.openxmlformats.org/officeDocument/2006/relationships" xmlns:p="http://schemas.openxmlformats.org/presentationml/2006/main">
   <p:cSld>
     <p:spTree>
@@ -17344,7 +14830,7 @@
         <p:spPr>
           <a:xfrm>
             <a:off x="985299" y="1834748"/>
-            <a:ext cx="4554090" cy="523220"/>
+            <a:ext cx="4554090" cy="584775"/>
           </a:xfrm>
           <a:prstGeom prst="rect">
             <a:avLst/>
@@ -17358,14 +14844,14 @@
           <a:lstStyle/>
           <a:p>
             <a:r>
-              <a:rPr lang="fr-FR" sz="1400" dirty="0"/>
+              <a:rPr lang="fr-FR" sz="1600" dirty="0"/>
               <a:t>Être capable d’ </a:t>
             </a:r>
             <a:r>
-              <a:rPr lang="fr-FR" sz="1400" b="1" dirty="0"/>
+              <a:rPr lang="fr-FR" sz="1600" b="1" dirty="0"/>
               <a:t>écrire une application simple selon les règles de la programmation objet</a:t>
             </a:r>
-            <a:endParaRPr lang="fr-FR" sz="1400" dirty="0"/>
+            <a:endParaRPr lang="fr-FR" sz="1600" dirty="0"/>
           </a:p>
         </p:txBody>
       </p:sp>
@@ -17384,7 +14870,7 @@
         <p:spPr>
           <a:xfrm>
             <a:off x="743267" y="1833744"/>
-            <a:ext cx="149912" cy="523221"/>
+            <a:ext cx="149912" cy="584775"/>
           </a:xfrm>
           <a:prstGeom prst="rect">
             <a:avLst/>
@@ -17435,8 +14921,8 @@
         </p:nvSpPr>
         <p:spPr>
           <a:xfrm>
-            <a:off x="985299" y="2446618"/>
-            <a:ext cx="4554090" cy="738664"/>
+            <a:off x="985299" y="2540663"/>
+            <a:ext cx="4554090" cy="830997"/>
           </a:xfrm>
           <a:prstGeom prst="rect">
             <a:avLst/>
@@ -17450,15 +14936,15 @@
           <a:lstStyle/>
           <a:p>
             <a:r>
-              <a:rPr lang="fr-FR" sz="1400" dirty="0"/>
+              <a:rPr lang="fr-FR" sz="1600" dirty="0"/>
               <a:t>Être capable de </a:t>
             </a:r>
             <a:r>
-              <a:rPr lang="fr-FR" sz="1400" b="1" dirty="0"/>
+              <a:rPr lang="fr-FR" sz="1600" b="1" dirty="0"/>
               <a:t>mettre en œuvre un modèle physique simple et fourni </a:t>
             </a:r>
             <a:r>
-              <a:rPr lang="fr-FR" sz="1400" dirty="0"/>
+              <a:rPr lang="fr-FR" sz="1600" dirty="0"/>
               <a:t>à l’aide d’un outil de calcul scientifique</a:t>
             </a:r>
           </a:p>
@@ -17478,8 +14964,8 @@
         </p:nvSpPr>
         <p:spPr>
           <a:xfrm>
-            <a:off x="743267" y="2445614"/>
-            <a:ext cx="149912" cy="738664"/>
+            <a:off x="742433" y="2540662"/>
+            <a:ext cx="149912" cy="782961"/>
           </a:xfrm>
           <a:prstGeom prst="rect">
             <a:avLst/>
@@ -17688,10 +15174,10 @@
       </p:sp>
       <p:sp>
         <p:nvSpPr>
-          <p:cNvPr id="42" name="Espace réservé du contenu 2">
-            <a:extLst>
-              <a:ext uri="{FF2B5EF4-FFF2-40B4-BE49-F238E27FC236}">
-                <a16:creationId xmlns:a16="http://schemas.microsoft.com/office/drawing/2014/main" id="{C2DDD07B-A4FC-8C3F-D6E7-6DF1B3B8353D}"/>
+          <p:cNvPr id="44" name="Espace réservé du contenu 2">
+            <a:extLst>
+              <a:ext uri="{FF2B5EF4-FFF2-40B4-BE49-F238E27FC236}">
+                <a16:creationId xmlns:a16="http://schemas.microsoft.com/office/drawing/2014/main" id="{B4382E7C-F59A-9D51-E178-AB4B3F556854}"/>
               </a:ext>
             </a:extLst>
           </p:cNvPr>
@@ -17702,15 +15188,15 @@
         </p:nvSpPr>
         <p:spPr>
           <a:xfrm>
-            <a:off x="1135233" y="3672719"/>
-            <a:ext cx="4937760" cy="3260696"/>
+            <a:off x="6577387" y="3323624"/>
+            <a:ext cx="4937760" cy="2848575"/>
           </a:xfrm>
           <a:prstGeom prst="rect">
             <a:avLst/>
           </a:prstGeom>
         </p:spPr>
         <p:txBody>
-          <a:bodyPr>
+          <a:bodyPr vert="horz" lIns="91440" tIns="45720" rIns="91440" bIns="45720" rtlCol="0">
             <a:normAutofit/>
           </a:bodyPr>
           <a:lstStyle>
@@ -17888,7 +15374,7 @@
                   <a:srgbClr val="0070C0"/>
                 </a:solidFill>
               </a:rPr>
-              <a:t>Carte d’éclairement de sources incohérentes</a:t>
+              <a:t>Tracé de rayons</a:t>
             </a:r>
             <a:endParaRPr lang="fr-FR" sz="1600" dirty="0">
               <a:solidFill>
@@ -17898,12 +15384,319 @@
           </a:p>
         </p:txBody>
       </p:sp>
+      <p:pic>
+        <p:nvPicPr>
+          <p:cNvPr id="45" name="Image 44" descr="Une image contenant texte, diagramme&#10;&#10;Description générée automatiquement">
+            <a:extLst>
+              <a:ext uri="{FF2B5EF4-FFF2-40B4-BE49-F238E27FC236}">
+                <a16:creationId xmlns:a16="http://schemas.microsoft.com/office/drawing/2014/main" id="{B7EFA2A0-3492-392F-BDEB-12DA4A7BB941}"/>
+              </a:ext>
+            </a:extLst>
+          </p:cNvPr>
+          <p:cNvPicPr>
+            <a:picLocks noChangeAspect="1"/>
+          </p:cNvPicPr>
+          <p:nvPr/>
+        </p:nvPicPr>
+        <p:blipFill>
+          <a:blip r:embed="rId4" cstate="print">
+            <a:extLst>
+              <a:ext uri="{28A0092B-C50C-407E-A947-70E740481C1C}">
+                <a14:useLocalDpi xmlns:a14="http://schemas.microsoft.com/office/drawing/2010/main" val="0"/>
+              </a:ext>
+            </a:extLst>
+          </a:blip>
+          <a:stretch>
+            <a:fillRect/>
+          </a:stretch>
+        </p:blipFill>
+        <p:spPr>
+          <a:xfrm>
+            <a:off x="6449299" y="3601847"/>
+            <a:ext cx="4998967" cy="1567306"/>
+          </a:xfrm>
+          <a:prstGeom prst="rect">
+            <a:avLst/>
+          </a:prstGeom>
+        </p:spPr>
+      </p:pic>
+      <p:pic>
+        <p:nvPicPr>
+          <p:cNvPr id="46" name="Image 45" descr="Une image contenant capture d’écran, Caractère coloré, texte&#10;&#10;Description générée automatiquement">
+            <a:extLst>
+              <a:ext uri="{FF2B5EF4-FFF2-40B4-BE49-F238E27FC236}">
+                <a16:creationId xmlns:a16="http://schemas.microsoft.com/office/drawing/2014/main" id="{E045F41F-8D5E-B955-35C4-A788B1479529}"/>
+              </a:ext>
+            </a:extLst>
+          </p:cNvPr>
+          <p:cNvPicPr>
+            <a:picLocks noChangeAspect="1"/>
+          </p:cNvPicPr>
+          <p:nvPr/>
+        </p:nvPicPr>
+        <p:blipFill>
+          <a:blip r:embed="rId5" cstate="print">
+            <a:extLst>
+              <a:ext uri="{28A0092B-C50C-407E-A947-70E740481C1C}">
+                <a14:useLocalDpi xmlns:a14="http://schemas.microsoft.com/office/drawing/2010/main" val="0"/>
+              </a:ext>
+            </a:extLst>
+          </a:blip>
+          <a:stretch>
+            <a:fillRect/>
+          </a:stretch>
+        </p:blipFill>
+        <p:spPr>
+          <a:xfrm>
+            <a:off x="1049300" y="4026553"/>
+            <a:ext cx="2540524" cy="1905393"/>
+          </a:xfrm>
+          <a:prstGeom prst="rect">
+            <a:avLst/>
+          </a:prstGeom>
+        </p:spPr>
+      </p:pic>
+      <p:pic>
+        <p:nvPicPr>
+          <p:cNvPr id="47" name="Image 46" descr="Une image contenant texte, capture d’écran, diagramme, cercle&#10;&#10;Description générée automatiquement">
+            <a:extLst>
+              <a:ext uri="{FF2B5EF4-FFF2-40B4-BE49-F238E27FC236}">
+                <a16:creationId xmlns:a16="http://schemas.microsoft.com/office/drawing/2014/main" id="{1E347C07-BFD7-E57C-83D7-B9069C9586B3}"/>
+              </a:ext>
+            </a:extLst>
+          </p:cNvPr>
+          <p:cNvPicPr>
+            <a:picLocks noChangeAspect="1"/>
+          </p:cNvPicPr>
+          <p:nvPr/>
+        </p:nvPicPr>
+        <p:blipFill>
+          <a:blip r:embed="rId6" cstate="print">
+            <a:extLst>
+              <a:ext uri="{28A0092B-C50C-407E-A947-70E740481C1C}">
+                <a14:useLocalDpi xmlns:a14="http://schemas.microsoft.com/office/drawing/2010/main" val="0"/>
+              </a:ext>
+            </a:extLst>
+          </a:blip>
+          <a:stretch>
+            <a:fillRect/>
+          </a:stretch>
+        </p:blipFill>
+        <p:spPr>
+          <a:xfrm>
+            <a:off x="3326896" y="4026553"/>
+            <a:ext cx="2540524" cy="1905393"/>
+          </a:xfrm>
+          <a:prstGeom prst="rect">
+            <a:avLst/>
+          </a:prstGeom>
+        </p:spPr>
+      </p:pic>
+      <p:cxnSp>
+        <p:nvCxnSpPr>
+          <p:cNvPr id="48" name="Connecteur droit 47">
+            <a:extLst>
+              <a:ext uri="{FF2B5EF4-FFF2-40B4-BE49-F238E27FC236}">
+                <a16:creationId xmlns:a16="http://schemas.microsoft.com/office/drawing/2014/main" id="{5E0EBD6F-6EAC-C811-DCAF-AA056FA8E8B0}"/>
+              </a:ext>
+            </a:extLst>
+          </p:cNvPr>
+          <p:cNvCxnSpPr>
+            <a:cxnSpLocks/>
+          </p:cNvCxnSpPr>
+          <p:nvPr/>
+        </p:nvCxnSpPr>
+        <p:spPr>
+          <a:xfrm>
+            <a:off x="6053328" y="3037840"/>
+            <a:ext cx="19665" cy="3064004"/>
+          </a:xfrm>
+          <a:prstGeom prst="line">
+            <a:avLst/>
+          </a:prstGeom>
+          <a:ln w="12700">
+            <a:prstDash val="sysDash"/>
+          </a:ln>
+        </p:spPr>
+        <p:style>
+          <a:lnRef idx="1">
+            <a:schemeClr val="accent1"/>
+          </a:lnRef>
+          <a:fillRef idx="0">
+            <a:schemeClr val="accent1"/>
+          </a:fillRef>
+          <a:effectRef idx="0">
+            <a:schemeClr val="accent1"/>
+          </a:effectRef>
+          <a:fontRef idx="minor">
+            <a:schemeClr val="tx1"/>
+          </a:fontRef>
+        </p:style>
+      </p:cxnSp>
+      <p:pic>
+        <p:nvPicPr>
+          <p:cNvPr id="49" name="Image 48" descr="Une image contenant diagramme, cercle, ligne&#10;&#10;Description générée automatiquement">
+            <a:extLst>
+              <a:ext uri="{FF2B5EF4-FFF2-40B4-BE49-F238E27FC236}">
+                <a16:creationId xmlns:a16="http://schemas.microsoft.com/office/drawing/2014/main" id="{85A179D9-63F1-F124-7F48-E6C102983CA0}"/>
+              </a:ext>
+            </a:extLst>
+          </p:cNvPr>
+          <p:cNvPicPr>
+            <a:picLocks noChangeAspect="1"/>
+          </p:cNvPicPr>
+          <p:nvPr/>
+        </p:nvPicPr>
+        <p:blipFill>
+          <a:blip r:embed="rId7" cstate="print">
+            <a:extLst>
+              <a:ext uri="{28A0092B-C50C-407E-A947-70E740481C1C}">
+                <a14:useLocalDpi xmlns:a14="http://schemas.microsoft.com/office/drawing/2010/main" val="0"/>
+              </a:ext>
+            </a:extLst>
+          </a:blip>
+          <a:stretch>
+            <a:fillRect/>
+          </a:stretch>
+        </p:blipFill>
+        <p:spPr>
+          <a:xfrm>
+            <a:off x="4129430" y="5853053"/>
+            <a:ext cx="1289154" cy="966866"/>
+          </a:xfrm>
+          <a:prstGeom prst="rect">
+            <a:avLst/>
+          </a:prstGeom>
+        </p:spPr>
+      </p:pic>
+      <p:pic>
+        <p:nvPicPr>
+          <p:cNvPr id="50" name="Image 49" descr="Une image contenant texte, diagramme, carte&#10;&#10;Description générée automatiquement">
+            <a:extLst>
+              <a:ext uri="{FF2B5EF4-FFF2-40B4-BE49-F238E27FC236}">
+                <a16:creationId xmlns:a16="http://schemas.microsoft.com/office/drawing/2014/main" id="{418654AD-078B-909E-B3A3-63BEFE776177}"/>
+              </a:ext>
+            </a:extLst>
+          </p:cNvPr>
+          <p:cNvPicPr>
+            <a:picLocks noChangeAspect="1"/>
+          </p:cNvPicPr>
+          <p:nvPr/>
+        </p:nvPicPr>
+        <p:blipFill>
+          <a:blip r:embed="rId8" cstate="print">
+            <a:extLst>
+              <a:ext uri="{28A0092B-C50C-407E-A947-70E740481C1C}">
+                <a14:useLocalDpi xmlns:a14="http://schemas.microsoft.com/office/drawing/2010/main" val="0"/>
+              </a:ext>
+            </a:extLst>
+          </a:blip>
+          <a:stretch>
+            <a:fillRect/>
+          </a:stretch>
+        </p:blipFill>
+        <p:spPr>
+          <a:xfrm>
+            <a:off x="6455240" y="5086327"/>
+            <a:ext cx="4998967" cy="1675790"/>
+          </a:xfrm>
+          <a:prstGeom prst="rect">
+            <a:avLst/>
+          </a:prstGeom>
+        </p:spPr>
+      </p:pic>
       <p:sp>
         <p:nvSpPr>
-          <p:cNvPr id="44" name="Espace réservé du contenu 2">
-            <a:extLst>
-              <a:ext uri="{FF2B5EF4-FFF2-40B4-BE49-F238E27FC236}">
-                <a16:creationId xmlns:a16="http://schemas.microsoft.com/office/drawing/2014/main" id="{B4382E7C-F59A-9D51-E178-AB4B3F556854}"/>
+          <p:cNvPr id="52" name="ZoneTexte 51">
+            <a:extLst>
+              <a:ext uri="{FF2B5EF4-FFF2-40B4-BE49-F238E27FC236}">
+                <a16:creationId xmlns:a16="http://schemas.microsoft.com/office/drawing/2014/main" id="{603A4A30-0820-6907-7B31-9CFF6046BA1E}"/>
+              </a:ext>
+            </a:extLst>
+          </p:cNvPr>
+          <p:cNvSpPr txBox="1"/>
+          <p:nvPr/>
+        </p:nvSpPr>
+        <p:spPr>
+          <a:xfrm>
+            <a:off x="1135233" y="3467418"/>
+            <a:ext cx="1798467" cy="369332"/>
+          </a:xfrm>
+          <a:prstGeom prst="rect">
+            <a:avLst/>
+          </a:prstGeom>
+          <a:noFill/>
+        </p:spPr>
+        <p:txBody>
+          <a:bodyPr wrap="square">
+            <a:spAutoFit/>
+          </a:bodyPr>
+          <a:lstStyle/>
+          <a:p>
+            <a:pPr marL="0" indent="0">
+              <a:buFont typeface="Arial" panose="020B0604020202020204" pitchFamily="34" charset="0"/>
+              <a:buNone/>
+            </a:pPr>
+            <a:r>
+              <a:rPr lang="fr-FR" dirty="0">
+                <a:solidFill>
+                  <a:srgbClr val="00B0F0"/>
+                </a:solidFill>
+              </a:rPr>
+              <a:t>Projet A</a:t>
+            </a:r>
+          </a:p>
+        </p:txBody>
+      </p:sp>
+      <p:sp>
+        <p:nvSpPr>
+          <p:cNvPr id="53" name="ZoneTexte 52">
+            <a:extLst>
+              <a:ext uri="{FF2B5EF4-FFF2-40B4-BE49-F238E27FC236}">
+                <a16:creationId xmlns:a16="http://schemas.microsoft.com/office/drawing/2014/main" id="{F439B801-8B2A-250A-7F7F-66445CADAEF8}"/>
+              </a:ext>
+            </a:extLst>
+          </p:cNvPr>
+          <p:cNvSpPr txBox="1"/>
+          <p:nvPr/>
+        </p:nvSpPr>
+        <p:spPr>
+          <a:xfrm>
+            <a:off x="6577387" y="3010182"/>
+            <a:ext cx="1798467" cy="369332"/>
+          </a:xfrm>
+          <a:prstGeom prst="rect">
+            <a:avLst/>
+          </a:prstGeom>
+          <a:noFill/>
+        </p:spPr>
+        <p:txBody>
+          <a:bodyPr wrap="square">
+            <a:spAutoFit/>
+          </a:bodyPr>
+          <a:lstStyle/>
+          <a:p>
+            <a:pPr marL="0" indent="0">
+              <a:buFont typeface="Arial" panose="020B0604020202020204" pitchFamily="34" charset="0"/>
+              <a:buNone/>
+            </a:pPr>
+            <a:r>
+              <a:rPr lang="fr-FR" dirty="0">
+                <a:solidFill>
+                  <a:srgbClr val="00B0F0"/>
+                </a:solidFill>
+              </a:rPr>
+              <a:t>Projet B</a:t>
+            </a:r>
+          </a:p>
+        </p:txBody>
+      </p:sp>
+      <p:sp>
+        <p:nvSpPr>
+          <p:cNvPr id="42" name="Espace réservé du contenu 2">
+            <a:extLst>
+              <a:ext uri="{FF2B5EF4-FFF2-40B4-BE49-F238E27FC236}">
+                <a16:creationId xmlns:a16="http://schemas.microsoft.com/office/drawing/2014/main" id="{C2DDD07B-A4FC-8C3F-D6E7-6DF1B3B8353D}"/>
               </a:ext>
             </a:extLst>
           </p:cNvPr>
@@ -17914,15 +15707,15 @@
         </p:nvSpPr>
         <p:spPr>
           <a:xfrm>
-            <a:off x="6577387" y="3323624"/>
-            <a:ext cx="4937760" cy="2848575"/>
+            <a:off x="1135233" y="3869411"/>
+            <a:ext cx="4937760" cy="2583476"/>
           </a:xfrm>
           <a:prstGeom prst="rect">
             <a:avLst/>
           </a:prstGeom>
         </p:spPr>
         <p:txBody>
-          <a:bodyPr vert="horz" lIns="91440" tIns="45720" rIns="91440" bIns="45720" rtlCol="0">
+          <a:bodyPr>
             <a:normAutofit/>
           </a:bodyPr>
           <a:lstStyle>
@@ -18100,320 +15893,13 @@
                   <a:srgbClr val="0070C0"/>
                 </a:solidFill>
               </a:rPr>
-              <a:t>Tracé de rayons</a:t>
+              <a:t>Carte d’éclairement de sources incohérentes</a:t>
             </a:r>
             <a:endParaRPr lang="fr-FR" sz="1600" dirty="0">
               <a:solidFill>
                 <a:srgbClr val="0070C0"/>
               </a:solidFill>
             </a:endParaRPr>
-          </a:p>
-        </p:txBody>
-      </p:sp>
-      <p:pic>
-        <p:nvPicPr>
-          <p:cNvPr id="45" name="Image 44" descr="Une image contenant texte, diagramme&#10;&#10;Description générée automatiquement">
-            <a:extLst>
-              <a:ext uri="{FF2B5EF4-FFF2-40B4-BE49-F238E27FC236}">
-                <a16:creationId xmlns:a16="http://schemas.microsoft.com/office/drawing/2014/main" id="{B7EFA2A0-3492-392F-BDEB-12DA4A7BB941}"/>
-              </a:ext>
-            </a:extLst>
-          </p:cNvPr>
-          <p:cNvPicPr>
-            <a:picLocks noChangeAspect="1"/>
-          </p:cNvPicPr>
-          <p:nvPr/>
-        </p:nvPicPr>
-        <p:blipFill>
-          <a:blip r:embed="rId4" cstate="print">
-            <a:extLst>
-              <a:ext uri="{28A0092B-C50C-407E-A947-70E740481C1C}">
-                <a14:useLocalDpi xmlns:a14="http://schemas.microsoft.com/office/drawing/2010/main" val="0"/>
-              </a:ext>
-            </a:extLst>
-          </a:blip>
-          <a:stretch>
-            <a:fillRect/>
-          </a:stretch>
-        </p:blipFill>
-        <p:spPr>
-          <a:xfrm>
-            <a:off x="6449299" y="3601847"/>
-            <a:ext cx="4998967" cy="1567306"/>
-          </a:xfrm>
-          <a:prstGeom prst="rect">
-            <a:avLst/>
-          </a:prstGeom>
-        </p:spPr>
-      </p:pic>
-      <p:pic>
-        <p:nvPicPr>
-          <p:cNvPr id="46" name="Image 45" descr="Une image contenant capture d’écran, Caractère coloré, texte&#10;&#10;Description générée automatiquement">
-            <a:extLst>
-              <a:ext uri="{FF2B5EF4-FFF2-40B4-BE49-F238E27FC236}">
-                <a16:creationId xmlns:a16="http://schemas.microsoft.com/office/drawing/2014/main" id="{E045F41F-8D5E-B955-35C4-A788B1479529}"/>
-              </a:ext>
-            </a:extLst>
-          </p:cNvPr>
-          <p:cNvPicPr>
-            <a:picLocks noChangeAspect="1"/>
-          </p:cNvPicPr>
-          <p:nvPr/>
-        </p:nvPicPr>
-        <p:blipFill>
-          <a:blip r:embed="rId5" cstate="print">
-            <a:extLst>
-              <a:ext uri="{28A0092B-C50C-407E-A947-70E740481C1C}">
-                <a14:useLocalDpi xmlns:a14="http://schemas.microsoft.com/office/drawing/2010/main" val="0"/>
-              </a:ext>
-            </a:extLst>
-          </a:blip>
-          <a:stretch>
-            <a:fillRect/>
-          </a:stretch>
-        </p:blipFill>
-        <p:spPr>
-          <a:xfrm>
-            <a:off x="996435" y="3936464"/>
-            <a:ext cx="2540524" cy="1905393"/>
-          </a:xfrm>
-          <a:prstGeom prst="rect">
-            <a:avLst/>
-          </a:prstGeom>
-        </p:spPr>
-      </p:pic>
-      <p:pic>
-        <p:nvPicPr>
-          <p:cNvPr id="47" name="Image 46" descr="Une image contenant texte, capture d’écran, diagramme, cercle&#10;&#10;Description générée automatiquement">
-            <a:extLst>
-              <a:ext uri="{FF2B5EF4-FFF2-40B4-BE49-F238E27FC236}">
-                <a16:creationId xmlns:a16="http://schemas.microsoft.com/office/drawing/2014/main" id="{1E347C07-BFD7-E57C-83D7-B9069C9586B3}"/>
-              </a:ext>
-            </a:extLst>
-          </p:cNvPr>
-          <p:cNvPicPr>
-            <a:picLocks noChangeAspect="1"/>
-          </p:cNvPicPr>
-          <p:nvPr/>
-        </p:nvPicPr>
-        <p:blipFill>
-          <a:blip r:embed="rId6" cstate="print">
-            <a:extLst>
-              <a:ext uri="{28A0092B-C50C-407E-A947-70E740481C1C}">
-                <a14:useLocalDpi xmlns:a14="http://schemas.microsoft.com/office/drawing/2010/main" val="0"/>
-              </a:ext>
-            </a:extLst>
-          </a:blip>
-          <a:stretch>
-            <a:fillRect/>
-          </a:stretch>
-        </p:blipFill>
-        <p:spPr>
-          <a:xfrm>
-            <a:off x="3274031" y="3936464"/>
-            <a:ext cx="2540524" cy="1905393"/>
-          </a:xfrm>
-          <a:prstGeom prst="rect">
-            <a:avLst/>
-          </a:prstGeom>
-        </p:spPr>
-      </p:pic>
-      <p:cxnSp>
-        <p:nvCxnSpPr>
-          <p:cNvPr id="48" name="Connecteur droit 47">
-            <a:extLst>
-              <a:ext uri="{FF2B5EF4-FFF2-40B4-BE49-F238E27FC236}">
-                <a16:creationId xmlns:a16="http://schemas.microsoft.com/office/drawing/2014/main" id="{5E0EBD6F-6EAC-C811-DCAF-AA056FA8E8B0}"/>
-              </a:ext>
-            </a:extLst>
-          </p:cNvPr>
-          <p:cNvCxnSpPr>
-            <a:cxnSpLocks/>
-          </p:cNvCxnSpPr>
-          <p:nvPr/>
-        </p:nvCxnSpPr>
-        <p:spPr>
-          <a:xfrm>
-            <a:off x="6053328" y="3037840"/>
-            <a:ext cx="19665" cy="3064004"/>
-          </a:xfrm>
-          <a:prstGeom prst="line">
-            <a:avLst/>
-          </a:prstGeom>
-          <a:ln w="12700">
-            <a:prstDash val="sysDash"/>
-          </a:ln>
-        </p:spPr>
-        <p:style>
-          <a:lnRef idx="1">
-            <a:schemeClr val="accent1"/>
-          </a:lnRef>
-          <a:fillRef idx="0">
-            <a:schemeClr val="accent1"/>
-          </a:fillRef>
-          <a:effectRef idx="0">
-            <a:schemeClr val="accent1"/>
-          </a:effectRef>
-          <a:fontRef idx="minor">
-            <a:schemeClr val="tx1"/>
-          </a:fontRef>
-        </p:style>
-      </p:cxnSp>
-      <p:pic>
-        <p:nvPicPr>
-          <p:cNvPr id="49" name="Image 48" descr="Une image contenant diagramme, cercle, ligne&#10;&#10;Description générée automatiquement">
-            <a:extLst>
-              <a:ext uri="{FF2B5EF4-FFF2-40B4-BE49-F238E27FC236}">
-                <a16:creationId xmlns:a16="http://schemas.microsoft.com/office/drawing/2014/main" id="{85A179D9-63F1-F124-7F48-E6C102983CA0}"/>
-              </a:ext>
-            </a:extLst>
-          </p:cNvPr>
-          <p:cNvPicPr>
-            <a:picLocks noChangeAspect="1"/>
-          </p:cNvPicPr>
-          <p:nvPr/>
-        </p:nvPicPr>
-        <p:blipFill>
-          <a:blip r:embed="rId7" cstate="print">
-            <a:extLst>
-              <a:ext uri="{28A0092B-C50C-407E-A947-70E740481C1C}">
-                <a14:useLocalDpi xmlns:a14="http://schemas.microsoft.com/office/drawing/2010/main" val="0"/>
-              </a:ext>
-            </a:extLst>
-          </a:blip>
-          <a:stretch>
-            <a:fillRect/>
-          </a:stretch>
-        </p:blipFill>
-        <p:spPr>
-          <a:xfrm>
-            <a:off x="4129430" y="5853053"/>
-            <a:ext cx="1289154" cy="966866"/>
-          </a:xfrm>
-          <a:prstGeom prst="rect">
-            <a:avLst/>
-          </a:prstGeom>
-        </p:spPr>
-      </p:pic>
-      <p:pic>
-        <p:nvPicPr>
-          <p:cNvPr id="50" name="Image 49" descr="Une image contenant texte, diagramme, carte&#10;&#10;Description générée automatiquement">
-            <a:extLst>
-              <a:ext uri="{FF2B5EF4-FFF2-40B4-BE49-F238E27FC236}">
-                <a16:creationId xmlns:a16="http://schemas.microsoft.com/office/drawing/2014/main" id="{418654AD-078B-909E-B3A3-63BEFE776177}"/>
-              </a:ext>
-            </a:extLst>
-          </p:cNvPr>
-          <p:cNvPicPr>
-            <a:picLocks noChangeAspect="1"/>
-          </p:cNvPicPr>
-          <p:nvPr/>
-        </p:nvPicPr>
-        <p:blipFill>
-          <a:blip r:embed="rId8" cstate="print">
-            <a:extLst>
-              <a:ext uri="{28A0092B-C50C-407E-A947-70E740481C1C}">
-                <a14:useLocalDpi xmlns:a14="http://schemas.microsoft.com/office/drawing/2010/main" val="0"/>
-              </a:ext>
-            </a:extLst>
-          </a:blip>
-          <a:stretch>
-            <a:fillRect/>
-          </a:stretch>
-        </p:blipFill>
-        <p:spPr>
-          <a:xfrm>
-            <a:off x="6455240" y="5086327"/>
-            <a:ext cx="4998967" cy="1675790"/>
-          </a:xfrm>
-          <a:prstGeom prst="rect">
-            <a:avLst/>
-          </a:prstGeom>
-        </p:spPr>
-      </p:pic>
-      <p:sp>
-        <p:nvSpPr>
-          <p:cNvPr id="52" name="ZoneTexte 51">
-            <a:extLst>
-              <a:ext uri="{FF2B5EF4-FFF2-40B4-BE49-F238E27FC236}">
-                <a16:creationId xmlns:a16="http://schemas.microsoft.com/office/drawing/2014/main" id="{603A4A30-0820-6907-7B31-9CFF6046BA1E}"/>
-              </a:ext>
-            </a:extLst>
-          </p:cNvPr>
-          <p:cNvSpPr txBox="1"/>
-          <p:nvPr/>
-        </p:nvSpPr>
-        <p:spPr>
-          <a:xfrm>
-            <a:off x="1129292" y="3361729"/>
-            <a:ext cx="1798467" cy="369332"/>
-          </a:xfrm>
-          <a:prstGeom prst="rect">
-            <a:avLst/>
-          </a:prstGeom>
-          <a:noFill/>
-        </p:spPr>
-        <p:txBody>
-          <a:bodyPr wrap="square">
-            <a:spAutoFit/>
-          </a:bodyPr>
-          <a:lstStyle/>
-          <a:p>
-            <a:pPr marL="0" indent="0">
-              <a:buFont typeface="Arial" panose="020B0604020202020204" pitchFamily="34" charset="0"/>
-              <a:buNone/>
-            </a:pPr>
-            <a:r>
-              <a:rPr lang="fr-FR" dirty="0">
-                <a:solidFill>
-                  <a:srgbClr val="00B0F0"/>
-                </a:solidFill>
-              </a:rPr>
-              <a:t>Projet A</a:t>
-            </a:r>
-          </a:p>
-        </p:txBody>
-      </p:sp>
-      <p:sp>
-        <p:nvSpPr>
-          <p:cNvPr id="53" name="ZoneTexte 52">
-            <a:extLst>
-              <a:ext uri="{FF2B5EF4-FFF2-40B4-BE49-F238E27FC236}">
-                <a16:creationId xmlns:a16="http://schemas.microsoft.com/office/drawing/2014/main" id="{F439B801-8B2A-250A-7F7F-66445CADAEF8}"/>
-              </a:ext>
-            </a:extLst>
-          </p:cNvPr>
-          <p:cNvSpPr txBox="1"/>
-          <p:nvPr/>
-        </p:nvSpPr>
-        <p:spPr>
-          <a:xfrm>
-            <a:off x="6577387" y="3010182"/>
-            <a:ext cx="1798467" cy="369332"/>
-          </a:xfrm>
-          <a:prstGeom prst="rect">
-            <a:avLst/>
-          </a:prstGeom>
-          <a:noFill/>
-        </p:spPr>
-        <p:txBody>
-          <a:bodyPr wrap="square">
-            <a:spAutoFit/>
-          </a:bodyPr>
-          <a:lstStyle/>
-          <a:p>
-            <a:pPr marL="0" indent="0">
-              <a:buFont typeface="Arial" panose="020B0604020202020204" pitchFamily="34" charset="0"/>
-              <a:buNone/>
-            </a:pPr>
-            <a:r>
-              <a:rPr lang="fr-FR" dirty="0">
-                <a:solidFill>
-                  <a:srgbClr val="00B0F0"/>
-                </a:solidFill>
-              </a:rPr>
-              <a:t>Projet B</a:t>
-            </a:r>
           </a:p>
         </p:txBody>
       </p:sp>
@@ -18430,7 +15916,7 @@
 </p:sld>
 </file>
 
-<file path=ppt/slides/slide16.xml><?xml version="1.0" encoding="utf-8"?>
+<file path=ppt/slides/slide13.xml><?xml version="1.0" encoding="utf-8"?>
 <p:sld xmlns:a="http://schemas.openxmlformats.org/drawingml/2006/main" xmlns:r="http://schemas.openxmlformats.org/officeDocument/2006/relationships" xmlns:p="http://schemas.openxmlformats.org/presentationml/2006/main">
   <p:cSld>
     <p:spTree>
@@ -19214,7 +16700,7 @@
 </p:sld>
 </file>
 
-<file path=ppt/slides/slide17.xml><?xml version="1.0" encoding="utf-8"?>
+<file path=ppt/slides/slide14.xml><?xml version="1.0" encoding="utf-8"?>
 <p:sld xmlns:a="http://schemas.openxmlformats.org/drawingml/2006/main" xmlns:r="http://schemas.openxmlformats.org/officeDocument/2006/relationships" xmlns:p="http://schemas.openxmlformats.org/presentationml/2006/main">
   <p:cSld>
     <p:spTree>
@@ -20083,7 +17569,7 @@
 </p:sld>
 </file>
 
-<file path=ppt/slides/slide18.xml><?xml version="1.0" encoding="utf-8"?>
+<file path=ppt/slides/slide15.xml><?xml version="1.0" encoding="utf-8"?>
 <p:sld xmlns:a="http://schemas.openxmlformats.org/drawingml/2006/main" xmlns:r="http://schemas.openxmlformats.org/officeDocument/2006/relationships" xmlns:p="http://schemas.openxmlformats.org/presentationml/2006/main">
   <p:cSld>
     <p:bg>
@@ -20359,14 +17845,6 @@
                 <a:latin typeface="Bahnschrift Light" panose="020B0502040204020203" pitchFamily="34" charset="0"/>
               </a:rPr>
               <a:t>Institut d’Optique </a:t>
-            </a:r>
-          </a:p>
-          <a:p>
-            <a:r>
-              <a:rPr lang="fr-FR" sz="2000" dirty="0">
-                <a:latin typeface="Bahnschrift Light" panose="020B0502040204020203" pitchFamily="34" charset="0"/>
-              </a:rPr>
-              <a:t>Julien VILLEMEJANE</a:t>
             </a:r>
           </a:p>
         </p:txBody>
@@ -20605,7 +18083,7 @@
 </p:sld>
 </file>
 
-<file path=ppt/slides/slide19.xml><?xml version="1.0" encoding="utf-8"?>
+<file path=ppt/slides/slide16.xml><?xml version="1.0" encoding="utf-8"?>
 <p:sld xmlns:a="http://schemas.openxmlformats.org/drawingml/2006/main" xmlns:r="http://schemas.openxmlformats.org/officeDocument/2006/relationships" xmlns:p="http://schemas.openxmlformats.org/presentationml/2006/main">
   <p:cSld>
     <p:spTree>
@@ -22995,697 +20473,7 @@
 </p:sld>
 </file>
 
-<file path=ppt/slides/slide2.xml><?xml version="1.0" encoding="utf-8"?>
-<p:sld xmlns:a="http://schemas.openxmlformats.org/drawingml/2006/main" xmlns:r="http://schemas.openxmlformats.org/officeDocument/2006/relationships" xmlns:p="http://schemas.openxmlformats.org/presentationml/2006/main">
-  <p:cSld>
-    <p:spTree>
-      <p:nvGrpSpPr>
-        <p:cNvPr id="1" name=""/>
-        <p:cNvGrpSpPr/>
-        <p:nvPr/>
-      </p:nvGrpSpPr>
-      <p:grpSpPr>
-        <a:xfrm>
-          <a:off x="0" y="0"/>
-          <a:ext cx="0" cy="0"/>
-          <a:chOff x="0" y="0"/>
-          <a:chExt cx="0" cy="0"/>
-        </a:xfrm>
-      </p:grpSpPr>
-      <p:sp>
-        <p:nvSpPr>
-          <p:cNvPr id="3" name="Rectangle 2">
-            <a:extLst>
-              <a:ext uri="{FF2B5EF4-FFF2-40B4-BE49-F238E27FC236}">
-                <a16:creationId xmlns:a16="http://schemas.microsoft.com/office/drawing/2014/main" id="{69EEE2CD-304C-7206-E015-F52A5695E8DF}"/>
-              </a:ext>
-            </a:extLst>
-          </p:cNvPr>
-          <p:cNvSpPr/>
-          <p:nvPr/>
-        </p:nvSpPr>
-        <p:spPr>
-          <a:xfrm>
-            <a:off x="673975" y="405113"/>
-            <a:ext cx="11020314" cy="937549"/>
-          </a:xfrm>
-          <a:prstGeom prst="rect">
-            <a:avLst/>
-          </a:prstGeom>
-          <a:solidFill>
-            <a:schemeClr val="bg1"/>
-          </a:solidFill>
-          <a:ln>
-            <a:solidFill>
-              <a:schemeClr val="bg1">
-                <a:lumMod val="95000"/>
-              </a:schemeClr>
-            </a:solidFill>
-          </a:ln>
-          <a:effectLst>
-            <a:outerShdw blurRad="50800" dist="38100" dir="2700000" algn="tl" rotWithShape="0">
-              <a:prstClr val="black">
-                <a:alpha val="40000"/>
-              </a:prstClr>
-            </a:outerShdw>
-          </a:effectLst>
-        </p:spPr>
-        <p:style>
-          <a:lnRef idx="2">
-            <a:schemeClr val="accent1">
-              <a:shade val="15000"/>
-            </a:schemeClr>
-          </a:lnRef>
-          <a:fillRef idx="1">
-            <a:schemeClr val="accent1"/>
-          </a:fillRef>
-          <a:effectRef idx="0">
-            <a:schemeClr val="accent1"/>
-          </a:effectRef>
-          <a:fontRef idx="minor">
-            <a:schemeClr val="lt1"/>
-          </a:fontRef>
-        </p:style>
-        <p:txBody>
-          <a:bodyPr rtlCol="0" anchor="ctr"/>
-          <a:lstStyle/>
-          <a:p>
-            <a:pPr algn="ctr"/>
-            <a:endParaRPr lang="fr-FR" dirty="0"/>
-          </a:p>
-        </p:txBody>
-      </p:sp>
-      <p:sp>
-        <p:nvSpPr>
-          <p:cNvPr id="2" name="Titre 1">
-            <a:extLst>
-              <a:ext uri="{FF2B5EF4-FFF2-40B4-BE49-F238E27FC236}">
-                <a16:creationId xmlns:a16="http://schemas.microsoft.com/office/drawing/2014/main" id="{97F71108-8121-4CC2-3ED6-50ABC11E79C5}"/>
-              </a:ext>
-            </a:extLst>
-          </p:cNvPr>
-          <p:cNvSpPr txBox="1">
-            <a:spLocks/>
-          </p:cNvSpPr>
-          <p:nvPr/>
-        </p:nvSpPr>
-        <p:spPr>
-          <a:xfrm>
-            <a:off x="907225" y="583365"/>
-            <a:ext cx="8970548" cy="701426"/>
-          </a:xfrm>
-          <a:prstGeom prst="rect">
-            <a:avLst/>
-          </a:prstGeom>
-        </p:spPr>
-        <p:txBody>
-          <a:bodyPr>
-            <a:normAutofit/>
-          </a:bodyPr>
-          <a:lstStyle>
-            <a:lvl1pPr algn="l" defTabSz="914400" rtl="0" eaLnBrk="1" latinLnBrk="0" hangingPunct="1">
-              <a:lnSpc>
-                <a:spcPct val="90000"/>
-              </a:lnSpc>
-              <a:spcBef>
-                <a:spcPct val="0"/>
-              </a:spcBef>
-              <a:buNone/>
-              <a:defRPr sz="4400" kern="1200">
-                <a:solidFill>
-                  <a:schemeClr val="tx1"/>
-                </a:solidFill>
-                <a:latin typeface="+mj-lt"/>
-                <a:ea typeface="+mj-ea"/>
-                <a:cs typeface="+mj-cs"/>
-              </a:defRPr>
-            </a:lvl1pPr>
-          </a:lstStyle>
-          <a:p>
-            <a:r>
-              <a:rPr lang="fr-FR" sz="3200" dirty="0"/>
-              <a:t>Informatique, calcul scientifique…</a:t>
-            </a:r>
-            <a:endParaRPr lang="fr-FR" sz="4000" dirty="0"/>
-          </a:p>
-        </p:txBody>
-      </p:sp>
-      <p:sp>
-        <p:nvSpPr>
-          <p:cNvPr id="7" name="Rectangle 6">
-            <a:extLst>
-              <a:ext uri="{FF2B5EF4-FFF2-40B4-BE49-F238E27FC236}">
-                <a16:creationId xmlns:a16="http://schemas.microsoft.com/office/drawing/2014/main" id="{E97ACAFF-7D28-E79D-9EB4-4FEEF5BB9613}"/>
-              </a:ext>
-            </a:extLst>
-          </p:cNvPr>
-          <p:cNvSpPr/>
-          <p:nvPr/>
-        </p:nvSpPr>
-        <p:spPr>
-          <a:xfrm>
-            <a:off x="619125" y="500258"/>
-            <a:ext cx="124142" cy="749808"/>
-          </a:xfrm>
-          <a:prstGeom prst="rect">
-            <a:avLst/>
-          </a:prstGeom>
-          <a:solidFill>
-            <a:srgbClr val="002060"/>
-          </a:solidFill>
-          <a:ln>
-            <a:noFill/>
-          </a:ln>
-        </p:spPr>
-        <p:style>
-          <a:lnRef idx="2">
-            <a:schemeClr val="accent1">
-              <a:shade val="15000"/>
-            </a:schemeClr>
-          </a:lnRef>
-          <a:fillRef idx="1">
-            <a:schemeClr val="accent1"/>
-          </a:fillRef>
-          <a:effectRef idx="0">
-            <a:schemeClr val="accent1"/>
-          </a:effectRef>
-          <a:fontRef idx="minor">
-            <a:schemeClr val="lt1"/>
-          </a:fontRef>
-        </p:style>
-        <p:txBody>
-          <a:bodyPr rtlCol="0" anchor="ctr"/>
-          <a:lstStyle/>
-          <a:p>
-            <a:pPr algn="ctr"/>
-            <a:endParaRPr lang="fr-FR"/>
-          </a:p>
-        </p:txBody>
-      </p:sp>
-      <p:pic>
-        <p:nvPicPr>
-          <p:cNvPr id="4" name="Image 3" descr="Une image contenant texte&#10;&#10;Description générée automatiquement">
-            <a:extLst>
-              <a:ext uri="{FF2B5EF4-FFF2-40B4-BE49-F238E27FC236}">
-                <a16:creationId xmlns:a16="http://schemas.microsoft.com/office/drawing/2014/main" id="{9BFF7F1D-2708-E366-DB38-F68C1FBD99DC}"/>
-              </a:ext>
-            </a:extLst>
-          </p:cNvPr>
-          <p:cNvPicPr>
-            <a:picLocks noChangeAspect="1"/>
-          </p:cNvPicPr>
-          <p:nvPr/>
-        </p:nvPicPr>
-        <p:blipFill>
-          <a:blip r:embed="rId2" cstate="print">
-            <a:extLst>
-              <a:ext uri="{28A0092B-C50C-407E-A947-70E740481C1C}">
-                <a14:useLocalDpi xmlns:a14="http://schemas.microsoft.com/office/drawing/2010/main" val="0"/>
-              </a:ext>
-            </a:extLst>
-          </a:blip>
-          <a:stretch>
-            <a:fillRect/>
-          </a:stretch>
-        </p:blipFill>
-        <p:spPr>
-          <a:xfrm>
-            <a:off x="9808481" y="509288"/>
-            <a:ext cx="1825291" cy="749808"/>
-          </a:xfrm>
-          <a:prstGeom prst="rect">
-            <a:avLst/>
-          </a:prstGeom>
-        </p:spPr>
-      </p:pic>
-      <p:sp>
-        <p:nvSpPr>
-          <p:cNvPr id="12" name="CustomShape 3">
-            <a:extLst>
-              <a:ext uri="{FF2B5EF4-FFF2-40B4-BE49-F238E27FC236}">
-                <a16:creationId xmlns:a16="http://schemas.microsoft.com/office/drawing/2014/main" id="{67B39E49-9A3F-C66F-504A-DE35C765346D}"/>
-              </a:ext>
-            </a:extLst>
-          </p:cNvPr>
-          <p:cNvSpPr/>
-          <p:nvPr/>
-        </p:nvSpPr>
-        <p:spPr>
-          <a:xfrm>
-            <a:off x="2268507" y="3182778"/>
-            <a:ext cx="5802068" cy="492443"/>
-          </a:xfrm>
-          <a:prstGeom prst="rect">
-            <a:avLst/>
-          </a:prstGeom>
-          <a:solidFill>
-            <a:schemeClr val="tx1">
-              <a:lumMod val="50000"/>
-              <a:lumOff val="50000"/>
-            </a:schemeClr>
-          </a:solidFill>
-          <a:ln w="0">
-            <a:noFill/>
-          </a:ln>
-        </p:spPr>
-        <p:style>
-          <a:lnRef idx="0">
-            <a:scrgbClr r="0" g="0" b="0"/>
-          </a:lnRef>
-          <a:fillRef idx="0">
-            <a:scrgbClr r="0" g="0" b="0"/>
-          </a:fillRef>
-          <a:effectRef idx="0">
-            <a:scrgbClr r="0" g="0" b="0"/>
-          </a:effectRef>
-          <a:fontRef idx="minor"/>
-        </p:style>
-        <p:txBody>
-          <a:bodyPr wrap="square" tIns="91440" bIns="91440">
-            <a:spAutoFit/>
-          </a:bodyPr>
-          <a:lstStyle/>
-          <a:p>
-            <a:pPr algn="ctr">
-              <a:lnSpc>
-                <a:spcPct val="100000"/>
-              </a:lnSpc>
-              <a:tabLst>
-                <a:tab pos="0" algn="l"/>
-              </a:tabLst>
-            </a:pPr>
-            <a:r>
-              <a:rPr lang="fr-FR" sz="2000" b="1" spc="-1" dirty="0">
-                <a:solidFill>
-                  <a:schemeClr val="bg1"/>
-                </a:solidFill>
-                <a:latin typeface="Trebuchet MS"/>
-              </a:rPr>
-              <a:t>Modules d’informatique à </a:t>
-            </a:r>
-            <a:r>
-              <a:rPr lang="fr-FR" sz="2000" b="1" spc="-1" dirty="0" err="1">
-                <a:solidFill>
-                  <a:schemeClr val="bg1"/>
-                </a:solidFill>
-                <a:latin typeface="Trebuchet MS"/>
-              </a:rPr>
-              <a:t>SupOptique</a:t>
-            </a:r>
-            <a:endParaRPr lang="fr-FR" sz="2000" b="0" strike="noStrike" spc="-1" dirty="0">
-              <a:solidFill>
-                <a:schemeClr val="bg1"/>
-              </a:solidFill>
-              <a:latin typeface="Arial"/>
-            </a:endParaRPr>
-          </a:p>
-        </p:txBody>
-      </p:sp>
-      <p:sp>
-        <p:nvSpPr>
-          <p:cNvPr id="34" name="CustomShape 3">
-            <a:extLst>
-              <a:ext uri="{FF2B5EF4-FFF2-40B4-BE49-F238E27FC236}">
-                <a16:creationId xmlns:a16="http://schemas.microsoft.com/office/drawing/2014/main" id="{0C032CF4-CB30-F37D-B232-B0D0C590A4D0}"/>
-              </a:ext>
-            </a:extLst>
-          </p:cNvPr>
-          <p:cNvSpPr/>
-          <p:nvPr/>
-        </p:nvSpPr>
-        <p:spPr>
-          <a:xfrm>
-            <a:off x="1115567" y="1737040"/>
-            <a:ext cx="4685465" cy="492443"/>
-          </a:xfrm>
-          <a:prstGeom prst="rect">
-            <a:avLst/>
-          </a:prstGeom>
-          <a:solidFill>
-            <a:schemeClr val="tx1">
-              <a:lumMod val="65000"/>
-              <a:lumOff val="35000"/>
-            </a:schemeClr>
-          </a:solidFill>
-          <a:ln w="0">
-            <a:noFill/>
-          </a:ln>
-        </p:spPr>
-        <p:style>
-          <a:lnRef idx="0">
-            <a:scrgbClr r="0" g="0" b="0"/>
-          </a:lnRef>
-          <a:fillRef idx="0">
-            <a:scrgbClr r="0" g="0" b="0"/>
-          </a:fillRef>
-          <a:effectRef idx="0">
-            <a:scrgbClr r="0" g="0" b="0"/>
-          </a:effectRef>
-          <a:fontRef idx="minor"/>
-        </p:style>
-        <p:txBody>
-          <a:bodyPr wrap="square" tIns="91440" bIns="91440">
-            <a:spAutoFit/>
-          </a:bodyPr>
-          <a:lstStyle/>
-          <a:p>
-            <a:pPr algn="ctr">
-              <a:lnSpc>
-                <a:spcPct val="100000"/>
-              </a:lnSpc>
-              <a:tabLst>
-                <a:tab pos="0" algn="l"/>
-              </a:tabLst>
-            </a:pPr>
-            <a:r>
-              <a:rPr lang="fr-FR" sz="2000" b="1" strike="noStrike" spc="-1" dirty="0">
-                <a:solidFill>
-                  <a:schemeClr val="bg1"/>
-                </a:solidFill>
-                <a:latin typeface="Trebuchet MS"/>
-                <a:ea typeface="Trebuchet MS"/>
-              </a:rPr>
-              <a:t>TO FIND ??</a:t>
-            </a:r>
-            <a:endParaRPr lang="fr-FR" sz="2000" b="0" strike="noStrike" spc="-1" dirty="0">
-              <a:solidFill>
-                <a:schemeClr val="bg1"/>
-              </a:solidFill>
-              <a:latin typeface="Arial"/>
-            </a:endParaRPr>
-          </a:p>
-        </p:txBody>
-      </p:sp>
-      <p:sp>
-        <p:nvSpPr>
-          <p:cNvPr id="5" name="CustomShape 3">
-            <a:extLst>
-              <a:ext uri="{FF2B5EF4-FFF2-40B4-BE49-F238E27FC236}">
-                <a16:creationId xmlns:a16="http://schemas.microsoft.com/office/drawing/2014/main" id="{EE724090-50D7-05CD-3D52-BC881486999C}"/>
-              </a:ext>
-            </a:extLst>
-          </p:cNvPr>
-          <p:cNvSpPr/>
-          <p:nvPr/>
-        </p:nvSpPr>
-        <p:spPr>
-          <a:xfrm>
-            <a:off x="2268507" y="3823377"/>
-            <a:ext cx="5802068" cy="492443"/>
-          </a:xfrm>
-          <a:prstGeom prst="rect">
-            <a:avLst/>
-          </a:prstGeom>
-          <a:solidFill>
-            <a:schemeClr val="tx1">
-              <a:lumMod val="50000"/>
-              <a:lumOff val="50000"/>
-            </a:schemeClr>
-          </a:solidFill>
-          <a:ln w="0">
-            <a:noFill/>
-          </a:ln>
-        </p:spPr>
-        <p:style>
-          <a:lnRef idx="0">
-            <a:scrgbClr r="0" g="0" b="0"/>
-          </a:lnRef>
-          <a:fillRef idx="0">
-            <a:scrgbClr r="0" g="0" b="0"/>
-          </a:fillRef>
-          <a:effectRef idx="0">
-            <a:scrgbClr r="0" g="0" b="0"/>
-          </a:effectRef>
-          <a:fontRef idx="minor"/>
-        </p:style>
-        <p:txBody>
-          <a:bodyPr wrap="square" tIns="91440" bIns="91440">
-            <a:spAutoFit/>
-          </a:bodyPr>
-          <a:lstStyle/>
-          <a:p>
-            <a:pPr algn="ctr">
-              <a:lnSpc>
-                <a:spcPct val="100000"/>
-              </a:lnSpc>
-              <a:tabLst>
-                <a:tab pos="0" algn="l"/>
-              </a:tabLst>
-            </a:pPr>
-            <a:r>
-              <a:rPr lang="fr-FR" sz="2000" b="1" strike="noStrike" spc="-1" dirty="0">
-                <a:solidFill>
-                  <a:schemeClr val="bg1"/>
-                </a:solidFill>
-                <a:latin typeface="Trebuchet MS"/>
-              </a:rPr>
-              <a:t>Constat, besoins, embauche…</a:t>
-            </a:r>
-            <a:endParaRPr lang="fr-FR" sz="2000" b="0" strike="noStrike" spc="-1" dirty="0">
-              <a:solidFill>
-                <a:schemeClr val="bg1"/>
-              </a:solidFill>
-              <a:latin typeface="Arial"/>
-            </a:endParaRPr>
-          </a:p>
-        </p:txBody>
-      </p:sp>
-      <p:sp>
-        <p:nvSpPr>
-          <p:cNvPr id="8" name="CustomShape 3">
-            <a:extLst>
-              <a:ext uri="{FF2B5EF4-FFF2-40B4-BE49-F238E27FC236}">
-                <a16:creationId xmlns:a16="http://schemas.microsoft.com/office/drawing/2014/main" id="{7AA047B8-96E9-3A45-3636-B66996FB40B2}"/>
-              </a:ext>
-            </a:extLst>
-          </p:cNvPr>
-          <p:cNvSpPr/>
-          <p:nvPr/>
-        </p:nvSpPr>
-        <p:spPr>
-          <a:xfrm>
-            <a:off x="2268507" y="4463976"/>
-            <a:ext cx="5802068" cy="492443"/>
-          </a:xfrm>
-          <a:prstGeom prst="rect">
-            <a:avLst/>
-          </a:prstGeom>
-          <a:solidFill>
-            <a:schemeClr val="tx1">
-              <a:lumMod val="50000"/>
-              <a:lumOff val="50000"/>
-            </a:schemeClr>
-          </a:solidFill>
-          <a:ln w="0">
-            <a:noFill/>
-          </a:ln>
-        </p:spPr>
-        <p:style>
-          <a:lnRef idx="0">
-            <a:scrgbClr r="0" g="0" b="0"/>
-          </a:lnRef>
-          <a:fillRef idx="0">
-            <a:scrgbClr r="0" g="0" b="0"/>
-          </a:fillRef>
-          <a:effectRef idx="0">
-            <a:scrgbClr r="0" g="0" b="0"/>
-          </a:effectRef>
-          <a:fontRef idx="minor"/>
-        </p:style>
-        <p:txBody>
-          <a:bodyPr wrap="square" tIns="91440" bIns="91440">
-            <a:spAutoFit/>
-          </a:bodyPr>
-          <a:lstStyle/>
-          <a:p>
-            <a:pPr algn="ctr">
-              <a:lnSpc>
-                <a:spcPct val="100000"/>
-              </a:lnSpc>
-              <a:tabLst>
-                <a:tab pos="0" algn="l"/>
-              </a:tabLst>
-            </a:pPr>
-            <a:r>
-              <a:rPr lang="fr-FR" sz="2000" b="1" strike="noStrike" spc="-1" dirty="0">
-                <a:solidFill>
-                  <a:schemeClr val="bg1"/>
-                </a:solidFill>
-                <a:latin typeface="Trebuchet MS"/>
-              </a:rPr>
-              <a:t>Réforme de la première année</a:t>
-            </a:r>
-            <a:endParaRPr lang="fr-FR" sz="2000" b="0" strike="noStrike" spc="-1" dirty="0">
-              <a:solidFill>
-                <a:schemeClr val="bg1"/>
-              </a:solidFill>
-              <a:latin typeface="Arial"/>
-            </a:endParaRPr>
-          </a:p>
-        </p:txBody>
-      </p:sp>
-      <p:sp>
-        <p:nvSpPr>
-          <p:cNvPr id="14" name="CustomShape 3">
-            <a:extLst>
-              <a:ext uri="{FF2B5EF4-FFF2-40B4-BE49-F238E27FC236}">
-                <a16:creationId xmlns:a16="http://schemas.microsoft.com/office/drawing/2014/main" id="{287513B2-5A3D-6432-ED2D-0ADC673F2F30}"/>
-              </a:ext>
-            </a:extLst>
-          </p:cNvPr>
-          <p:cNvSpPr/>
-          <p:nvPr/>
-        </p:nvSpPr>
-        <p:spPr>
-          <a:xfrm>
-            <a:off x="2268507" y="5104575"/>
-            <a:ext cx="5802068" cy="492443"/>
-          </a:xfrm>
-          <a:prstGeom prst="rect">
-            <a:avLst/>
-          </a:prstGeom>
-          <a:solidFill>
-            <a:schemeClr val="tx1">
-              <a:lumMod val="50000"/>
-              <a:lumOff val="50000"/>
-            </a:schemeClr>
-          </a:solidFill>
-          <a:ln w="0">
-            <a:noFill/>
-          </a:ln>
-        </p:spPr>
-        <p:style>
-          <a:lnRef idx="0">
-            <a:scrgbClr r="0" g="0" b="0"/>
-          </a:lnRef>
-          <a:fillRef idx="0">
-            <a:scrgbClr r="0" g="0" b="0"/>
-          </a:fillRef>
-          <a:effectRef idx="0">
-            <a:scrgbClr r="0" g="0" b="0"/>
-          </a:effectRef>
-          <a:fontRef idx="minor"/>
-        </p:style>
-        <p:txBody>
-          <a:bodyPr wrap="square" tIns="91440" bIns="91440">
-            <a:spAutoFit/>
-          </a:bodyPr>
-          <a:lstStyle/>
-          <a:p>
-            <a:pPr algn="ctr">
-              <a:lnSpc>
-                <a:spcPct val="100000"/>
-              </a:lnSpc>
-              <a:tabLst>
-                <a:tab pos="0" algn="l"/>
-              </a:tabLst>
-            </a:pPr>
-            <a:r>
-              <a:rPr lang="fr-FR" sz="2000" b="1" strike="noStrike" spc="-1" dirty="0">
-                <a:solidFill>
-                  <a:schemeClr val="bg1"/>
-                </a:solidFill>
-                <a:latin typeface="Trebuchet MS"/>
-              </a:rPr>
-              <a:t>Prochaines évolutions</a:t>
-            </a:r>
-            <a:endParaRPr lang="fr-FR" sz="2000" b="0" strike="noStrike" spc="-1" dirty="0">
-              <a:solidFill>
-                <a:schemeClr val="bg1"/>
-              </a:solidFill>
-              <a:latin typeface="Arial"/>
-            </a:endParaRPr>
-          </a:p>
-        </p:txBody>
-      </p:sp>
-      <p:sp>
-        <p:nvSpPr>
-          <p:cNvPr id="19" name="CustomShape 3">
-            <a:extLst>
-              <a:ext uri="{FF2B5EF4-FFF2-40B4-BE49-F238E27FC236}">
-                <a16:creationId xmlns:a16="http://schemas.microsoft.com/office/drawing/2014/main" id="{54FE0158-1EAE-479B-CE8E-3312FC353D32}"/>
-              </a:ext>
-            </a:extLst>
-          </p:cNvPr>
-          <p:cNvSpPr/>
-          <p:nvPr/>
-        </p:nvSpPr>
-        <p:spPr>
-          <a:xfrm>
-            <a:off x="2268507" y="5745174"/>
-            <a:ext cx="5802068" cy="492443"/>
-          </a:xfrm>
-          <a:prstGeom prst="rect">
-            <a:avLst/>
-          </a:prstGeom>
-          <a:solidFill>
-            <a:schemeClr val="tx1">
-              <a:lumMod val="50000"/>
-              <a:lumOff val="50000"/>
-            </a:schemeClr>
-          </a:solidFill>
-          <a:ln w="0">
-            <a:noFill/>
-          </a:ln>
-        </p:spPr>
-        <p:style>
-          <a:lnRef idx="0">
-            <a:scrgbClr r="0" g="0" b="0"/>
-          </a:lnRef>
-          <a:fillRef idx="0">
-            <a:scrgbClr r="0" g="0" b="0"/>
-          </a:fillRef>
-          <a:effectRef idx="0">
-            <a:scrgbClr r="0" g="0" b="0"/>
-          </a:effectRef>
-          <a:fontRef idx="minor"/>
-        </p:style>
-        <p:txBody>
-          <a:bodyPr wrap="square" tIns="91440" bIns="91440">
-            <a:spAutoFit/>
-          </a:bodyPr>
-          <a:lstStyle/>
-          <a:p>
-            <a:pPr algn="ctr">
-              <a:lnSpc>
-                <a:spcPct val="100000"/>
-              </a:lnSpc>
-              <a:tabLst>
-                <a:tab pos="0" algn="l"/>
-              </a:tabLst>
-            </a:pPr>
-            <a:r>
-              <a:rPr lang="fr-FR" sz="2000" b="1" strike="noStrike" spc="-1" dirty="0">
-                <a:solidFill>
-                  <a:schemeClr val="bg1"/>
-                </a:solidFill>
-                <a:latin typeface="Trebuchet MS"/>
-              </a:rPr>
-              <a:t>Questions aux industriels/académiques</a:t>
-            </a:r>
-            <a:endParaRPr lang="fr-FR" sz="2000" b="0" strike="noStrike" spc="-1" dirty="0">
-              <a:solidFill>
-                <a:schemeClr val="bg1"/>
-              </a:solidFill>
-              <a:latin typeface="Arial"/>
-            </a:endParaRPr>
-          </a:p>
-        </p:txBody>
-      </p:sp>
-    </p:spTree>
-    <p:extLst>
-      <p:ext uri="{BB962C8B-B14F-4D97-AF65-F5344CB8AC3E}">
-        <p14:creationId xmlns:p14="http://schemas.microsoft.com/office/powerpoint/2010/main" val="618028783"/>
-      </p:ext>
-    </p:extLst>
-  </p:cSld>
-  <p:clrMapOvr>
-    <a:masterClrMapping/>
-  </p:clrMapOvr>
-</p:sld>
-</file>
-
-<file path=ppt/slides/slide20.xml><?xml version="1.0" encoding="utf-8"?>
+<file path=ppt/slides/slide17.xml><?xml version="1.0" encoding="utf-8"?>
 <p:sld xmlns:a="http://schemas.openxmlformats.org/drawingml/2006/main" xmlns:r="http://schemas.openxmlformats.org/officeDocument/2006/relationships" xmlns:p="http://schemas.openxmlformats.org/presentationml/2006/main">
   <p:cSld>
     <p:bg>
@@ -23949,7 +20737,18 @@
               <a:rPr lang="fr-FR" sz="2000" dirty="0">
                 <a:latin typeface="Bahnschrift Light" panose="020B0502040204020203" pitchFamily="34" charset="0"/>
               </a:rPr>
-              <a:t>Outils Numériques / Semestre 5 Institut d’Optique / B0_0</a:t>
+              <a:t>Réforme 1A </a:t>
+            </a:r>
+            <a:br>
+              <a:rPr lang="fr-FR" sz="2000" dirty="0">
+                <a:latin typeface="Bahnschrift Light" panose="020B0502040204020203" pitchFamily="34" charset="0"/>
+              </a:rPr>
+            </a:br>
+            <a:r>
+              <a:rPr lang="fr-FR" sz="2000" dirty="0">
+                <a:latin typeface="Bahnschrift Light" panose="020B0502040204020203" pitchFamily="34" charset="0"/>
+              </a:rPr>
+              <a:t>Institut d’Optique </a:t>
             </a:r>
           </a:p>
         </p:txBody>
@@ -24188,7 +20987,7 @@
 </p:sld>
 </file>
 
-<file path=ppt/slides/slide21.xml><?xml version="1.0" encoding="utf-8"?>
+<file path=ppt/slides/slide18.xml><?xml version="1.0" encoding="utf-8"?>
 <p:sld xmlns:a="http://schemas.openxmlformats.org/drawingml/2006/main" xmlns:r="http://schemas.openxmlformats.org/officeDocument/2006/relationships" xmlns:p="http://schemas.openxmlformats.org/presentationml/2006/main">
   <p:cSld>
     <p:spTree>
@@ -25063,13 +21862,7 @@
           <p:cNvGraphicFramePr>
             <a:graphicFrameLocks/>
           </p:cNvGraphicFramePr>
-          <p:nvPr>
-            <p:extLst>
-              <p:ext uri="{D42A27DB-BD31-4B8C-83A1-F6EECF244321}">
-                <p14:modId xmlns:p14="http://schemas.microsoft.com/office/powerpoint/2010/main" val="3848471225"/>
-              </p:ext>
-            </p:extLst>
-          </p:nvPr>
+          <p:nvPr/>
         </p:nvGraphicFramePr>
         <p:xfrm>
           <a:off x="7574662" y="1515517"/>
@@ -25125,6 +21918,1105 @@
           </a:fontRef>
         </p:style>
       </p:cxnSp>
+    </p:spTree>
+    <p:extLst>
+      <p:ext uri="{BB962C8B-B14F-4D97-AF65-F5344CB8AC3E}">
+        <p14:creationId xmlns:p14="http://schemas.microsoft.com/office/powerpoint/2010/main" val="1785953478"/>
+      </p:ext>
+    </p:extLst>
+  </p:cSld>
+  <p:clrMapOvr>
+    <a:masterClrMapping/>
+  </p:clrMapOvr>
+</p:sld>
+</file>
+
+<file path=ppt/slides/slide2.xml><?xml version="1.0" encoding="utf-8"?>
+<p:sld xmlns:a="http://schemas.openxmlformats.org/drawingml/2006/main" xmlns:r="http://schemas.openxmlformats.org/officeDocument/2006/relationships" xmlns:p="http://schemas.openxmlformats.org/presentationml/2006/main">
+  <p:cSld>
+    <p:spTree>
+      <p:nvGrpSpPr>
+        <p:cNvPr id="1" name=""/>
+        <p:cNvGrpSpPr/>
+        <p:nvPr/>
+      </p:nvGrpSpPr>
+      <p:grpSpPr>
+        <a:xfrm>
+          <a:off x="0" y="0"/>
+          <a:ext cx="0" cy="0"/>
+          <a:chOff x="0" y="0"/>
+          <a:chExt cx="0" cy="0"/>
+        </a:xfrm>
+      </p:grpSpPr>
+      <p:sp>
+        <p:nvSpPr>
+          <p:cNvPr id="3" name="Rectangle 2">
+            <a:extLst>
+              <a:ext uri="{FF2B5EF4-FFF2-40B4-BE49-F238E27FC236}">
+                <a16:creationId xmlns:a16="http://schemas.microsoft.com/office/drawing/2014/main" id="{69EEE2CD-304C-7206-E015-F52A5695E8DF}"/>
+              </a:ext>
+            </a:extLst>
+          </p:cNvPr>
+          <p:cNvSpPr/>
+          <p:nvPr/>
+        </p:nvSpPr>
+        <p:spPr>
+          <a:xfrm>
+            <a:off x="673975" y="405113"/>
+            <a:ext cx="11020314" cy="937549"/>
+          </a:xfrm>
+          <a:prstGeom prst="rect">
+            <a:avLst/>
+          </a:prstGeom>
+          <a:solidFill>
+            <a:schemeClr val="bg1"/>
+          </a:solidFill>
+          <a:ln>
+            <a:solidFill>
+              <a:schemeClr val="bg1">
+                <a:lumMod val="95000"/>
+              </a:schemeClr>
+            </a:solidFill>
+          </a:ln>
+          <a:effectLst>
+            <a:outerShdw blurRad="50800" dist="38100" dir="2700000" algn="tl" rotWithShape="0">
+              <a:prstClr val="black">
+                <a:alpha val="40000"/>
+              </a:prstClr>
+            </a:outerShdw>
+          </a:effectLst>
+        </p:spPr>
+        <p:style>
+          <a:lnRef idx="2">
+            <a:schemeClr val="accent1">
+              <a:shade val="15000"/>
+            </a:schemeClr>
+          </a:lnRef>
+          <a:fillRef idx="1">
+            <a:schemeClr val="accent1"/>
+          </a:fillRef>
+          <a:effectRef idx="0">
+            <a:schemeClr val="accent1"/>
+          </a:effectRef>
+          <a:fontRef idx="minor">
+            <a:schemeClr val="lt1"/>
+          </a:fontRef>
+        </p:style>
+        <p:txBody>
+          <a:bodyPr rtlCol="0" anchor="ctr"/>
+          <a:lstStyle/>
+          <a:p>
+            <a:pPr algn="ctr"/>
+            <a:endParaRPr lang="fr-FR" dirty="0"/>
+          </a:p>
+        </p:txBody>
+      </p:sp>
+      <p:sp>
+        <p:nvSpPr>
+          <p:cNvPr id="2" name="Titre 1">
+            <a:extLst>
+              <a:ext uri="{FF2B5EF4-FFF2-40B4-BE49-F238E27FC236}">
+                <a16:creationId xmlns:a16="http://schemas.microsoft.com/office/drawing/2014/main" id="{97F71108-8121-4CC2-3ED6-50ABC11E79C5}"/>
+              </a:ext>
+            </a:extLst>
+          </p:cNvPr>
+          <p:cNvSpPr txBox="1">
+            <a:spLocks/>
+          </p:cNvSpPr>
+          <p:nvPr/>
+        </p:nvSpPr>
+        <p:spPr>
+          <a:xfrm>
+            <a:off x="907225" y="583365"/>
+            <a:ext cx="8970548" cy="701426"/>
+          </a:xfrm>
+          <a:prstGeom prst="rect">
+            <a:avLst/>
+          </a:prstGeom>
+        </p:spPr>
+        <p:txBody>
+          <a:bodyPr>
+            <a:normAutofit/>
+          </a:bodyPr>
+          <a:lstStyle>
+            <a:lvl1pPr algn="l" defTabSz="914400" rtl="0" eaLnBrk="1" latinLnBrk="0" hangingPunct="1">
+              <a:lnSpc>
+                <a:spcPct val="90000"/>
+              </a:lnSpc>
+              <a:spcBef>
+                <a:spcPct val="0"/>
+              </a:spcBef>
+              <a:buNone/>
+              <a:defRPr sz="4400" kern="1200">
+                <a:solidFill>
+                  <a:schemeClr val="tx1"/>
+                </a:solidFill>
+                <a:latin typeface="+mj-lt"/>
+                <a:ea typeface="+mj-ea"/>
+                <a:cs typeface="+mj-cs"/>
+              </a:defRPr>
+            </a:lvl1pPr>
+          </a:lstStyle>
+          <a:p>
+            <a:r>
+              <a:rPr lang="fr-FR" sz="3200" dirty="0"/>
+              <a:t>Devenir de l’informatique</a:t>
+            </a:r>
+            <a:endParaRPr lang="fr-FR" sz="4000" dirty="0"/>
+          </a:p>
+        </p:txBody>
+      </p:sp>
+      <p:sp>
+        <p:nvSpPr>
+          <p:cNvPr id="7" name="Rectangle 6">
+            <a:extLst>
+              <a:ext uri="{FF2B5EF4-FFF2-40B4-BE49-F238E27FC236}">
+                <a16:creationId xmlns:a16="http://schemas.microsoft.com/office/drawing/2014/main" id="{E97ACAFF-7D28-E79D-9EB4-4FEEF5BB9613}"/>
+              </a:ext>
+            </a:extLst>
+          </p:cNvPr>
+          <p:cNvSpPr/>
+          <p:nvPr/>
+        </p:nvSpPr>
+        <p:spPr>
+          <a:xfrm>
+            <a:off x="619125" y="500258"/>
+            <a:ext cx="124142" cy="749808"/>
+          </a:xfrm>
+          <a:prstGeom prst="rect">
+            <a:avLst/>
+          </a:prstGeom>
+          <a:solidFill>
+            <a:srgbClr val="002060"/>
+          </a:solidFill>
+          <a:ln>
+            <a:noFill/>
+          </a:ln>
+        </p:spPr>
+        <p:style>
+          <a:lnRef idx="2">
+            <a:schemeClr val="accent1">
+              <a:shade val="15000"/>
+            </a:schemeClr>
+          </a:lnRef>
+          <a:fillRef idx="1">
+            <a:schemeClr val="accent1"/>
+          </a:fillRef>
+          <a:effectRef idx="0">
+            <a:schemeClr val="accent1"/>
+          </a:effectRef>
+          <a:fontRef idx="minor">
+            <a:schemeClr val="lt1"/>
+          </a:fontRef>
+        </p:style>
+        <p:txBody>
+          <a:bodyPr rtlCol="0" anchor="ctr"/>
+          <a:lstStyle/>
+          <a:p>
+            <a:pPr algn="ctr"/>
+            <a:endParaRPr lang="fr-FR"/>
+          </a:p>
+        </p:txBody>
+      </p:sp>
+      <p:pic>
+        <p:nvPicPr>
+          <p:cNvPr id="4" name="Image 3" descr="Une image contenant texte&#10;&#10;Description générée automatiquement">
+            <a:extLst>
+              <a:ext uri="{FF2B5EF4-FFF2-40B4-BE49-F238E27FC236}">
+                <a16:creationId xmlns:a16="http://schemas.microsoft.com/office/drawing/2014/main" id="{9BFF7F1D-2708-E366-DB38-F68C1FBD99DC}"/>
+              </a:ext>
+            </a:extLst>
+          </p:cNvPr>
+          <p:cNvPicPr>
+            <a:picLocks noChangeAspect="1"/>
+          </p:cNvPicPr>
+          <p:nvPr/>
+        </p:nvPicPr>
+        <p:blipFill>
+          <a:blip r:embed="rId3" cstate="print">
+            <a:extLst>
+              <a:ext uri="{28A0092B-C50C-407E-A947-70E740481C1C}">
+                <a14:useLocalDpi xmlns:a14="http://schemas.microsoft.com/office/drawing/2010/main" val="0"/>
+              </a:ext>
+            </a:extLst>
+          </a:blip>
+          <a:stretch>
+            <a:fillRect/>
+          </a:stretch>
+        </p:blipFill>
+        <p:spPr>
+          <a:xfrm>
+            <a:off x="9808481" y="509288"/>
+            <a:ext cx="1825291" cy="749808"/>
+          </a:xfrm>
+          <a:prstGeom prst="rect">
+            <a:avLst/>
+          </a:prstGeom>
+        </p:spPr>
+      </p:pic>
+      <p:sp>
+        <p:nvSpPr>
+          <p:cNvPr id="5" name="Triangle isocèle 4">
+            <a:extLst>
+              <a:ext uri="{FF2B5EF4-FFF2-40B4-BE49-F238E27FC236}">
+                <a16:creationId xmlns:a16="http://schemas.microsoft.com/office/drawing/2014/main" id="{A6FFE7BE-BC28-4522-A599-A8356EE2B016}"/>
+              </a:ext>
+            </a:extLst>
+          </p:cNvPr>
+          <p:cNvSpPr/>
+          <p:nvPr/>
+        </p:nvSpPr>
+        <p:spPr>
+          <a:xfrm rot="5400000">
+            <a:off x="905903" y="1755713"/>
+            <a:ext cx="284230" cy="160486"/>
+          </a:xfrm>
+          <a:prstGeom prst="triangle">
+            <a:avLst/>
+          </a:prstGeom>
+          <a:solidFill>
+            <a:schemeClr val="tx1">
+              <a:lumMod val="50000"/>
+              <a:lumOff val="50000"/>
+            </a:schemeClr>
+          </a:solidFill>
+          <a:ln>
+            <a:noFill/>
+          </a:ln>
+        </p:spPr>
+        <p:style>
+          <a:lnRef idx="2">
+            <a:schemeClr val="accent1">
+              <a:shade val="50000"/>
+            </a:schemeClr>
+          </a:lnRef>
+          <a:fillRef idx="1">
+            <a:schemeClr val="accent1"/>
+          </a:fillRef>
+          <a:effectRef idx="0">
+            <a:schemeClr val="accent1"/>
+          </a:effectRef>
+          <a:fontRef idx="minor">
+            <a:schemeClr val="lt1"/>
+          </a:fontRef>
+        </p:style>
+        <p:txBody>
+          <a:bodyPr rtlCol="0" anchor="ctr"/>
+          <a:lstStyle/>
+          <a:p>
+            <a:pPr algn="ctr"/>
+            <a:endParaRPr lang="fr-FR" sz="2800">
+              <a:solidFill>
+                <a:schemeClr val="tx1">
+                  <a:lumMod val="95000"/>
+                  <a:lumOff val="5000"/>
+                </a:schemeClr>
+              </a:solidFill>
+            </a:endParaRPr>
+          </a:p>
+        </p:txBody>
+      </p:sp>
+      <p:sp>
+        <p:nvSpPr>
+          <p:cNvPr id="10" name="ZoneTexte 9">
+            <a:extLst>
+              <a:ext uri="{FF2B5EF4-FFF2-40B4-BE49-F238E27FC236}">
+                <a16:creationId xmlns:a16="http://schemas.microsoft.com/office/drawing/2014/main" id="{2BBFA35E-C722-B061-02D7-D618A2C9B36D}"/>
+              </a:ext>
+            </a:extLst>
+          </p:cNvPr>
+          <p:cNvSpPr txBox="1"/>
+          <p:nvPr/>
+        </p:nvSpPr>
+        <p:spPr>
+          <a:xfrm>
+            <a:off x="1285315" y="1639694"/>
+            <a:ext cx="5261443" cy="400110"/>
+          </a:xfrm>
+          <a:prstGeom prst="rect">
+            <a:avLst/>
+          </a:prstGeom>
+          <a:noFill/>
+        </p:spPr>
+        <p:txBody>
+          <a:bodyPr wrap="square">
+            <a:spAutoFit/>
+          </a:bodyPr>
+          <a:lstStyle/>
+          <a:p>
+            <a:r>
+              <a:rPr lang="fr-FR" sz="2000" b="1" dirty="0">
+                <a:solidFill>
+                  <a:schemeClr val="tx1">
+                    <a:lumMod val="95000"/>
+                    <a:lumOff val="5000"/>
+                  </a:schemeClr>
+                </a:solidFill>
+                <a:latin typeface="Arial" panose="020B0604020202020204" pitchFamily="34" charset="0"/>
+              </a:rPr>
+              <a:t>Langage C / C++</a:t>
+            </a:r>
+            <a:endParaRPr lang="fr-FR" sz="2000" b="1" dirty="0">
+              <a:solidFill>
+                <a:schemeClr val="tx1">
+                  <a:lumMod val="95000"/>
+                  <a:lumOff val="5000"/>
+                </a:schemeClr>
+              </a:solidFill>
+            </a:endParaRPr>
+          </a:p>
+        </p:txBody>
+      </p:sp>
+      <p:sp>
+        <p:nvSpPr>
+          <p:cNvPr id="12" name="ZoneTexte 11">
+            <a:extLst>
+              <a:ext uri="{FF2B5EF4-FFF2-40B4-BE49-F238E27FC236}">
+                <a16:creationId xmlns:a16="http://schemas.microsoft.com/office/drawing/2014/main" id="{CF3D8B71-838A-4CBD-79B2-49B71A6552B8}"/>
+              </a:ext>
+            </a:extLst>
+          </p:cNvPr>
+          <p:cNvSpPr txBox="1"/>
+          <p:nvPr/>
+        </p:nvSpPr>
+        <p:spPr>
+          <a:xfrm>
+            <a:off x="1599273" y="2546296"/>
+            <a:ext cx="9408583" cy="369332"/>
+          </a:xfrm>
+          <a:prstGeom prst="rect">
+            <a:avLst/>
+          </a:prstGeom>
+          <a:noFill/>
+        </p:spPr>
+        <p:txBody>
+          <a:bodyPr wrap="square">
+            <a:spAutoFit/>
+          </a:bodyPr>
+          <a:lstStyle/>
+          <a:p>
+            <a:r>
+              <a:rPr lang="fr-FR" dirty="0"/>
+              <a:t>Intérêts pour </a:t>
+            </a:r>
+            <a:r>
+              <a:rPr lang="fr-FR" dirty="0" err="1"/>
+              <a:t>un.e</a:t>
+            </a:r>
+            <a:r>
+              <a:rPr lang="fr-FR" dirty="0"/>
+              <a:t> SupOpticien.ne ? </a:t>
+            </a:r>
+          </a:p>
+        </p:txBody>
+      </p:sp>
+      <p:sp>
+        <p:nvSpPr>
+          <p:cNvPr id="13" name="Rectangle 12">
+            <a:extLst>
+              <a:ext uri="{FF2B5EF4-FFF2-40B4-BE49-F238E27FC236}">
+                <a16:creationId xmlns:a16="http://schemas.microsoft.com/office/drawing/2014/main" id="{24759F28-2F82-A845-7F58-AEFD3E77F7A8}"/>
+              </a:ext>
+            </a:extLst>
+          </p:cNvPr>
+          <p:cNvSpPr/>
+          <p:nvPr/>
+        </p:nvSpPr>
+        <p:spPr>
+          <a:xfrm>
+            <a:off x="1357242" y="2545292"/>
+            <a:ext cx="149912" cy="369330"/>
+          </a:xfrm>
+          <a:prstGeom prst="rect">
+            <a:avLst/>
+          </a:prstGeom>
+          <a:solidFill>
+            <a:srgbClr val="00B0F0"/>
+          </a:solidFill>
+          <a:ln>
+            <a:noFill/>
+          </a:ln>
+        </p:spPr>
+        <p:style>
+          <a:lnRef idx="2">
+            <a:schemeClr val="accent1">
+              <a:shade val="50000"/>
+            </a:schemeClr>
+          </a:lnRef>
+          <a:fillRef idx="1">
+            <a:schemeClr val="accent1"/>
+          </a:fillRef>
+          <a:effectRef idx="0">
+            <a:schemeClr val="accent1"/>
+          </a:effectRef>
+          <a:fontRef idx="minor">
+            <a:schemeClr val="lt1"/>
+          </a:fontRef>
+        </p:style>
+        <p:txBody>
+          <a:bodyPr rtlCol="0" anchor="ctr"/>
+          <a:lstStyle/>
+          <a:p>
+            <a:pPr algn="ctr"/>
+            <a:endParaRPr lang="fr-FR" dirty="0"/>
+          </a:p>
+        </p:txBody>
+      </p:sp>
+      <p:sp>
+        <p:nvSpPr>
+          <p:cNvPr id="17" name="ZoneTexte 16">
+            <a:extLst>
+              <a:ext uri="{FF2B5EF4-FFF2-40B4-BE49-F238E27FC236}">
+                <a16:creationId xmlns:a16="http://schemas.microsoft.com/office/drawing/2014/main" id="{7B23C0AF-B592-3D14-6404-C3B688715206}"/>
+              </a:ext>
+            </a:extLst>
+          </p:cNvPr>
+          <p:cNvSpPr txBox="1"/>
+          <p:nvPr/>
+        </p:nvSpPr>
+        <p:spPr>
+          <a:xfrm>
+            <a:off x="1285315" y="2046595"/>
+            <a:ext cx="5261443" cy="400110"/>
+          </a:xfrm>
+          <a:prstGeom prst="rect">
+            <a:avLst/>
+          </a:prstGeom>
+          <a:noFill/>
+        </p:spPr>
+        <p:txBody>
+          <a:bodyPr wrap="square">
+            <a:spAutoFit/>
+          </a:bodyPr>
+          <a:lstStyle/>
+          <a:p>
+            <a:r>
+              <a:rPr lang="fr-FR" sz="2000" b="1" dirty="0">
+                <a:solidFill>
+                  <a:schemeClr val="tx1">
+                    <a:lumMod val="95000"/>
+                    <a:lumOff val="5000"/>
+                  </a:schemeClr>
+                </a:solidFill>
+                <a:latin typeface="Arial" panose="020B0604020202020204" pitchFamily="34" charset="0"/>
+              </a:rPr>
+              <a:t>Microcontrôleur / Embarqué</a:t>
+            </a:r>
+            <a:endParaRPr lang="fr-FR" sz="2000" b="1" dirty="0">
+              <a:solidFill>
+                <a:schemeClr val="tx1">
+                  <a:lumMod val="95000"/>
+                  <a:lumOff val="5000"/>
+                </a:schemeClr>
+              </a:solidFill>
+            </a:endParaRPr>
+          </a:p>
+        </p:txBody>
+      </p:sp>
+      <p:sp>
+        <p:nvSpPr>
+          <p:cNvPr id="19" name="ZoneTexte 18">
+            <a:extLst>
+              <a:ext uri="{FF2B5EF4-FFF2-40B4-BE49-F238E27FC236}">
+                <a16:creationId xmlns:a16="http://schemas.microsoft.com/office/drawing/2014/main" id="{D6CCC649-6DAE-BDBE-59FB-3A066126AF57}"/>
+              </a:ext>
+            </a:extLst>
+          </p:cNvPr>
+          <p:cNvSpPr txBox="1"/>
+          <p:nvPr/>
+        </p:nvSpPr>
+        <p:spPr>
+          <a:xfrm>
+            <a:off x="1320982" y="3999236"/>
+            <a:ext cx="5261443" cy="400110"/>
+          </a:xfrm>
+          <a:prstGeom prst="rect">
+            <a:avLst/>
+          </a:prstGeom>
+          <a:noFill/>
+        </p:spPr>
+        <p:txBody>
+          <a:bodyPr wrap="square">
+            <a:spAutoFit/>
+          </a:bodyPr>
+          <a:lstStyle/>
+          <a:p>
+            <a:r>
+              <a:rPr lang="fr-FR" sz="2000" b="1" dirty="0">
+                <a:solidFill>
+                  <a:schemeClr val="tx1">
+                    <a:lumMod val="95000"/>
+                    <a:lumOff val="5000"/>
+                  </a:schemeClr>
+                </a:solidFill>
+                <a:latin typeface="Arial" panose="020B0604020202020204" pitchFamily="34" charset="0"/>
+              </a:rPr>
+              <a:t>Intelligence Artificielle</a:t>
+            </a:r>
+            <a:endParaRPr lang="fr-FR" sz="2000" b="1" dirty="0">
+              <a:solidFill>
+                <a:schemeClr val="tx1">
+                  <a:lumMod val="95000"/>
+                  <a:lumOff val="5000"/>
+                </a:schemeClr>
+              </a:solidFill>
+            </a:endParaRPr>
+          </a:p>
+        </p:txBody>
+      </p:sp>
+      <p:sp>
+        <p:nvSpPr>
+          <p:cNvPr id="20" name="ZoneTexte 19">
+            <a:extLst>
+              <a:ext uri="{FF2B5EF4-FFF2-40B4-BE49-F238E27FC236}">
+                <a16:creationId xmlns:a16="http://schemas.microsoft.com/office/drawing/2014/main" id="{BD6B6EE0-F3B9-90F8-E0CD-B531FCA862FB}"/>
+              </a:ext>
+            </a:extLst>
+          </p:cNvPr>
+          <p:cNvSpPr txBox="1"/>
+          <p:nvPr/>
+        </p:nvSpPr>
+        <p:spPr>
+          <a:xfrm>
+            <a:off x="1599273" y="4552128"/>
+            <a:ext cx="9408583" cy="369332"/>
+          </a:xfrm>
+          <a:prstGeom prst="rect">
+            <a:avLst/>
+          </a:prstGeom>
+          <a:noFill/>
+        </p:spPr>
+        <p:txBody>
+          <a:bodyPr wrap="square">
+            <a:spAutoFit/>
+          </a:bodyPr>
+          <a:lstStyle/>
+          <a:p>
+            <a:r>
+              <a:rPr lang="fr-FR" b="1" dirty="0"/>
+              <a:t>Machine Learning </a:t>
+            </a:r>
+            <a:r>
+              <a:rPr lang="fr-FR" dirty="0"/>
+              <a:t>: Intégration dans la formation (obligatoire) ?</a:t>
+            </a:r>
+          </a:p>
+        </p:txBody>
+      </p:sp>
+      <p:sp>
+        <p:nvSpPr>
+          <p:cNvPr id="21" name="Rectangle 20">
+            <a:extLst>
+              <a:ext uri="{FF2B5EF4-FFF2-40B4-BE49-F238E27FC236}">
+                <a16:creationId xmlns:a16="http://schemas.microsoft.com/office/drawing/2014/main" id="{AA4233FB-717D-C2CA-E15E-B7F0DF373845}"/>
+              </a:ext>
+            </a:extLst>
+          </p:cNvPr>
+          <p:cNvSpPr/>
+          <p:nvPr/>
+        </p:nvSpPr>
+        <p:spPr>
+          <a:xfrm>
+            <a:off x="1357242" y="4551124"/>
+            <a:ext cx="149912" cy="370336"/>
+          </a:xfrm>
+          <a:prstGeom prst="rect">
+            <a:avLst/>
+          </a:prstGeom>
+          <a:solidFill>
+            <a:srgbClr val="00B0F0"/>
+          </a:solidFill>
+          <a:ln>
+            <a:noFill/>
+          </a:ln>
+        </p:spPr>
+        <p:style>
+          <a:lnRef idx="2">
+            <a:schemeClr val="accent1">
+              <a:shade val="50000"/>
+            </a:schemeClr>
+          </a:lnRef>
+          <a:fillRef idx="1">
+            <a:schemeClr val="accent1"/>
+          </a:fillRef>
+          <a:effectRef idx="0">
+            <a:schemeClr val="accent1"/>
+          </a:effectRef>
+          <a:fontRef idx="minor">
+            <a:schemeClr val="lt1"/>
+          </a:fontRef>
+        </p:style>
+        <p:txBody>
+          <a:bodyPr rtlCol="0" anchor="ctr"/>
+          <a:lstStyle/>
+          <a:p>
+            <a:pPr algn="ctr"/>
+            <a:endParaRPr lang="fr-FR" dirty="0"/>
+          </a:p>
+        </p:txBody>
+      </p:sp>
+      <p:sp>
+        <p:nvSpPr>
+          <p:cNvPr id="22" name="ZoneTexte 21">
+            <a:extLst>
+              <a:ext uri="{FF2B5EF4-FFF2-40B4-BE49-F238E27FC236}">
+                <a16:creationId xmlns:a16="http://schemas.microsoft.com/office/drawing/2014/main" id="{7B9E9163-42B1-73BC-C392-6FF348247C45}"/>
+              </a:ext>
+            </a:extLst>
+          </p:cNvPr>
+          <p:cNvSpPr txBox="1"/>
+          <p:nvPr/>
+        </p:nvSpPr>
+        <p:spPr>
+          <a:xfrm>
+            <a:off x="1599273" y="5040408"/>
+            <a:ext cx="9408583" cy="923330"/>
+          </a:xfrm>
+          <a:prstGeom prst="rect">
+            <a:avLst/>
+          </a:prstGeom>
+          <a:noFill/>
+        </p:spPr>
+        <p:txBody>
+          <a:bodyPr wrap="square">
+            <a:spAutoFit/>
+          </a:bodyPr>
+          <a:lstStyle/>
+          <a:p>
+            <a:r>
+              <a:rPr lang="fr-FR" dirty="0"/>
+              <a:t>Utilisation de </a:t>
+            </a:r>
+            <a:r>
+              <a:rPr lang="fr-FR" b="1" dirty="0"/>
+              <a:t>l’IA générative </a:t>
+            </a:r>
+            <a:r>
+              <a:rPr lang="fr-FR" dirty="0"/>
+              <a:t>: </a:t>
+            </a:r>
+          </a:p>
+          <a:p>
+            <a:pPr marL="342900" indent="-342900">
+              <a:buFontTx/>
+              <a:buChar char="-"/>
+            </a:pPr>
+            <a:r>
+              <a:rPr lang="fr-FR" dirty="0"/>
+              <a:t>pratique en entreprise ?</a:t>
+            </a:r>
+          </a:p>
+          <a:p>
+            <a:pPr marL="342900" indent="-342900">
+              <a:buFontTx/>
+              <a:buChar char="-"/>
+            </a:pPr>
+            <a:r>
+              <a:rPr lang="fr-FR" dirty="0"/>
+              <a:t>impact RSE ?</a:t>
+            </a:r>
+          </a:p>
+        </p:txBody>
+      </p:sp>
+      <p:sp>
+        <p:nvSpPr>
+          <p:cNvPr id="23" name="Rectangle 22">
+            <a:extLst>
+              <a:ext uri="{FF2B5EF4-FFF2-40B4-BE49-F238E27FC236}">
+                <a16:creationId xmlns:a16="http://schemas.microsoft.com/office/drawing/2014/main" id="{038AE4D9-90C1-A529-1AEF-36D2C4AE4BB3}"/>
+              </a:ext>
+            </a:extLst>
+          </p:cNvPr>
+          <p:cNvSpPr/>
+          <p:nvPr/>
+        </p:nvSpPr>
+        <p:spPr>
+          <a:xfrm>
+            <a:off x="1357242" y="5039404"/>
+            <a:ext cx="149912" cy="923330"/>
+          </a:xfrm>
+          <a:prstGeom prst="rect">
+            <a:avLst/>
+          </a:prstGeom>
+          <a:solidFill>
+            <a:srgbClr val="00B0F0"/>
+          </a:solidFill>
+          <a:ln>
+            <a:noFill/>
+          </a:ln>
+        </p:spPr>
+        <p:style>
+          <a:lnRef idx="2">
+            <a:schemeClr val="accent1">
+              <a:shade val="50000"/>
+            </a:schemeClr>
+          </a:lnRef>
+          <a:fillRef idx="1">
+            <a:schemeClr val="accent1"/>
+          </a:fillRef>
+          <a:effectRef idx="0">
+            <a:schemeClr val="accent1"/>
+          </a:effectRef>
+          <a:fontRef idx="minor">
+            <a:schemeClr val="lt1"/>
+          </a:fontRef>
+        </p:style>
+        <p:txBody>
+          <a:bodyPr rtlCol="0" anchor="ctr"/>
+          <a:lstStyle/>
+          <a:p>
+            <a:pPr algn="ctr"/>
+            <a:endParaRPr lang="fr-FR" dirty="0"/>
+          </a:p>
+        </p:txBody>
+      </p:sp>
+      <p:cxnSp>
+        <p:nvCxnSpPr>
+          <p:cNvPr id="25" name="Connecteur droit 24">
+            <a:extLst>
+              <a:ext uri="{FF2B5EF4-FFF2-40B4-BE49-F238E27FC236}">
+                <a16:creationId xmlns:a16="http://schemas.microsoft.com/office/drawing/2014/main" id="{6AF15CCB-4967-9404-A633-D1ADFB42AB9D}"/>
+              </a:ext>
+            </a:extLst>
+          </p:cNvPr>
+          <p:cNvCxnSpPr>
+            <a:cxnSpLocks/>
+          </p:cNvCxnSpPr>
+          <p:nvPr/>
+        </p:nvCxnSpPr>
+        <p:spPr>
+          <a:xfrm>
+            <a:off x="476250" y="3774286"/>
+            <a:ext cx="6559817" cy="0"/>
+          </a:xfrm>
+          <a:prstGeom prst="line">
+            <a:avLst/>
+          </a:prstGeom>
+          <a:ln w="28575">
+            <a:solidFill>
+              <a:srgbClr val="0070C0"/>
+            </a:solidFill>
+            <a:prstDash val="solid"/>
+          </a:ln>
+        </p:spPr>
+        <p:style>
+          <a:lnRef idx="1">
+            <a:schemeClr val="accent1"/>
+          </a:lnRef>
+          <a:fillRef idx="0">
+            <a:schemeClr val="accent1"/>
+          </a:fillRef>
+          <a:effectRef idx="0">
+            <a:schemeClr val="accent1"/>
+          </a:effectRef>
+          <a:fontRef idx="minor">
+            <a:schemeClr val="tx1"/>
+          </a:fontRef>
+        </p:style>
+      </p:cxnSp>
+      <p:sp>
+        <p:nvSpPr>
+          <p:cNvPr id="6" name="Triangle isocèle 5">
+            <a:extLst>
+              <a:ext uri="{FF2B5EF4-FFF2-40B4-BE49-F238E27FC236}">
+                <a16:creationId xmlns:a16="http://schemas.microsoft.com/office/drawing/2014/main" id="{4554E9EA-765A-DBB0-F336-48FB29DF785E}"/>
+              </a:ext>
+            </a:extLst>
+          </p:cNvPr>
+          <p:cNvSpPr/>
+          <p:nvPr/>
+        </p:nvSpPr>
+        <p:spPr>
+          <a:xfrm rot="5400000">
+            <a:off x="905903" y="2166407"/>
+            <a:ext cx="284230" cy="160486"/>
+          </a:xfrm>
+          <a:prstGeom prst="triangle">
+            <a:avLst/>
+          </a:prstGeom>
+          <a:solidFill>
+            <a:schemeClr val="tx1">
+              <a:lumMod val="50000"/>
+              <a:lumOff val="50000"/>
+            </a:schemeClr>
+          </a:solidFill>
+          <a:ln>
+            <a:noFill/>
+          </a:ln>
+        </p:spPr>
+        <p:style>
+          <a:lnRef idx="2">
+            <a:schemeClr val="accent1">
+              <a:shade val="50000"/>
+            </a:schemeClr>
+          </a:lnRef>
+          <a:fillRef idx="1">
+            <a:schemeClr val="accent1"/>
+          </a:fillRef>
+          <a:effectRef idx="0">
+            <a:schemeClr val="accent1"/>
+          </a:effectRef>
+          <a:fontRef idx="minor">
+            <a:schemeClr val="lt1"/>
+          </a:fontRef>
+        </p:style>
+        <p:txBody>
+          <a:bodyPr rtlCol="0" anchor="ctr"/>
+          <a:lstStyle/>
+          <a:p>
+            <a:pPr algn="ctr"/>
+            <a:endParaRPr lang="fr-FR" sz="2800">
+              <a:solidFill>
+                <a:schemeClr val="tx1">
+                  <a:lumMod val="95000"/>
+                  <a:lumOff val="5000"/>
+                </a:schemeClr>
+              </a:solidFill>
+            </a:endParaRPr>
+          </a:p>
+        </p:txBody>
+      </p:sp>
+      <p:sp>
+        <p:nvSpPr>
+          <p:cNvPr id="8" name="ZoneTexte 7">
+            <a:extLst>
+              <a:ext uri="{FF2B5EF4-FFF2-40B4-BE49-F238E27FC236}">
+                <a16:creationId xmlns:a16="http://schemas.microsoft.com/office/drawing/2014/main" id="{B57C710A-465E-C89A-828A-55225DD76EEB}"/>
+              </a:ext>
+            </a:extLst>
+          </p:cNvPr>
+          <p:cNvSpPr txBox="1"/>
+          <p:nvPr/>
+        </p:nvSpPr>
+        <p:spPr>
+          <a:xfrm>
+            <a:off x="1317315" y="3060315"/>
+            <a:ext cx="5261443" cy="400110"/>
+          </a:xfrm>
+          <a:prstGeom prst="rect">
+            <a:avLst/>
+          </a:prstGeom>
+          <a:noFill/>
+        </p:spPr>
+        <p:txBody>
+          <a:bodyPr wrap="square">
+            <a:spAutoFit/>
+          </a:bodyPr>
+          <a:lstStyle/>
+          <a:p>
+            <a:r>
+              <a:rPr lang="fr-FR" sz="2000" b="1" dirty="0">
+                <a:solidFill>
+                  <a:schemeClr val="tx1">
+                    <a:lumMod val="95000"/>
+                    <a:lumOff val="5000"/>
+                  </a:schemeClr>
+                </a:solidFill>
+                <a:latin typeface="Arial" panose="020B0604020202020204" pitchFamily="34" charset="0"/>
+              </a:rPr>
+              <a:t>Python / Langage à tout faire</a:t>
+            </a:r>
+            <a:endParaRPr lang="fr-FR" sz="2000" b="1" dirty="0">
+              <a:solidFill>
+                <a:schemeClr val="tx1">
+                  <a:lumMod val="95000"/>
+                  <a:lumOff val="5000"/>
+                </a:schemeClr>
+              </a:solidFill>
+            </a:endParaRPr>
+          </a:p>
+        </p:txBody>
+      </p:sp>
+      <p:sp>
+        <p:nvSpPr>
+          <p:cNvPr id="9" name="Triangle isocèle 8">
+            <a:extLst>
+              <a:ext uri="{FF2B5EF4-FFF2-40B4-BE49-F238E27FC236}">
+                <a16:creationId xmlns:a16="http://schemas.microsoft.com/office/drawing/2014/main" id="{4AC88A4E-A725-836A-1AAA-7660947E4A77}"/>
+              </a:ext>
+            </a:extLst>
+          </p:cNvPr>
+          <p:cNvSpPr/>
+          <p:nvPr/>
+        </p:nvSpPr>
+        <p:spPr>
+          <a:xfrm rot="5400000">
+            <a:off x="905903" y="3180127"/>
+            <a:ext cx="284230" cy="160486"/>
+          </a:xfrm>
+          <a:prstGeom prst="triangle">
+            <a:avLst/>
+          </a:prstGeom>
+          <a:solidFill>
+            <a:schemeClr val="tx1">
+              <a:lumMod val="50000"/>
+              <a:lumOff val="50000"/>
+            </a:schemeClr>
+          </a:solidFill>
+          <a:ln>
+            <a:noFill/>
+          </a:ln>
+        </p:spPr>
+        <p:style>
+          <a:lnRef idx="2">
+            <a:schemeClr val="accent1">
+              <a:shade val="50000"/>
+            </a:schemeClr>
+          </a:lnRef>
+          <a:fillRef idx="1">
+            <a:schemeClr val="accent1"/>
+          </a:fillRef>
+          <a:effectRef idx="0">
+            <a:schemeClr val="accent1"/>
+          </a:effectRef>
+          <a:fontRef idx="minor">
+            <a:schemeClr val="lt1"/>
+          </a:fontRef>
+        </p:style>
+        <p:txBody>
+          <a:bodyPr rtlCol="0" anchor="ctr"/>
+          <a:lstStyle/>
+          <a:p>
+            <a:pPr algn="ctr"/>
+            <a:endParaRPr lang="fr-FR" sz="2800">
+              <a:solidFill>
+                <a:schemeClr val="tx1">
+                  <a:lumMod val="95000"/>
+                  <a:lumOff val="5000"/>
+                </a:schemeClr>
+              </a:solidFill>
+            </a:endParaRPr>
+          </a:p>
+        </p:txBody>
+      </p:sp>
+      <p:sp>
+        <p:nvSpPr>
+          <p:cNvPr id="11" name="Triangle isocèle 10">
+            <a:extLst>
+              <a:ext uri="{FF2B5EF4-FFF2-40B4-BE49-F238E27FC236}">
+                <a16:creationId xmlns:a16="http://schemas.microsoft.com/office/drawing/2014/main" id="{1FA93CE9-5851-0245-130F-0ACA5CEE16A5}"/>
+              </a:ext>
+            </a:extLst>
+          </p:cNvPr>
+          <p:cNvSpPr/>
+          <p:nvPr/>
+        </p:nvSpPr>
+        <p:spPr>
+          <a:xfrm rot="5400000">
+            <a:off x="905903" y="4129309"/>
+            <a:ext cx="284230" cy="160486"/>
+          </a:xfrm>
+          <a:prstGeom prst="triangle">
+            <a:avLst/>
+          </a:prstGeom>
+          <a:solidFill>
+            <a:schemeClr val="tx1">
+              <a:lumMod val="50000"/>
+              <a:lumOff val="50000"/>
+            </a:schemeClr>
+          </a:solidFill>
+          <a:ln>
+            <a:noFill/>
+          </a:ln>
+        </p:spPr>
+        <p:style>
+          <a:lnRef idx="2">
+            <a:schemeClr val="accent1">
+              <a:shade val="50000"/>
+            </a:schemeClr>
+          </a:lnRef>
+          <a:fillRef idx="1">
+            <a:schemeClr val="accent1"/>
+          </a:fillRef>
+          <a:effectRef idx="0">
+            <a:schemeClr val="accent1"/>
+          </a:effectRef>
+          <a:fontRef idx="minor">
+            <a:schemeClr val="lt1"/>
+          </a:fontRef>
+        </p:style>
+        <p:txBody>
+          <a:bodyPr rtlCol="0" anchor="ctr"/>
+          <a:lstStyle/>
+          <a:p>
+            <a:pPr algn="ctr"/>
+            <a:endParaRPr lang="fr-FR" sz="2800" dirty="0">
+              <a:solidFill>
+                <a:schemeClr val="tx1">
+                  <a:lumMod val="95000"/>
+                  <a:lumOff val="5000"/>
+                </a:schemeClr>
+              </a:solidFill>
+            </a:endParaRPr>
+          </a:p>
+        </p:txBody>
+      </p:sp>
+      <p:pic>
+        <p:nvPicPr>
+          <p:cNvPr id="15" name="Image 14">
+            <a:extLst>
+              <a:ext uri="{FF2B5EF4-FFF2-40B4-BE49-F238E27FC236}">
+                <a16:creationId xmlns:a16="http://schemas.microsoft.com/office/drawing/2014/main" id="{B9816565-2CF7-C6EC-7432-5F29DDEBBCB0}"/>
+              </a:ext>
+            </a:extLst>
+          </p:cNvPr>
+          <p:cNvPicPr>
+            <a:picLocks noChangeAspect="1"/>
+          </p:cNvPicPr>
+          <p:nvPr/>
+        </p:nvPicPr>
+        <p:blipFill>
+          <a:blip r:embed="rId4"/>
+          <a:stretch>
+            <a:fillRect/>
+          </a:stretch>
+        </p:blipFill>
+        <p:spPr>
+          <a:xfrm>
+            <a:off x="5936972" y="1554002"/>
+            <a:ext cx="5696800" cy="1971254"/>
+          </a:xfrm>
+          <a:prstGeom prst="rect">
+            <a:avLst/>
+          </a:prstGeom>
+        </p:spPr>
+      </p:pic>
+      <p:sp>
+        <p:nvSpPr>
+          <p:cNvPr id="26" name="ZoneTexte 25">
+            <a:extLst>
+              <a:ext uri="{FF2B5EF4-FFF2-40B4-BE49-F238E27FC236}">
+                <a16:creationId xmlns:a16="http://schemas.microsoft.com/office/drawing/2014/main" id="{957642FD-932B-DB2F-2FA5-9835146481D0}"/>
+              </a:ext>
+            </a:extLst>
+          </p:cNvPr>
+          <p:cNvSpPr txBox="1"/>
+          <p:nvPr/>
+        </p:nvSpPr>
+        <p:spPr>
+          <a:xfrm>
+            <a:off x="7708392" y="3551930"/>
+            <a:ext cx="3925380" cy="276999"/>
+          </a:xfrm>
+          <a:prstGeom prst="rect">
+            <a:avLst/>
+          </a:prstGeom>
+          <a:noFill/>
+        </p:spPr>
+        <p:txBody>
+          <a:bodyPr wrap="square">
+            <a:spAutoFit/>
+          </a:bodyPr>
+          <a:lstStyle/>
+          <a:p>
+            <a:pPr algn="r"/>
+            <a:r>
+              <a:rPr lang="fr-FR" sz="1200" i="1" dirty="0"/>
+              <a:t>Index TIOBE / Mai 2024</a:t>
+            </a:r>
+          </a:p>
+        </p:txBody>
+      </p:sp>
     </p:spTree>
     <p:extLst>
       <p:ext uri="{BB962C8B-B14F-4D97-AF65-F5344CB8AC3E}">
@@ -25425,14 +23317,6 @@
               <a:t>Institut d’Optique </a:t>
             </a:r>
           </a:p>
-          <a:p>
-            <a:r>
-              <a:rPr lang="fr-FR" sz="2000" dirty="0">
-                <a:latin typeface="Bahnschrift Light" panose="020B0502040204020203" pitchFamily="34" charset="0"/>
-              </a:rPr>
-              <a:t>Julien VILLEMEJANE</a:t>
-            </a:r>
-          </a:p>
         </p:txBody>
       </p:sp>
       <p:sp>
@@ -29409,14 +27293,6 @@
                 <a:latin typeface="Bahnschrift Light" panose="020B0502040204020203" pitchFamily="34" charset="0"/>
               </a:rPr>
               <a:t>Institut d’Optique </a:t>
-            </a:r>
-          </a:p>
-          <a:p>
-            <a:r>
-              <a:rPr lang="fr-FR" sz="2000" dirty="0">
-                <a:latin typeface="Bahnschrift Light" panose="020B0502040204020203" pitchFamily="34" charset="0"/>
-              </a:rPr>
-              <a:t>Julien VILLEMEJANE</a:t>
             </a:r>
           </a:p>
         </p:txBody>
@@ -34176,7 +32052,7 @@
               <a:t>- </a:t>
             </a:r>
             <a:r>
-              <a:rPr lang="fr-FR" sz="1600" b="0" i="0" dirty="0" err="1">
+              <a:rPr lang="fr-FR" sz="1600" b="1" i="0" dirty="0">
                 <a:solidFill>
                   <a:srgbClr val="000000"/>
                 </a:solidFill>
@@ -34186,7 +32062,7 @@
                 </a:highlight>
                 <a:latin typeface="times new roman" panose="02020603050405020304" pitchFamily="18" charset="0"/>
               </a:rPr>
-              <a:t>matlab</a:t>
+              <a:t>Matlab</a:t>
             </a:r>
             <a:r>
               <a:rPr lang="fr-FR" sz="1600" b="0" i="0" dirty="0">
@@ -34215,7 +32091,33 @@
                 </a:highlight>
                 <a:latin typeface="times new roman" panose="02020603050405020304" pitchFamily="18" charset="0"/>
               </a:rPr>
-              <a:t>- C++ (pour le traitement d'images plus spécifique - rendu 3D par exemple - ou cible matérielle type </a:t>
+              <a:t>- </a:t>
+            </a:r>
+            <a:r>
+              <a:rPr lang="fr-FR" sz="1600" b="1" i="0" dirty="0">
+                <a:solidFill>
+                  <a:srgbClr val="000000"/>
+                </a:solidFill>
+                <a:effectLst/>
+                <a:highlight>
+                  <a:srgbClr val="FDFDFD"/>
+                </a:highlight>
+                <a:latin typeface="times new roman" panose="02020603050405020304" pitchFamily="18" charset="0"/>
+              </a:rPr>
+              <a:t>C++ </a:t>
+            </a:r>
+            <a:r>
+              <a:rPr lang="fr-FR" sz="1600" b="0" i="0" dirty="0">
+                <a:solidFill>
+                  <a:srgbClr val="000000"/>
+                </a:solidFill>
+                <a:effectLst/>
+                <a:highlight>
+                  <a:srgbClr val="FDFDFD"/>
+                </a:highlight>
+                <a:latin typeface="times new roman" panose="02020603050405020304" pitchFamily="18" charset="0"/>
+              </a:rPr>
+              <a:t>(pour le traitement d'images plus spécifique - rendu 3D par exemple - ou cible matérielle type </a:t>
             </a:r>
             <a:r>
               <a:rPr lang="fr-FR" sz="1600" b="0" i="0" dirty="0" err="1">
@@ -34260,7 +32162,7 @@
               <a:t>- </a:t>
             </a:r>
             <a:r>
-              <a:rPr lang="fr-FR" sz="1600" b="0" i="0" dirty="0" err="1">
+              <a:rPr lang="fr-FR" sz="1600" b="1" i="0" dirty="0" err="1">
                 <a:solidFill>
                   <a:srgbClr val="000000"/>
                 </a:solidFill>
@@ -34273,7 +32175,7 @@
               <a:t>Verilog</a:t>
             </a:r>
             <a:r>
-              <a:rPr lang="fr-FR" sz="1600" b="0" i="0" dirty="0">
+              <a:rPr lang="fr-FR" sz="1600" b="1" i="0" dirty="0">
                 <a:solidFill>
                   <a:srgbClr val="000000"/>
                 </a:solidFill>
@@ -34283,7 +32185,20 @@
                 </a:highlight>
                 <a:latin typeface="times new roman" panose="02020603050405020304" pitchFamily="18" charset="0"/>
               </a:rPr>
-              <a:t>-A (pour FPGA embarqué)</a:t>
+              <a:t>-A </a:t>
+            </a:r>
+            <a:r>
+              <a:rPr lang="fr-FR" sz="1600" b="0" i="0" dirty="0">
+                <a:solidFill>
+                  <a:srgbClr val="000000"/>
+                </a:solidFill>
+                <a:effectLst/>
+                <a:highlight>
+                  <a:srgbClr val="FDFDFD"/>
+                </a:highlight>
+                <a:latin typeface="times new roman" panose="02020603050405020304" pitchFamily="18" charset="0"/>
+              </a:rPr>
+              <a:t>(pour FPGA embarqué)</a:t>
             </a:r>
           </a:p>
         </p:txBody>
@@ -34304,6 +32219,14 @@
 <file path=ppt/slides/slide9.xml><?xml version="1.0" encoding="utf-8"?>
 <p:sld xmlns:a="http://schemas.openxmlformats.org/drawingml/2006/main" xmlns:r="http://schemas.openxmlformats.org/officeDocument/2006/relationships" xmlns:p="http://schemas.openxmlformats.org/presentationml/2006/main">
   <p:cSld>
+    <p:bg>
+      <p:bgPr>
+        <a:solidFill>
+          <a:schemeClr val="bg1"/>
+        </a:solidFill>
+        <a:effectLst/>
+      </p:bgPr>
+    </p:bg>
     <p:spTree>
       <p:nvGrpSpPr>
         <p:cNvPr id="1" name=""/>
@@ -34318,432 +32241,37 @@
           <a:chExt cx="0" cy="0"/>
         </a:xfrm>
       </p:grpSpPr>
-      <p:sp>
-        <p:nvSpPr>
-          <p:cNvPr id="3" name="Rectangle 2">
-            <a:extLst>
-              <a:ext uri="{FF2B5EF4-FFF2-40B4-BE49-F238E27FC236}">
-                <a16:creationId xmlns:a16="http://schemas.microsoft.com/office/drawing/2014/main" id="{69EEE2CD-304C-7206-E015-F52A5695E8DF}"/>
-              </a:ext>
-            </a:extLst>
-          </p:cNvPr>
-          <p:cNvSpPr/>
-          <p:nvPr/>
-        </p:nvSpPr>
-        <p:spPr>
-          <a:xfrm>
-            <a:off x="673975" y="405113"/>
-            <a:ext cx="11020314" cy="937549"/>
+      <p:sp useBgFill="1">
+        <p:nvSpPr>
+          <p:cNvPr id="9" name="Rectangle 8">
+            <a:extLst>
+              <a:ext uri="{FF2B5EF4-FFF2-40B4-BE49-F238E27FC236}">
+                <a16:creationId xmlns:a16="http://schemas.microsoft.com/office/drawing/2014/main" id="{526E0BFB-CDF1-4990-8C11-AC849311E0A8}"/>
+              </a:ext>
+              <a:ext uri="{C183D7F6-B498-43B3-948B-1728B52AA6E4}">
+                <adec:decorative xmlns:adec="http://schemas.microsoft.com/office/drawing/2017/decorative" val="1"/>
+              </a:ext>
+            </a:extLst>
+          </p:cNvPr>
+          <p:cNvSpPr>
+            <a:spLocks noGrp="1" noRot="1" noChangeAspect="1" noMove="1" noResize="1" noEditPoints="1" noAdjustHandles="1" noChangeArrowheads="1" noChangeShapeType="1" noTextEdit="1"/>
+          </p:cNvSpPr>
+          <p:nvPr>
+            <p:extLst>
+              <p:ext uri="{386F3935-93C4-4BCD-93E2-E3B085C9AB24}">
+                <p16:designElem xmlns:p16="http://schemas.microsoft.com/office/powerpoint/2015/main" val="1"/>
+              </p:ext>
+            </p:extLst>
+          </p:nvPr>
+        </p:nvSpPr>
+        <p:spPr>
+          <a:xfrm>
+            <a:off x="0" y="0"/>
+            <a:ext cx="12192000" cy="6858000"/>
           </a:xfrm>
           <a:prstGeom prst="rect">
             <a:avLst/>
           </a:prstGeom>
-          <a:solidFill>
-            <a:schemeClr val="bg1"/>
-          </a:solidFill>
-          <a:ln>
-            <a:solidFill>
-              <a:schemeClr val="bg1">
-                <a:lumMod val="95000"/>
-              </a:schemeClr>
-            </a:solidFill>
-          </a:ln>
-          <a:effectLst>
-            <a:outerShdw blurRad="50800" dist="38100" dir="2700000" algn="tl" rotWithShape="0">
-              <a:prstClr val="black">
-                <a:alpha val="40000"/>
-              </a:prstClr>
-            </a:outerShdw>
-          </a:effectLst>
-        </p:spPr>
-        <p:style>
-          <a:lnRef idx="2">
-            <a:schemeClr val="accent1">
-              <a:shade val="15000"/>
-            </a:schemeClr>
-          </a:lnRef>
-          <a:fillRef idx="1">
-            <a:schemeClr val="accent1"/>
-          </a:fillRef>
-          <a:effectRef idx="0">
-            <a:schemeClr val="accent1"/>
-          </a:effectRef>
-          <a:fontRef idx="minor">
-            <a:schemeClr val="lt1"/>
-          </a:fontRef>
-        </p:style>
-        <p:txBody>
-          <a:bodyPr rtlCol="0" anchor="ctr"/>
-          <a:lstStyle/>
-          <a:p>
-            <a:pPr algn="ctr"/>
-            <a:endParaRPr lang="fr-FR" dirty="0"/>
-          </a:p>
-        </p:txBody>
-      </p:sp>
-      <p:sp>
-        <p:nvSpPr>
-          <p:cNvPr id="2" name="Titre 1">
-            <a:extLst>
-              <a:ext uri="{FF2B5EF4-FFF2-40B4-BE49-F238E27FC236}">
-                <a16:creationId xmlns:a16="http://schemas.microsoft.com/office/drawing/2014/main" id="{97F71108-8121-4CC2-3ED6-50ABC11E79C5}"/>
-              </a:ext>
-            </a:extLst>
-          </p:cNvPr>
-          <p:cNvSpPr txBox="1">
-            <a:spLocks/>
-          </p:cNvSpPr>
-          <p:nvPr/>
-        </p:nvSpPr>
-        <p:spPr>
-          <a:xfrm>
-            <a:off x="907225" y="583365"/>
-            <a:ext cx="8970548" cy="701426"/>
-          </a:xfrm>
-          <a:prstGeom prst="rect">
-            <a:avLst/>
-          </a:prstGeom>
-        </p:spPr>
-        <p:txBody>
-          <a:bodyPr>
-            <a:normAutofit/>
-          </a:bodyPr>
-          <a:lstStyle>
-            <a:lvl1pPr algn="l" defTabSz="914400" rtl="0" eaLnBrk="1" latinLnBrk="0" hangingPunct="1">
-              <a:lnSpc>
-                <a:spcPct val="90000"/>
-              </a:lnSpc>
-              <a:spcBef>
-                <a:spcPct val="0"/>
-              </a:spcBef>
-              <a:buNone/>
-              <a:defRPr sz="4400" kern="1200">
-                <a:solidFill>
-                  <a:schemeClr val="tx1"/>
-                </a:solidFill>
-                <a:latin typeface="+mj-lt"/>
-                <a:ea typeface="+mj-ea"/>
-                <a:cs typeface="+mj-cs"/>
-              </a:defRPr>
-            </a:lvl1pPr>
-          </a:lstStyle>
-          <a:p>
-            <a:r>
-              <a:rPr lang="fr-FR" sz="3600" dirty="0"/>
-              <a:t>Côté Industriels</a:t>
-            </a:r>
-            <a:endParaRPr lang="fr-FR" sz="4000" dirty="0"/>
-          </a:p>
-        </p:txBody>
-      </p:sp>
-      <p:sp>
-        <p:nvSpPr>
-          <p:cNvPr id="7" name="Rectangle 6">
-            <a:extLst>
-              <a:ext uri="{FF2B5EF4-FFF2-40B4-BE49-F238E27FC236}">
-                <a16:creationId xmlns:a16="http://schemas.microsoft.com/office/drawing/2014/main" id="{E97ACAFF-7D28-E79D-9EB4-4FEEF5BB9613}"/>
-              </a:ext>
-            </a:extLst>
-          </p:cNvPr>
-          <p:cNvSpPr/>
-          <p:nvPr/>
-        </p:nvSpPr>
-        <p:spPr>
-          <a:xfrm>
-            <a:off x="619125" y="500258"/>
-            <a:ext cx="124142" cy="749808"/>
-          </a:xfrm>
-          <a:prstGeom prst="rect">
-            <a:avLst/>
-          </a:prstGeom>
-          <a:solidFill>
-            <a:srgbClr val="002060"/>
-          </a:solidFill>
-          <a:ln>
-            <a:noFill/>
-          </a:ln>
-        </p:spPr>
-        <p:style>
-          <a:lnRef idx="2">
-            <a:schemeClr val="accent1">
-              <a:shade val="15000"/>
-            </a:schemeClr>
-          </a:lnRef>
-          <a:fillRef idx="1">
-            <a:schemeClr val="accent1"/>
-          </a:fillRef>
-          <a:effectRef idx="0">
-            <a:schemeClr val="accent1"/>
-          </a:effectRef>
-          <a:fontRef idx="minor">
-            <a:schemeClr val="lt1"/>
-          </a:fontRef>
-        </p:style>
-        <p:txBody>
-          <a:bodyPr rtlCol="0" anchor="ctr"/>
-          <a:lstStyle/>
-          <a:p>
-            <a:pPr algn="ctr"/>
-            <a:endParaRPr lang="fr-FR"/>
-          </a:p>
-        </p:txBody>
-      </p:sp>
-      <p:pic>
-        <p:nvPicPr>
-          <p:cNvPr id="4" name="Image 3" descr="Une image contenant texte&#10;&#10;Description générée automatiquement">
-            <a:extLst>
-              <a:ext uri="{FF2B5EF4-FFF2-40B4-BE49-F238E27FC236}">
-                <a16:creationId xmlns:a16="http://schemas.microsoft.com/office/drawing/2014/main" id="{9BFF7F1D-2708-E366-DB38-F68C1FBD99DC}"/>
-              </a:ext>
-            </a:extLst>
-          </p:cNvPr>
-          <p:cNvPicPr>
-            <a:picLocks noChangeAspect="1"/>
-          </p:cNvPicPr>
-          <p:nvPr/>
-        </p:nvPicPr>
-        <p:blipFill>
-          <a:blip r:embed="rId2" cstate="print">
-            <a:extLst>
-              <a:ext uri="{28A0092B-C50C-407E-A947-70E740481C1C}">
-                <a14:useLocalDpi xmlns:a14="http://schemas.microsoft.com/office/drawing/2010/main" val="0"/>
-              </a:ext>
-            </a:extLst>
-          </a:blip>
-          <a:stretch>
-            <a:fillRect/>
-          </a:stretch>
-        </p:blipFill>
-        <p:spPr>
-          <a:xfrm>
-            <a:off x="9808481" y="509288"/>
-            <a:ext cx="1825291" cy="749808"/>
-          </a:xfrm>
-          <a:prstGeom prst="rect">
-            <a:avLst/>
-          </a:prstGeom>
-        </p:spPr>
-      </p:pic>
-      <p:sp>
-        <p:nvSpPr>
-          <p:cNvPr id="12" name="ZoneTexte 11">
-            <a:extLst>
-              <a:ext uri="{FF2B5EF4-FFF2-40B4-BE49-F238E27FC236}">
-                <a16:creationId xmlns:a16="http://schemas.microsoft.com/office/drawing/2014/main" id="{5096DCCA-19DC-9149-755E-F47B7CED9824}"/>
-              </a:ext>
-            </a:extLst>
-          </p:cNvPr>
-          <p:cNvSpPr txBox="1"/>
-          <p:nvPr/>
-        </p:nvSpPr>
-        <p:spPr>
-          <a:xfrm>
-            <a:off x="1409701" y="2508775"/>
-            <a:ext cx="9115424" cy="2585323"/>
-          </a:xfrm>
-          <a:prstGeom prst="rect">
-            <a:avLst/>
-          </a:prstGeom>
-          <a:noFill/>
-        </p:spPr>
-        <p:txBody>
-          <a:bodyPr wrap="square">
-            <a:spAutoFit/>
-          </a:bodyPr>
-          <a:lstStyle/>
-          <a:p>
-            <a:pPr algn="just"/>
-            <a:r>
-              <a:rPr lang="fr-FR" b="1" i="0" dirty="0">
-                <a:solidFill>
-                  <a:srgbClr val="000000"/>
-                </a:solidFill>
-                <a:effectLst/>
-                <a:highlight>
-                  <a:srgbClr val="FDFDFD"/>
-                </a:highlight>
-                <a:latin typeface="times new roman" panose="02020603050405020304" pitchFamily="18" charset="0"/>
-              </a:rPr>
-              <a:t>Il ne faut pas se spécialiser sur un seul langage</a:t>
-            </a:r>
-            <a:r>
-              <a:rPr lang="fr-FR" b="0" i="0" dirty="0">
-                <a:solidFill>
-                  <a:srgbClr val="000000"/>
-                </a:solidFill>
-                <a:effectLst/>
-                <a:highlight>
-                  <a:srgbClr val="FDFDFD"/>
-                </a:highlight>
-                <a:latin typeface="times new roman" panose="02020603050405020304" pitchFamily="18" charset="0"/>
-              </a:rPr>
-              <a:t>, mais montrer l'</a:t>
-            </a:r>
-            <a:r>
-              <a:rPr lang="fr-FR" b="1" i="0" dirty="0">
-                <a:solidFill>
-                  <a:srgbClr val="000000"/>
-                </a:solidFill>
-                <a:effectLst/>
-                <a:highlight>
-                  <a:srgbClr val="FDFDFD"/>
-                </a:highlight>
-                <a:latin typeface="times new roman" panose="02020603050405020304" pitchFamily="18" charset="0"/>
-              </a:rPr>
-              <a:t>intérêt d'une </a:t>
-            </a:r>
-            <a:r>
-              <a:rPr lang="fr-FR" b="1" i="0" dirty="0" err="1">
-                <a:solidFill>
-                  <a:srgbClr val="000000"/>
-                </a:solidFill>
-                <a:effectLst/>
-                <a:highlight>
-                  <a:srgbClr val="FDFDFD"/>
-                </a:highlight>
-                <a:latin typeface="times new roman" panose="02020603050405020304" pitchFamily="18" charset="0"/>
-              </a:rPr>
-              <a:t>co-habitation</a:t>
-            </a:r>
-            <a:r>
-              <a:rPr lang="fr-FR" b="1" i="0" dirty="0">
-                <a:solidFill>
-                  <a:srgbClr val="000000"/>
-                </a:solidFill>
-                <a:effectLst/>
-                <a:highlight>
-                  <a:srgbClr val="FDFDFD"/>
-                </a:highlight>
-                <a:latin typeface="times new roman" panose="02020603050405020304" pitchFamily="18" charset="0"/>
-              </a:rPr>
-              <a:t> de quelques types de langages ayant des buts applicatifs bien différents</a:t>
-            </a:r>
-            <a:r>
-              <a:rPr lang="fr-FR" b="0" i="0" dirty="0">
-                <a:solidFill>
-                  <a:srgbClr val="000000"/>
-                </a:solidFill>
-                <a:effectLst/>
-                <a:highlight>
-                  <a:srgbClr val="FDFDFD"/>
-                </a:highlight>
-                <a:latin typeface="times new roman" panose="02020603050405020304" pitchFamily="18" charset="0"/>
-              </a:rPr>
-              <a:t> (Python, C, C++...).</a:t>
-            </a:r>
-          </a:p>
-          <a:p>
-            <a:pPr algn="l"/>
-            <a:endParaRPr lang="fr-FR" b="0" i="0" dirty="0">
-              <a:solidFill>
-                <a:srgbClr val="000000"/>
-              </a:solidFill>
-              <a:effectLst/>
-              <a:highlight>
-                <a:srgbClr val="FDFDFD"/>
-              </a:highlight>
-              <a:latin typeface="times new roman" panose="02020603050405020304" pitchFamily="18" charset="0"/>
-            </a:endParaRPr>
-          </a:p>
-          <a:p>
-            <a:pPr algn="l"/>
-            <a:endParaRPr lang="fr-FR" b="0" i="0" dirty="0">
-              <a:solidFill>
-                <a:srgbClr val="000000"/>
-              </a:solidFill>
-              <a:effectLst/>
-              <a:highlight>
-                <a:srgbClr val="FDFDFD"/>
-              </a:highlight>
-              <a:latin typeface="times new roman" panose="02020603050405020304" pitchFamily="18" charset="0"/>
-            </a:endParaRPr>
-          </a:p>
-          <a:p>
-            <a:pPr algn="just"/>
-            <a:r>
-              <a:rPr lang="fr-FR" b="0" i="0" dirty="0">
-                <a:solidFill>
-                  <a:srgbClr val="000000"/>
-                </a:solidFill>
-                <a:effectLst/>
-                <a:highlight>
-                  <a:srgbClr val="FDFDFD"/>
-                </a:highlight>
-                <a:latin typeface="times new roman" panose="02020603050405020304" pitchFamily="18" charset="0"/>
-              </a:rPr>
-              <a:t>Certains industriels ne sont pas non plus pour l'abandon pur et dur de Matlab, mais d'avoir simplement une initiation. </a:t>
-            </a:r>
-          </a:p>
-          <a:p>
-            <a:pPr algn="just"/>
-            <a:r>
-              <a:rPr lang="fr-FR" b="0" i="0" dirty="0">
-                <a:solidFill>
-                  <a:srgbClr val="000000"/>
-                </a:solidFill>
-                <a:effectLst/>
-                <a:highlight>
-                  <a:srgbClr val="FDFDFD"/>
-                </a:highlight>
-                <a:latin typeface="times new roman" panose="02020603050405020304" pitchFamily="18" charset="0"/>
-              </a:rPr>
-              <a:t>Mais que </a:t>
-            </a:r>
-            <a:r>
-              <a:rPr lang="fr-FR" b="1" i="0" dirty="0">
-                <a:solidFill>
-                  <a:srgbClr val="000000"/>
-                </a:solidFill>
-                <a:effectLst/>
-                <a:highlight>
-                  <a:srgbClr val="FDFDFD"/>
-                </a:highlight>
-                <a:latin typeface="times new roman" panose="02020603050405020304" pitchFamily="18" charset="0"/>
-              </a:rPr>
-              <a:t>Python ne devrait pas être optionnel</a:t>
-            </a:r>
-            <a:r>
-              <a:rPr lang="fr-FR" b="0" i="0" dirty="0">
-                <a:solidFill>
-                  <a:srgbClr val="000000"/>
-                </a:solidFill>
-                <a:effectLst/>
-                <a:highlight>
-                  <a:srgbClr val="FDFDFD"/>
-                </a:highlight>
-                <a:latin typeface="times new roman" panose="02020603050405020304" pitchFamily="18" charset="0"/>
-              </a:rPr>
-              <a:t>, car de plus en plus répandu pour des finalités différentes (interfaçage de matériels/capteurs, le traitement de données, l'interface graphique, l'IA...).</a:t>
-            </a:r>
-          </a:p>
-        </p:txBody>
-      </p:sp>
-      <p:sp>
-        <p:nvSpPr>
-          <p:cNvPr id="13" name="Triangle isocèle 12">
-            <a:extLst>
-              <a:ext uri="{FF2B5EF4-FFF2-40B4-BE49-F238E27FC236}">
-                <a16:creationId xmlns:a16="http://schemas.microsoft.com/office/drawing/2014/main" id="{131E2BE2-2661-315C-A44C-C0FB3E6BC315}"/>
-              </a:ext>
-            </a:extLst>
-          </p:cNvPr>
-          <p:cNvSpPr/>
-          <p:nvPr/>
-        </p:nvSpPr>
-        <p:spPr>
-          <a:xfrm rot="5400000">
-            <a:off x="707997" y="1533942"/>
-            <a:ext cx="238982" cy="202356"/>
-          </a:xfrm>
-          <a:prstGeom prst="triangle">
-            <a:avLst/>
-          </a:prstGeom>
-          <a:solidFill>
-            <a:schemeClr val="tx1">
-              <a:lumMod val="50000"/>
-              <a:lumOff val="50000"/>
-            </a:schemeClr>
-          </a:solidFill>
           <a:ln>
             <a:noFill/>
           </a:ln>
@@ -34769,77 +32297,440 @@
           <a:lstStyle/>
           <a:p>
             <a:pPr algn="ctr"/>
-            <a:endParaRPr lang="fr-FR">
-              <a:solidFill>
-                <a:schemeClr val="tx1">
-                  <a:lumMod val="95000"/>
-                  <a:lumOff val="5000"/>
+            <a:endParaRPr lang="en-US"/>
+          </a:p>
+        </p:txBody>
+      </p:sp>
+      <p:pic>
+        <p:nvPicPr>
+          <p:cNvPr id="4" name="Picture 3">
+            <a:extLst>
+              <a:ext uri="{FF2B5EF4-FFF2-40B4-BE49-F238E27FC236}">
+                <a16:creationId xmlns:a16="http://schemas.microsoft.com/office/drawing/2014/main" id="{4C72F330-992B-B125-739B-F8303ED3A097}"/>
+              </a:ext>
+            </a:extLst>
+          </p:cNvPr>
+          <p:cNvPicPr>
+            <a:picLocks noChangeAspect="1"/>
+          </p:cNvPicPr>
+          <p:nvPr/>
+        </p:nvPicPr>
+        <p:blipFill rotWithShape="1">
+          <a:blip r:embed="rId2"/>
+          <a:srcRect t="11669" r="-1" b="426"/>
+          <a:stretch/>
+        </p:blipFill>
+        <p:spPr>
+          <a:xfrm>
+            <a:off x="-2" y="10"/>
+            <a:ext cx="8668512" cy="6857990"/>
+          </a:xfrm>
+          <a:prstGeom prst="rect">
+            <a:avLst/>
+          </a:prstGeom>
+        </p:spPr>
+      </p:pic>
+      <p:sp>
+        <p:nvSpPr>
+          <p:cNvPr id="11" name="Rectangle 10">
+            <a:extLst>
+              <a:ext uri="{FF2B5EF4-FFF2-40B4-BE49-F238E27FC236}">
+                <a16:creationId xmlns:a16="http://schemas.microsoft.com/office/drawing/2014/main" id="{6069A1F8-9BEB-4786-9694-FC48B2D75D21}"/>
+              </a:ext>
+              <a:ext uri="{C183D7F6-B498-43B3-948B-1728B52AA6E4}">
+                <adec:decorative xmlns:adec="http://schemas.microsoft.com/office/drawing/2017/decorative" val="1"/>
+              </a:ext>
+            </a:extLst>
+          </p:cNvPr>
+          <p:cNvSpPr>
+            <a:spLocks noGrp="1" noRot="1" noChangeAspect="1" noMove="1" noResize="1" noEditPoints="1" noAdjustHandles="1" noChangeArrowheads="1" noChangeShapeType="1" noTextEdit="1"/>
+          </p:cNvSpPr>
+          <p:nvPr>
+            <p:extLst>
+              <p:ext uri="{386F3935-93C4-4BCD-93E2-E3B085C9AB24}">
+                <p16:designElem xmlns:p16="http://schemas.microsoft.com/office/powerpoint/2015/main" val="1"/>
+              </p:ext>
+            </p:extLst>
+          </p:nvPr>
+        </p:nvSpPr>
+        <p:spPr>
+          <a:xfrm flipH="1">
+            <a:off x="2788244" y="0"/>
+            <a:ext cx="9403756" cy="6858000"/>
+          </a:xfrm>
+          <a:prstGeom prst="rect">
+            <a:avLst/>
+          </a:prstGeom>
+          <a:gradFill>
+            <a:gsLst>
+              <a:gs pos="58000">
+                <a:schemeClr val="bg1"/>
+              </a:gs>
+              <a:gs pos="30000">
+                <a:schemeClr val="bg1">
+                  <a:alpha val="64000"/>
                 </a:schemeClr>
-              </a:solidFill>
-            </a:endParaRPr>
+              </a:gs>
+              <a:gs pos="0">
+                <a:schemeClr val="bg1">
+                  <a:alpha val="0"/>
+                </a:schemeClr>
+              </a:gs>
+              <a:gs pos="100000">
+                <a:schemeClr val="bg1"/>
+              </a:gs>
+            </a:gsLst>
+            <a:lin ang="10800000" scaled="0"/>
+          </a:gradFill>
+          <a:ln>
+            <a:noFill/>
+          </a:ln>
+        </p:spPr>
+        <p:style>
+          <a:lnRef idx="2">
+            <a:schemeClr val="accent1">
+              <a:shade val="50000"/>
+            </a:schemeClr>
+          </a:lnRef>
+          <a:fillRef idx="1">
+            <a:schemeClr val="accent1"/>
+          </a:fillRef>
+          <a:effectRef idx="0">
+            <a:schemeClr val="accent1"/>
+          </a:effectRef>
+          <a:fontRef idx="minor">
+            <a:schemeClr val="lt1"/>
+          </a:fontRef>
+        </p:style>
+        <p:txBody>
+          <a:bodyPr rtlCol="0" anchor="ctr"/>
+          <a:lstStyle/>
+          <a:p>
+            <a:pPr algn="ctr"/>
+            <a:endParaRPr lang="en-US" dirty="0"/>
           </a:p>
         </p:txBody>
       </p:sp>
       <p:sp>
         <p:nvSpPr>
-          <p:cNvPr id="14" name="ZoneTexte 13">
-            <a:extLst>
-              <a:ext uri="{FF2B5EF4-FFF2-40B4-BE49-F238E27FC236}">
-                <a16:creationId xmlns:a16="http://schemas.microsoft.com/office/drawing/2014/main" id="{FCCD1E04-3B39-FC6A-0F77-5CB2165B1F9A}"/>
-              </a:ext>
-            </a:extLst>
-          </p:cNvPr>
-          <p:cNvSpPr txBox="1"/>
-          <p:nvPr/>
-        </p:nvSpPr>
-        <p:spPr>
-          <a:xfrm>
-            <a:off x="954988" y="1463043"/>
-            <a:ext cx="5261443" cy="338554"/>
-          </a:xfrm>
-          <a:prstGeom prst="rect">
-            <a:avLst/>
-          </a:prstGeom>
-          <a:noFill/>
-        </p:spPr>
-        <p:txBody>
-          <a:bodyPr wrap="square">
-            <a:spAutoFit/>
+          <p:cNvPr id="2" name="Titre 1">
+            <a:extLst>
+              <a:ext uri="{FF2B5EF4-FFF2-40B4-BE49-F238E27FC236}">
+                <a16:creationId xmlns:a16="http://schemas.microsoft.com/office/drawing/2014/main" id="{CF8D1EB8-F6E7-EB54-1CC8-28472070B9FC}"/>
+              </a:ext>
+            </a:extLst>
+          </p:cNvPr>
+          <p:cNvSpPr>
+            <a:spLocks noGrp="1"/>
+          </p:cNvSpPr>
+          <p:nvPr>
+            <p:ph type="ctrTitle"/>
+          </p:nvPr>
+        </p:nvSpPr>
+        <p:spPr>
+          <a:xfrm>
+            <a:off x="7848600" y="1122363"/>
+            <a:ext cx="4023360" cy="3204134"/>
+          </a:xfrm>
+        </p:spPr>
+        <p:txBody>
+          <a:bodyPr anchor="b">
+            <a:normAutofit/>
           </a:bodyPr>
           <a:lstStyle/>
           <a:p>
             <a:r>
-              <a:rPr lang="fr-FR" sz="1600" b="1" dirty="0">
-                <a:solidFill>
-                  <a:schemeClr val="tx1">
-                    <a:lumMod val="95000"/>
-                    <a:lumOff val="5000"/>
-                  </a:schemeClr>
-                </a:solidFill>
-                <a:latin typeface="Arial" panose="020B0604020202020204" pitchFamily="34" charset="0"/>
+              <a:rPr lang="fr-FR" sz="4800" dirty="0">
+                <a:latin typeface="Bahnschrift SemiBold" panose="020B0502040204020203" pitchFamily="34" charset="0"/>
               </a:rPr>
-              <a:t>Enquête Novembre 2022 / Forum de la Photonique</a:t>
-            </a:r>
-            <a:endParaRPr lang="fr-FR" sz="1600" b="1" dirty="0">
+              <a:t>Réforme en première année</a:t>
+            </a:r>
+          </a:p>
+        </p:txBody>
+      </p:sp>
+      <p:sp>
+        <p:nvSpPr>
+          <p:cNvPr id="3" name="Sous-titre 2">
+            <a:extLst>
+              <a:ext uri="{FF2B5EF4-FFF2-40B4-BE49-F238E27FC236}">
+                <a16:creationId xmlns:a16="http://schemas.microsoft.com/office/drawing/2014/main" id="{BDFEFAEF-AB6A-BE8F-01E7-845FB609FA07}"/>
+              </a:ext>
+            </a:extLst>
+          </p:cNvPr>
+          <p:cNvSpPr>
+            <a:spLocks noGrp="1"/>
+          </p:cNvSpPr>
+          <p:nvPr>
+            <p:ph type="subTitle" idx="1"/>
+          </p:nvPr>
+        </p:nvSpPr>
+        <p:spPr>
+          <a:xfrm>
+            <a:off x="7848600" y="4872922"/>
+            <a:ext cx="4023360" cy="1208141"/>
+          </a:xfrm>
+        </p:spPr>
+        <p:txBody>
+          <a:bodyPr>
+            <a:normAutofit/>
+          </a:bodyPr>
+          <a:lstStyle/>
+          <a:p>
+            <a:r>
+              <a:rPr lang="fr-FR" sz="2000" dirty="0">
+                <a:latin typeface="Bahnschrift Light" panose="020B0502040204020203" pitchFamily="34" charset="0"/>
+              </a:rPr>
+              <a:t>Réforme 1A </a:t>
+            </a:r>
+            <a:br>
+              <a:rPr lang="fr-FR" sz="2000" dirty="0">
+                <a:latin typeface="Bahnschrift Light" panose="020B0502040204020203" pitchFamily="34" charset="0"/>
+              </a:rPr>
+            </a:br>
+            <a:r>
+              <a:rPr lang="fr-FR" sz="2000" dirty="0">
+                <a:latin typeface="Bahnschrift Light" panose="020B0502040204020203" pitchFamily="34" charset="0"/>
+              </a:rPr>
+              <a:t>Institut d’Optique </a:t>
+            </a:r>
+          </a:p>
+          <a:p>
+            <a:endParaRPr lang="fr-FR" sz="2000" dirty="0">
+              <a:latin typeface="Bahnschrift Light" panose="020B0502040204020203" pitchFamily="34" charset="0"/>
+            </a:endParaRPr>
+          </a:p>
+        </p:txBody>
+      </p:sp>
+      <p:sp>
+        <p:nvSpPr>
+          <p:cNvPr id="32" name="Rectangle 12">
+            <a:extLst>
+              <a:ext uri="{FF2B5EF4-FFF2-40B4-BE49-F238E27FC236}">
+                <a16:creationId xmlns:a16="http://schemas.microsoft.com/office/drawing/2014/main" id="{AF2F604E-43BE-4DC3-B983-E071523364F8}"/>
+              </a:ext>
+              <a:ext uri="{C183D7F6-B498-43B3-948B-1728B52AA6E4}">
+                <adec:decorative xmlns:adec="http://schemas.microsoft.com/office/drawing/2017/decorative" val="1"/>
+              </a:ext>
+            </a:extLst>
+          </p:cNvPr>
+          <p:cNvSpPr>
+            <a:spLocks noGrp="1" noRot="1" noChangeAspect="1" noMove="1" noResize="1" noEditPoints="1" noAdjustHandles="1" noChangeArrowheads="1" noChangeShapeType="1" noTextEdit="1"/>
+          </p:cNvSpPr>
+          <p:nvPr>
+            <p:extLst>
+              <p:ext uri="{386F3935-93C4-4BCD-93E2-E3B085C9AB24}">
+                <p16:designElem xmlns:p16="http://schemas.microsoft.com/office/powerpoint/2015/main" val="1"/>
+              </p:ext>
+            </p:extLst>
+          </p:nvPr>
+        </p:nvSpPr>
+        <p:spPr>
+          <a:xfrm rot="5400000">
+            <a:off x="8130540" y="346791"/>
+            <a:ext cx="146304" cy="704088"/>
+          </a:xfrm>
+          <a:prstGeom prst="rect">
+            <a:avLst/>
+          </a:prstGeom>
+          <a:solidFill>
+            <a:schemeClr val="accent1"/>
+          </a:solidFill>
+          <a:ln>
+            <a:noFill/>
+          </a:ln>
+        </p:spPr>
+        <p:style>
+          <a:lnRef idx="2">
+            <a:schemeClr val="accent1">
+              <a:shade val="50000"/>
+            </a:schemeClr>
+          </a:lnRef>
+          <a:fillRef idx="1">
+            <a:schemeClr val="accent1"/>
+          </a:fillRef>
+          <a:effectRef idx="0">
+            <a:schemeClr val="accent1"/>
+          </a:effectRef>
+          <a:fontRef idx="minor">
+            <a:schemeClr val="lt1"/>
+          </a:fontRef>
+        </p:style>
+        <p:txBody>
+          <a:bodyPr rtlCol="0" anchor="ctr"/>
+          <a:lstStyle/>
+          <a:p>
+            <a:pPr marL="0" marR="0" lvl="0" indent="0" algn="ctr" defTabSz="914400" rtl="0" eaLnBrk="1" fontAlgn="auto" latinLnBrk="0" hangingPunct="1">
+              <a:lnSpc>
+                <a:spcPct val="100000"/>
+              </a:lnSpc>
+              <a:spcBef>
+                <a:spcPts val="0"/>
+              </a:spcBef>
+              <a:spcAft>
+                <a:spcPts val="0"/>
+              </a:spcAft>
+              <a:buClrTx/>
+              <a:buSzTx/>
+              <a:buFontTx/>
+              <a:buNone/>
+              <a:tabLst/>
+              <a:defRPr/>
+            </a:pPr>
+            <a:endParaRPr kumimoji="0" lang="en-US" sz="1800" b="0" i="0" u="none" strike="noStrike" kern="1200" cap="none" spc="0" normalizeH="0" baseline="0" noProof="0">
+              <a:ln>
+                <a:noFill/>
+              </a:ln>
               <a:solidFill>
-                <a:schemeClr val="tx1">
-                  <a:lumMod val="95000"/>
-                  <a:lumOff val="5000"/>
-                </a:schemeClr>
+                <a:prstClr val="white"/>
               </a:solidFill>
+              <a:effectLst/>
+              <a:uLnTx/>
+              <a:uFillTx/>
+              <a:latin typeface="Calibri" panose="020F0502020204030204"/>
+              <a:ea typeface="+mn-ea"/>
+              <a:cs typeface="+mn-cs"/>
             </a:endParaRPr>
           </a:p>
         </p:txBody>
       </p:sp>
+      <p:sp>
+        <p:nvSpPr>
+          <p:cNvPr id="33" name="Rectangle 14">
+            <a:extLst>
+              <a:ext uri="{FF2B5EF4-FFF2-40B4-BE49-F238E27FC236}">
+                <a16:creationId xmlns:a16="http://schemas.microsoft.com/office/drawing/2014/main" id="{08C9B587-E65E-4B52-B37C-ABEBB6E87928}"/>
+              </a:ext>
+              <a:ext uri="{C183D7F6-B498-43B3-948B-1728B52AA6E4}">
+                <adec:decorative xmlns:adec="http://schemas.microsoft.com/office/drawing/2017/decorative" val="1"/>
+              </a:ext>
+            </a:extLst>
+          </p:cNvPr>
+          <p:cNvSpPr>
+            <a:spLocks noGrp="1" noRot="1" noChangeAspect="1" noMove="1" noResize="1" noEditPoints="1" noAdjustHandles="1" noChangeArrowheads="1" noChangeShapeType="1" noTextEdit="1"/>
+          </p:cNvSpPr>
+          <p:nvPr>
+            <p:extLst>
+              <p:ext uri="{386F3935-93C4-4BCD-93E2-E3B085C9AB24}">
+                <p16:designElem xmlns:p16="http://schemas.microsoft.com/office/powerpoint/2015/main" val="1"/>
+              </p:ext>
+            </p:extLst>
+          </p:nvPr>
+        </p:nvSpPr>
+        <p:spPr>
+          <a:xfrm>
+            <a:off x="7851648" y="4546920"/>
+            <a:ext cx="4023360" cy="18288"/>
+          </a:xfrm>
+          <a:prstGeom prst="rect">
+            <a:avLst/>
+          </a:prstGeom>
+          <a:solidFill>
+            <a:schemeClr val="tx1"/>
+          </a:solidFill>
+          <a:ln w="3175">
+            <a:noFill/>
+          </a:ln>
+          <a:effectLst/>
+        </p:spPr>
+        <p:style>
+          <a:lnRef idx="2">
+            <a:schemeClr val="accent1">
+              <a:shade val="50000"/>
+            </a:schemeClr>
+          </a:lnRef>
+          <a:fillRef idx="1">
+            <a:schemeClr val="accent1"/>
+          </a:fillRef>
+          <a:effectRef idx="0">
+            <a:schemeClr val="accent1"/>
+          </a:effectRef>
+          <a:fontRef idx="minor">
+            <a:schemeClr val="lt1"/>
+          </a:fontRef>
+        </p:style>
+        <p:txBody>
+          <a:bodyPr rtlCol="0" anchor="ctr"/>
+          <a:lstStyle/>
+          <a:p>
+            <a:pPr marL="0" marR="0" lvl="0" indent="0" algn="ctr" defTabSz="914400" rtl="0" eaLnBrk="1" fontAlgn="auto" latinLnBrk="0" hangingPunct="1">
+              <a:lnSpc>
+                <a:spcPct val="100000"/>
+              </a:lnSpc>
+              <a:spcBef>
+                <a:spcPts val="0"/>
+              </a:spcBef>
+              <a:spcAft>
+                <a:spcPts val="0"/>
+              </a:spcAft>
+              <a:buClrTx/>
+              <a:buSzTx/>
+              <a:buFontTx/>
+              <a:buNone/>
+              <a:tabLst/>
+              <a:defRPr/>
+            </a:pPr>
+            <a:endParaRPr kumimoji="0" lang="en-US" sz="1800" b="0" i="0" u="none" strike="noStrike" kern="1200" cap="none" spc="0" normalizeH="0" baseline="0" noProof="0">
+              <a:ln>
+                <a:noFill/>
+              </a:ln>
+              <a:solidFill>
+                <a:prstClr val="white"/>
+              </a:solidFill>
+              <a:effectLst/>
+              <a:uLnTx/>
+              <a:uFillTx/>
+              <a:latin typeface="Calibri" panose="020F0502020204030204"/>
+              <a:ea typeface="+mn-ea"/>
+              <a:cs typeface="+mn-cs"/>
+            </a:endParaRPr>
+          </a:p>
+        </p:txBody>
+      </p:sp>
+      <p:pic>
+        <p:nvPicPr>
+          <p:cNvPr id="6" name="Image 5" descr="Une image contenant texte&#10;&#10;Description générée automatiquement">
+            <a:extLst>
+              <a:ext uri="{FF2B5EF4-FFF2-40B4-BE49-F238E27FC236}">
+                <a16:creationId xmlns:a16="http://schemas.microsoft.com/office/drawing/2014/main" id="{3D75D9F9-6192-EA6A-A7C9-F09C6FC342AD}"/>
+              </a:ext>
+            </a:extLst>
+          </p:cNvPr>
+          <p:cNvPicPr>
+            <a:picLocks noChangeAspect="1"/>
+          </p:cNvPicPr>
+          <p:nvPr/>
+        </p:nvPicPr>
+        <p:blipFill>
+          <a:blip r:embed="rId3">
+            <a:extLst>
+              <a:ext uri="{28A0092B-C50C-407E-A947-70E740481C1C}">
+                <a14:useLocalDpi xmlns:a14="http://schemas.microsoft.com/office/drawing/2010/main" val="0"/>
+              </a:ext>
+            </a:extLst>
+          </a:blip>
+          <a:stretch>
+            <a:fillRect/>
+          </a:stretch>
+        </p:blipFill>
+        <p:spPr>
+          <a:xfrm>
+            <a:off x="168033" y="195172"/>
+            <a:ext cx="2452178" cy="1007326"/>
+          </a:xfrm>
+          <a:prstGeom prst="rect">
+            <a:avLst/>
+          </a:prstGeom>
+        </p:spPr>
+      </p:pic>
     </p:spTree>
     <p:extLst>
       <p:ext uri="{BB962C8B-B14F-4D97-AF65-F5344CB8AC3E}">
-        <p14:creationId xmlns:p14="http://schemas.microsoft.com/office/powerpoint/2010/main" val="1146259515"/>
+        <p14:creationId xmlns:p14="http://schemas.microsoft.com/office/powerpoint/2010/main" val="3753243908"/>
       </p:ext>
     </p:extLst>
   </p:cSld>
   <p:clrMapOvr>
-    <a:masterClrMapping/>
+    <a:overrideClrMapping bg1="dk1" tx1="lt1" bg2="dk2" tx2="lt2" accent1="accent1" accent2="accent2" accent3="accent3" accent4="accent4" accent5="accent5" accent6="accent6" hlink="hlink" folHlink="folHlink"/>
   </p:clrMapOvr>
 </p:sld>
 </file>

--- a/Presentations/2024_COPERF_Informatique.pptx
+++ b/Presentations/2024_COPERF_Informatique.pptx
@@ -2864,7 +2864,7 @@
           <a:p>
             <a:fld id="{7C2ED78D-DC5F-4349-9BB1-6BA0129AAA21}" type="datetimeFigureOut">
               <a:rPr lang="fr-FR" smtClean="0"/>
-              <a:t>21/05/2024</a:t>
+              <a:t>22/05/2024</a:t>
             </a:fld>
             <a:endParaRPr lang="fr-FR"/>
           </a:p>
@@ -3623,7 +3623,7 @@
           <a:p>
             <a:fld id="{02AC24A9-CCB6-4F8D-B8DB-C2F3692CFA5A}" type="datetimeFigureOut">
               <a:rPr lang="en-US" smtClean="0"/>
-              <a:t>5/21/2024</a:t>
+              <a:t>5/22/2024</a:t>
             </a:fld>
             <a:endParaRPr lang="en-US" dirty="0"/>
           </a:p>
@@ -3993,7 +3993,7 @@
           <a:p>
             <a:fld id="{02AC24A9-CCB6-4F8D-B8DB-C2F3692CFA5A}" type="datetimeFigureOut">
               <a:rPr lang="en-US" smtClean="0"/>
-              <a:t>5/21/2024</a:t>
+              <a:t>5/22/2024</a:t>
             </a:fld>
             <a:endParaRPr lang="en-US"/>
           </a:p>
@@ -4202,7 +4202,7 @@
           <a:p>
             <a:fld id="{02AC24A9-CCB6-4F8D-B8DB-C2F3692CFA5A}" type="datetimeFigureOut">
               <a:rPr lang="en-US" smtClean="0"/>
-              <a:t>5/21/2024</a:t>
+              <a:t>5/22/2024</a:t>
             </a:fld>
             <a:endParaRPr lang="en-US"/>
           </a:p>
@@ -4672,7 +4672,7 @@
           <a:p>
             <a:fld id="{02AC24A9-CCB6-4F8D-B8DB-C2F3692CFA5A}" type="datetimeFigureOut">
               <a:rPr lang="en-US" smtClean="0"/>
-              <a:t>5/21/2024</a:t>
+              <a:t>5/22/2024</a:t>
             </a:fld>
             <a:endParaRPr lang="en-US"/>
           </a:p>
@@ -5126,7 +5126,7 @@
           <a:p>
             <a:fld id="{02AC24A9-CCB6-4F8D-B8DB-C2F3692CFA5A}" type="datetimeFigureOut">
               <a:rPr lang="en-US" smtClean="0"/>
-              <a:t>5/21/2024</a:t>
+              <a:t>5/22/2024</a:t>
             </a:fld>
             <a:endParaRPr lang="en-US"/>
           </a:p>
@@ -5658,7 +5658,7 @@
           <a:p>
             <a:fld id="{02AC24A9-CCB6-4F8D-B8DB-C2F3692CFA5A}" type="datetimeFigureOut">
               <a:rPr lang="en-US" smtClean="0"/>
-              <a:t>5/21/2024</a:t>
+              <a:t>5/22/2024</a:t>
             </a:fld>
             <a:endParaRPr lang="en-US"/>
           </a:p>
@@ -6357,7 +6357,7 @@
           <a:p>
             <a:fld id="{02AC24A9-CCB6-4F8D-B8DB-C2F3692CFA5A}" type="datetimeFigureOut">
               <a:rPr lang="en-US" smtClean="0"/>
-              <a:t>5/21/2024</a:t>
+              <a:t>5/22/2024</a:t>
             </a:fld>
             <a:endParaRPr lang="en-US"/>
           </a:p>
@@ -6686,7 +6686,7 @@
           <a:p>
             <a:fld id="{02AC24A9-CCB6-4F8D-B8DB-C2F3692CFA5A}" type="datetimeFigureOut">
               <a:rPr lang="en-US" smtClean="0"/>
-              <a:t>5/21/2024</a:t>
+              <a:t>5/22/2024</a:t>
             </a:fld>
             <a:endParaRPr lang="en-US"/>
           </a:p>
@@ -6799,7 +6799,7 @@
           <a:p>
             <a:fld id="{02AC24A9-CCB6-4F8D-B8DB-C2F3692CFA5A}" type="datetimeFigureOut">
               <a:rPr lang="en-US" smtClean="0"/>
-              <a:t>5/21/2024</a:t>
+              <a:t>5/22/2024</a:t>
             </a:fld>
             <a:endParaRPr lang="en-US"/>
           </a:p>
@@ -7294,7 +7294,7 @@
           <a:p>
             <a:fld id="{02AC24A9-CCB6-4F8D-B8DB-C2F3692CFA5A}" type="datetimeFigureOut">
               <a:rPr lang="en-US" smtClean="0"/>
-              <a:t>5/21/2024</a:t>
+              <a:t>5/22/2024</a:t>
             </a:fld>
             <a:endParaRPr lang="en-US" dirty="0"/>
           </a:p>
@@ -7771,7 +7771,7 @@
           <a:p>
             <a:fld id="{02AC24A9-CCB6-4F8D-B8DB-C2F3692CFA5A}" type="datetimeFigureOut">
               <a:rPr lang="en-US" smtClean="0"/>
-              <a:t>5/21/2024</a:t>
+              <a:t>5/22/2024</a:t>
             </a:fld>
             <a:endParaRPr lang="en-US"/>
           </a:p>
@@ -8014,7 +8014,7 @@
           <a:p>
             <a:fld id="{02AC24A9-CCB6-4F8D-B8DB-C2F3692CFA5A}" type="datetimeFigureOut">
               <a:rPr lang="en-US" smtClean="0"/>
-              <a:t>5/21/2024</a:t>
+              <a:t>5/22/2024</a:t>
             </a:fld>
             <a:endParaRPr lang="en-US"/>
           </a:p>
@@ -21918,6 +21918,163 @@
           </a:fontRef>
         </p:style>
       </p:cxnSp>
+      <p:sp>
+        <p:nvSpPr>
+          <p:cNvPr id="6" name="ZoneTexte 5">
+            <a:extLst>
+              <a:ext uri="{FF2B5EF4-FFF2-40B4-BE49-F238E27FC236}">
+                <a16:creationId xmlns:a16="http://schemas.microsoft.com/office/drawing/2014/main" id="{715A16AC-3BE4-BEB1-106D-F5941DBF6564}"/>
+              </a:ext>
+            </a:extLst>
+          </p:cNvPr>
+          <p:cNvSpPr txBox="1"/>
+          <p:nvPr/>
+        </p:nvSpPr>
+        <p:spPr>
+          <a:xfrm>
+            <a:off x="1260432" y="6157604"/>
+            <a:ext cx="5261443" cy="400110"/>
+          </a:xfrm>
+          <a:prstGeom prst="rect">
+            <a:avLst/>
+          </a:prstGeom>
+          <a:noFill/>
+        </p:spPr>
+        <p:txBody>
+          <a:bodyPr wrap="square">
+            <a:spAutoFit/>
+          </a:bodyPr>
+          <a:lstStyle/>
+          <a:p>
+            <a:r>
+              <a:rPr lang="fr-FR" sz="2000" b="1" dirty="0">
+                <a:solidFill>
+                  <a:schemeClr val="tx1">
+                    <a:lumMod val="95000"/>
+                    <a:lumOff val="5000"/>
+                  </a:schemeClr>
+                </a:solidFill>
+                <a:latin typeface="Arial" panose="020B0604020202020204" pitchFamily="34" charset="0"/>
+              </a:rPr>
+              <a:t>Gestion des versions de code</a:t>
+            </a:r>
+            <a:endParaRPr lang="fr-FR" sz="2000" b="1" dirty="0">
+              <a:solidFill>
+                <a:schemeClr val="tx1">
+                  <a:lumMod val="95000"/>
+                  <a:lumOff val="5000"/>
+                </a:schemeClr>
+              </a:solidFill>
+            </a:endParaRPr>
+          </a:p>
+        </p:txBody>
+      </p:sp>
+      <p:sp>
+        <p:nvSpPr>
+          <p:cNvPr id="8" name="Triangle isocèle 7">
+            <a:extLst>
+              <a:ext uri="{FF2B5EF4-FFF2-40B4-BE49-F238E27FC236}">
+                <a16:creationId xmlns:a16="http://schemas.microsoft.com/office/drawing/2014/main" id="{08E55BCA-5902-5B9C-684B-70465045E121}"/>
+              </a:ext>
+            </a:extLst>
+          </p:cNvPr>
+          <p:cNvSpPr/>
+          <p:nvPr/>
+        </p:nvSpPr>
+        <p:spPr>
+          <a:xfrm rot="5400000">
+            <a:off x="845353" y="6287677"/>
+            <a:ext cx="284230" cy="160486"/>
+          </a:xfrm>
+          <a:prstGeom prst="triangle">
+            <a:avLst/>
+          </a:prstGeom>
+          <a:solidFill>
+            <a:schemeClr val="tx1">
+              <a:lumMod val="50000"/>
+              <a:lumOff val="50000"/>
+            </a:schemeClr>
+          </a:solidFill>
+          <a:ln>
+            <a:noFill/>
+          </a:ln>
+        </p:spPr>
+        <p:style>
+          <a:lnRef idx="2">
+            <a:schemeClr val="accent1">
+              <a:shade val="50000"/>
+            </a:schemeClr>
+          </a:lnRef>
+          <a:fillRef idx="1">
+            <a:schemeClr val="accent1"/>
+          </a:fillRef>
+          <a:effectRef idx="0">
+            <a:schemeClr val="accent1"/>
+          </a:effectRef>
+          <a:fontRef idx="minor">
+            <a:schemeClr val="lt1"/>
+          </a:fontRef>
+        </p:style>
+        <p:txBody>
+          <a:bodyPr rtlCol="0" anchor="ctr"/>
+          <a:lstStyle/>
+          <a:p>
+            <a:pPr algn="ctr"/>
+            <a:endParaRPr lang="fr-FR" sz="2800" dirty="0">
+              <a:solidFill>
+                <a:schemeClr val="tx1">
+                  <a:lumMod val="95000"/>
+                  <a:lumOff val="5000"/>
+                </a:schemeClr>
+              </a:solidFill>
+            </a:endParaRPr>
+          </a:p>
+        </p:txBody>
+      </p:sp>
+      <p:cxnSp>
+        <p:nvCxnSpPr>
+          <p:cNvPr id="9" name="Connecteur droit 8">
+            <a:extLst>
+              <a:ext uri="{FF2B5EF4-FFF2-40B4-BE49-F238E27FC236}">
+                <a16:creationId xmlns:a16="http://schemas.microsoft.com/office/drawing/2014/main" id="{E6845BE1-9271-4AD0-C37F-EF33BDC14D16}"/>
+              </a:ext>
+            </a:extLst>
+          </p:cNvPr>
+          <p:cNvCxnSpPr>
+            <a:cxnSpLocks/>
+          </p:cNvCxnSpPr>
+          <p:nvPr/>
+        </p:nvCxnSpPr>
+        <p:spPr>
+          <a:xfrm>
+            <a:off x="514933" y="6124938"/>
+            <a:ext cx="6559817" cy="0"/>
+          </a:xfrm>
+          <a:prstGeom prst="line">
+            <a:avLst/>
+          </a:prstGeom>
+          <a:ln w="28575">
+            <a:solidFill>
+              <a:srgbClr val="0070C0"/>
+            </a:solidFill>
+            <a:prstDash val="solid"/>
+          </a:ln>
+        </p:spPr>
+        <p:style>
+          <a:lnRef idx="1">
+            <a:schemeClr val="accent1"/>
+          </a:lnRef>
+          <a:fillRef idx="0">
+            <a:schemeClr val="accent1"/>
+          </a:fillRef>
+          <a:effectRef idx="0">
+            <a:schemeClr val="accent1"/>
+          </a:effectRef>
+          <a:fontRef idx="minor">
+            <a:schemeClr val="tx1"/>
+          </a:fontRef>
+        </p:style>
+      </p:cxnSp>
     </p:spTree>
     <p:extLst>
       <p:ext uri="{BB962C8B-B14F-4D97-AF65-F5344CB8AC3E}">
@@ -22427,7 +22584,7 @@
         </p:nvSpPr>
         <p:spPr>
           <a:xfrm>
-            <a:off x="1320982" y="3999236"/>
+            <a:off x="1320982" y="4666748"/>
             <a:ext cx="5261443" cy="400110"/>
           </a:xfrm>
           <a:prstGeom prst="rect">
@@ -22478,7 +22635,7 @@
         </p:nvSpPr>
         <p:spPr>
           <a:xfrm>
-            <a:off x="1599273" y="4552128"/>
+            <a:off x="1599273" y="5219640"/>
             <a:ext cx="9408583" cy="369332"/>
           </a:xfrm>
           <a:prstGeom prst="rect">
@@ -22517,7 +22674,7 @@
         </p:nvSpPr>
         <p:spPr>
           <a:xfrm>
-            <a:off x="1357242" y="4551124"/>
+            <a:off x="1357242" y="5218636"/>
             <a:ext cx="149912" cy="370336"/>
           </a:xfrm>
           <a:prstGeom prst="rect">
@@ -22569,7 +22726,7 @@
         </p:nvSpPr>
         <p:spPr>
           <a:xfrm>
-            <a:off x="1599273" y="5040408"/>
+            <a:off x="1599273" y="5707920"/>
             <a:ext cx="9408583" cy="923330"/>
           </a:xfrm>
           <a:prstGeom prst="rect">
@@ -22632,7 +22789,7 @@
         </p:nvSpPr>
         <p:spPr>
           <a:xfrm>
-            <a:off x="1357242" y="5039404"/>
+            <a:off x="1357242" y="5706916"/>
             <a:ext cx="149912" cy="923330"/>
           </a:xfrm>
           <a:prstGeom prst="rect">
@@ -22903,7 +23060,7 @@
         </p:nvSpPr>
         <p:spPr>
           <a:xfrm rot="5400000">
-            <a:off x="905903" y="4129309"/>
+            <a:off x="905903" y="4796821"/>
             <a:ext cx="284230" cy="160486"/>
           </a:xfrm>
           <a:prstGeom prst="triangle">
@@ -23017,6 +23174,163 @@
           </a:p>
         </p:txBody>
       </p:sp>
+      <p:sp>
+        <p:nvSpPr>
+          <p:cNvPr id="14" name="ZoneTexte 13">
+            <a:extLst>
+              <a:ext uri="{FF2B5EF4-FFF2-40B4-BE49-F238E27FC236}">
+                <a16:creationId xmlns:a16="http://schemas.microsoft.com/office/drawing/2014/main" id="{F0D3B0EB-FE70-BA4F-ACE3-E93689E991B4}"/>
+              </a:ext>
+            </a:extLst>
+          </p:cNvPr>
+          <p:cNvSpPr txBox="1"/>
+          <p:nvPr/>
+        </p:nvSpPr>
+        <p:spPr>
+          <a:xfrm>
+            <a:off x="1317315" y="3894836"/>
+            <a:ext cx="5261443" cy="400110"/>
+          </a:xfrm>
+          <a:prstGeom prst="rect">
+            <a:avLst/>
+          </a:prstGeom>
+          <a:noFill/>
+        </p:spPr>
+        <p:txBody>
+          <a:bodyPr wrap="square">
+            <a:spAutoFit/>
+          </a:bodyPr>
+          <a:lstStyle/>
+          <a:p>
+            <a:r>
+              <a:rPr lang="fr-FR" sz="2000" b="1" dirty="0">
+                <a:solidFill>
+                  <a:schemeClr val="tx1">
+                    <a:lumMod val="95000"/>
+                    <a:lumOff val="5000"/>
+                  </a:schemeClr>
+                </a:solidFill>
+                <a:latin typeface="Arial" panose="020B0604020202020204" pitchFamily="34" charset="0"/>
+              </a:rPr>
+              <a:t>Gestion des versions de code</a:t>
+            </a:r>
+            <a:endParaRPr lang="fr-FR" sz="2000" b="1" dirty="0">
+              <a:solidFill>
+                <a:schemeClr val="tx1">
+                  <a:lumMod val="95000"/>
+                  <a:lumOff val="5000"/>
+                </a:schemeClr>
+              </a:solidFill>
+            </a:endParaRPr>
+          </a:p>
+        </p:txBody>
+      </p:sp>
+      <p:sp>
+        <p:nvSpPr>
+          <p:cNvPr id="16" name="Triangle isocèle 15">
+            <a:extLst>
+              <a:ext uri="{FF2B5EF4-FFF2-40B4-BE49-F238E27FC236}">
+                <a16:creationId xmlns:a16="http://schemas.microsoft.com/office/drawing/2014/main" id="{D291F9B9-EA2D-37C5-BCAF-7990BE2229B6}"/>
+              </a:ext>
+            </a:extLst>
+          </p:cNvPr>
+          <p:cNvSpPr/>
+          <p:nvPr/>
+        </p:nvSpPr>
+        <p:spPr>
+          <a:xfrm rot="5400000">
+            <a:off x="902236" y="4024909"/>
+            <a:ext cx="284230" cy="160486"/>
+          </a:xfrm>
+          <a:prstGeom prst="triangle">
+            <a:avLst/>
+          </a:prstGeom>
+          <a:solidFill>
+            <a:schemeClr val="tx1">
+              <a:lumMod val="50000"/>
+              <a:lumOff val="50000"/>
+            </a:schemeClr>
+          </a:solidFill>
+          <a:ln>
+            <a:noFill/>
+          </a:ln>
+        </p:spPr>
+        <p:style>
+          <a:lnRef idx="2">
+            <a:schemeClr val="accent1">
+              <a:shade val="50000"/>
+            </a:schemeClr>
+          </a:lnRef>
+          <a:fillRef idx="1">
+            <a:schemeClr val="accent1"/>
+          </a:fillRef>
+          <a:effectRef idx="0">
+            <a:schemeClr val="accent1"/>
+          </a:effectRef>
+          <a:fontRef idx="minor">
+            <a:schemeClr val="lt1"/>
+          </a:fontRef>
+        </p:style>
+        <p:txBody>
+          <a:bodyPr rtlCol="0" anchor="ctr"/>
+          <a:lstStyle/>
+          <a:p>
+            <a:pPr algn="ctr"/>
+            <a:endParaRPr lang="fr-FR" sz="2800" dirty="0">
+              <a:solidFill>
+                <a:schemeClr val="tx1">
+                  <a:lumMod val="95000"/>
+                  <a:lumOff val="5000"/>
+                </a:schemeClr>
+              </a:solidFill>
+            </a:endParaRPr>
+          </a:p>
+        </p:txBody>
+      </p:sp>
+      <p:cxnSp>
+        <p:nvCxnSpPr>
+          <p:cNvPr id="18" name="Connecteur droit 17">
+            <a:extLst>
+              <a:ext uri="{FF2B5EF4-FFF2-40B4-BE49-F238E27FC236}">
+                <a16:creationId xmlns:a16="http://schemas.microsoft.com/office/drawing/2014/main" id="{0EA0BF7D-3C6D-D61C-1A0F-E1018B7CBA71}"/>
+              </a:ext>
+            </a:extLst>
+          </p:cNvPr>
+          <p:cNvCxnSpPr>
+            <a:cxnSpLocks/>
+          </p:cNvCxnSpPr>
+          <p:nvPr/>
+        </p:nvCxnSpPr>
+        <p:spPr>
+          <a:xfrm>
+            <a:off x="476250" y="4484470"/>
+            <a:ext cx="6559817" cy="0"/>
+          </a:xfrm>
+          <a:prstGeom prst="line">
+            <a:avLst/>
+          </a:prstGeom>
+          <a:ln w="28575">
+            <a:solidFill>
+              <a:srgbClr val="0070C0"/>
+            </a:solidFill>
+            <a:prstDash val="solid"/>
+          </a:ln>
+        </p:spPr>
+        <p:style>
+          <a:lnRef idx="1">
+            <a:schemeClr val="accent1"/>
+          </a:lnRef>
+          <a:fillRef idx="0">
+            <a:schemeClr val="accent1"/>
+          </a:fillRef>
+          <a:effectRef idx="0">
+            <a:schemeClr val="accent1"/>
+          </a:effectRef>
+          <a:fontRef idx="minor">
+            <a:schemeClr val="tx1"/>
+          </a:fontRef>
+        </p:style>
+      </p:cxnSp>
     </p:spTree>
     <p:extLst>
       <p:ext uri="{BB962C8B-B14F-4D97-AF65-F5344CB8AC3E}">

--- a/Presentations/2024_COPERF_Informatique.pptx
+++ b/Presentations/2024_COPERF_Informatique.pptx
@@ -2864,7 +2864,7 @@
           <a:p>
             <a:fld id="{7C2ED78D-DC5F-4349-9BB1-6BA0129AAA21}" type="datetimeFigureOut">
               <a:rPr lang="fr-FR" smtClean="0"/>
-              <a:t>22/05/2024</a:t>
+              <a:t>23/05/2024</a:t>
             </a:fld>
             <a:endParaRPr lang="fr-FR"/>
           </a:p>
@@ -3623,7 +3623,7 @@
           <a:p>
             <a:fld id="{02AC24A9-CCB6-4F8D-B8DB-C2F3692CFA5A}" type="datetimeFigureOut">
               <a:rPr lang="en-US" smtClean="0"/>
-              <a:t>5/22/2024</a:t>
+              <a:t>5/23/2024</a:t>
             </a:fld>
             <a:endParaRPr lang="en-US" dirty="0"/>
           </a:p>
@@ -3993,7 +3993,7 @@
           <a:p>
             <a:fld id="{02AC24A9-CCB6-4F8D-B8DB-C2F3692CFA5A}" type="datetimeFigureOut">
               <a:rPr lang="en-US" smtClean="0"/>
-              <a:t>5/22/2024</a:t>
+              <a:t>5/23/2024</a:t>
             </a:fld>
             <a:endParaRPr lang="en-US"/>
           </a:p>
@@ -4202,7 +4202,7 @@
           <a:p>
             <a:fld id="{02AC24A9-CCB6-4F8D-B8DB-C2F3692CFA5A}" type="datetimeFigureOut">
               <a:rPr lang="en-US" smtClean="0"/>
-              <a:t>5/22/2024</a:t>
+              <a:t>5/23/2024</a:t>
             </a:fld>
             <a:endParaRPr lang="en-US"/>
           </a:p>
@@ -4672,7 +4672,7 @@
           <a:p>
             <a:fld id="{02AC24A9-CCB6-4F8D-B8DB-C2F3692CFA5A}" type="datetimeFigureOut">
               <a:rPr lang="en-US" smtClean="0"/>
-              <a:t>5/22/2024</a:t>
+              <a:t>5/23/2024</a:t>
             </a:fld>
             <a:endParaRPr lang="en-US"/>
           </a:p>
@@ -5126,7 +5126,7 @@
           <a:p>
             <a:fld id="{02AC24A9-CCB6-4F8D-B8DB-C2F3692CFA5A}" type="datetimeFigureOut">
               <a:rPr lang="en-US" smtClean="0"/>
-              <a:t>5/22/2024</a:t>
+              <a:t>5/23/2024</a:t>
             </a:fld>
             <a:endParaRPr lang="en-US"/>
           </a:p>
@@ -5658,7 +5658,7 @@
           <a:p>
             <a:fld id="{02AC24A9-CCB6-4F8D-B8DB-C2F3692CFA5A}" type="datetimeFigureOut">
               <a:rPr lang="en-US" smtClean="0"/>
-              <a:t>5/22/2024</a:t>
+              <a:t>5/23/2024</a:t>
             </a:fld>
             <a:endParaRPr lang="en-US"/>
           </a:p>
@@ -6357,7 +6357,7 @@
           <a:p>
             <a:fld id="{02AC24A9-CCB6-4F8D-B8DB-C2F3692CFA5A}" type="datetimeFigureOut">
               <a:rPr lang="en-US" smtClean="0"/>
-              <a:t>5/22/2024</a:t>
+              <a:t>5/23/2024</a:t>
             </a:fld>
             <a:endParaRPr lang="en-US"/>
           </a:p>
@@ -6686,7 +6686,7 @@
           <a:p>
             <a:fld id="{02AC24A9-CCB6-4F8D-B8DB-C2F3692CFA5A}" type="datetimeFigureOut">
               <a:rPr lang="en-US" smtClean="0"/>
-              <a:t>5/22/2024</a:t>
+              <a:t>5/23/2024</a:t>
             </a:fld>
             <a:endParaRPr lang="en-US"/>
           </a:p>
@@ -6799,7 +6799,7 @@
           <a:p>
             <a:fld id="{02AC24A9-CCB6-4F8D-B8DB-C2F3692CFA5A}" type="datetimeFigureOut">
               <a:rPr lang="en-US" smtClean="0"/>
-              <a:t>5/22/2024</a:t>
+              <a:t>5/23/2024</a:t>
             </a:fld>
             <a:endParaRPr lang="en-US"/>
           </a:p>
@@ -7294,7 +7294,7 @@
           <a:p>
             <a:fld id="{02AC24A9-CCB6-4F8D-B8DB-C2F3692CFA5A}" type="datetimeFigureOut">
               <a:rPr lang="en-US" smtClean="0"/>
-              <a:t>5/22/2024</a:t>
+              <a:t>5/23/2024</a:t>
             </a:fld>
             <a:endParaRPr lang="en-US" dirty="0"/>
           </a:p>
@@ -7771,7 +7771,7 @@
           <a:p>
             <a:fld id="{02AC24A9-CCB6-4F8D-B8DB-C2F3692CFA5A}" type="datetimeFigureOut">
               <a:rPr lang="en-US" smtClean="0"/>
-              <a:t>5/22/2024</a:t>
+              <a:t>5/23/2024</a:t>
             </a:fld>
             <a:endParaRPr lang="en-US"/>
           </a:p>
@@ -8014,7 +8014,7 @@
           <a:p>
             <a:fld id="{02AC24A9-CCB6-4F8D-B8DB-C2F3692CFA5A}" type="datetimeFigureOut">
               <a:rPr lang="en-US" smtClean="0"/>
-              <a:t>5/22/2024</a:t>
+              <a:t>5/23/2024</a:t>
             </a:fld>
             <a:endParaRPr lang="en-US"/>
           </a:p>

--- a/Presentations/2024_COPERF_Informatique.pptx
+++ b/Presentations/2024_COPERF_Informatique.pptx
@@ -2864,7 +2864,7 @@
           <a:p>
             <a:fld id="{7C2ED78D-DC5F-4349-9BB1-6BA0129AAA21}" type="datetimeFigureOut">
               <a:rPr lang="fr-FR" smtClean="0"/>
-              <a:t>22/05/2024</a:t>
+              <a:t>11/06/2024</a:t>
             </a:fld>
             <a:endParaRPr lang="fr-FR"/>
           </a:p>
@@ -3623,7 +3623,7 @@
           <a:p>
             <a:fld id="{02AC24A9-CCB6-4F8D-B8DB-C2F3692CFA5A}" type="datetimeFigureOut">
               <a:rPr lang="en-US" smtClean="0"/>
-              <a:t>5/22/2024</a:t>
+              <a:t>6/11/2024</a:t>
             </a:fld>
             <a:endParaRPr lang="en-US" dirty="0"/>
           </a:p>
@@ -3993,7 +3993,7 @@
           <a:p>
             <a:fld id="{02AC24A9-CCB6-4F8D-B8DB-C2F3692CFA5A}" type="datetimeFigureOut">
               <a:rPr lang="en-US" smtClean="0"/>
-              <a:t>5/22/2024</a:t>
+              <a:t>6/11/2024</a:t>
             </a:fld>
             <a:endParaRPr lang="en-US"/>
           </a:p>
@@ -4202,7 +4202,7 @@
           <a:p>
             <a:fld id="{02AC24A9-CCB6-4F8D-B8DB-C2F3692CFA5A}" type="datetimeFigureOut">
               <a:rPr lang="en-US" smtClean="0"/>
-              <a:t>5/22/2024</a:t>
+              <a:t>6/11/2024</a:t>
             </a:fld>
             <a:endParaRPr lang="en-US"/>
           </a:p>
@@ -4672,7 +4672,7 @@
           <a:p>
             <a:fld id="{02AC24A9-CCB6-4F8D-B8DB-C2F3692CFA5A}" type="datetimeFigureOut">
               <a:rPr lang="en-US" smtClean="0"/>
-              <a:t>5/22/2024</a:t>
+              <a:t>6/11/2024</a:t>
             </a:fld>
             <a:endParaRPr lang="en-US"/>
           </a:p>
@@ -5126,7 +5126,7 @@
           <a:p>
             <a:fld id="{02AC24A9-CCB6-4F8D-B8DB-C2F3692CFA5A}" type="datetimeFigureOut">
               <a:rPr lang="en-US" smtClean="0"/>
-              <a:t>5/22/2024</a:t>
+              <a:t>6/11/2024</a:t>
             </a:fld>
             <a:endParaRPr lang="en-US"/>
           </a:p>
@@ -5658,7 +5658,7 @@
           <a:p>
             <a:fld id="{02AC24A9-CCB6-4F8D-B8DB-C2F3692CFA5A}" type="datetimeFigureOut">
               <a:rPr lang="en-US" smtClean="0"/>
-              <a:t>5/22/2024</a:t>
+              <a:t>6/11/2024</a:t>
             </a:fld>
             <a:endParaRPr lang="en-US"/>
           </a:p>
@@ -6357,7 +6357,7 @@
           <a:p>
             <a:fld id="{02AC24A9-CCB6-4F8D-B8DB-C2F3692CFA5A}" type="datetimeFigureOut">
               <a:rPr lang="en-US" smtClean="0"/>
-              <a:t>5/22/2024</a:t>
+              <a:t>6/11/2024</a:t>
             </a:fld>
             <a:endParaRPr lang="en-US"/>
           </a:p>
@@ -6686,7 +6686,7 @@
           <a:p>
             <a:fld id="{02AC24A9-CCB6-4F8D-B8DB-C2F3692CFA5A}" type="datetimeFigureOut">
               <a:rPr lang="en-US" smtClean="0"/>
-              <a:t>5/22/2024</a:t>
+              <a:t>6/11/2024</a:t>
             </a:fld>
             <a:endParaRPr lang="en-US"/>
           </a:p>
@@ -6799,7 +6799,7 @@
           <a:p>
             <a:fld id="{02AC24A9-CCB6-4F8D-B8DB-C2F3692CFA5A}" type="datetimeFigureOut">
               <a:rPr lang="en-US" smtClean="0"/>
-              <a:t>5/22/2024</a:t>
+              <a:t>6/11/2024</a:t>
             </a:fld>
             <a:endParaRPr lang="en-US"/>
           </a:p>
@@ -7294,7 +7294,7 @@
           <a:p>
             <a:fld id="{02AC24A9-CCB6-4F8D-B8DB-C2F3692CFA5A}" type="datetimeFigureOut">
               <a:rPr lang="en-US" smtClean="0"/>
-              <a:t>5/22/2024</a:t>
+              <a:t>6/11/2024</a:t>
             </a:fld>
             <a:endParaRPr lang="en-US" dirty="0"/>
           </a:p>
@@ -7771,7 +7771,7 @@
           <a:p>
             <a:fld id="{02AC24A9-CCB6-4F8D-B8DB-C2F3692CFA5A}" type="datetimeFigureOut">
               <a:rPr lang="en-US" smtClean="0"/>
-              <a:t>5/22/2024</a:t>
+              <a:t>6/11/2024</a:t>
             </a:fld>
             <a:endParaRPr lang="en-US"/>
           </a:p>
@@ -8014,7 +8014,7 @@
           <a:p>
             <a:fld id="{02AC24A9-CCB6-4F8D-B8DB-C2F3692CFA5A}" type="datetimeFigureOut">
               <a:rPr lang="en-US" smtClean="0"/>
-              <a:t>5/22/2024</a:t>
+              <a:t>6/11/2024</a:t>
             </a:fld>
             <a:endParaRPr lang="en-US"/>
           </a:p>
@@ -19089,7 +19089,18 @@
               </a:rPr>
               <a:t>Interfaçage</a:t>
             </a:r>
-            <a:endParaRPr lang="fr-FR" sz="1400" b="1" dirty="0">
+          </a:p>
+          <a:p>
+            <a:pPr algn="ctr"/>
+            <a:r>
+              <a:rPr lang="fr-FR" sz="1400" dirty="0">
+                <a:solidFill>
+                  <a:srgbClr val="002060"/>
+                </a:solidFill>
+              </a:rPr>
+              <a:t>Numérique</a:t>
+            </a:r>
+            <a:endParaRPr lang="fr-FR" sz="1400" dirty="0">
               <a:solidFill>
                 <a:schemeClr val="bg1"/>
               </a:solidFill>
@@ -20251,8 +20262,8 @@
         </p:nvSpPr>
         <p:spPr>
           <a:xfrm>
-            <a:off x="8015352" y="2977601"/>
-            <a:ext cx="3586257" cy="3607544"/>
+            <a:off x="8015352" y="4105655"/>
+            <a:ext cx="3586257" cy="2479489"/>
           </a:xfrm>
           <a:prstGeom prst="rect">
             <a:avLst/>
@@ -20456,6 +20467,99 @@
             <a:r>
               <a:rPr lang="fr-FR" sz="1600" b="1" dirty="0"/>
               <a:t>Harmonisation des pratiques entre 1A et 2AP</a:t>
+            </a:r>
+          </a:p>
+        </p:txBody>
+      </p:sp>
+      <p:sp>
+        <p:nvSpPr>
+          <p:cNvPr id="5" name="Arc 4">
+            <a:extLst>
+              <a:ext uri="{FF2B5EF4-FFF2-40B4-BE49-F238E27FC236}">
+                <a16:creationId xmlns:a16="http://schemas.microsoft.com/office/drawing/2014/main" id="{E1AAAB24-2470-B6F4-A734-28EEBE0E831B}"/>
+              </a:ext>
+            </a:extLst>
+          </p:cNvPr>
+          <p:cNvSpPr/>
+          <p:nvPr/>
+        </p:nvSpPr>
+        <p:spPr>
+          <a:xfrm>
+            <a:off x="5476758" y="2595473"/>
+            <a:ext cx="2322776" cy="1773747"/>
+          </a:xfrm>
+          <a:prstGeom prst="arc">
+            <a:avLst>
+              <a:gd name="adj1" fmla="val 17799647"/>
+              <a:gd name="adj2" fmla="val 4545968"/>
+            </a:avLst>
+          </a:prstGeom>
+          <a:ln w="76200">
+            <a:solidFill>
+              <a:srgbClr val="002060"/>
+            </a:solidFill>
+            <a:headEnd type="oval" w="med" len="med"/>
+            <a:tailEnd type="triangle" w="med" len="med"/>
+          </a:ln>
+        </p:spPr>
+        <p:style>
+          <a:lnRef idx="1">
+            <a:schemeClr val="accent1"/>
+          </a:lnRef>
+          <a:fillRef idx="0">
+            <a:schemeClr val="accent1"/>
+          </a:fillRef>
+          <a:effectRef idx="0">
+            <a:schemeClr val="accent1"/>
+          </a:effectRef>
+          <a:fontRef idx="minor">
+            <a:schemeClr val="tx1"/>
+          </a:fontRef>
+        </p:style>
+        <p:txBody>
+          <a:bodyPr rtlCol="0" anchor="ctr"/>
+          <a:lstStyle/>
+          <a:p>
+            <a:pPr algn="ctr"/>
+            <a:endParaRPr lang="fr-FR"/>
+          </a:p>
+        </p:txBody>
+      </p:sp>
+      <p:sp>
+        <p:nvSpPr>
+          <p:cNvPr id="6" name="ZoneTexte 5">
+            <a:extLst>
+              <a:ext uri="{FF2B5EF4-FFF2-40B4-BE49-F238E27FC236}">
+                <a16:creationId xmlns:a16="http://schemas.microsoft.com/office/drawing/2014/main" id="{DBCE8597-9B44-6B35-D1C2-290BEA52D4B4}"/>
+              </a:ext>
+            </a:extLst>
+          </p:cNvPr>
+          <p:cNvSpPr txBox="1"/>
+          <p:nvPr/>
+        </p:nvSpPr>
+        <p:spPr>
+          <a:xfrm>
+            <a:off x="8023246" y="3334762"/>
+            <a:ext cx="1715919" cy="369332"/>
+          </a:xfrm>
+          <a:prstGeom prst="rect">
+            <a:avLst/>
+          </a:prstGeom>
+          <a:noFill/>
+        </p:spPr>
+        <p:txBody>
+          <a:bodyPr wrap="none" rtlCol="0">
+            <a:spAutoFit/>
+          </a:bodyPr>
+          <a:lstStyle/>
+          <a:p>
+            <a:r>
+              <a:rPr lang="fr-FR" b="1" dirty="0">
+                <a:solidFill>
+                  <a:srgbClr val="002060"/>
+                </a:solidFill>
+              </a:rPr>
+              <a:t>Rentrée 2024</a:t>
             </a:r>
           </a:p>
         </p:txBody>

--- a/Presentations/2024_COPERF_Informatique.pptx
+++ b/Presentations/2024_COPERF_Informatique.pptx
@@ -5,7 +5,7 @@
     <p:sldMasterId id="2147483711" r:id="rId1"/>
   </p:sldMasterIdLst>
   <p:notesMasterIdLst>
-    <p:notesMasterId r:id="rId20"/>
+    <p:notesMasterId r:id="rId19"/>
   </p:notesMasterIdLst>
   <p:sldIdLst>
     <p:sldId id="256" r:id="rId2"/>
@@ -20,12 +20,11 @@
     <p:sldId id="332" r:id="rId11"/>
     <p:sldId id="341" r:id="rId12"/>
     <p:sldId id="322" r:id="rId13"/>
-    <p:sldId id="326" r:id="rId14"/>
-    <p:sldId id="349" r:id="rId15"/>
-    <p:sldId id="338" r:id="rId16"/>
-    <p:sldId id="347" r:id="rId17"/>
-    <p:sldId id="281" r:id="rId18"/>
-    <p:sldId id="350" r:id="rId19"/>
+    <p:sldId id="351" r:id="rId14"/>
+    <p:sldId id="338" r:id="rId15"/>
+    <p:sldId id="347" r:id="rId16"/>
+    <p:sldId id="281" r:id="rId17"/>
+    <p:sldId id="350" r:id="rId18"/>
   </p:sldIdLst>
   <p:sldSz cx="12192000" cy="6858000"/>
   <p:notesSz cx="6858000" cy="9144000"/>
@@ -2864,7 +2863,7 @@
           <a:p>
             <a:fld id="{7C2ED78D-DC5F-4349-9BB1-6BA0129AAA21}" type="datetimeFigureOut">
               <a:rPr lang="fr-FR" smtClean="0"/>
-              <a:t>11/06/2024</a:t>
+              <a:t>14/06/2024</a:t>
             </a:fld>
             <a:endParaRPr lang="fr-FR"/>
           </a:p>
@@ -3448,7 +3447,7 @@
           <a:p>
             <a:fld id="{058856BD-585A-4EDF-983C-7898DC302652}" type="slidenum">
               <a:rPr lang="fr-FR" smtClean="0"/>
-              <a:t>18</a:t>
+              <a:t>17</a:t>
             </a:fld>
             <a:endParaRPr lang="fr-FR"/>
           </a:p>
@@ -3623,7 +3622,7 @@
           <a:p>
             <a:fld id="{02AC24A9-CCB6-4F8D-B8DB-C2F3692CFA5A}" type="datetimeFigureOut">
               <a:rPr lang="en-US" smtClean="0"/>
-              <a:t>6/11/2024</a:t>
+              <a:t>6/14/2024</a:t>
             </a:fld>
             <a:endParaRPr lang="en-US" dirty="0"/>
           </a:p>
@@ -3993,7 +3992,7 @@
           <a:p>
             <a:fld id="{02AC24A9-CCB6-4F8D-B8DB-C2F3692CFA5A}" type="datetimeFigureOut">
               <a:rPr lang="en-US" smtClean="0"/>
-              <a:t>6/11/2024</a:t>
+              <a:t>6/14/2024</a:t>
             </a:fld>
             <a:endParaRPr lang="en-US"/>
           </a:p>
@@ -4202,7 +4201,7 @@
           <a:p>
             <a:fld id="{02AC24A9-CCB6-4F8D-B8DB-C2F3692CFA5A}" type="datetimeFigureOut">
               <a:rPr lang="en-US" smtClean="0"/>
-              <a:t>6/11/2024</a:t>
+              <a:t>6/14/2024</a:t>
             </a:fld>
             <a:endParaRPr lang="en-US"/>
           </a:p>
@@ -4672,7 +4671,7 @@
           <a:p>
             <a:fld id="{02AC24A9-CCB6-4F8D-B8DB-C2F3692CFA5A}" type="datetimeFigureOut">
               <a:rPr lang="en-US" smtClean="0"/>
-              <a:t>6/11/2024</a:t>
+              <a:t>6/14/2024</a:t>
             </a:fld>
             <a:endParaRPr lang="en-US"/>
           </a:p>
@@ -5126,7 +5125,7 @@
           <a:p>
             <a:fld id="{02AC24A9-CCB6-4F8D-B8DB-C2F3692CFA5A}" type="datetimeFigureOut">
               <a:rPr lang="en-US" smtClean="0"/>
-              <a:t>6/11/2024</a:t>
+              <a:t>6/14/2024</a:t>
             </a:fld>
             <a:endParaRPr lang="en-US"/>
           </a:p>
@@ -5658,7 +5657,7 @@
           <a:p>
             <a:fld id="{02AC24A9-CCB6-4F8D-B8DB-C2F3692CFA5A}" type="datetimeFigureOut">
               <a:rPr lang="en-US" smtClean="0"/>
-              <a:t>6/11/2024</a:t>
+              <a:t>6/14/2024</a:t>
             </a:fld>
             <a:endParaRPr lang="en-US"/>
           </a:p>
@@ -6357,7 +6356,7 @@
           <a:p>
             <a:fld id="{02AC24A9-CCB6-4F8D-B8DB-C2F3692CFA5A}" type="datetimeFigureOut">
               <a:rPr lang="en-US" smtClean="0"/>
-              <a:t>6/11/2024</a:t>
+              <a:t>6/14/2024</a:t>
             </a:fld>
             <a:endParaRPr lang="en-US"/>
           </a:p>
@@ -6686,7 +6685,7 @@
           <a:p>
             <a:fld id="{02AC24A9-CCB6-4F8D-B8DB-C2F3692CFA5A}" type="datetimeFigureOut">
               <a:rPr lang="en-US" smtClean="0"/>
-              <a:t>6/11/2024</a:t>
+              <a:t>6/14/2024</a:t>
             </a:fld>
             <a:endParaRPr lang="en-US"/>
           </a:p>
@@ -6799,7 +6798,7 @@
           <a:p>
             <a:fld id="{02AC24A9-CCB6-4F8D-B8DB-C2F3692CFA5A}" type="datetimeFigureOut">
               <a:rPr lang="en-US" smtClean="0"/>
-              <a:t>6/11/2024</a:t>
+              <a:t>6/14/2024</a:t>
             </a:fld>
             <a:endParaRPr lang="en-US"/>
           </a:p>
@@ -7294,7 +7293,7 @@
           <a:p>
             <a:fld id="{02AC24A9-CCB6-4F8D-B8DB-C2F3692CFA5A}" type="datetimeFigureOut">
               <a:rPr lang="en-US" smtClean="0"/>
-              <a:t>6/11/2024</a:t>
+              <a:t>6/14/2024</a:t>
             </a:fld>
             <a:endParaRPr lang="en-US" dirty="0"/>
           </a:p>
@@ -7771,7 +7770,7 @@
           <a:p>
             <a:fld id="{02AC24A9-CCB6-4F8D-B8DB-C2F3692CFA5A}" type="datetimeFigureOut">
               <a:rPr lang="en-US" smtClean="0"/>
-              <a:t>6/11/2024</a:t>
+              <a:t>6/14/2024</a:t>
             </a:fld>
             <a:endParaRPr lang="en-US"/>
           </a:p>
@@ -8014,7 +8013,7 @@
           <a:p>
             <a:fld id="{02AC24A9-CCB6-4F8D-B8DB-C2F3692CFA5A}" type="datetimeFigureOut">
               <a:rPr lang="en-US" smtClean="0"/>
-              <a:t>6/11/2024</a:t>
+              <a:t>6/14/2024</a:t>
             </a:fld>
             <a:endParaRPr lang="en-US"/>
           </a:p>
@@ -16487,12 +16486,48 @@
           </a:p>
         </p:txBody>
       </p:sp>
-      <p:sp>
-        <p:nvSpPr>
-          <p:cNvPr id="21" name="Rectangle 20">
-            <a:extLst>
-              <a:ext uri="{FF2B5EF4-FFF2-40B4-BE49-F238E27FC236}">
-                <a16:creationId xmlns:a16="http://schemas.microsoft.com/office/drawing/2014/main" id="{A2AAF64F-4C96-BB5E-4BC4-6E0A70C3D364}"/>
+      <p:pic>
+        <p:nvPicPr>
+          <p:cNvPr id="24" name="Image 23" descr="Une image contenant texte, capture d’écran, diagramme, cercle&#10;&#10;Description générée automatiquement">
+            <a:extLst>
+              <a:ext uri="{FF2B5EF4-FFF2-40B4-BE49-F238E27FC236}">
+                <a16:creationId xmlns:a16="http://schemas.microsoft.com/office/drawing/2014/main" id="{D7D9D662-4693-D3E3-AC3A-2531B5FF0F18}"/>
+              </a:ext>
+            </a:extLst>
+          </p:cNvPr>
+          <p:cNvPicPr>
+            <a:picLocks noChangeAspect="1"/>
+          </p:cNvPicPr>
+          <p:nvPr/>
+        </p:nvPicPr>
+        <p:blipFill>
+          <a:blip r:embed="rId3" cstate="print">
+            <a:extLst>
+              <a:ext uri="{28A0092B-C50C-407E-A947-70E740481C1C}">
+                <a14:useLocalDpi xmlns:a14="http://schemas.microsoft.com/office/drawing/2010/main" val="0"/>
+              </a:ext>
+            </a:extLst>
+          </a:blip>
+          <a:stretch>
+            <a:fillRect/>
+          </a:stretch>
+        </p:blipFill>
+        <p:spPr>
+          <a:xfrm>
+            <a:off x="1235681" y="4076403"/>
+            <a:ext cx="1688494" cy="1266371"/>
+          </a:xfrm>
+          <a:prstGeom prst="rect">
+            <a:avLst/>
+          </a:prstGeom>
+        </p:spPr>
+      </p:pic>
+      <p:sp>
+        <p:nvSpPr>
+          <p:cNvPr id="6" name="Rectangle 5">
+            <a:extLst>
+              <a:ext uri="{FF2B5EF4-FFF2-40B4-BE49-F238E27FC236}">
+                <a16:creationId xmlns:a16="http://schemas.microsoft.com/office/drawing/2014/main" id="{48636D4D-C17A-5BC6-E31E-9717A1FFD95A}"/>
               </a:ext>
             </a:extLst>
           </p:cNvPr>
@@ -16501,8 +16536,8 @@
         </p:nvSpPr>
         <p:spPr>
           <a:xfrm>
-            <a:off x="6452416" y="5505449"/>
-            <a:ext cx="5091884" cy="1035571"/>
+            <a:off x="3638190" y="4039826"/>
+            <a:ext cx="5091884" cy="937549"/>
           </a:xfrm>
           <a:prstGeom prst="rect">
             <a:avLst/>
@@ -16512,7 +16547,7 @@
           </a:solidFill>
           <a:ln w="57150">
             <a:solidFill>
-              <a:srgbClr val="7030A0"/>
+              <a:srgbClr val="00B0F0"/>
             </a:solidFill>
           </a:ln>
         </p:spPr>
@@ -16540,157 +16575,105 @@
             <a:r>
               <a:rPr lang="fr-FR" sz="1400" b="1" dirty="0">
                 <a:solidFill>
-                  <a:srgbClr val="7030A0"/>
+                  <a:srgbClr val="0070C0"/>
                 </a:solidFill>
               </a:rPr>
-              <a:t>Nécessité d’une formation des encadrant.es permanent.es </a:t>
-            </a:r>
+              <a:t>Premières approches transverses</a:t>
+            </a:r>
+          </a:p>
+          <a:p>
+            <a:pPr algn="ctr"/>
             <a:r>
               <a:rPr lang="fr-FR" sz="1400" dirty="0">
                 <a:solidFill>
-                  <a:srgbClr val="7030A0"/>
+                  <a:srgbClr val="0070C0"/>
                 </a:solidFill>
               </a:rPr>
-              <a:t>(plutôt habitué.es à Matlab)</a:t>
-            </a:r>
-          </a:p>
-          <a:p>
-            <a:pPr algn="ctr"/>
-            <a:endParaRPr lang="fr-FR" sz="1400" b="1" dirty="0">
-              <a:solidFill>
-                <a:srgbClr val="7030A0"/>
-              </a:solidFill>
-            </a:endParaRPr>
-          </a:p>
-          <a:p>
-            <a:pPr algn="ctr"/>
-            <a:r>
-              <a:rPr lang="fr-FR" sz="1400" b="1" dirty="0">
-                <a:solidFill>
-                  <a:srgbClr val="7030A0"/>
-                </a:solidFill>
-              </a:rPr>
-              <a:t>Difficultés à évaluer</a:t>
-            </a:r>
-          </a:p>
-        </p:txBody>
-      </p:sp>
-      <p:sp>
-        <p:nvSpPr>
-          <p:cNvPr id="22" name="Rectangle 21">
-            <a:extLst>
-              <a:ext uri="{FF2B5EF4-FFF2-40B4-BE49-F238E27FC236}">
-                <a16:creationId xmlns:a16="http://schemas.microsoft.com/office/drawing/2014/main" id="{088DF8DF-8B29-F485-10B3-F4E8F57FA243}"/>
-              </a:ext>
-            </a:extLst>
-          </p:cNvPr>
-          <p:cNvSpPr/>
+              <a:t>Problématiques approfondies dans les semestres suivants</a:t>
+            </a:r>
+          </a:p>
+        </p:txBody>
+      </p:sp>
+      <p:sp>
+        <p:nvSpPr>
+          <p:cNvPr id="8" name="ZoneTexte 7">
+            <a:extLst>
+              <a:ext uri="{FF2B5EF4-FFF2-40B4-BE49-F238E27FC236}">
+                <a16:creationId xmlns:a16="http://schemas.microsoft.com/office/drawing/2014/main" id="{87909C82-677A-6F2E-E84B-C9D6672CDE45}"/>
+              </a:ext>
+            </a:extLst>
+          </p:cNvPr>
+          <p:cNvSpPr txBox="1"/>
           <p:nvPr/>
         </p:nvSpPr>
         <p:spPr>
           <a:xfrm>
-            <a:off x="842191" y="5505449"/>
-            <a:ext cx="5091884" cy="869429"/>
+            <a:off x="2280213" y="5419976"/>
+            <a:ext cx="6850337" cy="646331"/>
           </a:xfrm>
           <a:prstGeom prst="rect">
             <a:avLst/>
           </a:prstGeom>
-          <a:solidFill>
-            <a:schemeClr val="bg1"/>
-          </a:solidFill>
-          <a:ln w="57150">
-            <a:solidFill>
-              <a:srgbClr val="7030A0"/>
-            </a:solidFill>
-          </a:ln>
-        </p:spPr>
-        <p:style>
-          <a:lnRef idx="2">
-            <a:schemeClr val="accent1">
-              <a:shade val="15000"/>
-            </a:schemeClr>
-          </a:lnRef>
-          <a:fillRef idx="1">
-            <a:schemeClr val="accent1"/>
-          </a:fillRef>
-          <a:effectRef idx="0">
-            <a:schemeClr val="accent1"/>
-          </a:effectRef>
-          <a:fontRef idx="minor">
-            <a:schemeClr val="lt1"/>
-          </a:fontRef>
-        </p:style>
-        <p:txBody>
-          <a:bodyPr rtlCol="0" anchor="ctr"/>
+          <a:noFill/>
+        </p:spPr>
+        <p:txBody>
+          <a:bodyPr wrap="none" rtlCol="0">
+            <a:spAutoFit/>
+          </a:bodyPr>
           <a:lstStyle/>
           <a:p>
-            <a:pPr algn="ctr"/>
-            <a:r>
-              <a:rPr lang="fr-FR" sz="1400" b="1" dirty="0">
-                <a:solidFill>
-                  <a:srgbClr val="7030A0"/>
-                </a:solidFill>
-              </a:rPr>
-              <a:t>Attentes inhomogènes entre les encadrant.es </a:t>
-            </a:r>
-            <a:br>
-              <a:rPr lang="fr-FR" sz="1400" b="1" dirty="0">
-                <a:solidFill>
-                  <a:srgbClr val="7030A0"/>
-                </a:solidFill>
-              </a:rPr>
-            </a:br>
-            <a:r>
-              <a:rPr lang="fr-FR" sz="1400" dirty="0">
-                <a:solidFill>
-                  <a:srgbClr val="7030A0"/>
-                </a:solidFill>
-              </a:rPr>
-              <a:t>(mode d’évaluation à améliorer)</a:t>
-            </a:r>
-          </a:p>
-        </p:txBody>
-      </p:sp>
-      <p:pic>
-        <p:nvPicPr>
-          <p:cNvPr id="24" name="Image 23" descr="Une image contenant texte, capture d’écran, diagramme, cercle&#10;&#10;Description générée automatiquement">
-            <a:extLst>
-              <a:ext uri="{FF2B5EF4-FFF2-40B4-BE49-F238E27FC236}">
-                <a16:creationId xmlns:a16="http://schemas.microsoft.com/office/drawing/2014/main" id="{D7D9D662-4693-D3E3-AC3A-2531B5FF0F18}"/>
-              </a:ext>
-            </a:extLst>
-          </p:cNvPr>
-          <p:cNvPicPr>
-            <a:picLocks noChangeAspect="1"/>
-          </p:cNvPicPr>
+            <a:r>
+              <a:rPr lang="fr-FR" dirty="0"/>
+              <a:t>Question ouverte : comment évaluer un code (bonne qualité) ? </a:t>
+            </a:r>
+          </a:p>
+          <a:p>
+            <a:r>
+              <a:rPr lang="fr-FR" dirty="0"/>
+              <a:t>critères</a:t>
+            </a:r>
+          </a:p>
+        </p:txBody>
+      </p:sp>
+      <p:sp>
+        <p:nvSpPr>
+          <p:cNvPr id="9" name="ZoneTexte 8">
+            <a:extLst>
+              <a:ext uri="{FF2B5EF4-FFF2-40B4-BE49-F238E27FC236}">
+                <a16:creationId xmlns:a16="http://schemas.microsoft.com/office/drawing/2014/main" id="{DD7E465B-29CB-67B0-1A59-79E801462582}"/>
+              </a:ext>
+            </a:extLst>
+          </p:cNvPr>
+          <p:cNvSpPr txBox="1"/>
           <p:nvPr/>
-        </p:nvPicPr>
-        <p:blipFill>
-          <a:blip r:embed="rId3" cstate="print">
-            <a:extLst>
-              <a:ext uri="{28A0092B-C50C-407E-A947-70E740481C1C}">
-                <a14:useLocalDpi xmlns:a14="http://schemas.microsoft.com/office/drawing/2010/main" val="0"/>
-              </a:ext>
-            </a:extLst>
-          </a:blip>
-          <a:stretch>
-            <a:fillRect/>
-          </a:stretch>
-        </p:blipFill>
-        <p:spPr>
-          <a:xfrm>
-            <a:off x="1235681" y="4076403"/>
-            <a:ext cx="1688494" cy="1266371"/>
+        </p:nvSpPr>
+        <p:spPr>
+          <a:xfrm>
+            <a:off x="2282139" y="6127967"/>
+            <a:ext cx="5166543" cy="369332"/>
           </a:xfrm>
           <a:prstGeom prst="rect">
             <a:avLst/>
           </a:prstGeom>
-        </p:spPr>
-      </p:pic>
+          <a:noFill/>
+        </p:spPr>
+        <p:txBody>
+          <a:bodyPr wrap="none" rtlCol="0">
+            <a:spAutoFit/>
+          </a:bodyPr>
+          <a:lstStyle/>
+          <a:p>
+            <a:r>
+              <a:rPr lang="fr-FR" dirty="0"/>
+              <a:t>Question ouverte : modularité / documentation</a:t>
+            </a:r>
+          </a:p>
+        </p:txBody>
+      </p:sp>
     </p:spTree>
     <p:extLst>
       <p:ext uri="{BB962C8B-B14F-4D97-AF65-F5344CB8AC3E}">
-        <p14:creationId xmlns:p14="http://schemas.microsoft.com/office/powerpoint/2010/main" val="1051175469"/>
+        <p14:creationId xmlns:p14="http://schemas.microsoft.com/office/powerpoint/2010/main" val="2750424657"/>
       </p:ext>
     </p:extLst>
   </p:cSld>
@@ -16701,875 +16684,6 @@
 </file>
 
 <file path=ppt/slides/slide14.xml><?xml version="1.0" encoding="utf-8"?>
-<p:sld xmlns:a="http://schemas.openxmlformats.org/drawingml/2006/main" xmlns:r="http://schemas.openxmlformats.org/officeDocument/2006/relationships" xmlns:p="http://schemas.openxmlformats.org/presentationml/2006/main">
-  <p:cSld>
-    <p:spTree>
-      <p:nvGrpSpPr>
-        <p:cNvPr id="1" name=""/>
-        <p:cNvGrpSpPr/>
-        <p:nvPr/>
-      </p:nvGrpSpPr>
-      <p:grpSpPr>
-        <a:xfrm>
-          <a:off x="0" y="0"/>
-          <a:ext cx="0" cy="0"/>
-          <a:chOff x="0" y="0"/>
-          <a:chExt cx="0" cy="0"/>
-        </a:xfrm>
-      </p:grpSpPr>
-      <p:sp>
-        <p:nvSpPr>
-          <p:cNvPr id="3" name="Rectangle 2">
-            <a:extLst>
-              <a:ext uri="{FF2B5EF4-FFF2-40B4-BE49-F238E27FC236}">
-                <a16:creationId xmlns:a16="http://schemas.microsoft.com/office/drawing/2014/main" id="{69EEE2CD-304C-7206-E015-F52A5695E8DF}"/>
-              </a:ext>
-            </a:extLst>
-          </p:cNvPr>
-          <p:cNvSpPr/>
-          <p:nvPr/>
-        </p:nvSpPr>
-        <p:spPr>
-          <a:xfrm>
-            <a:off x="673975" y="405113"/>
-            <a:ext cx="11020314" cy="937549"/>
-          </a:xfrm>
-          <a:prstGeom prst="rect">
-            <a:avLst/>
-          </a:prstGeom>
-          <a:solidFill>
-            <a:schemeClr val="bg1"/>
-          </a:solidFill>
-          <a:ln>
-            <a:solidFill>
-              <a:schemeClr val="bg1">
-                <a:lumMod val="95000"/>
-              </a:schemeClr>
-            </a:solidFill>
-          </a:ln>
-          <a:effectLst>
-            <a:outerShdw blurRad="50800" dist="38100" dir="2700000" algn="tl" rotWithShape="0">
-              <a:prstClr val="black">
-                <a:alpha val="40000"/>
-              </a:prstClr>
-            </a:outerShdw>
-          </a:effectLst>
-        </p:spPr>
-        <p:style>
-          <a:lnRef idx="2">
-            <a:schemeClr val="accent1">
-              <a:shade val="15000"/>
-            </a:schemeClr>
-          </a:lnRef>
-          <a:fillRef idx="1">
-            <a:schemeClr val="accent1"/>
-          </a:fillRef>
-          <a:effectRef idx="0">
-            <a:schemeClr val="accent1"/>
-          </a:effectRef>
-          <a:fontRef idx="minor">
-            <a:schemeClr val="lt1"/>
-          </a:fontRef>
-        </p:style>
-        <p:txBody>
-          <a:bodyPr rtlCol="0" anchor="ctr"/>
-          <a:lstStyle/>
-          <a:p>
-            <a:pPr algn="ctr"/>
-            <a:endParaRPr lang="fr-FR" dirty="0"/>
-          </a:p>
-        </p:txBody>
-      </p:sp>
-      <p:sp>
-        <p:nvSpPr>
-          <p:cNvPr id="2" name="Titre 1">
-            <a:extLst>
-              <a:ext uri="{FF2B5EF4-FFF2-40B4-BE49-F238E27FC236}">
-                <a16:creationId xmlns:a16="http://schemas.microsoft.com/office/drawing/2014/main" id="{97F71108-8121-4CC2-3ED6-50ABC11E79C5}"/>
-              </a:ext>
-            </a:extLst>
-          </p:cNvPr>
-          <p:cNvSpPr txBox="1">
-            <a:spLocks/>
-          </p:cNvSpPr>
-          <p:nvPr/>
-        </p:nvSpPr>
-        <p:spPr>
-          <a:xfrm>
-            <a:off x="907225" y="583365"/>
-            <a:ext cx="8970548" cy="701426"/>
-          </a:xfrm>
-          <a:prstGeom prst="rect">
-            <a:avLst/>
-          </a:prstGeom>
-        </p:spPr>
-        <p:txBody>
-          <a:bodyPr>
-            <a:normAutofit/>
-          </a:bodyPr>
-          <a:lstStyle>
-            <a:lvl1pPr algn="l" defTabSz="914400" rtl="0" eaLnBrk="1" latinLnBrk="0" hangingPunct="1">
-              <a:lnSpc>
-                <a:spcPct val="90000"/>
-              </a:lnSpc>
-              <a:spcBef>
-                <a:spcPct val="0"/>
-              </a:spcBef>
-              <a:buNone/>
-              <a:defRPr sz="4400" kern="1200">
-                <a:solidFill>
-                  <a:schemeClr val="tx1"/>
-                </a:solidFill>
-                <a:latin typeface="+mj-lt"/>
-                <a:ea typeface="+mj-ea"/>
-                <a:cs typeface="+mj-cs"/>
-              </a:defRPr>
-            </a:lvl1pPr>
-          </a:lstStyle>
-          <a:p>
-            <a:r>
-              <a:rPr lang="fr-FR" sz="3200" dirty="0"/>
-              <a:t>Retours ONIP-1 et 2</a:t>
-            </a:r>
-            <a:endParaRPr lang="fr-FR" sz="4000" dirty="0"/>
-          </a:p>
-        </p:txBody>
-      </p:sp>
-      <p:sp>
-        <p:nvSpPr>
-          <p:cNvPr id="7" name="Rectangle 6">
-            <a:extLst>
-              <a:ext uri="{FF2B5EF4-FFF2-40B4-BE49-F238E27FC236}">
-                <a16:creationId xmlns:a16="http://schemas.microsoft.com/office/drawing/2014/main" id="{E97ACAFF-7D28-E79D-9EB4-4FEEF5BB9613}"/>
-              </a:ext>
-            </a:extLst>
-          </p:cNvPr>
-          <p:cNvSpPr/>
-          <p:nvPr/>
-        </p:nvSpPr>
-        <p:spPr>
-          <a:xfrm>
-            <a:off x="619125" y="500258"/>
-            <a:ext cx="124142" cy="749808"/>
-          </a:xfrm>
-          <a:prstGeom prst="rect">
-            <a:avLst/>
-          </a:prstGeom>
-          <a:solidFill>
-            <a:srgbClr val="002060"/>
-          </a:solidFill>
-          <a:ln>
-            <a:noFill/>
-          </a:ln>
-        </p:spPr>
-        <p:style>
-          <a:lnRef idx="2">
-            <a:schemeClr val="accent1">
-              <a:shade val="15000"/>
-            </a:schemeClr>
-          </a:lnRef>
-          <a:fillRef idx="1">
-            <a:schemeClr val="accent1"/>
-          </a:fillRef>
-          <a:effectRef idx="0">
-            <a:schemeClr val="accent1"/>
-          </a:effectRef>
-          <a:fontRef idx="minor">
-            <a:schemeClr val="lt1"/>
-          </a:fontRef>
-        </p:style>
-        <p:txBody>
-          <a:bodyPr rtlCol="0" anchor="ctr"/>
-          <a:lstStyle/>
-          <a:p>
-            <a:pPr algn="ctr"/>
-            <a:endParaRPr lang="fr-FR"/>
-          </a:p>
-        </p:txBody>
-      </p:sp>
-      <p:pic>
-        <p:nvPicPr>
-          <p:cNvPr id="4" name="Image 3" descr="Une image contenant texte&#10;&#10;Description générée automatiquement">
-            <a:extLst>
-              <a:ext uri="{FF2B5EF4-FFF2-40B4-BE49-F238E27FC236}">
-                <a16:creationId xmlns:a16="http://schemas.microsoft.com/office/drawing/2014/main" id="{9BFF7F1D-2708-E366-DB38-F68C1FBD99DC}"/>
-              </a:ext>
-            </a:extLst>
-          </p:cNvPr>
-          <p:cNvPicPr>
-            <a:picLocks noChangeAspect="1"/>
-          </p:cNvPicPr>
-          <p:nvPr/>
-        </p:nvPicPr>
-        <p:blipFill>
-          <a:blip r:embed="rId2" cstate="print">
-            <a:extLst>
-              <a:ext uri="{28A0092B-C50C-407E-A947-70E740481C1C}">
-                <a14:useLocalDpi xmlns:a14="http://schemas.microsoft.com/office/drawing/2010/main" val="0"/>
-              </a:ext>
-            </a:extLst>
-          </a:blip>
-          <a:stretch>
-            <a:fillRect/>
-          </a:stretch>
-        </p:blipFill>
-        <p:spPr>
-          <a:xfrm>
-            <a:off x="9808481" y="509288"/>
-            <a:ext cx="1825291" cy="749808"/>
-          </a:xfrm>
-          <a:prstGeom prst="rect">
-            <a:avLst/>
-          </a:prstGeom>
-        </p:spPr>
-      </p:pic>
-      <p:sp>
-        <p:nvSpPr>
-          <p:cNvPr id="5" name="CustomShape 3">
-            <a:extLst>
-              <a:ext uri="{FF2B5EF4-FFF2-40B4-BE49-F238E27FC236}">
-                <a16:creationId xmlns:a16="http://schemas.microsoft.com/office/drawing/2014/main" id="{E044C69F-E0D2-DF00-BE05-02DF5A2CC635}"/>
-              </a:ext>
-            </a:extLst>
-          </p:cNvPr>
-          <p:cNvSpPr/>
-          <p:nvPr/>
-        </p:nvSpPr>
-        <p:spPr>
-          <a:xfrm>
-            <a:off x="842191" y="1814976"/>
-            <a:ext cx="5091884" cy="461665"/>
-          </a:xfrm>
-          <a:prstGeom prst="rect">
-            <a:avLst/>
-          </a:prstGeom>
-          <a:solidFill>
-            <a:schemeClr val="tx1">
-              <a:lumMod val="65000"/>
-              <a:lumOff val="35000"/>
-            </a:schemeClr>
-          </a:solidFill>
-          <a:ln w="0">
-            <a:noFill/>
-          </a:ln>
-        </p:spPr>
-        <p:style>
-          <a:lnRef idx="0">
-            <a:scrgbClr r="0" g="0" b="0"/>
-          </a:lnRef>
-          <a:fillRef idx="0">
-            <a:scrgbClr r="0" g="0" b="0"/>
-          </a:fillRef>
-          <a:effectRef idx="0">
-            <a:scrgbClr r="0" g="0" b="0"/>
-          </a:effectRef>
-          <a:fontRef idx="minor"/>
-        </p:style>
-        <p:txBody>
-          <a:bodyPr wrap="square" tIns="91440" bIns="91440">
-            <a:spAutoFit/>
-          </a:bodyPr>
-          <a:lstStyle/>
-          <a:p>
-            <a:pPr algn="ctr">
-              <a:lnSpc>
-                <a:spcPct val="100000"/>
-              </a:lnSpc>
-              <a:tabLst>
-                <a:tab pos="0" algn="l"/>
-              </a:tabLst>
-            </a:pPr>
-            <a:r>
-              <a:rPr lang="fr-FR" b="1" strike="noStrike" spc="-1" dirty="0">
-                <a:solidFill>
-                  <a:schemeClr val="bg1"/>
-                </a:solidFill>
-                <a:latin typeface="Trebuchet MS"/>
-                <a:ea typeface="Trebuchet MS"/>
-              </a:rPr>
-              <a:t>Etudiant.es</a:t>
-            </a:r>
-            <a:endParaRPr lang="fr-FR" b="0" strike="noStrike" spc="-1" dirty="0">
-              <a:solidFill>
-                <a:schemeClr val="bg1"/>
-              </a:solidFill>
-              <a:latin typeface="Arial"/>
-            </a:endParaRPr>
-          </a:p>
-        </p:txBody>
-      </p:sp>
-      <p:sp>
-        <p:nvSpPr>
-          <p:cNvPr id="12" name="CustomShape 3">
-            <a:extLst>
-              <a:ext uri="{FF2B5EF4-FFF2-40B4-BE49-F238E27FC236}">
-                <a16:creationId xmlns:a16="http://schemas.microsoft.com/office/drawing/2014/main" id="{C45E64A4-72C4-E254-8449-1429A990F3B5}"/>
-              </a:ext>
-            </a:extLst>
-          </p:cNvPr>
-          <p:cNvSpPr/>
-          <p:nvPr/>
-        </p:nvSpPr>
-        <p:spPr>
-          <a:xfrm>
-            <a:off x="6452416" y="1814975"/>
-            <a:ext cx="5091884" cy="461665"/>
-          </a:xfrm>
-          <a:prstGeom prst="rect">
-            <a:avLst/>
-          </a:prstGeom>
-          <a:solidFill>
-            <a:schemeClr val="tx1">
-              <a:lumMod val="65000"/>
-              <a:lumOff val="35000"/>
-            </a:schemeClr>
-          </a:solidFill>
-          <a:ln w="0">
-            <a:noFill/>
-          </a:ln>
-        </p:spPr>
-        <p:style>
-          <a:lnRef idx="0">
-            <a:scrgbClr r="0" g="0" b="0"/>
-          </a:lnRef>
-          <a:fillRef idx="0">
-            <a:scrgbClr r="0" g="0" b="0"/>
-          </a:fillRef>
-          <a:effectRef idx="0">
-            <a:scrgbClr r="0" g="0" b="0"/>
-          </a:effectRef>
-          <a:fontRef idx="minor"/>
-        </p:style>
-        <p:txBody>
-          <a:bodyPr wrap="square" tIns="91440" bIns="91440">
-            <a:spAutoFit/>
-          </a:bodyPr>
-          <a:lstStyle/>
-          <a:p>
-            <a:pPr algn="ctr">
-              <a:lnSpc>
-                <a:spcPct val="100000"/>
-              </a:lnSpc>
-              <a:tabLst>
-                <a:tab pos="0" algn="l"/>
-              </a:tabLst>
-            </a:pPr>
-            <a:r>
-              <a:rPr lang="fr-FR" b="1" strike="noStrike" spc="-1" dirty="0">
-                <a:solidFill>
-                  <a:schemeClr val="bg1"/>
-                </a:solidFill>
-                <a:latin typeface="Trebuchet MS"/>
-                <a:ea typeface="Trebuchet MS"/>
-              </a:rPr>
-              <a:t>Encadrant.es</a:t>
-            </a:r>
-          </a:p>
-        </p:txBody>
-      </p:sp>
-      <p:sp>
-        <p:nvSpPr>
-          <p:cNvPr id="15" name="Rectangle 14">
-            <a:extLst>
-              <a:ext uri="{FF2B5EF4-FFF2-40B4-BE49-F238E27FC236}">
-                <a16:creationId xmlns:a16="http://schemas.microsoft.com/office/drawing/2014/main" id="{0B902271-3B70-A603-0741-9EA860ACA3C3}"/>
-              </a:ext>
-            </a:extLst>
-          </p:cNvPr>
-          <p:cNvSpPr/>
-          <p:nvPr/>
-        </p:nvSpPr>
-        <p:spPr>
-          <a:xfrm>
-            <a:off x="842191" y="2412479"/>
-            <a:ext cx="5091884" cy="1454671"/>
-          </a:xfrm>
-          <a:prstGeom prst="rect">
-            <a:avLst/>
-          </a:prstGeom>
-          <a:solidFill>
-            <a:schemeClr val="bg1"/>
-          </a:solidFill>
-          <a:ln w="57150">
-            <a:solidFill>
-              <a:srgbClr val="00B0F0"/>
-            </a:solidFill>
-          </a:ln>
-        </p:spPr>
-        <p:style>
-          <a:lnRef idx="2">
-            <a:schemeClr val="accent1">
-              <a:shade val="15000"/>
-            </a:schemeClr>
-          </a:lnRef>
-          <a:fillRef idx="1">
-            <a:schemeClr val="accent1"/>
-          </a:fillRef>
-          <a:effectRef idx="0">
-            <a:schemeClr val="accent1"/>
-          </a:effectRef>
-          <a:fontRef idx="minor">
-            <a:schemeClr val="lt1"/>
-          </a:fontRef>
-        </p:style>
-        <p:txBody>
-          <a:bodyPr rtlCol="0" anchor="ctr"/>
-          <a:lstStyle/>
-          <a:p>
-            <a:pPr algn="ctr"/>
-            <a:r>
-              <a:rPr lang="fr-FR" sz="1400" b="1" dirty="0">
-                <a:solidFill>
-                  <a:srgbClr val="0070C0"/>
-                </a:solidFill>
-              </a:rPr>
-              <a:t>Facilité de prise en main du langage </a:t>
-            </a:r>
-            <a:r>
-              <a:rPr lang="fr-FR" sz="1400" dirty="0">
-                <a:solidFill>
-                  <a:srgbClr val="0070C0"/>
-                </a:solidFill>
-              </a:rPr>
-              <a:t>(vu par 95% des étudiant.es dans leurs précédentes formations)</a:t>
-            </a:r>
-          </a:p>
-          <a:p>
-            <a:pPr algn="ctr"/>
-            <a:endParaRPr lang="fr-FR" sz="1400" dirty="0">
-              <a:solidFill>
-                <a:srgbClr val="0070C0"/>
-              </a:solidFill>
-            </a:endParaRPr>
-          </a:p>
-          <a:p>
-            <a:pPr algn="ctr"/>
-            <a:r>
-              <a:rPr lang="fr-FR" sz="1400" b="1" dirty="0">
-                <a:solidFill>
-                  <a:srgbClr val="0070C0"/>
-                </a:solidFill>
-              </a:rPr>
-              <a:t>Intérêt pour les « projets » proposés</a:t>
-            </a:r>
-            <a:r>
-              <a:rPr lang="fr-FR" sz="1400" dirty="0">
-                <a:solidFill>
-                  <a:srgbClr val="0070C0"/>
-                </a:solidFill>
-              </a:rPr>
-              <a:t> car en lien avec des pratiques de leur future vie d’</a:t>
-            </a:r>
-            <a:r>
-              <a:rPr lang="fr-FR" sz="1400" dirty="0" err="1">
-                <a:solidFill>
-                  <a:srgbClr val="0070C0"/>
-                </a:solidFill>
-              </a:rPr>
-              <a:t>ingénieur.e</a:t>
-            </a:r>
-            <a:endParaRPr lang="fr-FR" sz="1400" dirty="0">
-              <a:solidFill>
-                <a:srgbClr val="0070C0"/>
-              </a:solidFill>
-            </a:endParaRPr>
-          </a:p>
-        </p:txBody>
-      </p:sp>
-      <p:sp>
-        <p:nvSpPr>
-          <p:cNvPr id="18" name="Rectangle 17">
-            <a:extLst>
-              <a:ext uri="{FF2B5EF4-FFF2-40B4-BE49-F238E27FC236}">
-                <a16:creationId xmlns:a16="http://schemas.microsoft.com/office/drawing/2014/main" id="{4D438115-571E-0006-B55F-8808850875EF}"/>
-              </a:ext>
-            </a:extLst>
-          </p:cNvPr>
-          <p:cNvSpPr/>
-          <p:nvPr/>
-        </p:nvSpPr>
-        <p:spPr>
-          <a:xfrm>
-            <a:off x="6452416" y="2412480"/>
-            <a:ext cx="5091884" cy="1454670"/>
-          </a:xfrm>
-          <a:prstGeom prst="rect">
-            <a:avLst/>
-          </a:prstGeom>
-          <a:solidFill>
-            <a:schemeClr val="bg1"/>
-          </a:solidFill>
-          <a:ln w="57150">
-            <a:solidFill>
-              <a:srgbClr val="00B0F0"/>
-            </a:solidFill>
-          </a:ln>
-        </p:spPr>
-        <p:style>
-          <a:lnRef idx="2">
-            <a:schemeClr val="accent1">
-              <a:shade val="15000"/>
-            </a:schemeClr>
-          </a:lnRef>
-          <a:fillRef idx="1">
-            <a:schemeClr val="accent1"/>
-          </a:fillRef>
-          <a:effectRef idx="0">
-            <a:schemeClr val="accent1"/>
-          </a:effectRef>
-          <a:fontRef idx="minor">
-            <a:schemeClr val="lt1"/>
-          </a:fontRef>
-        </p:style>
-        <p:txBody>
-          <a:bodyPr rtlCol="0" anchor="ctr"/>
-          <a:lstStyle/>
-          <a:p>
-            <a:pPr algn="ctr"/>
-            <a:r>
-              <a:rPr lang="fr-FR" sz="1400" b="1" dirty="0">
-                <a:solidFill>
-                  <a:srgbClr val="0070C0"/>
-                </a:solidFill>
-              </a:rPr>
-              <a:t>Plaisir à encadrer sur des sujets proches de la vie professionnelle</a:t>
-            </a:r>
-          </a:p>
-          <a:p>
-            <a:pPr algn="ctr"/>
-            <a:endParaRPr lang="fr-FR" sz="1400" b="1" dirty="0">
-              <a:solidFill>
-                <a:srgbClr val="0070C0"/>
-              </a:solidFill>
-            </a:endParaRPr>
-          </a:p>
-          <a:p>
-            <a:pPr algn="ctr"/>
-            <a:r>
-              <a:rPr lang="fr-FR" sz="1400" dirty="0">
-                <a:solidFill>
-                  <a:srgbClr val="0070C0"/>
-                </a:solidFill>
-              </a:rPr>
-              <a:t>Vacataires plus à l’aise pour encadrer </a:t>
-            </a:r>
-            <a:br>
-              <a:rPr lang="fr-FR" sz="1400" dirty="0">
-                <a:solidFill>
-                  <a:srgbClr val="0070C0"/>
-                </a:solidFill>
-              </a:rPr>
-            </a:br>
-            <a:r>
-              <a:rPr lang="fr-FR" sz="1400" dirty="0">
-                <a:solidFill>
-                  <a:srgbClr val="0070C0"/>
-                </a:solidFill>
-              </a:rPr>
-              <a:t>(habitué.es à Python depuis quelques années)</a:t>
-            </a:r>
-          </a:p>
-        </p:txBody>
-      </p:sp>
-      <p:sp>
-        <p:nvSpPr>
-          <p:cNvPr id="21" name="Rectangle 20">
-            <a:extLst>
-              <a:ext uri="{FF2B5EF4-FFF2-40B4-BE49-F238E27FC236}">
-                <a16:creationId xmlns:a16="http://schemas.microsoft.com/office/drawing/2014/main" id="{A2AAF64F-4C96-BB5E-4BC4-6E0A70C3D364}"/>
-              </a:ext>
-            </a:extLst>
-          </p:cNvPr>
-          <p:cNvSpPr/>
-          <p:nvPr/>
-        </p:nvSpPr>
-        <p:spPr>
-          <a:xfrm>
-            <a:off x="6452416" y="5505449"/>
-            <a:ext cx="5091884" cy="1035571"/>
-          </a:xfrm>
-          <a:prstGeom prst="rect">
-            <a:avLst/>
-          </a:prstGeom>
-          <a:solidFill>
-            <a:schemeClr val="bg1"/>
-          </a:solidFill>
-          <a:ln w="57150">
-            <a:solidFill>
-              <a:srgbClr val="7030A0"/>
-            </a:solidFill>
-          </a:ln>
-        </p:spPr>
-        <p:style>
-          <a:lnRef idx="2">
-            <a:schemeClr val="accent1">
-              <a:shade val="15000"/>
-            </a:schemeClr>
-          </a:lnRef>
-          <a:fillRef idx="1">
-            <a:schemeClr val="accent1"/>
-          </a:fillRef>
-          <a:effectRef idx="0">
-            <a:schemeClr val="accent1"/>
-          </a:effectRef>
-          <a:fontRef idx="minor">
-            <a:schemeClr val="lt1"/>
-          </a:fontRef>
-        </p:style>
-        <p:txBody>
-          <a:bodyPr rtlCol="0" anchor="ctr"/>
-          <a:lstStyle/>
-          <a:p>
-            <a:pPr algn="ctr"/>
-            <a:r>
-              <a:rPr lang="fr-FR" sz="1400" b="1" dirty="0">
-                <a:solidFill>
-                  <a:srgbClr val="7030A0"/>
-                </a:solidFill>
-              </a:rPr>
-              <a:t>Nécessité d’une formation des encadrant.es permanent.es </a:t>
-            </a:r>
-            <a:r>
-              <a:rPr lang="fr-FR" sz="1400" dirty="0">
-                <a:solidFill>
-                  <a:srgbClr val="7030A0"/>
-                </a:solidFill>
-              </a:rPr>
-              <a:t>(plutôt habitué.es à Matlab)</a:t>
-            </a:r>
-          </a:p>
-          <a:p>
-            <a:pPr algn="ctr"/>
-            <a:endParaRPr lang="fr-FR" sz="1400" b="1" dirty="0">
-              <a:solidFill>
-                <a:srgbClr val="7030A0"/>
-              </a:solidFill>
-            </a:endParaRPr>
-          </a:p>
-          <a:p>
-            <a:pPr algn="ctr"/>
-            <a:r>
-              <a:rPr lang="fr-FR" sz="1400" b="1" dirty="0">
-                <a:solidFill>
-                  <a:srgbClr val="7030A0"/>
-                </a:solidFill>
-              </a:rPr>
-              <a:t>Difficultés à évaluer</a:t>
-            </a:r>
-          </a:p>
-        </p:txBody>
-      </p:sp>
-      <p:sp>
-        <p:nvSpPr>
-          <p:cNvPr id="22" name="Rectangle 21">
-            <a:extLst>
-              <a:ext uri="{FF2B5EF4-FFF2-40B4-BE49-F238E27FC236}">
-                <a16:creationId xmlns:a16="http://schemas.microsoft.com/office/drawing/2014/main" id="{088DF8DF-8B29-F485-10B3-F4E8F57FA243}"/>
-              </a:ext>
-            </a:extLst>
-          </p:cNvPr>
-          <p:cNvSpPr/>
-          <p:nvPr/>
-        </p:nvSpPr>
-        <p:spPr>
-          <a:xfrm>
-            <a:off x="842191" y="5505449"/>
-            <a:ext cx="5091884" cy="869429"/>
-          </a:xfrm>
-          <a:prstGeom prst="rect">
-            <a:avLst/>
-          </a:prstGeom>
-          <a:solidFill>
-            <a:schemeClr val="bg1"/>
-          </a:solidFill>
-          <a:ln w="57150">
-            <a:solidFill>
-              <a:srgbClr val="7030A0"/>
-            </a:solidFill>
-          </a:ln>
-        </p:spPr>
-        <p:style>
-          <a:lnRef idx="2">
-            <a:schemeClr val="accent1">
-              <a:shade val="15000"/>
-            </a:schemeClr>
-          </a:lnRef>
-          <a:fillRef idx="1">
-            <a:schemeClr val="accent1"/>
-          </a:fillRef>
-          <a:effectRef idx="0">
-            <a:schemeClr val="accent1"/>
-          </a:effectRef>
-          <a:fontRef idx="minor">
-            <a:schemeClr val="lt1"/>
-          </a:fontRef>
-        </p:style>
-        <p:txBody>
-          <a:bodyPr rtlCol="0" anchor="ctr"/>
-          <a:lstStyle/>
-          <a:p>
-            <a:pPr algn="ctr"/>
-            <a:r>
-              <a:rPr lang="fr-FR" sz="1400" b="1" dirty="0">
-                <a:solidFill>
-                  <a:srgbClr val="7030A0"/>
-                </a:solidFill>
-              </a:rPr>
-              <a:t>Attentes inhomogènes entre les encadrant.es </a:t>
-            </a:r>
-            <a:br>
-              <a:rPr lang="fr-FR" sz="1400" b="1" dirty="0">
-                <a:solidFill>
-                  <a:srgbClr val="7030A0"/>
-                </a:solidFill>
-              </a:rPr>
-            </a:br>
-            <a:r>
-              <a:rPr lang="fr-FR" sz="1400" dirty="0">
-                <a:solidFill>
-                  <a:srgbClr val="7030A0"/>
-                </a:solidFill>
-              </a:rPr>
-              <a:t>(mode d’évaluation à améliorer)</a:t>
-            </a:r>
-          </a:p>
-        </p:txBody>
-      </p:sp>
-      <p:sp>
-        <p:nvSpPr>
-          <p:cNvPr id="23" name="Rectangle 22">
-            <a:extLst>
-              <a:ext uri="{FF2B5EF4-FFF2-40B4-BE49-F238E27FC236}">
-                <a16:creationId xmlns:a16="http://schemas.microsoft.com/office/drawing/2014/main" id="{62405F18-0681-B095-0807-E79053B0D0E0}"/>
-              </a:ext>
-            </a:extLst>
-          </p:cNvPr>
-          <p:cNvSpPr/>
-          <p:nvPr/>
-        </p:nvSpPr>
-        <p:spPr>
-          <a:xfrm>
-            <a:off x="3638190" y="4076403"/>
-            <a:ext cx="5091884" cy="1190624"/>
-          </a:xfrm>
-          <a:prstGeom prst="rect">
-            <a:avLst/>
-          </a:prstGeom>
-          <a:solidFill>
-            <a:schemeClr val="bg1"/>
-          </a:solidFill>
-          <a:ln w="57150">
-            <a:solidFill>
-              <a:srgbClr val="EA9600"/>
-            </a:solidFill>
-          </a:ln>
-        </p:spPr>
-        <p:style>
-          <a:lnRef idx="2">
-            <a:schemeClr val="accent1">
-              <a:shade val="15000"/>
-            </a:schemeClr>
-          </a:lnRef>
-          <a:fillRef idx="1">
-            <a:schemeClr val="accent1"/>
-          </a:fillRef>
-          <a:effectRef idx="0">
-            <a:schemeClr val="accent1"/>
-          </a:effectRef>
-          <a:fontRef idx="minor">
-            <a:schemeClr val="lt1"/>
-          </a:fontRef>
-        </p:style>
-        <p:txBody>
-          <a:bodyPr rtlCol="0" anchor="ctr"/>
-          <a:lstStyle/>
-          <a:p>
-            <a:pPr algn="ctr"/>
-            <a:r>
-              <a:rPr lang="fr-FR" sz="1400" b="1" dirty="0">
-                <a:solidFill>
-                  <a:srgbClr val="EA9600"/>
-                </a:solidFill>
-              </a:rPr>
-              <a:t>Mauvaises habitudes dans les formations précédentes</a:t>
-            </a:r>
-          </a:p>
-          <a:p>
-            <a:pPr algn="ctr"/>
-            <a:endParaRPr lang="fr-FR" sz="1400" b="1" dirty="0">
-              <a:solidFill>
-                <a:srgbClr val="EA9600"/>
-              </a:solidFill>
-            </a:endParaRPr>
-          </a:p>
-          <a:p>
-            <a:pPr algn="ctr"/>
-            <a:r>
-              <a:rPr lang="fr-FR" sz="1400" b="1" dirty="0">
-                <a:solidFill>
-                  <a:srgbClr val="EA9600"/>
-                </a:solidFill>
-              </a:rPr>
-              <a:t>Pas d’intérêt pour la modularité et la documentation</a:t>
-            </a:r>
-            <a:endParaRPr lang="fr-FR" sz="1400" dirty="0">
-              <a:solidFill>
-                <a:srgbClr val="EA9600"/>
-              </a:solidFill>
-            </a:endParaRPr>
-          </a:p>
-        </p:txBody>
-      </p:sp>
-      <p:pic>
-        <p:nvPicPr>
-          <p:cNvPr id="24" name="Image 23" descr="Une image contenant texte, capture d’écran, diagramme, cercle&#10;&#10;Description générée automatiquement">
-            <a:extLst>
-              <a:ext uri="{FF2B5EF4-FFF2-40B4-BE49-F238E27FC236}">
-                <a16:creationId xmlns:a16="http://schemas.microsoft.com/office/drawing/2014/main" id="{D7D9D662-4693-D3E3-AC3A-2531B5FF0F18}"/>
-              </a:ext>
-            </a:extLst>
-          </p:cNvPr>
-          <p:cNvPicPr>
-            <a:picLocks noChangeAspect="1"/>
-          </p:cNvPicPr>
-          <p:nvPr/>
-        </p:nvPicPr>
-        <p:blipFill>
-          <a:blip r:embed="rId3" cstate="print">
-            <a:extLst>
-              <a:ext uri="{28A0092B-C50C-407E-A947-70E740481C1C}">
-                <a14:useLocalDpi xmlns:a14="http://schemas.microsoft.com/office/drawing/2010/main" val="0"/>
-              </a:ext>
-            </a:extLst>
-          </a:blip>
-          <a:stretch>
-            <a:fillRect/>
-          </a:stretch>
-        </p:blipFill>
-        <p:spPr>
-          <a:xfrm>
-            <a:off x="1235681" y="4076403"/>
-            <a:ext cx="1688494" cy="1266371"/>
-          </a:xfrm>
-          <a:prstGeom prst="rect">
-            <a:avLst/>
-          </a:prstGeom>
-        </p:spPr>
-      </p:pic>
-    </p:spTree>
-    <p:extLst>
-      <p:ext uri="{BB962C8B-B14F-4D97-AF65-F5344CB8AC3E}">
-        <p14:creationId xmlns:p14="http://schemas.microsoft.com/office/powerpoint/2010/main" val="196067278"/>
-      </p:ext>
-    </p:extLst>
-  </p:cSld>
-  <p:clrMapOvr>
-    <a:masterClrMapping/>
-  </p:clrMapOvr>
-</p:sld>
-</file>
-
-<file path=ppt/slides/slide15.xml><?xml version="1.0" encoding="utf-8"?>
 <p:sld xmlns:a="http://schemas.openxmlformats.org/drawingml/2006/main" xmlns:r="http://schemas.openxmlformats.org/officeDocument/2006/relationships" xmlns:p="http://schemas.openxmlformats.org/presentationml/2006/main">
   <p:cSld>
     <p:bg>
@@ -18083,7 +17197,7 @@
 </p:sld>
 </file>
 
-<file path=ppt/slides/slide16.xml><?xml version="1.0" encoding="utf-8"?>
+<file path=ppt/slides/slide15.xml><?xml version="1.0" encoding="utf-8"?>
 <p:sld xmlns:a="http://schemas.openxmlformats.org/drawingml/2006/main" xmlns:r="http://schemas.openxmlformats.org/officeDocument/2006/relationships" xmlns:p="http://schemas.openxmlformats.org/presentationml/2006/main">
   <p:cSld>
     <p:spTree>
@@ -20577,7 +19691,7 @@
 </p:sld>
 </file>
 
-<file path=ppt/slides/slide17.xml><?xml version="1.0" encoding="utf-8"?>
+<file path=ppt/slides/slide16.xml><?xml version="1.0" encoding="utf-8"?>
 <p:sld xmlns:a="http://schemas.openxmlformats.org/drawingml/2006/main" xmlns:r="http://schemas.openxmlformats.org/officeDocument/2006/relationships" xmlns:p="http://schemas.openxmlformats.org/presentationml/2006/main">
   <p:cSld>
     <p:bg>
@@ -21091,7 +20205,7 @@
 </p:sld>
 </file>
 
-<file path=ppt/slides/slide18.xml><?xml version="1.0" encoding="utf-8"?>
+<file path=ppt/slides/slide17.xml><?xml version="1.0" encoding="utf-8"?>
 <p:sld xmlns:a="http://schemas.openxmlformats.org/drawingml/2006/main" xmlns:r="http://schemas.openxmlformats.org/officeDocument/2006/relationships" xmlns:p="http://schemas.openxmlformats.org/presentationml/2006/main">
   <p:cSld>
     <p:spTree>

--- a/Presentations/2024_COPERF_Informatique.pptx
+++ b/Presentations/2024_COPERF_Informatique.pptx
@@ -5,7 +5,7 @@
     <p:sldMasterId id="2147483711" r:id="rId1"/>
   </p:sldMasterIdLst>
   <p:notesMasterIdLst>
-    <p:notesMasterId r:id="rId19"/>
+    <p:notesMasterId r:id="rId20"/>
   </p:notesMasterIdLst>
   <p:sldIdLst>
     <p:sldId id="256" r:id="rId2"/>
@@ -21,10 +21,11 @@
     <p:sldId id="341" r:id="rId12"/>
     <p:sldId id="322" r:id="rId13"/>
     <p:sldId id="351" r:id="rId14"/>
-    <p:sldId id="338" r:id="rId15"/>
-    <p:sldId id="347" r:id="rId16"/>
-    <p:sldId id="281" r:id="rId17"/>
-    <p:sldId id="350" r:id="rId18"/>
+    <p:sldId id="352" r:id="rId15"/>
+    <p:sldId id="338" r:id="rId16"/>
+    <p:sldId id="347" r:id="rId17"/>
+    <p:sldId id="281" r:id="rId18"/>
+    <p:sldId id="350" r:id="rId19"/>
   </p:sldIdLst>
   <p:sldSz cx="12192000" cy="6858000"/>
   <p:notesSz cx="6858000" cy="9144000"/>
@@ -2863,7 +2864,7 @@
           <a:p>
             <a:fld id="{7C2ED78D-DC5F-4349-9BB1-6BA0129AAA21}" type="datetimeFigureOut">
               <a:rPr lang="fr-FR" smtClean="0"/>
-              <a:t>14/06/2024</a:t>
+              <a:t>16/06/2024</a:t>
             </a:fld>
             <a:endParaRPr lang="fr-FR"/>
           </a:p>
@@ -3447,7 +3448,7 @@
           <a:p>
             <a:fld id="{058856BD-585A-4EDF-983C-7898DC302652}" type="slidenum">
               <a:rPr lang="fr-FR" smtClean="0"/>
-              <a:t>17</a:t>
+              <a:t>18</a:t>
             </a:fld>
             <a:endParaRPr lang="fr-FR"/>
           </a:p>
@@ -3622,7 +3623,7 @@
           <a:p>
             <a:fld id="{02AC24A9-CCB6-4F8D-B8DB-C2F3692CFA5A}" type="datetimeFigureOut">
               <a:rPr lang="en-US" smtClean="0"/>
-              <a:t>6/14/2024</a:t>
+              <a:t>6/16/2024</a:t>
             </a:fld>
             <a:endParaRPr lang="en-US" dirty="0"/>
           </a:p>
@@ -3992,7 +3993,7 @@
           <a:p>
             <a:fld id="{02AC24A9-CCB6-4F8D-B8DB-C2F3692CFA5A}" type="datetimeFigureOut">
               <a:rPr lang="en-US" smtClean="0"/>
-              <a:t>6/14/2024</a:t>
+              <a:t>6/16/2024</a:t>
             </a:fld>
             <a:endParaRPr lang="en-US"/>
           </a:p>
@@ -4201,7 +4202,7 @@
           <a:p>
             <a:fld id="{02AC24A9-CCB6-4F8D-B8DB-C2F3692CFA5A}" type="datetimeFigureOut">
               <a:rPr lang="en-US" smtClean="0"/>
-              <a:t>6/14/2024</a:t>
+              <a:t>6/16/2024</a:t>
             </a:fld>
             <a:endParaRPr lang="en-US"/>
           </a:p>
@@ -4671,7 +4672,7 @@
           <a:p>
             <a:fld id="{02AC24A9-CCB6-4F8D-B8DB-C2F3692CFA5A}" type="datetimeFigureOut">
               <a:rPr lang="en-US" smtClean="0"/>
-              <a:t>6/14/2024</a:t>
+              <a:t>6/16/2024</a:t>
             </a:fld>
             <a:endParaRPr lang="en-US"/>
           </a:p>
@@ -5125,7 +5126,7 @@
           <a:p>
             <a:fld id="{02AC24A9-CCB6-4F8D-B8DB-C2F3692CFA5A}" type="datetimeFigureOut">
               <a:rPr lang="en-US" smtClean="0"/>
-              <a:t>6/14/2024</a:t>
+              <a:t>6/16/2024</a:t>
             </a:fld>
             <a:endParaRPr lang="en-US"/>
           </a:p>
@@ -5657,7 +5658,7 @@
           <a:p>
             <a:fld id="{02AC24A9-CCB6-4F8D-B8DB-C2F3692CFA5A}" type="datetimeFigureOut">
               <a:rPr lang="en-US" smtClean="0"/>
-              <a:t>6/14/2024</a:t>
+              <a:t>6/16/2024</a:t>
             </a:fld>
             <a:endParaRPr lang="en-US"/>
           </a:p>
@@ -6356,7 +6357,7 @@
           <a:p>
             <a:fld id="{02AC24A9-CCB6-4F8D-B8DB-C2F3692CFA5A}" type="datetimeFigureOut">
               <a:rPr lang="en-US" smtClean="0"/>
-              <a:t>6/14/2024</a:t>
+              <a:t>6/16/2024</a:t>
             </a:fld>
             <a:endParaRPr lang="en-US"/>
           </a:p>
@@ -6685,7 +6686,7 @@
           <a:p>
             <a:fld id="{02AC24A9-CCB6-4F8D-B8DB-C2F3692CFA5A}" type="datetimeFigureOut">
               <a:rPr lang="en-US" smtClean="0"/>
-              <a:t>6/14/2024</a:t>
+              <a:t>6/16/2024</a:t>
             </a:fld>
             <a:endParaRPr lang="en-US"/>
           </a:p>
@@ -6798,7 +6799,7 @@
           <a:p>
             <a:fld id="{02AC24A9-CCB6-4F8D-B8DB-C2F3692CFA5A}" type="datetimeFigureOut">
               <a:rPr lang="en-US" smtClean="0"/>
-              <a:t>6/14/2024</a:t>
+              <a:t>6/16/2024</a:t>
             </a:fld>
             <a:endParaRPr lang="en-US"/>
           </a:p>
@@ -7293,7 +7294,7 @@
           <a:p>
             <a:fld id="{02AC24A9-CCB6-4F8D-B8DB-C2F3692CFA5A}" type="datetimeFigureOut">
               <a:rPr lang="en-US" smtClean="0"/>
-              <a:t>6/14/2024</a:t>
+              <a:t>6/16/2024</a:t>
             </a:fld>
             <a:endParaRPr lang="en-US" dirty="0"/>
           </a:p>
@@ -7770,7 +7771,7 @@
           <a:p>
             <a:fld id="{02AC24A9-CCB6-4F8D-B8DB-C2F3692CFA5A}" type="datetimeFigureOut">
               <a:rPr lang="en-US" smtClean="0"/>
-              <a:t>6/14/2024</a:t>
+              <a:t>6/16/2024</a:t>
             </a:fld>
             <a:endParaRPr lang="en-US"/>
           </a:p>
@@ -8013,7 +8014,7 @@
           <a:p>
             <a:fld id="{02AC24A9-CCB6-4F8D-B8DB-C2F3692CFA5A}" type="datetimeFigureOut">
               <a:rPr lang="en-US" smtClean="0"/>
-              <a:t>6/14/2024</a:t>
+              <a:t>6/16/2024</a:t>
             </a:fld>
             <a:endParaRPr lang="en-US"/>
           </a:p>
@@ -16594,82 +16595,6 @@
           </a:p>
         </p:txBody>
       </p:sp>
-      <p:sp>
-        <p:nvSpPr>
-          <p:cNvPr id="8" name="ZoneTexte 7">
-            <a:extLst>
-              <a:ext uri="{FF2B5EF4-FFF2-40B4-BE49-F238E27FC236}">
-                <a16:creationId xmlns:a16="http://schemas.microsoft.com/office/drawing/2014/main" id="{87909C82-677A-6F2E-E84B-C9D6672CDE45}"/>
-              </a:ext>
-            </a:extLst>
-          </p:cNvPr>
-          <p:cNvSpPr txBox="1"/>
-          <p:nvPr/>
-        </p:nvSpPr>
-        <p:spPr>
-          <a:xfrm>
-            <a:off x="2280213" y="5419976"/>
-            <a:ext cx="6850337" cy="646331"/>
-          </a:xfrm>
-          <a:prstGeom prst="rect">
-            <a:avLst/>
-          </a:prstGeom>
-          <a:noFill/>
-        </p:spPr>
-        <p:txBody>
-          <a:bodyPr wrap="none" rtlCol="0">
-            <a:spAutoFit/>
-          </a:bodyPr>
-          <a:lstStyle/>
-          <a:p>
-            <a:r>
-              <a:rPr lang="fr-FR" dirty="0"/>
-              <a:t>Question ouverte : comment évaluer un code (bonne qualité) ? </a:t>
-            </a:r>
-          </a:p>
-          <a:p>
-            <a:r>
-              <a:rPr lang="fr-FR" dirty="0"/>
-              <a:t>critères</a:t>
-            </a:r>
-          </a:p>
-        </p:txBody>
-      </p:sp>
-      <p:sp>
-        <p:nvSpPr>
-          <p:cNvPr id="9" name="ZoneTexte 8">
-            <a:extLst>
-              <a:ext uri="{FF2B5EF4-FFF2-40B4-BE49-F238E27FC236}">
-                <a16:creationId xmlns:a16="http://schemas.microsoft.com/office/drawing/2014/main" id="{DD7E465B-29CB-67B0-1A59-79E801462582}"/>
-              </a:ext>
-            </a:extLst>
-          </p:cNvPr>
-          <p:cNvSpPr txBox="1"/>
-          <p:nvPr/>
-        </p:nvSpPr>
-        <p:spPr>
-          <a:xfrm>
-            <a:off x="2282139" y="6127967"/>
-            <a:ext cx="5166543" cy="369332"/>
-          </a:xfrm>
-          <a:prstGeom prst="rect">
-            <a:avLst/>
-          </a:prstGeom>
-          <a:noFill/>
-        </p:spPr>
-        <p:txBody>
-          <a:bodyPr wrap="none" rtlCol="0">
-            <a:spAutoFit/>
-          </a:bodyPr>
-          <a:lstStyle/>
-          <a:p>
-            <a:r>
-              <a:rPr lang="fr-FR" dirty="0"/>
-              <a:t>Question ouverte : modularité / documentation</a:t>
-            </a:r>
-          </a:p>
-        </p:txBody>
-      </p:sp>
     </p:spTree>
     <p:extLst>
       <p:ext uri="{BB962C8B-B14F-4D97-AF65-F5344CB8AC3E}">
@@ -16684,6 +16609,780 @@
 </file>
 
 <file path=ppt/slides/slide14.xml><?xml version="1.0" encoding="utf-8"?>
+<p:sld xmlns:a="http://schemas.openxmlformats.org/drawingml/2006/main" xmlns:r="http://schemas.openxmlformats.org/officeDocument/2006/relationships" xmlns:p="http://schemas.openxmlformats.org/presentationml/2006/main">
+  <p:cSld>
+    <p:spTree>
+      <p:nvGrpSpPr>
+        <p:cNvPr id="1" name=""/>
+        <p:cNvGrpSpPr/>
+        <p:nvPr/>
+      </p:nvGrpSpPr>
+      <p:grpSpPr>
+        <a:xfrm>
+          <a:off x="0" y="0"/>
+          <a:ext cx="0" cy="0"/>
+          <a:chOff x="0" y="0"/>
+          <a:chExt cx="0" cy="0"/>
+        </a:xfrm>
+      </p:grpSpPr>
+      <p:sp>
+        <p:nvSpPr>
+          <p:cNvPr id="3" name="Rectangle 2">
+            <a:extLst>
+              <a:ext uri="{FF2B5EF4-FFF2-40B4-BE49-F238E27FC236}">
+                <a16:creationId xmlns:a16="http://schemas.microsoft.com/office/drawing/2014/main" id="{69EEE2CD-304C-7206-E015-F52A5695E8DF}"/>
+              </a:ext>
+            </a:extLst>
+          </p:cNvPr>
+          <p:cNvSpPr/>
+          <p:nvPr/>
+        </p:nvSpPr>
+        <p:spPr>
+          <a:xfrm>
+            <a:off x="673975" y="405113"/>
+            <a:ext cx="11020314" cy="937549"/>
+          </a:xfrm>
+          <a:prstGeom prst="rect">
+            <a:avLst/>
+          </a:prstGeom>
+          <a:solidFill>
+            <a:schemeClr val="bg1"/>
+          </a:solidFill>
+          <a:ln>
+            <a:solidFill>
+              <a:schemeClr val="bg1">
+                <a:lumMod val="95000"/>
+              </a:schemeClr>
+            </a:solidFill>
+          </a:ln>
+          <a:effectLst>
+            <a:outerShdw blurRad="50800" dist="38100" dir="2700000" algn="tl" rotWithShape="0">
+              <a:prstClr val="black">
+                <a:alpha val="40000"/>
+              </a:prstClr>
+            </a:outerShdw>
+          </a:effectLst>
+        </p:spPr>
+        <p:style>
+          <a:lnRef idx="2">
+            <a:schemeClr val="accent1">
+              <a:shade val="15000"/>
+            </a:schemeClr>
+          </a:lnRef>
+          <a:fillRef idx="1">
+            <a:schemeClr val="accent1"/>
+          </a:fillRef>
+          <a:effectRef idx="0">
+            <a:schemeClr val="accent1"/>
+          </a:effectRef>
+          <a:fontRef idx="minor">
+            <a:schemeClr val="lt1"/>
+          </a:fontRef>
+        </p:style>
+        <p:txBody>
+          <a:bodyPr rtlCol="0" anchor="ctr"/>
+          <a:lstStyle/>
+          <a:p>
+            <a:pPr algn="ctr"/>
+            <a:endParaRPr lang="fr-FR" dirty="0"/>
+          </a:p>
+        </p:txBody>
+      </p:sp>
+      <p:sp>
+        <p:nvSpPr>
+          <p:cNvPr id="2" name="Titre 1">
+            <a:extLst>
+              <a:ext uri="{FF2B5EF4-FFF2-40B4-BE49-F238E27FC236}">
+                <a16:creationId xmlns:a16="http://schemas.microsoft.com/office/drawing/2014/main" id="{97F71108-8121-4CC2-3ED6-50ABC11E79C5}"/>
+              </a:ext>
+            </a:extLst>
+          </p:cNvPr>
+          <p:cNvSpPr txBox="1">
+            <a:spLocks/>
+          </p:cNvSpPr>
+          <p:nvPr/>
+        </p:nvSpPr>
+        <p:spPr>
+          <a:xfrm>
+            <a:off x="907225" y="583365"/>
+            <a:ext cx="8970548" cy="701426"/>
+          </a:xfrm>
+          <a:prstGeom prst="rect">
+            <a:avLst/>
+          </a:prstGeom>
+        </p:spPr>
+        <p:txBody>
+          <a:bodyPr>
+            <a:normAutofit/>
+          </a:bodyPr>
+          <a:lstStyle>
+            <a:lvl1pPr algn="l" defTabSz="914400" rtl="0" eaLnBrk="1" latinLnBrk="0" hangingPunct="1">
+              <a:lnSpc>
+                <a:spcPct val="90000"/>
+              </a:lnSpc>
+              <a:spcBef>
+                <a:spcPct val="0"/>
+              </a:spcBef>
+              <a:buNone/>
+              <a:defRPr sz="4400" kern="1200">
+                <a:solidFill>
+                  <a:schemeClr val="tx1"/>
+                </a:solidFill>
+                <a:latin typeface="+mj-lt"/>
+                <a:ea typeface="+mj-ea"/>
+                <a:cs typeface="+mj-cs"/>
+              </a:defRPr>
+            </a:lvl1pPr>
+          </a:lstStyle>
+          <a:p>
+            <a:r>
+              <a:rPr lang="fr-FR" sz="3200" dirty="0"/>
+              <a:t>Retours ONIP-1 et 2</a:t>
+            </a:r>
+            <a:endParaRPr lang="fr-FR" sz="4000" dirty="0"/>
+          </a:p>
+        </p:txBody>
+      </p:sp>
+      <p:sp>
+        <p:nvSpPr>
+          <p:cNvPr id="7" name="Rectangle 6">
+            <a:extLst>
+              <a:ext uri="{FF2B5EF4-FFF2-40B4-BE49-F238E27FC236}">
+                <a16:creationId xmlns:a16="http://schemas.microsoft.com/office/drawing/2014/main" id="{E97ACAFF-7D28-E79D-9EB4-4FEEF5BB9613}"/>
+              </a:ext>
+            </a:extLst>
+          </p:cNvPr>
+          <p:cNvSpPr/>
+          <p:nvPr/>
+        </p:nvSpPr>
+        <p:spPr>
+          <a:xfrm>
+            <a:off x="619125" y="500258"/>
+            <a:ext cx="124142" cy="749808"/>
+          </a:xfrm>
+          <a:prstGeom prst="rect">
+            <a:avLst/>
+          </a:prstGeom>
+          <a:solidFill>
+            <a:srgbClr val="002060"/>
+          </a:solidFill>
+          <a:ln>
+            <a:noFill/>
+          </a:ln>
+        </p:spPr>
+        <p:style>
+          <a:lnRef idx="2">
+            <a:schemeClr val="accent1">
+              <a:shade val="15000"/>
+            </a:schemeClr>
+          </a:lnRef>
+          <a:fillRef idx="1">
+            <a:schemeClr val="accent1"/>
+          </a:fillRef>
+          <a:effectRef idx="0">
+            <a:schemeClr val="accent1"/>
+          </a:effectRef>
+          <a:fontRef idx="minor">
+            <a:schemeClr val="lt1"/>
+          </a:fontRef>
+        </p:style>
+        <p:txBody>
+          <a:bodyPr rtlCol="0" anchor="ctr"/>
+          <a:lstStyle/>
+          <a:p>
+            <a:pPr algn="ctr"/>
+            <a:endParaRPr lang="fr-FR"/>
+          </a:p>
+        </p:txBody>
+      </p:sp>
+      <p:pic>
+        <p:nvPicPr>
+          <p:cNvPr id="4" name="Image 3" descr="Une image contenant texte&#10;&#10;Description générée automatiquement">
+            <a:extLst>
+              <a:ext uri="{FF2B5EF4-FFF2-40B4-BE49-F238E27FC236}">
+                <a16:creationId xmlns:a16="http://schemas.microsoft.com/office/drawing/2014/main" id="{9BFF7F1D-2708-E366-DB38-F68C1FBD99DC}"/>
+              </a:ext>
+            </a:extLst>
+          </p:cNvPr>
+          <p:cNvPicPr>
+            <a:picLocks noChangeAspect="1"/>
+          </p:cNvPicPr>
+          <p:nvPr/>
+        </p:nvPicPr>
+        <p:blipFill>
+          <a:blip r:embed="rId2" cstate="print">
+            <a:extLst>
+              <a:ext uri="{28A0092B-C50C-407E-A947-70E740481C1C}">
+                <a14:useLocalDpi xmlns:a14="http://schemas.microsoft.com/office/drawing/2010/main" val="0"/>
+              </a:ext>
+            </a:extLst>
+          </a:blip>
+          <a:stretch>
+            <a:fillRect/>
+          </a:stretch>
+        </p:blipFill>
+        <p:spPr>
+          <a:xfrm>
+            <a:off x="9808481" y="509288"/>
+            <a:ext cx="1825291" cy="749808"/>
+          </a:xfrm>
+          <a:prstGeom prst="rect">
+            <a:avLst/>
+          </a:prstGeom>
+        </p:spPr>
+      </p:pic>
+      <p:sp>
+        <p:nvSpPr>
+          <p:cNvPr id="5" name="CustomShape 3">
+            <a:extLst>
+              <a:ext uri="{FF2B5EF4-FFF2-40B4-BE49-F238E27FC236}">
+                <a16:creationId xmlns:a16="http://schemas.microsoft.com/office/drawing/2014/main" id="{E044C69F-E0D2-DF00-BE05-02DF5A2CC635}"/>
+              </a:ext>
+            </a:extLst>
+          </p:cNvPr>
+          <p:cNvSpPr/>
+          <p:nvPr/>
+        </p:nvSpPr>
+        <p:spPr>
+          <a:xfrm>
+            <a:off x="842191" y="1814976"/>
+            <a:ext cx="5091884" cy="461665"/>
+          </a:xfrm>
+          <a:prstGeom prst="rect">
+            <a:avLst/>
+          </a:prstGeom>
+          <a:solidFill>
+            <a:schemeClr val="tx1">
+              <a:lumMod val="65000"/>
+              <a:lumOff val="35000"/>
+            </a:schemeClr>
+          </a:solidFill>
+          <a:ln w="0">
+            <a:noFill/>
+          </a:ln>
+        </p:spPr>
+        <p:style>
+          <a:lnRef idx="0">
+            <a:scrgbClr r="0" g="0" b="0"/>
+          </a:lnRef>
+          <a:fillRef idx="0">
+            <a:scrgbClr r="0" g="0" b="0"/>
+          </a:fillRef>
+          <a:effectRef idx="0">
+            <a:scrgbClr r="0" g="0" b="0"/>
+          </a:effectRef>
+          <a:fontRef idx="minor"/>
+        </p:style>
+        <p:txBody>
+          <a:bodyPr wrap="square" tIns="91440" bIns="91440">
+            <a:spAutoFit/>
+          </a:bodyPr>
+          <a:lstStyle/>
+          <a:p>
+            <a:pPr algn="ctr">
+              <a:lnSpc>
+                <a:spcPct val="100000"/>
+              </a:lnSpc>
+              <a:tabLst>
+                <a:tab pos="0" algn="l"/>
+              </a:tabLst>
+            </a:pPr>
+            <a:r>
+              <a:rPr lang="fr-FR" b="1" strike="noStrike" spc="-1" dirty="0">
+                <a:solidFill>
+                  <a:schemeClr val="bg1"/>
+                </a:solidFill>
+                <a:latin typeface="Trebuchet MS"/>
+                <a:ea typeface="Trebuchet MS"/>
+              </a:rPr>
+              <a:t>Etudiant.es</a:t>
+            </a:r>
+            <a:endParaRPr lang="fr-FR" b="0" strike="noStrike" spc="-1" dirty="0">
+              <a:solidFill>
+                <a:schemeClr val="bg1"/>
+              </a:solidFill>
+              <a:latin typeface="Arial"/>
+            </a:endParaRPr>
+          </a:p>
+        </p:txBody>
+      </p:sp>
+      <p:sp>
+        <p:nvSpPr>
+          <p:cNvPr id="12" name="CustomShape 3">
+            <a:extLst>
+              <a:ext uri="{FF2B5EF4-FFF2-40B4-BE49-F238E27FC236}">
+                <a16:creationId xmlns:a16="http://schemas.microsoft.com/office/drawing/2014/main" id="{C45E64A4-72C4-E254-8449-1429A990F3B5}"/>
+              </a:ext>
+            </a:extLst>
+          </p:cNvPr>
+          <p:cNvSpPr/>
+          <p:nvPr/>
+        </p:nvSpPr>
+        <p:spPr>
+          <a:xfrm>
+            <a:off x="6452416" y="1814975"/>
+            <a:ext cx="5091884" cy="461665"/>
+          </a:xfrm>
+          <a:prstGeom prst="rect">
+            <a:avLst/>
+          </a:prstGeom>
+          <a:solidFill>
+            <a:schemeClr val="tx1">
+              <a:lumMod val="65000"/>
+              <a:lumOff val="35000"/>
+            </a:schemeClr>
+          </a:solidFill>
+          <a:ln w="0">
+            <a:noFill/>
+          </a:ln>
+        </p:spPr>
+        <p:style>
+          <a:lnRef idx="0">
+            <a:scrgbClr r="0" g="0" b="0"/>
+          </a:lnRef>
+          <a:fillRef idx="0">
+            <a:scrgbClr r="0" g="0" b="0"/>
+          </a:fillRef>
+          <a:effectRef idx="0">
+            <a:scrgbClr r="0" g="0" b="0"/>
+          </a:effectRef>
+          <a:fontRef idx="minor"/>
+        </p:style>
+        <p:txBody>
+          <a:bodyPr wrap="square" tIns="91440" bIns="91440">
+            <a:spAutoFit/>
+          </a:bodyPr>
+          <a:lstStyle/>
+          <a:p>
+            <a:pPr algn="ctr">
+              <a:lnSpc>
+                <a:spcPct val="100000"/>
+              </a:lnSpc>
+              <a:tabLst>
+                <a:tab pos="0" algn="l"/>
+              </a:tabLst>
+            </a:pPr>
+            <a:r>
+              <a:rPr lang="fr-FR" b="1" strike="noStrike" spc="-1" dirty="0">
+                <a:solidFill>
+                  <a:schemeClr val="bg1"/>
+                </a:solidFill>
+                <a:latin typeface="Trebuchet MS"/>
+                <a:ea typeface="Trebuchet MS"/>
+              </a:rPr>
+              <a:t>Encadrant.es</a:t>
+            </a:r>
+          </a:p>
+        </p:txBody>
+      </p:sp>
+      <p:sp>
+        <p:nvSpPr>
+          <p:cNvPr id="15" name="Rectangle 14">
+            <a:extLst>
+              <a:ext uri="{FF2B5EF4-FFF2-40B4-BE49-F238E27FC236}">
+                <a16:creationId xmlns:a16="http://schemas.microsoft.com/office/drawing/2014/main" id="{0B902271-3B70-A603-0741-9EA860ACA3C3}"/>
+              </a:ext>
+            </a:extLst>
+          </p:cNvPr>
+          <p:cNvSpPr/>
+          <p:nvPr/>
+        </p:nvSpPr>
+        <p:spPr>
+          <a:xfrm>
+            <a:off x="842191" y="2412479"/>
+            <a:ext cx="5091884" cy="1454671"/>
+          </a:xfrm>
+          <a:prstGeom prst="rect">
+            <a:avLst/>
+          </a:prstGeom>
+          <a:solidFill>
+            <a:schemeClr val="bg1"/>
+          </a:solidFill>
+          <a:ln w="57150">
+            <a:solidFill>
+              <a:srgbClr val="00B0F0"/>
+            </a:solidFill>
+          </a:ln>
+        </p:spPr>
+        <p:style>
+          <a:lnRef idx="2">
+            <a:schemeClr val="accent1">
+              <a:shade val="15000"/>
+            </a:schemeClr>
+          </a:lnRef>
+          <a:fillRef idx="1">
+            <a:schemeClr val="accent1"/>
+          </a:fillRef>
+          <a:effectRef idx="0">
+            <a:schemeClr val="accent1"/>
+          </a:effectRef>
+          <a:fontRef idx="minor">
+            <a:schemeClr val="lt1"/>
+          </a:fontRef>
+        </p:style>
+        <p:txBody>
+          <a:bodyPr rtlCol="0" anchor="ctr"/>
+          <a:lstStyle/>
+          <a:p>
+            <a:pPr algn="ctr"/>
+            <a:r>
+              <a:rPr lang="fr-FR" sz="1400" b="1" dirty="0">
+                <a:solidFill>
+                  <a:srgbClr val="0070C0"/>
+                </a:solidFill>
+              </a:rPr>
+              <a:t>Facilité de prise en main du langage </a:t>
+            </a:r>
+            <a:r>
+              <a:rPr lang="fr-FR" sz="1400" dirty="0">
+                <a:solidFill>
+                  <a:srgbClr val="0070C0"/>
+                </a:solidFill>
+              </a:rPr>
+              <a:t>(vu par 95% des étudiant.es dans leurs précédentes formations)</a:t>
+            </a:r>
+          </a:p>
+          <a:p>
+            <a:pPr algn="ctr"/>
+            <a:endParaRPr lang="fr-FR" sz="1400" dirty="0">
+              <a:solidFill>
+                <a:srgbClr val="0070C0"/>
+              </a:solidFill>
+            </a:endParaRPr>
+          </a:p>
+          <a:p>
+            <a:pPr algn="ctr"/>
+            <a:r>
+              <a:rPr lang="fr-FR" sz="1400" b="1" dirty="0">
+                <a:solidFill>
+                  <a:srgbClr val="0070C0"/>
+                </a:solidFill>
+              </a:rPr>
+              <a:t>Intérêt pour les « projets » proposés</a:t>
+            </a:r>
+            <a:r>
+              <a:rPr lang="fr-FR" sz="1400" dirty="0">
+                <a:solidFill>
+                  <a:srgbClr val="0070C0"/>
+                </a:solidFill>
+              </a:rPr>
+              <a:t> car en lien avec des pratiques de leur future vie d’</a:t>
+            </a:r>
+            <a:r>
+              <a:rPr lang="fr-FR" sz="1400" dirty="0" err="1">
+                <a:solidFill>
+                  <a:srgbClr val="0070C0"/>
+                </a:solidFill>
+              </a:rPr>
+              <a:t>ingénieur.e</a:t>
+            </a:r>
+            <a:endParaRPr lang="fr-FR" sz="1400" dirty="0">
+              <a:solidFill>
+                <a:srgbClr val="0070C0"/>
+              </a:solidFill>
+            </a:endParaRPr>
+          </a:p>
+        </p:txBody>
+      </p:sp>
+      <p:sp>
+        <p:nvSpPr>
+          <p:cNvPr id="18" name="Rectangle 17">
+            <a:extLst>
+              <a:ext uri="{FF2B5EF4-FFF2-40B4-BE49-F238E27FC236}">
+                <a16:creationId xmlns:a16="http://schemas.microsoft.com/office/drawing/2014/main" id="{4D438115-571E-0006-B55F-8808850875EF}"/>
+              </a:ext>
+            </a:extLst>
+          </p:cNvPr>
+          <p:cNvSpPr/>
+          <p:nvPr/>
+        </p:nvSpPr>
+        <p:spPr>
+          <a:xfrm>
+            <a:off x="6452416" y="2412480"/>
+            <a:ext cx="5091884" cy="1454670"/>
+          </a:xfrm>
+          <a:prstGeom prst="rect">
+            <a:avLst/>
+          </a:prstGeom>
+          <a:solidFill>
+            <a:schemeClr val="bg1"/>
+          </a:solidFill>
+          <a:ln w="57150">
+            <a:solidFill>
+              <a:srgbClr val="00B0F0"/>
+            </a:solidFill>
+          </a:ln>
+        </p:spPr>
+        <p:style>
+          <a:lnRef idx="2">
+            <a:schemeClr val="accent1">
+              <a:shade val="15000"/>
+            </a:schemeClr>
+          </a:lnRef>
+          <a:fillRef idx="1">
+            <a:schemeClr val="accent1"/>
+          </a:fillRef>
+          <a:effectRef idx="0">
+            <a:schemeClr val="accent1"/>
+          </a:effectRef>
+          <a:fontRef idx="minor">
+            <a:schemeClr val="lt1"/>
+          </a:fontRef>
+        </p:style>
+        <p:txBody>
+          <a:bodyPr rtlCol="0" anchor="ctr"/>
+          <a:lstStyle/>
+          <a:p>
+            <a:pPr algn="ctr"/>
+            <a:r>
+              <a:rPr lang="fr-FR" sz="1400" b="1" dirty="0">
+                <a:solidFill>
+                  <a:srgbClr val="0070C0"/>
+                </a:solidFill>
+              </a:rPr>
+              <a:t>Plaisir à encadrer sur des sujets proches de la vie professionnelle</a:t>
+            </a:r>
+          </a:p>
+          <a:p>
+            <a:pPr algn="ctr"/>
+            <a:endParaRPr lang="fr-FR" sz="1400" b="1" dirty="0">
+              <a:solidFill>
+                <a:srgbClr val="0070C0"/>
+              </a:solidFill>
+            </a:endParaRPr>
+          </a:p>
+          <a:p>
+            <a:pPr algn="ctr"/>
+            <a:r>
+              <a:rPr lang="fr-FR" sz="1400" dirty="0">
+                <a:solidFill>
+                  <a:srgbClr val="0070C0"/>
+                </a:solidFill>
+              </a:rPr>
+              <a:t>Vacataires plus à l’aise pour encadrer </a:t>
+            </a:r>
+            <a:br>
+              <a:rPr lang="fr-FR" sz="1400" dirty="0">
+                <a:solidFill>
+                  <a:srgbClr val="0070C0"/>
+                </a:solidFill>
+              </a:rPr>
+            </a:br>
+            <a:r>
+              <a:rPr lang="fr-FR" sz="1400" dirty="0">
+                <a:solidFill>
+                  <a:srgbClr val="0070C0"/>
+                </a:solidFill>
+              </a:rPr>
+              <a:t>(habitué.es à Python depuis quelques années)</a:t>
+            </a:r>
+          </a:p>
+        </p:txBody>
+      </p:sp>
+      <p:pic>
+        <p:nvPicPr>
+          <p:cNvPr id="24" name="Image 23" descr="Une image contenant texte, capture d’écran, diagramme, cercle&#10;&#10;Description générée automatiquement">
+            <a:extLst>
+              <a:ext uri="{FF2B5EF4-FFF2-40B4-BE49-F238E27FC236}">
+                <a16:creationId xmlns:a16="http://schemas.microsoft.com/office/drawing/2014/main" id="{D7D9D662-4693-D3E3-AC3A-2531B5FF0F18}"/>
+              </a:ext>
+            </a:extLst>
+          </p:cNvPr>
+          <p:cNvPicPr>
+            <a:picLocks noChangeAspect="1"/>
+          </p:cNvPicPr>
+          <p:nvPr/>
+        </p:nvPicPr>
+        <p:blipFill>
+          <a:blip r:embed="rId3" cstate="print">
+            <a:extLst>
+              <a:ext uri="{28A0092B-C50C-407E-A947-70E740481C1C}">
+                <a14:useLocalDpi xmlns:a14="http://schemas.microsoft.com/office/drawing/2010/main" val="0"/>
+              </a:ext>
+            </a:extLst>
+          </a:blip>
+          <a:stretch>
+            <a:fillRect/>
+          </a:stretch>
+        </p:blipFill>
+        <p:spPr>
+          <a:xfrm>
+            <a:off x="1235681" y="4076403"/>
+            <a:ext cx="1688494" cy="1266371"/>
+          </a:xfrm>
+          <a:prstGeom prst="rect">
+            <a:avLst/>
+          </a:prstGeom>
+        </p:spPr>
+      </p:pic>
+      <p:sp>
+        <p:nvSpPr>
+          <p:cNvPr id="6" name="Rectangle 5">
+            <a:extLst>
+              <a:ext uri="{FF2B5EF4-FFF2-40B4-BE49-F238E27FC236}">
+                <a16:creationId xmlns:a16="http://schemas.microsoft.com/office/drawing/2014/main" id="{48636D4D-C17A-5BC6-E31E-9717A1FFD95A}"/>
+              </a:ext>
+            </a:extLst>
+          </p:cNvPr>
+          <p:cNvSpPr/>
+          <p:nvPr/>
+        </p:nvSpPr>
+        <p:spPr>
+          <a:xfrm>
+            <a:off x="3638190" y="4039826"/>
+            <a:ext cx="5091884" cy="937549"/>
+          </a:xfrm>
+          <a:prstGeom prst="rect">
+            <a:avLst/>
+          </a:prstGeom>
+          <a:solidFill>
+            <a:schemeClr val="bg1"/>
+          </a:solidFill>
+          <a:ln w="57150">
+            <a:solidFill>
+              <a:srgbClr val="00B0F0"/>
+            </a:solidFill>
+          </a:ln>
+        </p:spPr>
+        <p:style>
+          <a:lnRef idx="2">
+            <a:schemeClr val="accent1">
+              <a:shade val="15000"/>
+            </a:schemeClr>
+          </a:lnRef>
+          <a:fillRef idx="1">
+            <a:schemeClr val="accent1"/>
+          </a:fillRef>
+          <a:effectRef idx="0">
+            <a:schemeClr val="accent1"/>
+          </a:effectRef>
+          <a:fontRef idx="minor">
+            <a:schemeClr val="lt1"/>
+          </a:fontRef>
+        </p:style>
+        <p:txBody>
+          <a:bodyPr rtlCol="0" anchor="ctr"/>
+          <a:lstStyle/>
+          <a:p>
+            <a:pPr algn="ctr"/>
+            <a:r>
+              <a:rPr lang="fr-FR" sz="1400" b="1" dirty="0">
+                <a:solidFill>
+                  <a:srgbClr val="0070C0"/>
+                </a:solidFill>
+              </a:rPr>
+              <a:t>Premières approches transverses</a:t>
+            </a:r>
+          </a:p>
+          <a:p>
+            <a:pPr algn="ctr"/>
+            <a:r>
+              <a:rPr lang="fr-FR" sz="1400" dirty="0">
+                <a:solidFill>
+                  <a:srgbClr val="0070C0"/>
+                </a:solidFill>
+              </a:rPr>
+              <a:t>Problématiques approfondies dans les semestres suivants</a:t>
+            </a:r>
+          </a:p>
+        </p:txBody>
+      </p:sp>
+      <p:sp>
+        <p:nvSpPr>
+          <p:cNvPr id="10" name="Rectangle 9">
+            <a:extLst>
+              <a:ext uri="{FF2B5EF4-FFF2-40B4-BE49-F238E27FC236}">
+                <a16:creationId xmlns:a16="http://schemas.microsoft.com/office/drawing/2014/main" id="{A09A6D9C-0BD6-7511-639C-02869CEE3779}"/>
+              </a:ext>
+            </a:extLst>
+          </p:cNvPr>
+          <p:cNvSpPr/>
+          <p:nvPr/>
+        </p:nvSpPr>
+        <p:spPr>
+          <a:xfrm>
+            <a:off x="832666" y="5727375"/>
+            <a:ext cx="10711634" cy="937549"/>
+          </a:xfrm>
+          <a:prstGeom prst="rect">
+            <a:avLst/>
+          </a:prstGeom>
+          <a:solidFill>
+            <a:schemeClr val="bg1"/>
+          </a:solidFill>
+          <a:ln w="57150">
+            <a:solidFill>
+              <a:srgbClr val="002060"/>
+            </a:solidFill>
+          </a:ln>
+        </p:spPr>
+        <p:style>
+          <a:lnRef idx="2">
+            <a:schemeClr val="accent1">
+              <a:shade val="15000"/>
+            </a:schemeClr>
+          </a:lnRef>
+          <a:fillRef idx="1">
+            <a:schemeClr val="accent1"/>
+          </a:fillRef>
+          <a:effectRef idx="0">
+            <a:schemeClr val="accent1"/>
+          </a:effectRef>
+          <a:fontRef idx="minor">
+            <a:schemeClr val="lt1"/>
+          </a:fontRef>
+        </p:style>
+        <p:txBody>
+          <a:bodyPr rtlCol="0" anchor="ctr"/>
+          <a:lstStyle/>
+          <a:p>
+            <a:r>
+              <a:rPr lang="fr-FR" sz="1600" b="1" dirty="0">
+                <a:solidFill>
+                  <a:srgbClr val="002060"/>
+                </a:solidFill>
+              </a:rPr>
+              <a:t>Pratiques industrielles</a:t>
+            </a:r>
+          </a:p>
+          <a:p>
+            <a:pPr algn="ctr"/>
+            <a:r>
+              <a:rPr lang="fr-FR" sz="1600" dirty="0">
+                <a:solidFill>
+                  <a:srgbClr val="002060"/>
+                </a:solidFill>
+              </a:rPr>
+              <a:t>Comment évaluer qu’un code est de bonne qualité ? (critères)</a:t>
+            </a:r>
+          </a:p>
+          <a:p>
+            <a:pPr algn="ctr"/>
+            <a:r>
+              <a:rPr lang="fr-FR" sz="1600" dirty="0">
+                <a:solidFill>
+                  <a:srgbClr val="002060"/>
+                </a:solidFill>
+              </a:rPr>
+              <a:t>Quelle place à la modularité ? A la documentation ?</a:t>
+            </a:r>
+          </a:p>
+        </p:txBody>
+      </p:sp>
+    </p:spTree>
+    <p:extLst>
+      <p:ext uri="{BB962C8B-B14F-4D97-AF65-F5344CB8AC3E}">
+        <p14:creationId xmlns:p14="http://schemas.microsoft.com/office/powerpoint/2010/main" val="3873409633"/>
+      </p:ext>
+    </p:extLst>
+  </p:cSld>
+  <p:clrMapOvr>
+    <a:masterClrMapping/>
+  </p:clrMapOvr>
+</p:sld>
+</file>
+
+<file path=ppt/slides/slide15.xml><?xml version="1.0" encoding="utf-8"?>
 <p:sld xmlns:a="http://schemas.openxmlformats.org/drawingml/2006/main" xmlns:r="http://schemas.openxmlformats.org/officeDocument/2006/relationships" xmlns:p="http://schemas.openxmlformats.org/presentationml/2006/main">
   <p:cSld>
     <p:bg>
@@ -17197,7 +17896,7 @@
 </p:sld>
 </file>
 
-<file path=ppt/slides/slide15.xml><?xml version="1.0" encoding="utf-8"?>
+<file path=ppt/slides/slide16.xml><?xml version="1.0" encoding="utf-8"?>
 <p:sld xmlns:a="http://schemas.openxmlformats.org/drawingml/2006/main" xmlns:r="http://schemas.openxmlformats.org/officeDocument/2006/relationships" xmlns:p="http://schemas.openxmlformats.org/presentationml/2006/main">
   <p:cSld>
     <p:spTree>
@@ -19691,7 +20390,7 @@
 </p:sld>
 </file>
 
-<file path=ppt/slides/slide16.xml><?xml version="1.0" encoding="utf-8"?>
+<file path=ppt/slides/slide17.xml><?xml version="1.0" encoding="utf-8"?>
 <p:sld xmlns:a="http://schemas.openxmlformats.org/drawingml/2006/main" xmlns:r="http://schemas.openxmlformats.org/officeDocument/2006/relationships" xmlns:p="http://schemas.openxmlformats.org/presentationml/2006/main">
   <p:cSld>
     <p:bg>
@@ -20205,7 +20904,7 @@
 </p:sld>
 </file>
 
-<file path=ppt/slides/slide17.xml><?xml version="1.0" encoding="utf-8"?>
+<file path=ppt/slides/slide18.xml><?xml version="1.0" encoding="utf-8"?>
 <p:sld xmlns:a="http://schemas.openxmlformats.org/drawingml/2006/main" xmlns:r="http://schemas.openxmlformats.org/officeDocument/2006/relationships" xmlns:p="http://schemas.openxmlformats.org/presentationml/2006/main">
   <p:cSld>
     <p:spTree>
@@ -20968,7 +21667,7 @@
         <p:spPr>
           <a:xfrm>
             <a:off x="1766348" y="4970091"/>
-            <a:ext cx="9408583" cy="1015663"/>
+            <a:ext cx="9408583" cy="707886"/>
           </a:xfrm>
           <a:prstGeom prst="rect">
             <a:avLst/>
@@ -21004,16 +21703,6 @@
               <a:t>pratique en entreprise ?</a:t>
             </a:r>
           </a:p>
-          <a:p>
-            <a:pPr marL="342900" indent="-342900">
-              <a:buFontTx/>
-              <a:buChar char="-"/>
-            </a:pPr>
-            <a:r>
-              <a:rPr lang="fr-FR" sz="2000" dirty="0"/>
-              <a:t>impact RSE ?</a:t>
-            </a:r>
-          </a:p>
         </p:txBody>
       </p:sp>
       <p:sp>
@@ -21031,7 +21720,7 @@
         <p:spPr>
           <a:xfrm>
             <a:off x="1524317" y="4969087"/>
-            <a:ext cx="149912" cy="1015662"/>
+            <a:ext cx="149912" cy="707884"/>
           </a:xfrm>
           <a:prstGeom prst="rect">
             <a:avLst/>
@@ -21150,7 +21839,7 @@
         </p:nvSpPr>
         <p:spPr>
           <a:xfrm>
-            <a:off x="1260432" y="6157604"/>
+            <a:off x="1260432" y="5923924"/>
             <a:ext cx="5261443" cy="400110"/>
           </a:xfrm>
           <a:prstGeom prst="rect">
@@ -21201,7 +21890,7 @@
         </p:nvSpPr>
         <p:spPr>
           <a:xfrm rot="5400000">
-            <a:off x="845353" y="6287677"/>
+            <a:off x="845353" y="6053997"/>
             <a:ext cx="284230" cy="160486"/>
           </a:xfrm>
           <a:prstGeom prst="triangle">
@@ -21265,7 +21954,7 @@
         </p:nvCxnSpPr>
         <p:spPr>
           <a:xfrm>
-            <a:off x="514933" y="6124938"/>
+            <a:off x="514933" y="5891258"/>
             <a:ext cx="6559817" cy="0"/>
           </a:xfrm>
           <a:prstGeom prst="line">
@@ -21945,7 +22634,7 @@
         <p:spPr>
           <a:xfrm>
             <a:off x="1599273" y="5707920"/>
-            <a:ext cx="9408583" cy="923330"/>
+            <a:ext cx="9408583" cy="646331"/>
           </a:xfrm>
           <a:prstGeom prst="rect">
             <a:avLst/>
@@ -21979,16 +22668,6 @@
             <a:r>
               <a:rPr lang="fr-FR" dirty="0"/>
               <a:t>pratique en entreprise ?</a:t>
-            </a:r>
-          </a:p>
-          <a:p>
-            <a:pPr marL="342900" indent="-342900">
-              <a:buFontTx/>
-              <a:buChar char="-"/>
-            </a:pPr>
-            <a:r>
-              <a:rPr lang="fr-FR" dirty="0"/>
-              <a:t>impact RSE ?</a:t>
             </a:r>
           </a:p>
         </p:txBody>
